--- a/Presentation/Database-Bootcamp-Presentation.pptx
+++ b/Presentation/Database-Bootcamp-Presentation.pptx
@@ -7,8 +7,10 @@
   <p:sldIdLst>
     <p:sldId id="256" r:id="rId2"/>
     <p:sldId id="257" r:id="rId3"/>
-    <p:sldId id="258" r:id="rId4"/>
-    <p:sldId id="259" r:id="rId5"/>
+    <p:sldId id="260" r:id="rId4"/>
+    <p:sldId id="258" r:id="rId5"/>
+    <p:sldId id="259" r:id="rId6"/>
+    <p:sldId id="261" r:id="rId7"/>
   </p:sldIdLst>
   <p:sldSz cx="12192000" cy="6858000"/>
   <p:notesSz cx="6858000" cy="9144000"/>
@@ -107,6 +109,11 @@
       </a:defRPr>
     </a:lvl9pPr>
   </p:defaultTextStyle>
+  <p:extLst>
+    <p:ext uri="{EFAFB233-063F-42B5-8137-9DF3F51BA10A}">
+      <p15:sldGuideLst xmlns:p15="http://schemas.microsoft.com/office/powerpoint/2012/main"/>
+    </p:ext>
+  </p:extLst>
 </p:presentation>
 </file>
 
@@ -296,7 +303,7 @@
           <a:p>
             <a:fld id="{9DC1F441-9BCC-4383-B80D-68C31DF95A71}" type="datetimeFigureOut">
               <a:rPr lang="en-US" smtClean="0"/>
-              <a:t>1/2/2016</a:t>
+              <a:t>1/3/2016</a:t>
             </a:fld>
             <a:endParaRPr lang="en-US"/>
           </a:p>
@@ -576,7 +583,7 @@
           <a:p>
             <a:fld id="{9DC1F441-9BCC-4383-B80D-68C31DF95A71}" type="datetimeFigureOut">
               <a:rPr lang="en-US" smtClean="0"/>
-              <a:t>1/2/2016</a:t>
+              <a:t>1/3/2016</a:t>
             </a:fld>
             <a:endParaRPr lang="en-US"/>
           </a:p>
@@ -770,7 +777,7 @@
           <a:p>
             <a:fld id="{9DC1F441-9BCC-4383-B80D-68C31DF95A71}" type="datetimeFigureOut">
               <a:rPr lang="en-US" smtClean="0"/>
-              <a:t>1/2/2016</a:t>
+              <a:t>1/3/2016</a:t>
             </a:fld>
             <a:endParaRPr lang="en-US"/>
           </a:p>
@@ -1043,7 +1050,7 @@
           <a:p>
             <a:fld id="{9DC1F441-9BCC-4383-B80D-68C31DF95A71}" type="datetimeFigureOut">
               <a:rPr lang="en-US" smtClean="0"/>
-              <a:t>1/2/2016</a:t>
+              <a:t>1/3/2016</a:t>
             </a:fld>
             <a:endParaRPr lang="en-US"/>
           </a:p>
@@ -1384,7 +1391,7 @@
           <a:p>
             <a:fld id="{9DC1F441-9BCC-4383-B80D-68C31DF95A71}" type="datetimeFigureOut">
               <a:rPr lang="en-US" smtClean="0"/>
-              <a:t>1/2/2016</a:t>
+              <a:t>1/3/2016</a:t>
             </a:fld>
             <a:endParaRPr lang="en-US"/>
           </a:p>
@@ -2007,7 +2014,7 @@
           <a:p>
             <a:fld id="{9DC1F441-9BCC-4383-B80D-68C31DF95A71}" type="datetimeFigureOut">
               <a:rPr lang="en-US" smtClean="0"/>
-              <a:t>1/2/2016</a:t>
+              <a:t>1/3/2016</a:t>
             </a:fld>
             <a:endParaRPr lang="en-US"/>
           </a:p>
@@ -2867,7 +2874,7 @@
           <a:p>
             <a:fld id="{9DC1F441-9BCC-4383-B80D-68C31DF95A71}" type="datetimeFigureOut">
               <a:rPr lang="en-US" smtClean="0"/>
-              <a:t>1/2/2016</a:t>
+              <a:t>1/3/2016</a:t>
             </a:fld>
             <a:endParaRPr lang="en-US"/>
           </a:p>
@@ -3037,7 +3044,7 @@
           <a:p>
             <a:fld id="{9DC1F441-9BCC-4383-B80D-68C31DF95A71}" type="datetimeFigureOut">
               <a:rPr lang="en-US" smtClean="0"/>
-              <a:t>1/2/2016</a:t>
+              <a:t>1/3/2016</a:t>
             </a:fld>
             <a:endParaRPr lang="en-US"/>
           </a:p>
@@ -3217,7 +3224,7 @@
           <a:p>
             <a:fld id="{9DC1F441-9BCC-4383-B80D-68C31DF95A71}" type="datetimeFigureOut">
               <a:rPr lang="en-US" smtClean="0"/>
-              <a:t>1/2/2016</a:t>
+              <a:t>1/3/2016</a:t>
             </a:fld>
             <a:endParaRPr lang="en-US"/>
           </a:p>
@@ -3392,7 +3399,7 @@
           <a:p>
             <a:fld id="{9DC1F441-9BCC-4383-B80D-68C31DF95A71}" type="datetimeFigureOut">
               <a:rPr lang="en-US" smtClean="0"/>
-              <a:t>1/2/2016</a:t>
+              <a:t>1/3/2016</a:t>
             </a:fld>
             <a:endParaRPr lang="en-US"/>
           </a:p>
@@ -3639,7 +3646,7 @@
           <a:p>
             <a:fld id="{9DC1F441-9BCC-4383-B80D-68C31DF95A71}" type="datetimeFigureOut">
               <a:rPr lang="en-US" smtClean="0"/>
-              <a:t>1/2/2016</a:t>
+              <a:t>1/3/2016</a:t>
             </a:fld>
             <a:endParaRPr lang="en-US"/>
           </a:p>
@@ -3936,7 +3943,7 @@
           <a:p>
             <a:fld id="{9DC1F441-9BCC-4383-B80D-68C31DF95A71}" type="datetimeFigureOut">
               <a:rPr lang="en-US" smtClean="0"/>
-              <a:t>1/2/2016</a:t>
+              <a:t>1/3/2016</a:t>
             </a:fld>
             <a:endParaRPr lang="en-US"/>
           </a:p>
@@ -4380,7 +4387,7 @@
           <a:p>
             <a:fld id="{9DC1F441-9BCC-4383-B80D-68C31DF95A71}" type="datetimeFigureOut">
               <a:rPr lang="en-US" smtClean="0"/>
-              <a:t>1/2/2016</a:t>
+              <a:t>1/3/2016</a:t>
             </a:fld>
             <a:endParaRPr lang="en-US"/>
           </a:p>
@@ -4498,7 +4505,7 @@
           <a:p>
             <a:fld id="{9DC1F441-9BCC-4383-B80D-68C31DF95A71}" type="datetimeFigureOut">
               <a:rPr lang="en-US" smtClean="0"/>
-              <a:t>1/2/2016</a:t>
+              <a:t>1/3/2016</a:t>
             </a:fld>
             <a:endParaRPr lang="en-US"/>
           </a:p>
@@ -4593,7 +4600,7 @@
           <a:p>
             <a:fld id="{9DC1F441-9BCC-4383-B80D-68C31DF95A71}" type="datetimeFigureOut">
               <a:rPr lang="en-US" smtClean="0"/>
-              <a:t>1/2/2016</a:t>
+              <a:t>1/3/2016</a:t>
             </a:fld>
             <a:endParaRPr lang="en-US"/>
           </a:p>
@@ -4877,7 +4884,7 @@
           <a:p>
             <a:fld id="{9DC1F441-9BCC-4383-B80D-68C31DF95A71}" type="datetimeFigureOut">
               <a:rPr lang="en-US" smtClean="0"/>
-              <a:t>1/2/2016</a:t>
+              <a:t>1/3/2016</a:t>
             </a:fld>
             <a:endParaRPr lang="en-US"/>
           </a:p>
@@ -5157,7 +5164,7 @@
           <a:p>
             <a:fld id="{9DC1F441-9BCC-4383-B80D-68C31DF95A71}" type="datetimeFigureOut">
               <a:rPr lang="en-US" smtClean="0"/>
-              <a:t>1/2/2016</a:t>
+              <a:t>1/3/2016</a:t>
             </a:fld>
             <a:endParaRPr lang="en-US"/>
           </a:p>
@@ -5586,7 +5593,7 @@
           <a:p>
             <a:fld id="{9DC1F441-9BCC-4383-B80D-68C31DF95A71}" type="datetimeFigureOut">
               <a:rPr lang="en-US" smtClean="0"/>
-              <a:t>1/2/2016</a:t>
+              <a:t>1/3/2016</a:t>
             </a:fld>
             <a:endParaRPr lang="en-US"/>
           </a:p>
@@ -6269,7 +6276,11 @@
             <a:pPr lvl="1"/>
             <a:r>
               <a:rPr lang="en-US" dirty="0" smtClean="0"/>
-              <a:t>Take away from this </a:t>
+              <a:t>Expectations from </a:t>
+            </a:r>
+            <a:r>
+              <a:rPr lang="en-US" dirty="0" smtClean="0"/>
+              <a:t>this </a:t>
             </a:r>
             <a:r>
               <a:rPr lang="en-US" dirty="0" err="1" smtClean="0"/>
@@ -6326,7 +6337,7 @@
           <a:p>
             <a:r>
               <a:rPr lang="en-US" dirty="0" smtClean="0"/>
-              <a:t>DB in daily use</a:t>
+              <a:t>Lets start!</a:t>
             </a:r>
             <a:endParaRPr lang="en-US" dirty="0"/>
           </a:p>
@@ -6349,60 +6360,28 @@
           <a:p>
             <a:r>
               <a:rPr lang="en-US" dirty="0" smtClean="0"/>
-              <a:t>Search engines</a:t>
+              <a:t>DB around us</a:t>
             </a:r>
           </a:p>
           <a:p>
             <a:r>
               <a:rPr lang="en-US" dirty="0" smtClean="0"/>
-              <a:t>Android/iOS</a:t>
+              <a:t>Why MySQL</a:t>
             </a:r>
           </a:p>
           <a:p>
             <a:r>
               <a:rPr lang="en-US" dirty="0" smtClean="0"/>
-              <a:t>Browsers</a:t>
-            </a:r>
-          </a:p>
-          <a:p>
-            <a:r>
-              <a:rPr lang="en-US" dirty="0" smtClean="0"/>
-              <a:t>Excel/Access</a:t>
-            </a:r>
-          </a:p>
-          <a:p>
-            <a:r>
-              <a:rPr lang="en-US" dirty="0" smtClean="0"/>
-              <a:t>Email systems</a:t>
-            </a:r>
-          </a:p>
-          <a:p>
-            <a:r>
-              <a:rPr lang="en-US" dirty="0" smtClean="0"/>
-              <a:t>Social media</a:t>
-            </a:r>
-          </a:p>
-          <a:p>
-            <a:pPr marL="0" indent="0">
-              <a:buNone/>
-            </a:pPr>
+              <a:t>Let’s install MySQL!</a:t>
+            </a:r>
             <a:endParaRPr lang="en-US" dirty="0"/>
-          </a:p>
-          <a:p>
-            <a:pPr marL="0" indent="0">
-              <a:buNone/>
-            </a:pPr>
-            <a:r>
-              <a:rPr lang="en-US" dirty="0" smtClean="0"/>
-              <a:t>Many products that we use today store data in databases. It’s all around us.</a:t>
-            </a:r>
           </a:p>
         </p:txBody>
       </p:sp>
     </p:spTree>
     <p:extLst>
       <p:ext uri="{BB962C8B-B14F-4D97-AF65-F5344CB8AC3E}">
-        <p14:creationId xmlns:p14="http://schemas.microsoft.com/office/powerpoint/2010/main" val="3118407676"/>
+        <p14:creationId xmlns:p14="http://schemas.microsoft.com/office/powerpoint/2010/main" val="2124208653"/>
       </p:ext>
     </p:extLst>
   </p:cSld>
@@ -6446,7 +6425,127 @@
           <a:p>
             <a:r>
               <a:rPr lang="en-US" dirty="0" smtClean="0"/>
-              <a:t>MySQL</a:t>
+              <a:t>DB in daily use</a:t>
+            </a:r>
+            <a:endParaRPr lang="en-US" dirty="0"/>
+          </a:p>
+        </p:txBody>
+      </p:sp>
+      <p:sp>
+        <p:nvSpPr>
+          <p:cNvPr id="3" name="Content Placeholder 2"/>
+          <p:cNvSpPr>
+            <a:spLocks noGrp="1"/>
+          </p:cNvSpPr>
+          <p:nvPr>
+            <p:ph idx="1"/>
+          </p:nvPr>
+        </p:nvSpPr>
+        <p:spPr/>
+        <p:txBody>
+          <a:bodyPr/>
+          <a:lstStyle/>
+          <a:p>
+            <a:r>
+              <a:rPr lang="en-US" dirty="0" smtClean="0"/>
+              <a:t>Search engines</a:t>
+            </a:r>
+          </a:p>
+          <a:p>
+            <a:r>
+              <a:rPr lang="en-US" dirty="0" smtClean="0"/>
+              <a:t>Android/iOS</a:t>
+            </a:r>
+          </a:p>
+          <a:p>
+            <a:r>
+              <a:rPr lang="en-US" dirty="0" smtClean="0"/>
+              <a:t>Browsers</a:t>
+            </a:r>
+          </a:p>
+          <a:p>
+            <a:r>
+              <a:rPr lang="en-US" dirty="0" smtClean="0"/>
+              <a:t>Excel/Access</a:t>
+            </a:r>
+          </a:p>
+          <a:p>
+            <a:r>
+              <a:rPr lang="en-US" dirty="0" smtClean="0"/>
+              <a:t>Email systems</a:t>
+            </a:r>
+          </a:p>
+          <a:p>
+            <a:r>
+              <a:rPr lang="en-US" dirty="0" smtClean="0"/>
+              <a:t>Social media</a:t>
+            </a:r>
+          </a:p>
+          <a:p>
+            <a:pPr marL="0" indent="0">
+              <a:buNone/>
+            </a:pPr>
+            <a:endParaRPr lang="en-US" dirty="0"/>
+          </a:p>
+          <a:p>
+            <a:pPr marL="0" indent="0">
+              <a:buNone/>
+            </a:pPr>
+            <a:r>
+              <a:rPr lang="en-US" dirty="0" smtClean="0"/>
+              <a:t>Many products that we use today store data in databases. It’s all around us.</a:t>
+            </a:r>
+          </a:p>
+        </p:txBody>
+      </p:sp>
+    </p:spTree>
+    <p:extLst>
+      <p:ext uri="{BB962C8B-B14F-4D97-AF65-F5344CB8AC3E}">
+        <p14:creationId xmlns:p14="http://schemas.microsoft.com/office/powerpoint/2010/main" val="3118407676"/>
+      </p:ext>
+    </p:extLst>
+  </p:cSld>
+  <p:clrMapOvr>
+    <a:masterClrMapping/>
+  </p:clrMapOvr>
+</p:sld>
+</file>
+
+<file path=ppt/slides/slide5.xml><?xml version="1.0" encoding="utf-8"?>
+<p:sld xmlns:a="http://schemas.openxmlformats.org/drawingml/2006/main" xmlns:r="http://schemas.openxmlformats.org/officeDocument/2006/relationships" xmlns:p="http://schemas.openxmlformats.org/presentationml/2006/main">
+  <p:cSld>
+    <p:spTree>
+      <p:nvGrpSpPr>
+        <p:cNvPr id="1" name=""/>
+        <p:cNvGrpSpPr/>
+        <p:nvPr/>
+      </p:nvGrpSpPr>
+      <p:grpSpPr>
+        <a:xfrm>
+          <a:off x="0" y="0"/>
+          <a:ext cx="0" cy="0"/>
+          <a:chOff x="0" y="0"/>
+          <a:chExt cx="0" cy="0"/>
+        </a:xfrm>
+      </p:grpSpPr>
+      <p:sp>
+        <p:nvSpPr>
+          <p:cNvPr id="2" name="Title 1"/>
+          <p:cNvSpPr>
+            <a:spLocks noGrp="1"/>
+          </p:cNvSpPr>
+          <p:nvPr>
+            <p:ph type="title"/>
+          </p:nvPr>
+        </p:nvSpPr>
+        <p:spPr/>
+        <p:txBody>
+          <a:bodyPr/>
+          <a:lstStyle/>
+          <a:p>
+            <a:r>
+              <a:rPr lang="en-US" dirty="0" smtClean="0"/>
+              <a:t>Why MySQL</a:t>
             </a:r>
             <a:endParaRPr lang="en-US" dirty="0"/>
           </a:p>
@@ -6487,7 +6586,17 @@
           <a:p>
             <a:r>
               <a:rPr lang="en-US" dirty="0" smtClean="0"/>
-              <a:t>Easily available</a:t>
+              <a:t>Easily </a:t>
+            </a:r>
+            <a:r>
+              <a:rPr lang="en-US" dirty="0" smtClean="0"/>
+              <a:t>available</a:t>
+            </a:r>
+          </a:p>
+          <a:p>
+            <a:r>
+              <a:rPr lang="en-US" dirty="0" smtClean="0"/>
+              <a:t>Great community support</a:t>
             </a:r>
             <a:endParaRPr lang="en-US" dirty="0"/>
           </a:p>
@@ -6497,6 +6606,85 @@
     <p:extLst>
       <p:ext uri="{BB962C8B-B14F-4D97-AF65-F5344CB8AC3E}">
         <p14:creationId xmlns:p14="http://schemas.microsoft.com/office/powerpoint/2010/main" val="451513678"/>
+      </p:ext>
+    </p:extLst>
+  </p:cSld>
+  <p:clrMapOvr>
+    <a:masterClrMapping/>
+  </p:clrMapOvr>
+</p:sld>
+</file>
+
+<file path=ppt/slides/slide6.xml><?xml version="1.0" encoding="utf-8"?>
+<p:sld xmlns:a="http://schemas.openxmlformats.org/drawingml/2006/main" xmlns:r="http://schemas.openxmlformats.org/officeDocument/2006/relationships" xmlns:p="http://schemas.openxmlformats.org/presentationml/2006/main">
+  <p:cSld>
+    <p:spTree>
+      <p:nvGrpSpPr>
+        <p:cNvPr id="1" name=""/>
+        <p:cNvGrpSpPr/>
+        <p:nvPr/>
+      </p:nvGrpSpPr>
+      <p:grpSpPr>
+        <a:xfrm>
+          <a:off x="0" y="0"/>
+          <a:ext cx="0" cy="0"/>
+          <a:chOff x="0" y="0"/>
+          <a:chExt cx="0" cy="0"/>
+        </a:xfrm>
+      </p:grpSpPr>
+      <p:sp>
+        <p:nvSpPr>
+          <p:cNvPr id="2" name="Title 1"/>
+          <p:cNvSpPr>
+            <a:spLocks noGrp="1"/>
+          </p:cNvSpPr>
+          <p:nvPr>
+            <p:ph type="title"/>
+          </p:nvPr>
+        </p:nvSpPr>
+        <p:spPr/>
+        <p:txBody>
+          <a:bodyPr/>
+          <a:lstStyle/>
+          <a:p>
+            <a:r>
+              <a:rPr lang="en-US" dirty="0" smtClean="0"/>
+              <a:t>Installing MySQL</a:t>
+            </a:r>
+            <a:endParaRPr lang="en-US" dirty="0"/>
+          </a:p>
+        </p:txBody>
+      </p:sp>
+      <p:sp>
+        <p:nvSpPr>
+          <p:cNvPr id="3" name="Content Placeholder 2"/>
+          <p:cNvSpPr>
+            <a:spLocks noGrp="1"/>
+          </p:cNvSpPr>
+          <p:nvPr>
+            <p:ph idx="1"/>
+          </p:nvPr>
+        </p:nvSpPr>
+        <p:spPr/>
+        <p:txBody>
+          <a:bodyPr/>
+          <a:lstStyle/>
+          <a:p>
+            <a:r>
+              <a:rPr lang="en-US" dirty="0" smtClean="0"/>
+              <a:t>http</a:t>
+            </a:r>
+            <a:r>
+              <a:rPr lang="en-US" dirty="0"/>
+              <a:t>://zedfox.us/index.php/2016/01/install-mysql-5-7-on-windows-10/</a:t>
+            </a:r>
+          </a:p>
+        </p:txBody>
+      </p:sp>
+    </p:spTree>
+    <p:extLst>
+      <p:ext uri="{BB962C8B-B14F-4D97-AF65-F5344CB8AC3E}">
+        <p14:creationId xmlns:p14="http://schemas.microsoft.com/office/powerpoint/2010/main" val="1321342305"/>
       </p:ext>
     </p:extLst>
   </p:cSld>

--- a/Presentation/Database-Bootcamp-Presentation.pptx
+++ b/Presentation/Database-Bootcamp-Presentation.pptx
@@ -6,11 +6,15 @@
   </p:sldMasterIdLst>
   <p:sldIdLst>
     <p:sldId id="256" r:id="rId2"/>
-    <p:sldId id="257" r:id="rId3"/>
-    <p:sldId id="260" r:id="rId4"/>
+    <p:sldId id="260" r:id="rId3"/>
+    <p:sldId id="257" r:id="rId4"/>
     <p:sldId id="258" r:id="rId5"/>
     <p:sldId id="259" r:id="rId6"/>
     <p:sldId id="261" r:id="rId7"/>
+    <p:sldId id="262" r:id="rId8"/>
+    <p:sldId id="263" r:id="rId9"/>
+    <p:sldId id="264" r:id="rId10"/>
+    <p:sldId id="265" r:id="rId11"/>
   </p:sldIdLst>
   <p:sldSz cx="12192000" cy="6858000"/>
   <p:notesSz cx="6858000" cy="9144000"/>
@@ -6185,6 +6189,174 @@
 </p:sld>
 </file>
 
+<file path=ppt/slides/slide10.xml><?xml version="1.0" encoding="utf-8"?>
+<p:sld xmlns:a="http://schemas.openxmlformats.org/drawingml/2006/main" xmlns:r="http://schemas.openxmlformats.org/officeDocument/2006/relationships" xmlns:p="http://schemas.openxmlformats.org/presentationml/2006/main">
+  <p:cSld>
+    <p:spTree>
+      <p:nvGrpSpPr>
+        <p:cNvPr id="1" name=""/>
+        <p:cNvGrpSpPr/>
+        <p:nvPr/>
+      </p:nvGrpSpPr>
+      <p:grpSpPr>
+        <a:xfrm>
+          <a:off x="0" y="0"/>
+          <a:ext cx="0" cy="0"/>
+          <a:chOff x="0" y="0"/>
+          <a:chExt cx="0" cy="0"/>
+        </a:xfrm>
+      </p:grpSpPr>
+      <p:sp>
+        <p:nvSpPr>
+          <p:cNvPr id="2" name="Title 1"/>
+          <p:cNvSpPr>
+            <a:spLocks noGrp="1"/>
+          </p:cNvSpPr>
+          <p:nvPr>
+            <p:ph type="title"/>
+          </p:nvPr>
+        </p:nvSpPr>
+        <p:spPr/>
+        <p:txBody>
+          <a:bodyPr/>
+          <a:lstStyle/>
+          <a:p>
+            <a:r>
+              <a:rPr lang="en-US" dirty="0" smtClean="0"/>
+              <a:t>Database terminologies</a:t>
+            </a:r>
+            <a:endParaRPr lang="en-US" dirty="0"/>
+          </a:p>
+        </p:txBody>
+      </p:sp>
+      <p:sp>
+        <p:nvSpPr>
+          <p:cNvPr id="3" name="Content Placeholder 2"/>
+          <p:cNvSpPr>
+            <a:spLocks noGrp="1"/>
+          </p:cNvSpPr>
+          <p:nvPr>
+            <p:ph idx="1"/>
+          </p:nvPr>
+        </p:nvSpPr>
+        <p:spPr>
+          <a:xfrm>
+            <a:off x="1103312" y="2052918"/>
+            <a:ext cx="8946541" cy="4628298"/>
+          </a:xfrm>
+        </p:spPr>
+        <p:txBody>
+          <a:bodyPr/>
+          <a:lstStyle/>
+          <a:p>
+            <a:r>
+              <a:rPr lang="en-US" dirty="0"/>
+              <a:t>Server: Operating </a:t>
+            </a:r>
+            <a:r>
+              <a:rPr lang="en-US" dirty="0" smtClean="0"/>
+              <a:t>System (e.g. Windows/Linux)</a:t>
+            </a:r>
+            <a:endParaRPr lang="en-US" dirty="0"/>
+          </a:p>
+          <a:p>
+            <a:r>
+              <a:rPr lang="en-US" dirty="0"/>
+              <a:t>Server: Database </a:t>
+            </a:r>
+            <a:r>
+              <a:rPr lang="en-US" dirty="0" smtClean="0"/>
+              <a:t>server (e.g. MySQL)</a:t>
+            </a:r>
+            <a:endParaRPr lang="en-US" dirty="0"/>
+          </a:p>
+          <a:p>
+            <a:r>
+              <a:rPr lang="en-US" dirty="0"/>
+              <a:t>Database </a:t>
+            </a:r>
+            <a:r>
+              <a:rPr lang="en-US" dirty="0" smtClean="0"/>
+              <a:t>instance (e.g. MySQL57 service)</a:t>
+            </a:r>
+          </a:p>
+          <a:p>
+            <a:r>
+              <a:rPr lang="en-US" dirty="0" smtClean="0"/>
+              <a:t>Schema and schema objects </a:t>
+            </a:r>
+            <a:r>
+              <a:rPr lang="en-US" b="1" dirty="0" smtClean="0"/>
+              <a:t>(replication happens here)</a:t>
+            </a:r>
+          </a:p>
+          <a:p>
+            <a:endParaRPr lang="en-US" dirty="0"/>
+          </a:p>
+          <a:p>
+            <a:r>
+              <a:rPr lang="en-US" dirty="0" smtClean="0"/>
+              <a:t>SQL Server has:</a:t>
+            </a:r>
+          </a:p>
+          <a:p>
+            <a:pPr lvl="1"/>
+            <a:r>
+              <a:rPr lang="en-US" dirty="0" smtClean="0"/>
+              <a:t>OS</a:t>
+            </a:r>
+          </a:p>
+          <a:p>
+            <a:pPr lvl="1"/>
+            <a:r>
+              <a:rPr lang="en-US" dirty="0" smtClean="0"/>
+              <a:t>DB server</a:t>
+            </a:r>
+          </a:p>
+          <a:p>
+            <a:pPr lvl="1"/>
+            <a:r>
+              <a:rPr lang="en-US" dirty="0" smtClean="0"/>
+              <a:t>DB instance</a:t>
+            </a:r>
+          </a:p>
+          <a:p>
+            <a:pPr lvl="1"/>
+            <a:r>
+              <a:rPr lang="en-US" b="1" dirty="0" smtClean="0"/>
+              <a:t>Database name (notice this extra layer)</a:t>
+            </a:r>
+          </a:p>
+          <a:p>
+            <a:pPr lvl="1"/>
+            <a:r>
+              <a:rPr lang="en-US" dirty="0" smtClean="0"/>
+              <a:t>Schema and schema objects </a:t>
+            </a:r>
+            <a:r>
+              <a:rPr lang="en-US" b="1" dirty="0" smtClean="0"/>
+              <a:t>(replication happens here)</a:t>
+            </a:r>
+          </a:p>
+          <a:p>
+            <a:pPr lvl="1"/>
+            <a:endParaRPr lang="en-US" dirty="0" smtClean="0"/>
+          </a:p>
+        </p:txBody>
+      </p:sp>
+    </p:spTree>
+    <p:extLst>
+      <p:ext uri="{BB962C8B-B14F-4D97-AF65-F5344CB8AC3E}">
+        <p14:creationId xmlns:p14="http://schemas.microsoft.com/office/powerpoint/2010/main" val="1603048806"/>
+      </p:ext>
+    </p:extLst>
+  </p:cSld>
+  <p:clrMapOvr>
+    <a:masterClrMapping/>
+  </p:clrMapOvr>
+</p:sld>
+</file>
+
 <file path=ppt/slides/slide2.xml><?xml version="1.0" encoding="utf-8"?>
 <p:sld xmlns:a="http://schemas.openxmlformats.org/drawingml/2006/main" xmlns:r="http://schemas.openxmlformats.org/officeDocument/2006/relationships" xmlns:p="http://schemas.openxmlformats.org/presentationml/2006/main">
   <p:cSld>
@@ -6219,72 +6391,52 @@
           <a:p>
             <a:r>
               <a:rPr lang="en-US" dirty="0" smtClean="0"/>
+              <a:t>Day 1</a:t>
+            </a:r>
+            <a:endParaRPr lang="en-US" dirty="0"/>
+          </a:p>
+        </p:txBody>
+      </p:sp>
+      <p:sp>
+        <p:nvSpPr>
+          <p:cNvPr id="3" name="Content Placeholder 2"/>
+          <p:cNvSpPr>
+            <a:spLocks noGrp="1"/>
+          </p:cNvSpPr>
+          <p:nvPr>
+            <p:ph idx="1"/>
+          </p:nvPr>
+        </p:nvSpPr>
+        <p:spPr/>
+        <p:txBody>
+          <a:bodyPr/>
+          <a:lstStyle/>
+          <a:p>
+            <a:r>
+              <a:rPr lang="en-US" dirty="0" smtClean="0"/>
               <a:t>Introductions</a:t>
             </a:r>
-            <a:endParaRPr lang="en-US" dirty="0"/>
-          </a:p>
-        </p:txBody>
-      </p:sp>
-      <p:sp>
-        <p:nvSpPr>
-          <p:cNvPr id="3" name="Content Placeholder 2"/>
-          <p:cNvSpPr>
-            <a:spLocks noGrp="1"/>
-          </p:cNvSpPr>
-          <p:nvPr>
-            <p:ph idx="1"/>
-          </p:nvPr>
-        </p:nvSpPr>
-        <p:spPr/>
-        <p:txBody>
-          <a:bodyPr/>
-          <a:lstStyle/>
+          </a:p>
           <a:p>
             <a:r>
               <a:rPr lang="en-US" dirty="0" smtClean="0"/>
-              <a:t>Who am I ?</a:t>
-            </a:r>
-          </a:p>
-          <a:p>
+              <a:t>DB </a:t>
+            </a:r>
             <a:r>
               <a:rPr lang="en-US" dirty="0" smtClean="0"/>
-              <a:t>Why database </a:t>
-            </a:r>
-            <a:r>
-              <a:rPr lang="en-US" dirty="0" err="1" smtClean="0"/>
-              <a:t>bootcamp</a:t>
-            </a:r>
+              <a:t>around us</a:t>
+            </a:r>
+          </a:p>
+          <a:p>
             <a:r>
               <a:rPr lang="en-US" dirty="0" smtClean="0"/>
-              <a:t> ?</a:t>
+              <a:t>Why MySQL</a:t>
             </a:r>
           </a:p>
           <a:p>
             <a:r>
               <a:rPr lang="en-US" dirty="0" smtClean="0"/>
-              <a:t>Tell me something about you</a:t>
-            </a:r>
-          </a:p>
-          <a:p>
-            <a:pPr lvl="1"/>
-            <a:r>
-              <a:rPr lang="en-US" dirty="0" smtClean="0"/>
-              <a:t>Name &amp; organization</a:t>
-            </a:r>
-          </a:p>
-          <a:p>
-            <a:pPr lvl="1"/>
-            <a:r>
-              <a:rPr lang="en-US" dirty="0" smtClean="0"/>
-              <a:t>Expectations from </a:t>
-            </a:r>
-            <a:r>
-              <a:rPr lang="en-US" dirty="0" smtClean="0"/>
-              <a:t>this </a:t>
-            </a:r>
-            <a:r>
-              <a:rPr lang="en-US" dirty="0" err="1" smtClean="0"/>
-              <a:t>bootcamp</a:t>
+              <a:t>Let’s install MySQL!</a:t>
             </a:r>
             <a:endParaRPr lang="en-US" dirty="0"/>
           </a:p>
@@ -6293,7 +6445,7 @@
     </p:spTree>
     <p:extLst>
       <p:ext uri="{BB962C8B-B14F-4D97-AF65-F5344CB8AC3E}">
-        <p14:creationId xmlns:p14="http://schemas.microsoft.com/office/powerpoint/2010/main" val="4293307980"/>
+        <p14:creationId xmlns:p14="http://schemas.microsoft.com/office/powerpoint/2010/main" val="2124208653"/>
       </p:ext>
     </p:extLst>
   </p:cSld>
@@ -6337,7 +6489,7 @@
           <a:p>
             <a:r>
               <a:rPr lang="en-US" dirty="0" smtClean="0"/>
-              <a:t>Lets start!</a:t>
+              <a:t>Introductions</a:t>
             </a:r>
             <a:endParaRPr lang="en-US" dirty="0"/>
           </a:p>
@@ -6360,19 +6512,45 @@
           <a:p>
             <a:r>
               <a:rPr lang="en-US" dirty="0" smtClean="0"/>
-              <a:t>DB around us</a:t>
+              <a:t>Who am I ?</a:t>
             </a:r>
           </a:p>
           <a:p>
             <a:r>
               <a:rPr lang="en-US" dirty="0" smtClean="0"/>
-              <a:t>Why MySQL</a:t>
-            </a:r>
-          </a:p>
-          <a:p>
+              <a:t>Why database </a:t>
+            </a:r>
+            <a:r>
+              <a:rPr lang="en-US" dirty="0" err="1" smtClean="0"/>
+              <a:t>bootcamp</a:t>
+            </a:r>
             <a:r>
               <a:rPr lang="en-US" dirty="0" smtClean="0"/>
-              <a:t>Let’s install MySQL!</a:t>
+              <a:t> ?</a:t>
+            </a:r>
+          </a:p>
+          <a:p>
+            <a:r>
+              <a:rPr lang="en-US" dirty="0" smtClean="0"/>
+              <a:t>Tell me something about you</a:t>
+            </a:r>
+          </a:p>
+          <a:p>
+            <a:pPr lvl="1"/>
+            <a:r>
+              <a:rPr lang="en-US" dirty="0" smtClean="0"/>
+              <a:t>Name &amp; organization</a:t>
+            </a:r>
+          </a:p>
+          <a:p>
+            <a:pPr lvl="1"/>
+            <a:r>
+              <a:rPr lang="en-US" dirty="0" smtClean="0"/>
+              <a:t>Expectations from this </a:t>
+            </a:r>
+            <a:r>
+              <a:rPr lang="en-US" dirty="0" err="1" smtClean="0"/>
+              <a:t>bootcamp</a:t>
             </a:r>
             <a:endParaRPr lang="en-US" dirty="0"/>
           </a:p>
@@ -6381,7 +6559,7 @@
     </p:spTree>
     <p:extLst>
       <p:ext uri="{BB962C8B-B14F-4D97-AF65-F5344CB8AC3E}">
-        <p14:creationId xmlns:p14="http://schemas.microsoft.com/office/powerpoint/2010/main" val="2124208653"/>
+        <p14:creationId xmlns:p14="http://schemas.microsoft.com/office/powerpoint/2010/main" val="4293307980"/>
       </p:ext>
     </p:extLst>
   </p:cSld>
@@ -6586,11 +6764,7 @@
           <a:p>
             <a:r>
               <a:rPr lang="en-US" dirty="0" smtClean="0"/>
-              <a:t>Easily </a:t>
-            </a:r>
-            <a:r>
-              <a:rPr lang="en-US" dirty="0" smtClean="0"/>
-              <a:t>available</a:t>
+              <a:t>Easily available</a:t>
             </a:r>
           </a:p>
           <a:p>
@@ -6671,13 +6845,71 @@
           <a:lstStyle/>
           <a:p>
             <a:r>
+              <a:rPr lang="en-US" dirty="0" smtClean="0">
+                <a:hlinkClick r:id="rId2"/>
+              </a:rPr>
+              <a:t>http</a:t>
+            </a:r>
+            <a:r>
+              <a:rPr lang="en-US" dirty="0">
+                <a:hlinkClick r:id="rId2"/>
+              </a:rPr>
+              <a:t>://zedfox.us/blog/install-mysql-5-7-on-windows-10</a:t>
+            </a:r>
+            <a:r>
+              <a:rPr lang="en-US" dirty="0" smtClean="0">
+                <a:hlinkClick r:id="rId2"/>
+              </a:rPr>
+              <a:t>/</a:t>
+            </a:r>
+            <a:r>
               <a:rPr lang="en-US" dirty="0" smtClean="0"/>
-              <a:t>http</a:t>
-            </a:r>
-            <a:r>
-              <a:rPr lang="en-US" dirty="0"/>
-              <a:t>://zedfox.us/index.php/2016/01/install-mysql-5-7-on-windows-10/</a:t>
-            </a:r>
+              <a:t> for Windows users</a:t>
+            </a:r>
+          </a:p>
+          <a:p>
+            <a:r>
+              <a:rPr lang="en-US" dirty="0" smtClean="0"/>
+              <a:t>I’ll assist Mac and GNU/Linux users</a:t>
+            </a:r>
+          </a:p>
+          <a:p>
+            <a:r>
+              <a:rPr lang="en-US" dirty="0" smtClean="0"/>
+              <a:t>What to install?</a:t>
+            </a:r>
+          </a:p>
+          <a:p>
+            <a:pPr lvl="1"/>
+            <a:r>
+              <a:rPr lang="en-US" dirty="0" smtClean="0"/>
+              <a:t>Server</a:t>
+            </a:r>
+          </a:p>
+          <a:p>
+            <a:pPr lvl="1"/>
+            <a:r>
+              <a:rPr lang="en-US" dirty="0" smtClean="0"/>
+              <a:t>Workbench</a:t>
+            </a:r>
+          </a:p>
+          <a:p>
+            <a:pPr lvl="1"/>
+            <a:r>
+              <a:rPr lang="en-US" dirty="0" smtClean="0"/>
+              <a:t>Sample</a:t>
+            </a:r>
+          </a:p>
+          <a:p>
+            <a:pPr lvl="1"/>
+            <a:r>
+              <a:rPr lang="en-US" dirty="0" smtClean="0"/>
+              <a:t>Documentation (optional)</a:t>
+            </a:r>
+          </a:p>
+          <a:p>
+            <a:pPr lvl="1"/>
+            <a:endParaRPr lang="en-US" dirty="0"/>
           </a:p>
         </p:txBody>
       </p:sp>
@@ -6685,6 +6917,376 @@
     <p:extLst>
       <p:ext uri="{BB962C8B-B14F-4D97-AF65-F5344CB8AC3E}">
         <p14:creationId xmlns:p14="http://schemas.microsoft.com/office/powerpoint/2010/main" val="1321342305"/>
+      </p:ext>
+    </p:extLst>
+  </p:cSld>
+  <p:clrMapOvr>
+    <a:masterClrMapping/>
+  </p:clrMapOvr>
+</p:sld>
+</file>
+
+<file path=ppt/slides/slide7.xml><?xml version="1.0" encoding="utf-8"?>
+<p:sld xmlns:a="http://schemas.openxmlformats.org/drawingml/2006/main" xmlns:r="http://schemas.openxmlformats.org/officeDocument/2006/relationships" xmlns:p="http://schemas.openxmlformats.org/presentationml/2006/main">
+  <p:cSld>
+    <p:spTree>
+      <p:nvGrpSpPr>
+        <p:cNvPr id="1" name=""/>
+        <p:cNvGrpSpPr/>
+        <p:nvPr/>
+      </p:nvGrpSpPr>
+      <p:grpSpPr>
+        <a:xfrm>
+          <a:off x="0" y="0"/>
+          <a:ext cx="0" cy="0"/>
+          <a:chOff x="0" y="0"/>
+          <a:chExt cx="0" cy="0"/>
+        </a:xfrm>
+      </p:grpSpPr>
+      <p:sp>
+        <p:nvSpPr>
+          <p:cNvPr id="2" name="Title 1"/>
+          <p:cNvSpPr>
+            <a:spLocks noGrp="1"/>
+          </p:cNvSpPr>
+          <p:nvPr>
+            <p:ph type="title"/>
+          </p:nvPr>
+        </p:nvSpPr>
+        <p:spPr/>
+        <p:txBody>
+          <a:bodyPr/>
+          <a:lstStyle/>
+          <a:p>
+            <a:r>
+              <a:rPr lang="en-US" dirty="0" smtClean="0"/>
+              <a:t>Day 2: Exploring database</a:t>
+            </a:r>
+            <a:endParaRPr lang="en-US" dirty="0"/>
+          </a:p>
+        </p:txBody>
+      </p:sp>
+      <p:sp>
+        <p:nvSpPr>
+          <p:cNvPr id="3" name="Content Placeholder 2"/>
+          <p:cNvSpPr>
+            <a:spLocks noGrp="1"/>
+          </p:cNvSpPr>
+          <p:nvPr>
+            <p:ph idx="1"/>
+          </p:nvPr>
+        </p:nvSpPr>
+        <p:spPr>
+          <a:xfrm>
+            <a:off x="1103312" y="2052918"/>
+            <a:ext cx="8946541" cy="4262538"/>
+          </a:xfrm>
+        </p:spPr>
+        <p:txBody>
+          <a:bodyPr>
+            <a:normAutofit/>
+          </a:bodyPr>
+          <a:lstStyle/>
+          <a:p>
+            <a:r>
+              <a:rPr lang="en-US" dirty="0" smtClean="0"/>
+              <a:t>Let’s see what Workbench shows us</a:t>
+            </a:r>
+          </a:p>
+          <a:p>
+            <a:r>
+              <a:rPr lang="en-US" dirty="0" smtClean="0"/>
+              <a:t>Database terminologies</a:t>
+            </a:r>
+          </a:p>
+          <a:p>
+            <a:pPr lvl="1"/>
+            <a:r>
+              <a:rPr lang="en-US" dirty="0" smtClean="0"/>
+              <a:t>Server: Operating System</a:t>
+            </a:r>
+          </a:p>
+          <a:p>
+            <a:pPr lvl="1"/>
+            <a:r>
+              <a:rPr lang="en-US" dirty="0" smtClean="0"/>
+              <a:t>Server: Database server</a:t>
+            </a:r>
+          </a:p>
+          <a:p>
+            <a:pPr lvl="1"/>
+            <a:r>
+              <a:rPr lang="en-US" dirty="0" smtClean="0"/>
+              <a:t>Database instance</a:t>
+            </a:r>
+          </a:p>
+          <a:p>
+            <a:pPr lvl="1"/>
+            <a:r>
+              <a:rPr lang="en-US" dirty="0" smtClean="0"/>
+              <a:t>Schema</a:t>
+            </a:r>
+          </a:p>
+          <a:p>
+            <a:pPr lvl="2"/>
+            <a:r>
+              <a:rPr lang="en-US" dirty="0" smtClean="0"/>
+              <a:t>Table – has constraints, keys, triggers</a:t>
+            </a:r>
+          </a:p>
+          <a:p>
+            <a:pPr lvl="2"/>
+            <a:r>
+              <a:rPr lang="en-US" dirty="0" smtClean="0"/>
+              <a:t>View</a:t>
+            </a:r>
+          </a:p>
+          <a:p>
+            <a:pPr lvl="2"/>
+            <a:r>
+              <a:rPr lang="en-US" dirty="0" smtClean="0"/>
+              <a:t>Stored procedures</a:t>
+            </a:r>
+          </a:p>
+          <a:p>
+            <a:pPr lvl="2"/>
+            <a:r>
+              <a:rPr lang="en-US" dirty="0" smtClean="0"/>
+              <a:t>Functions</a:t>
+            </a:r>
+            <a:endParaRPr lang="en-US" dirty="0"/>
+          </a:p>
+        </p:txBody>
+      </p:sp>
+    </p:spTree>
+    <p:extLst>
+      <p:ext uri="{BB962C8B-B14F-4D97-AF65-F5344CB8AC3E}">
+        <p14:creationId xmlns:p14="http://schemas.microsoft.com/office/powerpoint/2010/main" val="86598072"/>
+      </p:ext>
+    </p:extLst>
+  </p:cSld>
+  <p:clrMapOvr>
+    <a:masterClrMapping/>
+  </p:clrMapOvr>
+</p:sld>
+</file>
+
+<file path=ppt/slides/slide8.xml><?xml version="1.0" encoding="utf-8"?>
+<p:sld xmlns:a="http://schemas.openxmlformats.org/drawingml/2006/main" xmlns:r="http://schemas.openxmlformats.org/officeDocument/2006/relationships" xmlns:p="http://schemas.openxmlformats.org/presentationml/2006/main">
+  <p:cSld>
+    <p:spTree>
+      <p:nvGrpSpPr>
+        <p:cNvPr id="1" name=""/>
+        <p:cNvGrpSpPr/>
+        <p:nvPr/>
+      </p:nvGrpSpPr>
+      <p:grpSpPr>
+        <a:xfrm>
+          <a:off x="0" y="0"/>
+          <a:ext cx="0" cy="0"/>
+          <a:chOff x="0" y="0"/>
+          <a:chExt cx="0" cy="0"/>
+        </a:xfrm>
+      </p:grpSpPr>
+      <p:sp>
+        <p:nvSpPr>
+          <p:cNvPr id="2" name="Title 1"/>
+          <p:cNvSpPr>
+            <a:spLocks noGrp="1"/>
+          </p:cNvSpPr>
+          <p:nvPr>
+            <p:ph type="title"/>
+          </p:nvPr>
+        </p:nvSpPr>
+        <p:spPr/>
+        <p:txBody>
+          <a:bodyPr/>
+          <a:lstStyle/>
+          <a:p>
+            <a:r>
+              <a:rPr lang="en-US" dirty="0" smtClean="0"/>
+              <a:t>Workbench</a:t>
+            </a:r>
+            <a:endParaRPr lang="en-US" dirty="0"/>
+          </a:p>
+        </p:txBody>
+      </p:sp>
+      <p:sp>
+        <p:nvSpPr>
+          <p:cNvPr id="3" name="Content Placeholder 2"/>
+          <p:cNvSpPr>
+            <a:spLocks noGrp="1"/>
+          </p:cNvSpPr>
+          <p:nvPr>
+            <p:ph idx="1"/>
+          </p:nvPr>
+        </p:nvSpPr>
+        <p:spPr/>
+        <p:txBody>
+          <a:bodyPr/>
+          <a:lstStyle/>
+          <a:p>
+            <a:r>
+              <a:rPr lang="en-US" dirty="0" smtClean="0"/>
+              <a:t>Items that interest Database Administrators</a:t>
+            </a:r>
+          </a:p>
+          <a:p>
+            <a:r>
+              <a:rPr lang="en-US" dirty="0" smtClean="0"/>
+              <a:t>Server status</a:t>
+            </a:r>
+          </a:p>
+          <a:p>
+            <a:r>
+              <a:rPr lang="en-US" dirty="0" smtClean="0"/>
+              <a:t>Users</a:t>
+            </a:r>
+          </a:p>
+          <a:p>
+            <a:r>
+              <a:rPr lang="en-US" dirty="0" smtClean="0"/>
+              <a:t>Client connections</a:t>
+            </a:r>
+          </a:p>
+          <a:p>
+            <a:r>
+              <a:rPr lang="en-US" dirty="0" smtClean="0"/>
+              <a:t>Variables</a:t>
+            </a:r>
+          </a:p>
+          <a:p>
+            <a:r>
+              <a:rPr lang="en-US" dirty="0" smtClean="0"/>
+              <a:t>Performance</a:t>
+            </a:r>
+          </a:p>
+          <a:p>
+            <a:r>
+              <a:rPr lang="en-US" dirty="0" smtClean="0"/>
+              <a:t>Other management tasks</a:t>
+            </a:r>
+            <a:endParaRPr lang="en-US" dirty="0"/>
+          </a:p>
+        </p:txBody>
+      </p:sp>
+    </p:spTree>
+    <p:extLst>
+      <p:ext uri="{BB962C8B-B14F-4D97-AF65-F5344CB8AC3E}">
+        <p14:creationId xmlns:p14="http://schemas.microsoft.com/office/powerpoint/2010/main" val="1236169324"/>
+      </p:ext>
+    </p:extLst>
+  </p:cSld>
+  <p:clrMapOvr>
+    <a:masterClrMapping/>
+  </p:clrMapOvr>
+</p:sld>
+</file>
+
+<file path=ppt/slides/slide9.xml><?xml version="1.0" encoding="utf-8"?>
+<p:sld xmlns:a="http://schemas.openxmlformats.org/drawingml/2006/main" xmlns:r="http://schemas.openxmlformats.org/officeDocument/2006/relationships" xmlns:p="http://schemas.openxmlformats.org/presentationml/2006/main">
+  <p:cSld>
+    <p:spTree>
+      <p:nvGrpSpPr>
+        <p:cNvPr id="1" name=""/>
+        <p:cNvGrpSpPr/>
+        <p:nvPr/>
+      </p:nvGrpSpPr>
+      <p:grpSpPr>
+        <a:xfrm>
+          <a:off x="0" y="0"/>
+          <a:ext cx="0" cy="0"/>
+          <a:chOff x="0" y="0"/>
+          <a:chExt cx="0" cy="0"/>
+        </a:xfrm>
+      </p:grpSpPr>
+      <p:sp>
+        <p:nvSpPr>
+          <p:cNvPr id="2" name="Title 1"/>
+          <p:cNvSpPr>
+            <a:spLocks noGrp="1"/>
+          </p:cNvSpPr>
+          <p:nvPr>
+            <p:ph type="title"/>
+          </p:nvPr>
+        </p:nvSpPr>
+        <p:spPr/>
+        <p:txBody>
+          <a:bodyPr/>
+          <a:lstStyle/>
+          <a:p>
+            <a:r>
+              <a:rPr lang="en-US" dirty="0" smtClean="0"/>
+              <a:t>Database objects</a:t>
+            </a:r>
+            <a:endParaRPr lang="en-US" dirty="0"/>
+          </a:p>
+        </p:txBody>
+      </p:sp>
+      <p:sp>
+        <p:nvSpPr>
+          <p:cNvPr id="3" name="Content Placeholder 2"/>
+          <p:cNvSpPr>
+            <a:spLocks noGrp="1"/>
+          </p:cNvSpPr>
+          <p:nvPr>
+            <p:ph idx="1"/>
+          </p:nvPr>
+        </p:nvSpPr>
+        <p:spPr/>
+        <p:txBody>
+          <a:bodyPr/>
+          <a:lstStyle/>
+          <a:p>
+            <a:r>
+              <a:rPr lang="en-US" dirty="0" smtClean="0"/>
+              <a:t>Items that interest Database Developers</a:t>
+            </a:r>
+          </a:p>
+          <a:p>
+            <a:r>
+              <a:rPr lang="en-US" dirty="0" smtClean="0"/>
+              <a:t>Schema</a:t>
+            </a:r>
+            <a:endParaRPr lang="en-US" dirty="0"/>
+          </a:p>
+          <a:p>
+            <a:pPr lvl="1"/>
+            <a:r>
+              <a:rPr lang="en-US" dirty="0"/>
+              <a:t>Table – has constraints, keys, triggers</a:t>
+            </a:r>
+          </a:p>
+          <a:p>
+            <a:pPr lvl="1"/>
+            <a:r>
+              <a:rPr lang="en-US" dirty="0"/>
+              <a:t>View</a:t>
+            </a:r>
+          </a:p>
+          <a:p>
+            <a:pPr lvl="1"/>
+            <a:r>
+              <a:rPr lang="en-US" dirty="0"/>
+              <a:t>Stored procedures</a:t>
+            </a:r>
+          </a:p>
+          <a:p>
+            <a:pPr lvl="1"/>
+            <a:r>
+              <a:rPr lang="en-US" dirty="0"/>
+              <a:t>Functions</a:t>
+            </a:r>
+          </a:p>
+          <a:p>
+            <a:endParaRPr lang="en-US" dirty="0"/>
+          </a:p>
+        </p:txBody>
+      </p:sp>
+    </p:spTree>
+    <p:extLst>
+      <p:ext uri="{BB962C8B-B14F-4D97-AF65-F5344CB8AC3E}">
+        <p14:creationId xmlns:p14="http://schemas.microsoft.com/office/powerpoint/2010/main" val="3209666376"/>
       </p:ext>
     </p:extLst>
   </p:cSld>

--- a/Presentation/Database-Bootcamp-Presentation.pptx
+++ b/Presentation/Database-Bootcamp-Presentation.pptx
@@ -8,13 +8,21 @@
     <p:sldId id="256" r:id="rId2"/>
     <p:sldId id="260" r:id="rId3"/>
     <p:sldId id="257" r:id="rId4"/>
-    <p:sldId id="258" r:id="rId5"/>
-    <p:sldId id="259" r:id="rId6"/>
-    <p:sldId id="261" r:id="rId7"/>
-    <p:sldId id="262" r:id="rId8"/>
-    <p:sldId id="263" r:id="rId9"/>
-    <p:sldId id="264" r:id="rId10"/>
-    <p:sldId id="265" r:id="rId11"/>
+    <p:sldId id="266" r:id="rId5"/>
+    <p:sldId id="258" r:id="rId6"/>
+    <p:sldId id="259" r:id="rId7"/>
+    <p:sldId id="261" r:id="rId8"/>
+    <p:sldId id="262" r:id="rId9"/>
+    <p:sldId id="263" r:id="rId10"/>
+    <p:sldId id="264" r:id="rId11"/>
+    <p:sldId id="265" r:id="rId12"/>
+    <p:sldId id="267" r:id="rId13"/>
+    <p:sldId id="268" r:id="rId14"/>
+    <p:sldId id="269" r:id="rId15"/>
+    <p:sldId id="270" r:id="rId16"/>
+    <p:sldId id="271" r:id="rId17"/>
+    <p:sldId id="272" r:id="rId18"/>
+    <p:sldId id="273" r:id="rId19"/>
   </p:sldIdLst>
   <p:sldSz cx="12192000" cy="6858000"/>
   <p:notesSz cx="6858000" cy="9144000"/>
@@ -307,7 +315,7 @@
           <a:p>
             <a:fld id="{9DC1F441-9BCC-4383-B80D-68C31DF95A71}" type="datetimeFigureOut">
               <a:rPr lang="en-US" smtClean="0"/>
-              <a:t>1/3/2016</a:t>
+              <a:t>1/4/2016</a:t>
             </a:fld>
             <a:endParaRPr lang="en-US"/>
           </a:p>
@@ -587,7 +595,7 @@
           <a:p>
             <a:fld id="{9DC1F441-9BCC-4383-B80D-68C31DF95A71}" type="datetimeFigureOut">
               <a:rPr lang="en-US" smtClean="0"/>
-              <a:t>1/3/2016</a:t>
+              <a:t>1/4/2016</a:t>
             </a:fld>
             <a:endParaRPr lang="en-US"/>
           </a:p>
@@ -781,7 +789,7 @@
           <a:p>
             <a:fld id="{9DC1F441-9BCC-4383-B80D-68C31DF95A71}" type="datetimeFigureOut">
               <a:rPr lang="en-US" smtClean="0"/>
-              <a:t>1/3/2016</a:t>
+              <a:t>1/4/2016</a:t>
             </a:fld>
             <a:endParaRPr lang="en-US"/>
           </a:p>
@@ -1054,7 +1062,7 @@
           <a:p>
             <a:fld id="{9DC1F441-9BCC-4383-B80D-68C31DF95A71}" type="datetimeFigureOut">
               <a:rPr lang="en-US" smtClean="0"/>
-              <a:t>1/3/2016</a:t>
+              <a:t>1/4/2016</a:t>
             </a:fld>
             <a:endParaRPr lang="en-US"/>
           </a:p>
@@ -1395,7 +1403,7 @@
           <a:p>
             <a:fld id="{9DC1F441-9BCC-4383-B80D-68C31DF95A71}" type="datetimeFigureOut">
               <a:rPr lang="en-US" smtClean="0"/>
-              <a:t>1/3/2016</a:t>
+              <a:t>1/4/2016</a:t>
             </a:fld>
             <a:endParaRPr lang="en-US"/>
           </a:p>
@@ -2018,7 +2026,7 @@
           <a:p>
             <a:fld id="{9DC1F441-9BCC-4383-B80D-68C31DF95A71}" type="datetimeFigureOut">
               <a:rPr lang="en-US" smtClean="0"/>
-              <a:t>1/3/2016</a:t>
+              <a:t>1/4/2016</a:t>
             </a:fld>
             <a:endParaRPr lang="en-US"/>
           </a:p>
@@ -2878,7 +2886,7 @@
           <a:p>
             <a:fld id="{9DC1F441-9BCC-4383-B80D-68C31DF95A71}" type="datetimeFigureOut">
               <a:rPr lang="en-US" smtClean="0"/>
-              <a:t>1/3/2016</a:t>
+              <a:t>1/4/2016</a:t>
             </a:fld>
             <a:endParaRPr lang="en-US"/>
           </a:p>
@@ -3048,7 +3056,7 @@
           <a:p>
             <a:fld id="{9DC1F441-9BCC-4383-B80D-68C31DF95A71}" type="datetimeFigureOut">
               <a:rPr lang="en-US" smtClean="0"/>
-              <a:t>1/3/2016</a:t>
+              <a:t>1/4/2016</a:t>
             </a:fld>
             <a:endParaRPr lang="en-US"/>
           </a:p>
@@ -3228,7 +3236,7 @@
           <a:p>
             <a:fld id="{9DC1F441-9BCC-4383-B80D-68C31DF95A71}" type="datetimeFigureOut">
               <a:rPr lang="en-US" smtClean="0"/>
-              <a:t>1/3/2016</a:t>
+              <a:t>1/4/2016</a:t>
             </a:fld>
             <a:endParaRPr lang="en-US"/>
           </a:p>
@@ -3403,7 +3411,7 @@
           <a:p>
             <a:fld id="{9DC1F441-9BCC-4383-B80D-68C31DF95A71}" type="datetimeFigureOut">
               <a:rPr lang="en-US" smtClean="0"/>
-              <a:t>1/3/2016</a:t>
+              <a:t>1/4/2016</a:t>
             </a:fld>
             <a:endParaRPr lang="en-US"/>
           </a:p>
@@ -3650,7 +3658,7 @@
           <a:p>
             <a:fld id="{9DC1F441-9BCC-4383-B80D-68C31DF95A71}" type="datetimeFigureOut">
               <a:rPr lang="en-US" smtClean="0"/>
-              <a:t>1/3/2016</a:t>
+              <a:t>1/4/2016</a:t>
             </a:fld>
             <a:endParaRPr lang="en-US"/>
           </a:p>
@@ -3947,7 +3955,7 @@
           <a:p>
             <a:fld id="{9DC1F441-9BCC-4383-B80D-68C31DF95A71}" type="datetimeFigureOut">
               <a:rPr lang="en-US" smtClean="0"/>
-              <a:t>1/3/2016</a:t>
+              <a:t>1/4/2016</a:t>
             </a:fld>
             <a:endParaRPr lang="en-US"/>
           </a:p>
@@ -4391,7 +4399,7 @@
           <a:p>
             <a:fld id="{9DC1F441-9BCC-4383-B80D-68C31DF95A71}" type="datetimeFigureOut">
               <a:rPr lang="en-US" smtClean="0"/>
-              <a:t>1/3/2016</a:t>
+              <a:t>1/4/2016</a:t>
             </a:fld>
             <a:endParaRPr lang="en-US"/>
           </a:p>
@@ -4509,7 +4517,7 @@
           <a:p>
             <a:fld id="{9DC1F441-9BCC-4383-B80D-68C31DF95A71}" type="datetimeFigureOut">
               <a:rPr lang="en-US" smtClean="0"/>
-              <a:t>1/3/2016</a:t>
+              <a:t>1/4/2016</a:t>
             </a:fld>
             <a:endParaRPr lang="en-US"/>
           </a:p>
@@ -4604,7 +4612,7 @@
           <a:p>
             <a:fld id="{9DC1F441-9BCC-4383-B80D-68C31DF95A71}" type="datetimeFigureOut">
               <a:rPr lang="en-US" smtClean="0"/>
-              <a:t>1/3/2016</a:t>
+              <a:t>1/4/2016</a:t>
             </a:fld>
             <a:endParaRPr lang="en-US"/>
           </a:p>
@@ -4888,7 +4896,7 @@
           <a:p>
             <a:fld id="{9DC1F441-9BCC-4383-B80D-68C31DF95A71}" type="datetimeFigureOut">
               <a:rPr lang="en-US" smtClean="0"/>
-              <a:t>1/3/2016</a:t>
+              <a:t>1/4/2016</a:t>
             </a:fld>
             <a:endParaRPr lang="en-US"/>
           </a:p>
@@ -5168,7 +5176,7 @@
           <a:p>
             <a:fld id="{9DC1F441-9BCC-4383-B80D-68C31DF95A71}" type="datetimeFigureOut">
               <a:rPr lang="en-US" smtClean="0"/>
-              <a:t>1/3/2016</a:t>
+              <a:t>1/4/2016</a:t>
             </a:fld>
             <a:endParaRPr lang="en-US"/>
           </a:p>
@@ -5597,7 +5605,7 @@
           <a:p>
             <a:fld id="{9DC1F441-9BCC-4383-B80D-68C31DF95A71}" type="datetimeFigureOut">
               <a:rPr lang="en-US" smtClean="0"/>
-              <a:t>1/3/2016</a:t>
+              <a:t>1/4/2016</a:t>
             </a:fld>
             <a:endParaRPr lang="en-US"/>
           </a:p>
@@ -6223,6 +6231,119 @@
           <a:p>
             <a:r>
               <a:rPr lang="en-US" dirty="0" smtClean="0"/>
+              <a:t>Database objects</a:t>
+            </a:r>
+            <a:endParaRPr lang="en-US" dirty="0"/>
+          </a:p>
+        </p:txBody>
+      </p:sp>
+      <p:sp>
+        <p:nvSpPr>
+          <p:cNvPr id="3" name="Content Placeholder 2"/>
+          <p:cNvSpPr>
+            <a:spLocks noGrp="1"/>
+          </p:cNvSpPr>
+          <p:nvPr>
+            <p:ph idx="1"/>
+          </p:nvPr>
+        </p:nvSpPr>
+        <p:spPr/>
+        <p:txBody>
+          <a:bodyPr/>
+          <a:lstStyle/>
+          <a:p>
+            <a:r>
+              <a:rPr lang="en-US" dirty="0" smtClean="0"/>
+              <a:t>Items that interest Database Developers</a:t>
+            </a:r>
+          </a:p>
+          <a:p>
+            <a:r>
+              <a:rPr lang="en-US" dirty="0" smtClean="0"/>
+              <a:t>Schema</a:t>
+            </a:r>
+            <a:endParaRPr lang="en-US" dirty="0"/>
+          </a:p>
+          <a:p>
+            <a:pPr lvl="1"/>
+            <a:r>
+              <a:rPr lang="en-US" dirty="0"/>
+              <a:t>Table – has constraints, keys, triggers</a:t>
+            </a:r>
+          </a:p>
+          <a:p>
+            <a:pPr lvl="1"/>
+            <a:r>
+              <a:rPr lang="en-US" dirty="0"/>
+              <a:t>View</a:t>
+            </a:r>
+          </a:p>
+          <a:p>
+            <a:pPr lvl="1"/>
+            <a:r>
+              <a:rPr lang="en-US" dirty="0"/>
+              <a:t>Stored procedures</a:t>
+            </a:r>
+          </a:p>
+          <a:p>
+            <a:pPr lvl="1"/>
+            <a:r>
+              <a:rPr lang="en-US" dirty="0"/>
+              <a:t>Functions</a:t>
+            </a:r>
+          </a:p>
+          <a:p>
+            <a:endParaRPr lang="en-US" dirty="0"/>
+          </a:p>
+        </p:txBody>
+      </p:sp>
+    </p:spTree>
+    <p:extLst>
+      <p:ext uri="{BB962C8B-B14F-4D97-AF65-F5344CB8AC3E}">
+        <p14:creationId xmlns:p14="http://schemas.microsoft.com/office/powerpoint/2010/main" val="3209666376"/>
+      </p:ext>
+    </p:extLst>
+  </p:cSld>
+  <p:clrMapOvr>
+    <a:masterClrMapping/>
+  </p:clrMapOvr>
+</p:sld>
+</file>
+
+<file path=ppt/slides/slide11.xml><?xml version="1.0" encoding="utf-8"?>
+<p:sld xmlns:a="http://schemas.openxmlformats.org/drawingml/2006/main" xmlns:r="http://schemas.openxmlformats.org/officeDocument/2006/relationships" xmlns:p="http://schemas.openxmlformats.org/presentationml/2006/main">
+  <p:cSld>
+    <p:spTree>
+      <p:nvGrpSpPr>
+        <p:cNvPr id="1" name=""/>
+        <p:cNvGrpSpPr/>
+        <p:nvPr/>
+      </p:nvGrpSpPr>
+      <p:grpSpPr>
+        <a:xfrm>
+          <a:off x="0" y="0"/>
+          <a:ext cx="0" cy="0"/>
+          <a:chOff x="0" y="0"/>
+          <a:chExt cx="0" cy="0"/>
+        </a:xfrm>
+      </p:grpSpPr>
+      <p:sp>
+        <p:nvSpPr>
+          <p:cNvPr id="2" name="Title 1"/>
+          <p:cNvSpPr>
+            <a:spLocks noGrp="1"/>
+          </p:cNvSpPr>
+          <p:nvPr>
+            <p:ph type="title"/>
+          </p:nvPr>
+        </p:nvSpPr>
+        <p:spPr/>
+        <p:txBody>
+          <a:bodyPr/>
+          <a:lstStyle/>
+          <a:p>
+            <a:r>
+              <a:rPr lang="en-US" dirty="0" smtClean="0"/>
               <a:t>Database terminologies</a:t>
             </a:r>
             <a:endParaRPr lang="en-US" dirty="0"/>
@@ -6348,6 +6469,1074 @@
     <p:extLst>
       <p:ext uri="{BB962C8B-B14F-4D97-AF65-F5344CB8AC3E}">
         <p14:creationId xmlns:p14="http://schemas.microsoft.com/office/powerpoint/2010/main" val="1603048806"/>
+      </p:ext>
+    </p:extLst>
+  </p:cSld>
+  <p:clrMapOvr>
+    <a:masterClrMapping/>
+  </p:clrMapOvr>
+</p:sld>
+</file>
+
+<file path=ppt/slides/slide12.xml><?xml version="1.0" encoding="utf-8"?>
+<p:sld xmlns:a="http://schemas.openxmlformats.org/drawingml/2006/main" xmlns:r="http://schemas.openxmlformats.org/officeDocument/2006/relationships" xmlns:p="http://schemas.openxmlformats.org/presentationml/2006/main">
+  <p:cSld>
+    <p:spTree>
+      <p:nvGrpSpPr>
+        <p:cNvPr id="1" name=""/>
+        <p:cNvGrpSpPr/>
+        <p:nvPr/>
+      </p:nvGrpSpPr>
+      <p:grpSpPr>
+        <a:xfrm>
+          <a:off x="0" y="0"/>
+          <a:ext cx="0" cy="0"/>
+          <a:chOff x="0" y="0"/>
+          <a:chExt cx="0" cy="0"/>
+        </a:xfrm>
+      </p:grpSpPr>
+      <p:sp>
+        <p:nvSpPr>
+          <p:cNvPr id="2" name="Title 1"/>
+          <p:cNvSpPr>
+            <a:spLocks noGrp="1"/>
+          </p:cNvSpPr>
+          <p:nvPr>
+            <p:ph type="title"/>
+          </p:nvPr>
+        </p:nvSpPr>
+        <p:spPr/>
+        <p:txBody>
+          <a:bodyPr/>
+          <a:lstStyle/>
+          <a:p>
+            <a:r>
+              <a:rPr lang="en-US" dirty="0" smtClean="0"/>
+              <a:t>Day 3: Tables</a:t>
+            </a:r>
+            <a:endParaRPr lang="en-US" dirty="0"/>
+          </a:p>
+        </p:txBody>
+      </p:sp>
+      <p:sp>
+        <p:nvSpPr>
+          <p:cNvPr id="3" name="Content Placeholder 2"/>
+          <p:cNvSpPr>
+            <a:spLocks noGrp="1"/>
+          </p:cNvSpPr>
+          <p:nvPr>
+            <p:ph idx="1"/>
+          </p:nvPr>
+        </p:nvSpPr>
+        <p:spPr/>
+        <p:txBody>
+          <a:bodyPr>
+            <a:normAutofit/>
+          </a:bodyPr>
+          <a:lstStyle/>
+          <a:p>
+            <a:r>
+              <a:rPr lang="en-US" dirty="0" smtClean="0"/>
+              <a:t>Let’s create a TEST schema for ourselves</a:t>
+            </a:r>
+          </a:p>
+          <a:p>
+            <a:r>
+              <a:rPr lang="en-US" dirty="0" smtClean="0"/>
+              <a:t>Let’s create a table in TEST schema</a:t>
+            </a:r>
+          </a:p>
+          <a:p>
+            <a:r>
+              <a:rPr lang="en-US" dirty="0" smtClean="0"/>
+              <a:t>Normalization – very important</a:t>
+            </a:r>
+          </a:p>
+        </p:txBody>
+      </p:sp>
+    </p:spTree>
+    <p:extLst>
+      <p:ext uri="{BB962C8B-B14F-4D97-AF65-F5344CB8AC3E}">
+        <p14:creationId xmlns:p14="http://schemas.microsoft.com/office/powerpoint/2010/main" val="1524809256"/>
+      </p:ext>
+    </p:extLst>
+  </p:cSld>
+  <p:clrMapOvr>
+    <a:masterClrMapping/>
+  </p:clrMapOvr>
+</p:sld>
+</file>
+
+<file path=ppt/slides/slide13.xml><?xml version="1.0" encoding="utf-8"?>
+<p:sld xmlns:a="http://schemas.openxmlformats.org/drawingml/2006/main" xmlns:r="http://schemas.openxmlformats.org/officeDocument/2006/relationships" xmlns:p="http://schemas.openxmlformats.org/presentationml/2006/main">
+  <p:cSld>
+    <p:spTree>
+      <p:nvGrpSpPr>
+        <p:cNvPr id="1" name=""/>
+        <p:cNvGrpSpPr/>
+        <p:nvPr/>
+      </p:nvGrpSpPr>
+      <p:grpSpPr>
+        <a:xfrm>
+          <a:off x="0" y="0"/>
+          <a:ext cx="0" cy="0"/>
+          <a:chOff x="0" y="0"/>
+          <a:chExt cx="0" cy="0"/>
+        </a:xfrm>
+      </p:grpSpPr>
+      <p:sp>
+        <p:nvSpPr>
+          <p:cNvPr id="2" name="Title 1"/>
+          <p:cNvSpPr>
+            <a:spLocks noGrp="1"/>
+          </p:cNvSpPr>
+          <p:nvPr>
+            <p:ph type="title"/>
+          </p:nvPr>
+        </p:nvSpPr>
+        <p:spPr/>
+        <p:txBody>
+          <a:bodyPr/>
+          <a:lstStyle/>
+          <a:p>
+            <a:r>
+              <a:rPr lang="en-US" dirty="0" smtClean="0"/>
+              <a:t>Table</a:t>
+            </a:r>
+            <a:endParaRPr lang="en-US" dirty="0"/>
+          </a:p>
+        </p:txBody>
+      </p:sp>
+      <p:sp>
+        <p:nvSpPr>
+          <p:cNvPr id="3" name="Content Placeholder 2"/>
+          <p:cNvSpPr>
+            <a:spLocks noGrp="1"/>
+          </p:cNvSpPr>
+          <p:nvPr>
+            <p:ph idx="1"/>
+          </p:nvPr>
+        </p:nvSpPr>
+        <p:spPr/>
+        <p:txBody>
+          <a:bodyPr/>
+          <a:lstStyle/>
+          <a:p>
+            <a:r>
+              <a:rPr lang="en-US" dirty="0" smtClean="0"/>
+              <a:t>Table </a:t>
+            </a:r>
+            <a:r>
+              <a:rPr lang="en-US" dirty="0"/>
+              <a:t>is like a blank Excel sheet with strict rules</a:t>
+            </a:r>
+          </a:p>
+          <a:p>
+            <a:r>
+              <a:rPr lang="en-US" dirty="0"/>
+              <a:t>Table has </a:t>
+            </a:r>
+            <a:r>
+              <a:rPr lang="en-US" dirty="0" smtClean="0"/>
+              <a:t>columns</a:t>
+            </a:r>
+          </a:p>
+          <a:p>
+            <a:r>
+              <a:rPr lang="en-US" dirty="0" smtClean="0"/>
+              <a:t>Table has constraints (i.e. rules)</a:t>
+            </a:r>
+          </a:p>
+          <a:p>
+            <a:r>
+              <a:rPr lang="en-US" dirty="0" smtClean="0"/>
+              <a:t>Table has keys (i.e. ways to find information faster)</a:t>
+            </a:r>
+            <a:endParaRPr lang="en-US" dirty="0"/>
+          </a:p>
+        </p:txBody>
+      </p:sp>
+    </p:spTree>
+    <p:extLst>
+      <p:ext uri="{BB962C8B-B14F-4D97-AF65-F5344CB8AC3E}">
+        <p14:creationId xmlns:p14="http://schemas.microsoft.com/office/powerpoint/2010/main" val="183543592"/>
+      </p:ext>
+    </p:extLst>
+  </p:cSld>
+  <p:clrMapOvr>
+    <a:masterClrMapping/>
+  </p:clrMapOvr>
+</p:sld>
+</file>
+
+<file path=ppt/slides/slide14.xml><?xml version="1.0" encoding="utf-8"?>
+<p:sld xmlns:a="http://schemas.openxmlformats.org/drawingml/2006/main" xmlns:r="http://schemas.openxmlformats.org/officeDocument/2006/relationships" xmlns:p="http://schemas.openxmlformats.org/presentationml/2006/main">
+  <p:cSld>
+    <p:spTree>
+      <p:nvGrpSpPr>
+        <p:cNvPr id="1" name=""/>
+        <p:cNvGrpSpPr/>
+        <p:nvPr/>
+      </p:nvGrpSpPr>
+      <p:grpSpPr>
+        <a:xfrm>
+          <a:off x="0" y="0"/>
+          <a:ext cx="0" cy="0"/>
+          <a:chOff x="0" y="0"/>
+          <a:chExt cx="0" cy="0"/>
+        </a:xfrm>
+      </p:grpSpPr>
+      <p:sp>
+        <p:nvSpPr>
+          <p:cNvPr id="2" name="Title 1"/>
+          <p:cNvSpPr>
+            <a:spLocks noGrp="1"/>
+          </p:cNvSpPr>
+          <p:nvPr>
+            <p:ph type="title"/>
+          </p:nvPr>
+        </p:nvSpPr>
+        <p:spPr/>
+        <p:txBody>
+          <a:bodyPr/>
+          <a:lstStyle/>
+          <a:p>
+            <a:r>
+              <a:rPr lang="en-US" dirty="0" smtClean="0"/>
+              <a:t>Columns</a:t>
+            </a:r>
+            <a:endParaRPr lang="en-US" dirty="0"/>
+          </a:p>
+        </p:txBody>
+      </p:sp>
+      <p:sp>
+        <p:nvSpPr>
+          <p:cNvPr id="3" name="Content Placeholder 2"/>
+          <p:cNvSpPr>
+            <a:spLocks noGrp="1"/>
+          </p:cNvSpPr>
+          <p:nvPr>
+            <p:ph idx="1"/>
+          </p:nvPr>
+        </p:nvSpPr>
+        <p:spPr/>
+        <p:txBody>
+          <a:bodyPr/>
+          <a:lstStyle/>
+          <a:p>
+            <a:r>
+              <a:rPr lang="en-US" dirty="0"/>
+              <a:t>Each column has a name (Ex: </a:t>
+            </a:r>
+            <a:r>
+              <a:rPr lang="en-US" dirty="0" err="1"/>
+              <a:t>firstname</a:t>
+            </a:r>
+            <a:r>
+              <a:rPr lang="en-US" dirty="0"/>
+              <a:t>)</a:t>
+            </a:r>
+          </a:p>
+          <a:p>
+            <a:r>
+              <a:rPr lang="en-US" dirty="0"/>
+              <a:t>Each column can hold one kind of information</a:t>
+            </a:r>
+          </a:p>
+          <a:p>
+            <a:pPr lvl="1"/>
+            <a:r>
+              <a:rPr lang="en-US" dirty="0"/>
+              <a:t>Ex: </a:t>
+            </a:r>
+            <a:r>
+              <a:rPr lang="en-US" dirty="0" err="1"/>
+              <a:t>firstname</a:t>
+            </a:r>
+            <a:r>
+              <a:rPr lang="en-US" dirty="0"/>
+              <a:t> can hold text</a:t>
+            </a:r>
+          </a:p>
+          <a:p>
+            <a:r>
+              <a:rPr lang="en-US" dirty="0"/>
+              <a:t>Column can contain information from another table. Oh fun!</a:t>
+            </a:r>
+          </a:p>
+          <a:p>
+            <a:endParaRPr lang="en-US" dirty="0"/>
+          </a:p>
+        </p:txBody>
+      </p:sp>
+    </p:spTree>
+    <p:extLst>
+      <p:ext uri="{BB962C8B-B14F-4D97-AF65-F5344CB8AC3E}">
+        <p14:creationId xmlns:p14="http://schemas.microsoft.com/office/powerpoint/2010/main" val="2968453939"/>
+      </p:ext>
+    </p:extLst>
+  </p:cSld>
+  <p:clrMapOvr>
+    <a:masterClrMapping/>
+  </p:clrMapOvr>
+</p:sld>
+</file>
+
+<file path=ppt/slides/slide15.xml><?xml version="1.0" encoding="utf-8"?>
+<p:sld xmlns:a="http://schemas.openxmlformats.org/drawingml/2006/main" xmlns:r="http://schemas.openxmlformats.org/officeDocument/2006/relationships" xmlns:p="http://schemas.openxmlformats.org/presentationml/2006/main">
+  <p:cSld>
+    <p:spTree>
+      <p:nvGrpSpPr>
+        <p:cNvPr id="1" name=""/>
+        <p:cNvGrpSpPr/>
+        <p:nvPr/>
+      </p:nvGrpSpPr>
+      <p:grpSpPr>
+        <a:xfrm>
+          <a:off x="0" y="0"/>
+          <a:ext cx="0" cy="0"/>
+          <a:chOff x="0" y="0"/>
+          <a:chExt cx="0" cy="0"/>
+        </a:xfrm>
+      </p:grpSpPr>
+      <p:sp>
+        <p:nvSpPr>
+          <p:cNvPr id="2" name="Title 1"/>
+          <p:cNvSpPr>
+            <a:spLocks noGrp="1"/>
+          </p:cNvSpPr>
+          <p:nvPr>
+            <p:ph type="title"/>
+          </p:nvPr>
+        </p:nvSpPr>
+        <p:spPr/>
+        <p:txBody>
+          <a:bodyPr/>
+          <a:lstStyle/>
+          <a:p>
+            <a:r>
+              <a:rPr lang="en-US" dirty="0" smtClean="0"/>
+              <a:t>Constraint</a:t>
+            </a:r>
+            <a:endParaRPr lang="en-US" dirty="0"/>
+          </a:p>
+        </p:txBody>
+      </p:sp>
+      <p:sp>
+        <p:nvSpPr>
+          <p:cNvPr id="3" name="Content Placeholder 2"/>
+          <p:cNvSpPr>
+            <a:spLocks noGrp="1"/>
+          </p:cNvSpPr>
+          <p:nvPr>
+            <p:ph idx="1"/>
+          </p:nvPr>
+        </p:nvSpPr>
+        <p:spPr/>
+        <p:txBody>
+          <a:bodyPr/>
+          <a:lstStyle/>
+          <a:p>
+            <a:r>
+              <a:rPr lang="en-US" dirty="0" smtClean="0"/>
+              <a:t>Ideal to have 1 column that is unique per row (e.g. </a:t>
+            </a:r>
+            <a:r>
+              <a:rPr lang="en-US" dirty="0" err="1" smtClean="0"/>
+              <a:t>empno</a:t>
+            </a:r>
+            <a:r>
+              <a:rPr lang="en-US" dirty="0" smtClean="0"/>
+              <a:t>) and cannot be empty</a:t>
+            </a:r>
+          </a:p>
+          <a:p>
+            <a:r>
+              <a:rPr lang="en-US" dirty="0" smtClean="0"/>
+              <a:t>That’s PRIMARY KEY CONSTRAINT</a:t>
+            </a:r>
+          </a:p>
+          <a:p>
+            <a:endParaRPr lang="en-US" dirty="0"/>
+          </a:p>
+          <a:p>
+            <a:r>
+              <a:rPr lang="en-US" dirty="0" smtClean="0"/>
+              <a:t>May have a column that is unique per row OR is empty (e.g. SSN)</a:t>
+            </a:r>
+          </a:p>
+          <a:p>
+            <a:r>
+              <a:rPr lang="en-US" dirty="0" smtClean="0"/>
+              <a:t>That’s UNIQUE KEY CONSTRAINT</a:t>
+            </a:r>
+          </a:p>
+          <a:p>
+            <a:endParaRPr lang="en-US" dirty="0" smtClean="0"/>
+          </a:p>
+          <a:p>
+            <a:r>
+              <a:rPr lang="en-US" dirty="0" err="1" smtClean="0"/>
+              <a:t>WorkHours</a:t>
+            </a:r>
+            <a:r>
+              <a:rPr lang="en-US" dirty="0" smtClean="0"/>
+              <a:t> table may contain a field called </a:t>
+            </a:r>
+            <a:r>
+              <a:rPr lang="en-US" dirty="0" err="1" smtClean="0"/>
+              <a:t>empno</a:t>
+            </a:r>
+            <a:endParaRPr lang="en-US" dirty="0" smtClean="0"/>
+          </a:p>
+          <a:p>
+            <a:r>
+              <a:rPr lang="en-US" dirty="0" smtClean="0"/>
+              <a:t>This </a:t>
+            </a:r>
+            <a:r>
+              <a:rPr lang="en-US" dirty="0" err="1" smtClean="0"/>
+              <a:t>empno</a:t>
+            </a:r>
+            <a:r>
+              <a:rPr lang="en-US" dirty="0" smtClean="0"/>
+              <a:t> can be a link to Employees table’s </a:t>
+            </a:r>
+            <a:r>
+              <a:rPr lang="en-US" dirty="0" err="1" smtClean="0"/>
+              <a:t>empno</a:t>
+            </a:r>
+            <a:r>
+              <a:rPr lang="en-US" dirty="0" smtClean="0"/>
+              <a:t>!</a:t>
+            </a:r>
+          </a:p>
+          <a:p>
+            <a:r>
+              <a:rPr lang="en-US" dirty="0" smtClean="0"/>
+              <a:t>That’s FOREIGN KEY CONSTRAINT</a:t>
+            </a:r>
+            <a:endParaRPr lang="en-US" dirty="0"/>
+          </a:p>
+        </p:txBody>
+      </p:sp>
+    </p:spTree>
+    <p:extLst>
+      <p:ext uri="{BB962C8B-B14F-4D97-AF65-F5344CB8AC3E}">
+        <p14:creationId xmlns:p14="http://schemas.microsoft.com/office/powerpoint/2010/main" val="2025133263"/>
+      </p:ext>
+    </p:extLst>
+  </p:cSld>
+  <p:clrMapOvr>
+    <a:masterClrMapping/>
+  </p:clrMapOvr>
+</p:sld>
+</file>
+
+<file path=ppt/slides/slide16.xml><?xml version="1.0" encoding="utf-8"?>
+<p:sld xmlns:a="http://schemas.openxmlformats.org/drawingml/2006/main" xmlns:r="http://schemas.openxmlformats.org/officeDocument/2006/relationships" xmlns:p="http://schemas.openxmlformats.org/presentationml/2006/main">
+  <p:cSld>
+    <p:spTree>
+      <p:nvGrpSpPr>
+        <p:cNvPr id="1" name=""/>
+        <p:cNvGrpSpPr/>
+        <p:nvPr/>
+      </p:nvGrpSpPr>
+      <p:grpSpPr>
+        <a:xfrm>
+          <a:off x="0" y="0"/>
+          <a:ext cx="0" cy="0"/>
+          <a:chOff x="0" y="0"/>
+          <a:chExt cx="0" cy="0"/>
+        </a:xfrm>
+      </p:grpSpPr>
+      <p:sp>
+        <p:nvSpPr>
+          <p:cNvPr id="2" name="Title 1"/>
+          <p:cNvSpPr>
+            <a:spLocks noGrp="1"/>
+          </p:cNvSpPr>
+          <p:nvPr>
+            <p:ph type="title"/>
+          </p:nvPr>
+        </p:nvSpPr>
+        <p:spPr/>
+        <p:txBody>
+          <a:bodyPr/>
+          <a:lstStyle/>
+          <a:p>
+            <a:r>
+              <a:rPr lang="en-US" dirty="0" smtClean="0"/>
+              <a:t>Keys/Indexes</a:t>
+            </a:r>
+            <a:endParaRPr lang="en-US" dirty="0"/>
+          </a:p>
+        </p:txBody>
+      </p:sp>
+      <p:sp>
+        <p:nvSpPr>
+          <p:cNvPr id="3" name="Content Placeholder 2"/>
+          <p:cNvSpPr>
+            <a:spLocks noGrp="1"/>
+          </p:cNvSpPr>
+          <p:nvPr>
+            <p:ph idx="1"/>
+          </p:nvPr>
+        </p:nvSpPr>
+        <p:spPr/>
+        <p:txBody>
+          <a:bodyPr/>
+          <a:lstStyle/>
+          <a:p>
+            <a:r>
+              <a:rPr lang="en-US" dirty="0" smtClean="0"/>
+              <a:t>Column or columns can be marked as a key</a:t>
+            </a:r>
+          </a:p>
+          <a:p>
+            <a:r>
+              <a:rPr lang="en-US" dirty="0" smtClean="0"/>
+              <a:t>Key is a mini-table like an index in the back of a book to quickly locate information</a:t>
+            </a:r>
+          </a:p>
+          <a:p>
+            <a:r>
+              <a:rPr lang="en-US" dirty="0" smtClean="0"/>
+              <a:t>Keys are one of the core components of SQL queries</a:t>
+            </a:r>
+            <a:endParaRPr lang="en-US" dirty="0"/>
+          </a:p>
+        </p:txBody>
+      </p:sp>
+    </p:spTree>
+    <p:extLst>
+      <p:ext uri="{BB962C8B-B14F-4D97-AF65-F5344CB8AC3E}">
+        <p14:creationId xmlns:p14="http://schemas.microsoft.com/office/powerpoint/2010/main" val="3806072778"/>
+      </p:ext>
+    </p:extLst>
+  </p:cSld>
+  <p:clrMapOvr>
+    <a:masterClrMapping/>
+  </p:clrMapOvr>
+</p:sld>
+</file>
+
+<file path=ppt/slides/slide17.xml><?xml version="1.0" encoding="utf-8"?>
+<p:sld xmlns:a="http://schemas.openxmlformats.org/drawingml/2006/main" xmlns:r="http://schemas.openxmlformats.org/officeDocument/2006/relationships" xmlns:p="http://schemas.openxmlformats.org/presentationml/2006/main">
+  <p:cSld>
+    <p:spTree>
+      <p:nvGrpSpPr>
+        <p:cNvPr id="1" name=""/>
+        <p:cNvGrpSpPr/>
+        <p:nvPr/>
+      </p:nvGrpSpPr>
+      <p:grpSpPr>
+        <a:xfrm>
+          <a:off x="0" y="0"/>
+          <a:ext cx="0" cy="0"/>
+          <a:chOff x="0" y="0"/>
+          <a:chExt cx="0" cy="0"/>
+        </a:xfrm>
+      </p:grpSpPr>
+      <p:sp>
+        <p:nvSpPr>
+          <p:cNvPr id="2" name="Title 1"/>
+          <p:cNvSpPr>
+            <a:spLocks noGrp="1"/>
+          </p:cNvSpPr>
+          <p:nvPr>
+            <p:ph type="title"/>
+          </p:nvPr>
+        </p:nvSpPr>
+        <p:spPr/>
+        <p:txBody>
+          <a:bodyPr/>
+          <a:lstStyle/>
+          <a:p>
+            <a:r>
+              <a:rPr lang="en-US" dirty="0" smtClean="0"/>
+              <a:t>Employees</a:t>
+            </a:r>
+            <a:endParaRPr lang="en-US" dirty="0"/>
+          </a:p>
+        </p:txBody>
+      </p:sp>
+      <p:sp>
+        <p:nvSpPr>
+          <p:cNvPr id="3" name="Content Placeholder 2"/>
+          <p:cNvSpPr>
+            <a:spLocks noGrp="1"/>
+          </p:cNvSpPr>
+          <p:nvPr>
+            <p:ph idx="1"/>
+          </p:nvPr>
+        </p:nvSpPr>
+        <p:spPr/>
+        <p:txBody>
+          <a:bodyPr>
+            <a:normAutofit lnSpcReduction="10000"/>
+          </a:bodyPr>
+          <a:lstStyle/>
+          <a:p>
+            <a:pPr marL="0" indent="0">
+              <a:buNone/>
+            </a:pPr>
+            <a:r>
+              <a:rPr lang="en-US" dirty="0" smtClean="0"/>
+              <a:t>CREATE TABLE employees (</a:t>
+            </a:r>
+          </a:p>
+          <a:p>
+            <a:pPr marL="0" indent="0">
+              <a:buNone/>
+            </a:pPr>
+            <a:r>
+              <a:rPr lang="en-US" dirty="0"/>
+              <a:t>	</a:t>
+            </a:r>
+            <a:r>
+              <a:rPr lang="en-US" dirty="0" err="1" smtClean="0"/>
+              <a:t>empno</a:t>
+            </a:r>
+            <a:r>
+              <a:rPr lang="en-US" dirty="0" smtClean="0"/>
+              <a:t> INT NOT NULL AUTO_INCREMENT,</a:t>
+            </a:r>
+          </a:p>
+          <a:p>
+            <a:pPr marL="0" indent="0">
+              <a:buNone/>
+            </a:pPr>
+            <a:r>
+              <a:rPr lang="en-US" dirty="0"/>
+              <a:t>	</a:t>
+            </a:r>
+            <a:r>
+              <a:rPr lang="en-US" dirty="0" err="1" smtClean="0"/>
+              <a:t>firstname</a:t>
+            </a:r>
+            <a:r>
+              <a:rPr lang="en-US" dirty="0" smtClean="0"/>
+              <a:t> varchar(50),</a:t>
+            </a:r>
+          </a:p>
+          <a:p>
+            <a:pPr marL="0" indent="0">
+              <a:buNone/>
+            </a:pPr>
+            <a:r>
+              <a:rPr lang="en-US" dirty="0"/>
+              <a:t>	</a:t>
+            </a:r>
+            <a:r>
+              <a:rPr lang="en-US" dirty="0" err="1" smtClean="0"/>
+              <a:t>lastname</a:t>
+            </a:r>
+            <a:r>
+              <a:rPr lang="en-US" dirty="0" smtClean="0"/>
+              <a:t> varchar(50) NOT NULL,</a:t>
+            </a:r>
+          </a:p>
+          <a:p>
+            <a:pPr marL="0" indent="0">
+              <a:buNone/>
+            </a:pPr>
+            <a:r>
+              <a:rPr lang="en-US" dirty="0"/>
+              <a:t>	</a:t>
+            </a:r>
+            <a:r>
+              <a:rPr lang="en-US" dirty="0" smtClean="0"/>
+              <a:t>age </a:t>
+            </a:r>
+            <a:r>
+              <a:rPr lang="en-US" dirty="0" err="1" smtClean="0"/>
+              <a:t>int</a:t>
+            </a:r>
+            <a:r>
+              <a:rPr lang="en-US" dirty="0" smtClean="0"/>
+              <a:t> NOT NULL DEFAULT 0,</a:t>
+            </a:r>
+          </a:p>
+          <a:p>
+            <a:pPr marL="0" indent="0">
+              <a:buNone/>
+            </a:pPr>
+            <a:r>
+              <a:rPr lang="en-US" dirty="0"/>
+              <a:t>	</a:t>
+            </a:r>
+            <a:r>
+              <a:rPr lang="en-US" dirty="0" err="1" smtClean="0"/>
+              <a:t>ssn</a:t>
+            </a:r>
+            <a:r>
+              <a:rPr lang="en-US" dirty="0" smtClean="0"/>
+              <a:t> char(9),</a:t>
+            </a:r>
+          </a:p>
+          <a:p>
+            <a:pPr marL="0" indent="0">
+              <a:buNone/>
+            </a:pPr>
+            <a:r>
+              <a:rPr lang="en-US" dirty="0" smtClean="0"/>
+              <a:t>	CONSTRAINT </a:t>
+            </a:r>
+            <a:r>
+              <a:rPr lang="en-US" dirty="0" err="1" smtClean="0"/>
+              <a:t>pk_employees_empno</a:t>
+            </a:r>
+            <a:r>
+              <a:rPr lang="en-US" dirty="0" smtClean="0"/>
+              <a:t> PRIMARY KEY (</a:t>
+            </a:r>
+            <a:r>
+              <a:rPr lang="en-US" dirty="0" err="1" smtClean="0"/>
+              <a:t>empno</a:t>
+            </a:r>
+            <a:r>
+              <a:rPr lang="en-US" dirty="0" smtClean="0"/>
+              <a:t>),</a:t>
+            </a:r>
+          </a:p>
+          <a:p>
+            <a:pPr marL="0" indent="0">
+              <a:buNone/>
+            </a:pPr>
+            <a:r>
+              <a:rPr lang="en-US" dirty="0"/>
+              <a:t>	</a:t>
+            </a:r>
+            <a:r>
+              <a:rPr lang="en-US" dirty="0" smtClean="0"/>
+              <a:t>CONSTRAINT </a:t>
+            </a:r>
+            <a:r>
+              <a:rPr lang="en-US" dirty="0" err="1" smtClean="0"/>
+              <a:t>uk_employees_ssn</a:t>
+            </a:r>
+            <a:r>
+              <a:rPr lang="en-US" dirty="0" smtClean="0"/>
+              <a:t> UNIQUE KEY (</a:t>
+            </a:r>
+            <a:r>
+              <a:rPr lang="en-US" dirty="0" err="1" smtClean="0"/>
+              <a:t>ssn</a:t>
+            </a:r>
+            <a:r>
+              <a:rPr lang="en-US" dirty="0" smtClean="0"/>
+              <a:t>),</a:t>
+            </a:r>
+          </a:p>
+          <a:p>
+            <a:pPr marL="0" indent="0">
+              <a:buNone/>
+            </a:pPr>
+            <a:r>
+              <a:rPr lang="en-US" dirty="0"/>
+              <a:t>	</a:t>
+            </a:r>
+            <a:r>
+              <a:rPr lang="en-US" dirty="0" smtClean="0"/>
+              <a:t>INDEX </a:t>
+            </a:r>
+            <a:r>
+              <a:rPr lang="en-US" dirty="0" err="1" smtClean="0"/>
+              <a:t>idx_employees_ln_fn_age</a:t>
+            </a:r>
+            <a:r>
+              <a:rPr lang="en-US" dirty="0" smtClean="0"/>
+              <a:t> (</a:t>
+            </a:r>
+            <a:r>
+              <a:rPr lang="en-US" dirty="0" err="1" smtClean="0"/>
+              <a:t>lastname</a:t>
+            </a:r>
+            <a:r>
+              <a:rPr lang="en-US" dirty="0" smtClean="0"/>
+              <a:t>, </a:t>
+            </a:r>
+            <a:r>
+              <a:rPr lang="en-US" dirty="0" err="1" smtClean="0"/>
+              <a:t>firstname</a:t>
+            </a:r>
+            <a:r>
+              <a:rPr lang="en-US" dirty="0" smtClean="0"/>
+              <a:t>, age)</a:t>
+            </a:r>
+          </a:p>
+          <a:p>
+            <a:pPr marL="0" indent="0">
+              <a:buNone/>
+            </a:pPr>
+            <a:r>
+              <a:rPr lang="en-US" dirty="0" smtClean="0"/>
+              <a:t>);</a:t>
+            </a:r>
+            <a:endParaRPr lang="en-US" dirty="0"/>
+          </a:p>
+        </p:txBody>
+      </p:sp>
+    </p:spTree>
+    <p:extLst>
+      <p:ext uri="{BB962C8B-B14F-4D97-AF65-F5344CB8AC3E}">
+        <p14:creationId xmlns:p14="http://schemas.microsoft.com/office/powerpoint/2010/main" val="1719237454"/>
+      </p:ext>
+    </p:extLst>
+  </p:cSld>
+  <p:clrMapOvr>
+    <a:masterClrMapping/>
+  </p:clrMapOvr>
+</p:sld>
+</file>
+
+<file path=ppt/slides/slide18.xml><?xml version="1.0" encoding="utf-8"?>
+<p:sld xmlns:a="http://schemas.openxmlformats.org/drawingml/2006/main" xmlns:r="http://schemas.openxmlformats.org/officeDocument/2006/relationships" xmlns:p="http://schemas.openxmlformats.org/presentationml/2006/main">
+  <p:cSld>
+    <p:spTree>
+      <p:nvGrpSpPr>
+        <p:cNvPr id="1" name=""/>
+        <p:cNvGrpSpPr/>
+        <p:nvPr/>
+      </p:nvGrpSpPr>
+      <p:grpSpPr>
+        <a:xfrm>
+          <a:off x="0" y="0"/>
+          <a:ext cx="0" cy="0"/>
+          <a:chOff x="0" y="0"/>
+          <a:chExt cx="0" cy="0"/>
+        </a:xfrm>
+      </p:grpSpPr>
+      <p:sp>
+        <p:nvSpPr>
+          <p:cNvPr id="2" name="Title 1"/>
+          <p:cNvSpPr>
+            <a:spLocks noGrp="1"/>
+          </p:cNvSpPr>
+          <p:nvPr>
+            <p:ph type="title"/>
+          </p:nvPr>
+        </p:nvSpPr>
+        <p:spPr/>
+        <p:txBody>
+          <a:bodyPr/>
+          <a:lstStyle/>
+          <a:p>
+            <a:r>
+              <a:rPr lang="en-US" dirty="0" err="1" smtClean="0"/>
+              <a:t>WorkHours</a:t>
+            </a:r>
+            <a:endParaRPr lang="en-US" dirty="0"/>
+          </a:p>
+        </p:txBody>
+      </p:sp>
+      <p:sp>
+        <p:nvSpPr>
+          <p:cNvPr id="3" name="Content Placeholder 2"/>
+          <p:cNvSpPr>
+            <a:spLocks noGrp="1"/>
+          </p:cNvSpPr>
+          <p:nvPr>
+            <p:ph idx="1"/>
+          </p:nvPr>
+        </p:nvSpPr>
+        <p:spPr>
+          <a:xfrm>
+            <a:off x="1103312" y="2052918"/>
+            <a:ext cx="8946541" cy="4494186"/>
+          </a:xfrm>
+        </p:spPr>
+        <p:txBody>
+          <a:bodyPr>
+            <a:normAutofit/>
+          </a:bodyPr>
+          <a:lstStyle/>
+          <a:p>
+            <a:pPr marL="0" indent="0">
+              <a:buNone/>
+            </a:pPr>
+            <a:r>
+              <a:rPr lang="en-US" dirty="0" smtClean="0"/>
+              <a:t>CREATE TABLE workhours (</a:t>
+            </a:r>
+          </a:p>
+          <a:p>
+            <a:pPr marL="0" indent="0">
+              <a:buNone/>
+            </a:pPr>
+            <a:r>
+              <a:rPr lang="en-US" dirty="0"/>
+              <a:t>	</a:t>
+            </a:r>
+            <a:r>
+              <a:rPr lang="en-US" dirty="0" smtClean="0"/>
+              <a:t>id INT NOT NULL AUTO_INCREMENT,</a:t>
+            </a:r>
+          </a:p>
+          <a:p>
+            <a:pPr marL="0" indent="0">
+              <a:buNone/>
+            </a:pPr>
+            <a:r>
+              <a:rPr lang="en-US" dirty="0"/>
+              <a:t>	</a:t>
+            </a:r>
+            <a:r>
+              <a:rPr lang="en-US" dirty="0" err="1" smtClean="0"/>
+              <a:t>workdate</a:t>
+            </a:r>
+            <a:r>
+              <a:rPr lang="en-US" dirty="0" smtClean="0"/>
+              <a:t> DATE NOT NULL,</a:t>
+            </a:r>
+          </a:p>
+          <a:p>
+            <a:pPr marL="0" indent="0">
+              <a:buNone/>
+            </a:pPr>
+            <a:r>
+              <a:rPr lang="en-US" dirty="0"/>
+              <a:t>	</a:t>
+            </a:r>
+            <a:r>
+              <a:rPr lang="en-US" dirty="0" smtClean="0"/>
+              <a:t>workhours INT NOT NULL,</a:t>
+            </a:r>
+          </a:p>
+          <a:p>
+            <a:pPr marL="0" indent="0">
+              <a:buNone/>
+            </a:pPr>
+            <a:r>
+              <a:rPr lang="en-US" dirty="0"/>
+              <a:t>	</a:t>
+            </a:r>
+            <a:r>
+              <a:rPr lang="en-US" dirty="0" err="1" smtClean="0"/>
+              <a:t>empno</a:t>
+            </a:r>
+            <a:r>
+              <a:rPr lang="en-US" dirty="0" smtClean="0"/>
+              <a:t> INT NOT NULL,</a:t>
+            </a:r>
+          </a:p>
+          <a:p>
+            <a:pPr marL="0" indent="0">
+              <a:buNone/>
+            </a:pPr>
+            <a:r>
+              <a:rPr lang="en-US" dirty="0"/>
+              <a:t>	</a:t>
+            </a:r>
+            <a:r>
+              <a:rPr lang="en-US" dirty="0" smtClean="0"/>
+              <a:t>CONSTRAINT </a:t>
+            </a:r>
+            <a:r>
+              <a:rPr lang="en-US" dirty="0" err="1" smtClean="0"/>
+              <a:t>pk_workhours_id</a:t>
+            </a:r>
+            <a:r>
+              <a:rPr lang="en-US" dirty="0" smtClean="0"/>
+              <a:t> PRIMARY KEY (id),</a:t>
+            </a:r>
+          </a:p>
+          <a:p>
+            <a:pPr marL="0" indent="0">
+              <a:buNone/>
+            </a:pPr>
+            <a:r>
+              <a:rPr lang="en-US" dirty="0"/>
+              <a:t>	</a:t>
+            </a:r>
+            <a:r>
+              <a:rPr lang="en-US" dirty="0" smtClean="0"/>
+              <a:t>INDEX </a:t>
+            </a:r>
+            <a:r>
+              <a:rPr lang="en-US" dirty="0" err="1" smtClean="0"/>
+              <a:t>idx_workhours_date_hours</a:t>
+            </a:r>
+            <a:r>
+              <a:rPr lang="en-US" dirty="0" smtClean="0"/>
+              <a:t> (</a:t>
+            </a:r>
+            <a:r>
+              <a:rPr lang="en-US" dirty="0" err="1" smtClean="0"/>
+              <a:t>workdate</a:t>
+            </a:r>
+            <a:r>
+              <a:rPr lang="en-US" dirty="0" smtClean="0"/>
+              <a:t>, workhours),</a:t>
+            </a:r>
+          </a:p>
+          <a:p>
+            <a:pPr marL="0" indent="0">
+              <a:buNone/>
+            </a:pPr>
+            <a:r>
+              <a:rPr lang="en-US" dirty="0"/>
+              <a:t>	</a:t>
+            </a:r>
+            <a:r>
+              <a:rPr lang="en-US" dirty="0" smtClean="0"/>
+              <a:t>CONSTRAINT </a:t>
+            </a:r>
+            <a:r>
+              <a:rPr lang="en-US" dirty="0" err="1" smtClean="0"/>
+              <a:t>fk_workhours_employees_no</a:t>
+            </a:r>
+            <a:r>
+              <a:rPr lang="en-US" dirty="0" smtClean="0"/>
+              <a:t> FOREIGN KEY (</a:t>
+            </a:r>
+            <a:r>
+              <a:rPr lang="en-US" dirty="0" err="1" smtClean="0"/>
+              <a:t>empno</a:t>
+            </a:r>
+            <a:r>
+              <a:rPr lang="en-US" dirty="0" smtClean="0"/>
+              <a:t>)</a:t>
+            </a:r>
+          </a:p>
+          <a:p>
+            <a:pPr marL="0" indent="0">
+              <a:buNone/>
+            </a:pPr>
+            <a:r>
+              <a:rPr lang="en-US" dirty="0"/>
+              <a:t>	</a:t>
+            </a:r>
+            <a:r>
+              <a:rPr lang="en-US" dirty="0" smtClean="0"/>
+              <a:t>	REFERENCES employees (</a:t>
+            </a:r>
+            <a:r>
+              <a:rPr lang="en-US" dirty="0" err="1" smtClean="0"/>
+              <a:t>empno</a:t>
+            </a:r>
+            <a:r>
+              <a:rPr lang="en-US" dirty="0" smtClean="0"/>
+              <a:t>)</a:t>
+            </a:r>
+          </a:p>
+          <a:p>
+            <a:pPr marL="0" indent="0">
+              <a:buNone/>
+            </a:pPr>
+            <a:r>
+              <a:rPr lang="en-US" dirty="0" smtClean="0"/>
+              <a:t>);</a:t>
+            </a:r>
+            <a:endParaRPr lang="en-US" dirty="0"/>
+          </a:p>
+        </p:txBody>
+      </p:sp>
+    </p:spTree>
+    <p:extLst>
+      <p:ext uri="{BB962C8B-B14F-4D97-AF65-F5344CB8AC3E}">
+        <p14:creationId xmlns:p14="http://schemas.microsoft.com/office/powerpoint/2010/main" val="1483079619"/>
       </p:ext>
     </p:extLst>
   </p:cSld>
@@ -6420,11 +7609,14 @@
           <a:p>
             <a:r>
               <a:rPr lang="en-US" dirty="0" smtClean="0"/>
-              <a:t>DB </a:t>
-            </a:r>
-            <a:r>
-              <a:rPr lang="en-US" dirty="0" smtClean="0"/>
-              <a:t>around us</a:t>
+              <a:t>Goal</a:t>
+            </a:r>
+            <a:endParaRPr lang="en-US" dirty="0" smtClean="0"/>
+          </a:p>
+          <a:p>
+            <a:r>
+              <a:rPr lang="en-US" dirty="0" smtClean="0"/>
+              <a:t>DB around us</a:t>
             </a:r>
           </a:p>
           <a:p>
@@ -6603,7 +7795,7 @@
           <a:p>
             <a:r>
               <a:rPr lang="en-US" dirty="0" smtClean="0"/>
-              <a:t>DB in daily use</a:t>
+              <a:t>Goal</a:t>
             </a:r>
             <a:endParaRPr lang="en-US" dirty="0"/>
           </a:p>
@@ -6626,60 +7818,69 @@
           <a:p>
             <a:r>
               <a:rPr lang="en-US" dirty="0" smtClean="0"/>
-              <a:t>Search engines</a:t>
-            </a:r>
-          </a:p>
-          <a:p>
-            <a:r>
-              <a:rPr lang="en-US" dirty="0" smtClean="0"/>
-              <a:t>Android/iOS</a:t>
-            </a:r>
-          </a:p>
-          <a:p>
-            <a:r>
-              <a:rPr lang="en-US" dirty="0" smtClean="0"/>
-              <a:t>Browsers</a:t>
-            </a:r>
-          </a:p>
-          <a:p>
-            <a:r>
-              <a:rPr lang="en-US" dirty="0" smtClean="0"/>
-              <a:t>Excel/Access</a:t>
-            </a:r>
-          </a:p>
-          <a:p>
-            <a:r>
-              <a:rPr lang="en-US" dirty="0" smtClean="0"/>
-              <a:t>Email systems</a:t>
-            </a:r>
-          </a:p>
-          <a:p>
-            <a:r>
-              <a:rPr lang="en-US" dirty="0" smtClean="0"/>
-              <a:t>Social media</a:t>
-            </a:r>
-          </a:p>
-          <a:p>
-            <a:pPr marL="0" indent="0">
-              <a:buNone/>
-            </a:pPr>
+              <a:t>Help you succeed with the power of good data</a:t>
+            </a:r>
+          </a:p>
+          <a:p>
+            <a:r>
+              <a:rPr lang="en-US" dirty="0" smtClean="0"/>
+              <a:t>Showcase the power and use of databases</a:t>
+            </a:r>
+          </a:p>
+          <a:p>
+            <a:r>
+              <a:rPr lang="en-US" dirty="0" smtClean="0"/>
+              <a:t>Faster access to data</a:t>
+            </a:r>
+          </a:p>
+          <a:p>
+            <a:r>
+              <a:rPr lang="en-US" dirty="0" smtClean="0"/>
+              <a:t>Career paths:</a:t>
+            </a:r>
+          </a:p>
+          <a:p>
+            <a:pPr lvl="1"/>
+            <a:r>
+              <a:rPr lang="en-US" dirty="0" smtClean="0"/>
+              <a:t>Database Developer/Database Administrator</a:t>
+            </a:r>
+          </a:p>
+          <a:p>
+            <a:pPr lvl="1"/>
+            <a:r>
+              <a:rPr lang="en-US" dirty="0" smtClean="0"/>
+              <a:t>Data Architect/Database Manager</a:t>
+            </a:r>
+          </a:p>
+          <a:p>
+            <a:pPr lvl="1"/>
+            <a:r>
+              <a:rPr lang="en-US" dirty="0" smtClean="0"/>
+              <a:t>Data Scientist</a:t>
+            </a:r>
+          </a:p>
+          <a:p>
+            <a:pPr lvl="1"/>
+            <a:r>
+              <a:rPr lang="en-US" dirty="0" smtClean="0"/>
+              <a:t>Business Intelligence Engineer</a:t>
+            </a:r>
+          </a:p>
+          <a:p>
+            <a:pPr lvl="1"/>
+            <a:r>
+              <a:rPr lang="en-US" dirty="0" smtClean="0"/>
+              <a:t>Director or VP of Enterprise Data</a:t>
+            </a:r>
             <a:endParaRPr lang="en-US" dirty="0"/>
-          </a:p>
-          <a:p>
-            <a:pPr marL="0" indent="0">
-              <a:buNone/>
-            </a:pPr>
-            <a:r>
-              <a:rPr lang="en-US" dirty="0" smtClean="0"/>
-              <a:t>Many products that we use today store data in databases. It’s all around us.</a:t>
-            </a:r>
           </a:p>
         </p:txBody>
       </p:sp>
     </p:spTree>
     <p:extLst>
       <p:ext uri="{BB962C8B-B14F-4D97-AF65-F5344CB8AC3E}">
-        <p14:creationId xmlns:p14="http://schemas.microsoft.com/office/powerpoint/2010/main" val="3118407676"/>
+        <p14:creationId xmlns:p14="http://schemas.microsoft.com/office/powerpoint/2010/main" val="1962500766"/>
       </p:ext>
     </p:extLst>
   </p:cSld>
@@ -6723,7 +7924,7 @@
           <a:p>
             <a:r>
               <a:rPr lang="en-US" dirty="0" smtClean="0"/>
-              <a:t>Why MySQL</a:t>
+              <a:t>DB in daily use</a:t>
             </a:r>
             <a:endParaRPr lang="en-US" dirty="0"/>
           </a:p>
@@ -6746,40 +7947,60 @@
           <a:p>
             <a:r>
               <a:rPr lang="en-US" dirty="0" smtClean="0"/>
-              <a:t>Open Source (GPL License)</a:t>
-            </a:r>
-          </a:p>
-          <a:p>
-            <a:r>
-              <a:rPr lang="en-US" dirty="0" smtClean="0"/>
-              <a:t>Cross-platform</a:t>
-            </a:r>
-          </a:p>
-          <a:p>
-            <a:r>
-              <a:rPr lang="en-US" dirty="0" smtClean="0"/>
-              <a:t>Easy to install and use</a:t>
-            </a:r>
-          </a:p>
-          <a:p>
-            <a:r>
-              <a:rPr lang="en-US" dirty="0" smtClean="0"/>
-              <a:t>Easily available</a:t>
-            </a:r>
-          </a:p>
-          <a:p>
-            <a:r>
-              <a:rPr lang="en-US" dirty="0" smtClean="0"/>
-              <a:t>Great community support</a:t>
-            </a:r>
+              <a:t>Search engines</a:t>
+            </a:r>
+          </a:p>
+          <a:p>
+            <a:r>
+              <a:rPr lang="en-US" dirty="0" smtClean="0"/>
+              <a:t>Android/iOS</a:t>
+            </a:r>
+          </a:p>
+          <a:p>
+            <a:r>
+              <a:rPr lang="en-US" dirty="0" smtClean="0"/>
+              <a:t>Browsers</a:t>
+            </a:r>
+          </a:p>
+          <a:p>
+            <a:r>
+              <a:rPr lang="en-US" dirty="0" smtClean="0"/>
+              <a:t>Excel/Access</a:t>
+            </a:r>
+          </a:p>
+          <a:p>
+            <a:r>
+              <a:rPr lang="en-US" dirty="0" smtClean="0"/>
+              <a:t>Email systems</a:t>
+            </a:r>
+          </a:p>
+          <a:p>
+            <a:r>
+              <a:rPr lang="en-US" dirty="0" smtClean="0"/>
+              <a:t>Social media</a:t>
+            </a:r>
+          </a:p>
+          <a:p>
+            <a:pPr marL="0" indent="0">
+              <a:buNone/>
+            </a:pPr>
             <a:endParaRPr lang="en-US" dirty="0"/>
+          </a:p>
+          <a:p>
+            <a:pPr marL="0" indent="0">
+              <a:buNone/>
+            </a:pPr>
+            <a:r>
+              <a:rPr lang="en-US" dirty="0" smtClean="0"/>
+              <a:t>Many products that we use today store data in databases. It’s all around us.</a:t>
+            </a:r>
           </a:p>
         </p:txBody>
       </p:sp>
     </p:spTree>
     <p:extLst>
       <p:ext uri="{BB962C8B-B14F-4D97-AF65-F5344CB8AC3E}">
-        <p14:creationId xmlns:p14="http://schemas.microsoft.com/office/powerpoint/2010/main" val="451513678"/>
+        <p14:creationId xmlns:p14="http://schemas.microsoft.com/office/powerpoint/2010/main" val="3118407676"/>
       </p:ext>
     </p:extLst>
   </p:cSld>
@@ -6823,7 +8044,7 @@
           <a:p>
             <a:r>
               <a:rPr lang="en-US" dirty="0" smtClean="0"/>
-              <a:t>Installing MySQL</a:t>
+              <a:t>Why MySQL</a:t>
             </a:r>
             <a:endParaRPr lang="en-US" dirty="0"/>
           </a:p>
@@ -6845,70 +8066,33 @@
           <a:lstStyle/>
           <a:p>
             <a:r>
-              <a:rPr lang="en-US" dirty="0" smtClean="0">
-                <a:hlinkClick r:id="rId2"/>
-              </a:rPr>
-              <a:t>http</a:t>
-            </a:r>
-            <a:r>
-              <a:rPr lang="en-US" dirty="0">
-                <a:hlinkClick r:id="rId2"/>
-              </a:rPr>
-              <a:t>://zedfox.us/blog/install-mysql-5-7-on-windows-10</a:t>
-            </a:r>
-            <a:r>
-              <a:rPr lang="en-US" dirty="0" smtClean="0">
-                <a:hlinkClick r:id="rId2"/>
-              </a:rPr>
-              <a:t>/</a:t>
-            </a:r>
-            <a:r>
-              <a:rPr lang="en-US" dirty="0" smtClean="0"/>
-              <a:t> for Windows users</a:t>
-            </a:r>
-          </a:p>
-          <a:p>
-            <a:r>
-              <a:rPr lang="en-US" dirty="0" smtClean="0"/>
-              <a:t>I’ll assist Mac and GNU/Linux users</a:t>
-            </a:r>
-          </a:p>
-          <a:p>
-            <a:r>
-              <a:rPr lang="en-US" dirty="0" smtClean="0"/>
-              <a:t>What to install?</a:t>
-            </a:r>
-          </a:p>
-          <a:p>
-            <a:pPr lvl="1"/>
-            <a:r>
-              <a:rPr lang="en-US" dirty="0" smtClean="0"/>
-              <a:t>Server</a:t>
-            </a:r>
-          </a:p>
-          <a:p>
-            <a:pPr lvl="1"/>
-            <a:r>
-              <a:rPr lang="en-US" dirty="0" smtClean="0"/>
-              <a:t>Workbench</a:t>
-            </a:r>
-          </a:p>
-          <a:p>
-            <a:pPr lvl="1"/>
-            <a:r>
-              <a:rPr lang="en-US" dirty="0" smtClean="0"/>
-              <a:t>Sample</a:t>
-            </a:r>
-          </a:p>
-          <a:p>
-            <a:pPr lvl="1"/>
-            <a:r>
-              <a:rPr lang="en-US" dirty="0" smtClean="0"/>
-              <a:t>Documentation (optional)</a:t>
-            </a:r>
-          </a:p>
-          <a:p>
-            <a:pPr lvl="1"/>
+              <a:rPr lang="en-US" dirty="0" smtClean="0"/>
+              <a:t>Open Source (GPL License)</a:t>
+            </a:r>
+          </a:p>
+          <a:p>
+            <a:r>
+              <a:rPr lang="en-US" dirty="0" smtClean="0"/>
+              <a:t>Cross-platform</a:t>
+            </a:r>
+          </a:p>
+          <a:p>
+            <a:r>
+              <a:rPr lang="en-US" dirty="0" smtClean="0"/>
+              <a:t>Easy to install and use</a:t>
+            </a:r>
+          </a:p>
+          <a:p>
+            <a:r>
+              <a:rPr lang="en-US" dirty="0" smtClean="0"/>
+              <a:t>Easily available</a:t>
+            </a:r>
+          </a:p>
+          <a:p>
+            <a:r>
+              <a:rPr lang="en-US" dirty="0" smtClean="0"/>
+              <a:t>Great community support</a:t>
+            </a:r>
             <a:endParaRPr lang="en-US" dirty="0"/>
           </a:p>
         </p:txBody>
@@ -6916,7 +8100,7 @@
     </p:spTree>
     <p:extLst>
       <p:ext uri="{BB962C8B-B14F-4D97-AF65-F5344CB8AC3E}">
-        <p14:creationId xmlns:p14="http://schemas.microsoft.com/office/powerpoint/2010/main" val="1321342305"/>
+        <p14:creationId xmlns:p14="http://schemas.microsoft.com/office/powerpoint/2010/main" val="451513678"/>
       </p:ext>
     </p:extLst>
   </p:cSld>
@@ -6960,7 +8144,7 @@
           <a:p>
             <a:r>
               <a:rPr lang="en-US" dirty="0" smtClean="0"/>
-              <a:t>Day 2: Exploring database</a:t>
+              <a:t>Installing MySQL</a:t>
             </a:r>
             <a:endParaRPr lang="en-US" dirty="0"/>
           </a:p>
@@ -6976,84 +8160,76 @@
             <p:ph idx="1"/>
           </p:nvPr>
         </p:nvSpPr>
-        <p:spPr>
-          <a:xfrm>
-            <a:off x="1103312" y="2052918"/>
-            <a:ext cx="8946541" cy="4262538"/>
-          </a:xfrm>
-        </p:spPr>
-        <p:txBody>
-          <a:bodyPr>
-            <a:normAutofit/>
-          </a:bodyPr>
-          <a:lstStyle/>
-          <a:p>
-            <a:r>
-              <a:rPr lang="en-US" dirty="0" smtClean="0"/>
-              <a:t>Let’s see what Workbench shows us</a:t>
-            </a:r>
-          </a:p>
-          <a:p>
-            <a:r>
-              <a:rPr lang="en-US" dirty="0" smtClean="0"/>
-              <a:t>Database terminologies</a:t>
+        <p:spPr/>
+        <p:txBody>
+          <a:bodyPr/>
+          <a:lstStyle/>
+          <a:p>
+            <a:r>
+              <a:rPr lang="en-US" dirty="0" smtClean="0">
+                <a:hlinkClick r:id="rId2"/>
+              </a:rPr>
+              <a:t>http</a:t>
+            </a:r>
+            <a:r>
+              <a:rPr lang="en-US" dirty="0">
+                <a:hlinkClick r:id="rId2"/>
+              </a:rPr>
+              <a:t>://zedfox.us/blog/install-mysql-5-7-on-windows-10</a:t>
+            </a:r>
+            <a:r>
+              <a:rPr lang="en-US" dirty="0" smtClean="0">
+                <a:hlinkClick r:id="rId2"/>
+              </a:rPr>
+              <a:t>/</a:t>
+            </a:r>
+            <a:r>
+              <a:rPr lang="en-US" dirty="0" smtClean="0"/>
+              <a:t> for Windows users</a:t>
+            </a:r>
+          </a:p>
+          <a:p>
+            <a:r>
+              <a:rPr lang="en-US" dirty="0" smtClean="0"/>
+              <a:t>I’ll assist Mac and GNU/Linux users</a:t>
+            </a:r>
+          </a:p>
+          <a:p>
+            <a:r>
+              <a:rPr lang="en-US" dirty="0" smtClean="0"/>
+              <a:t>What to install?</a:t>
             </a:r>
           </a:p>
           <a:p>
             <a:pPr lvl="1"/>
             <a:r>
               <a:rPr lang="en-US" dirty="0" smtClean="0"/>
-              <a:t>Server: Operating System</a:t>
+              <a:t>Server</a:t>
             </a:r>
           </a:p>
           <a:p>
             <a:pPr lvl="1"/>
             <a:r>
               <a:rPr lang="en-US" dirty="0" smtClean="0"/>
-              <a:t>Server: Database server</a:t>
+              <a:t>Workbench</a:t>
             </a:r>
           </a:p>
           <a:p>
             <a:pPr lvl="1"/>
             <a:r>
               <a:rPr lang="en-US" dirty="0" smtClean="0"/>
-              <a:t>Database instance</a:t>
+              <a:t>Sample</a:t>
             </a:r>
           </a:p>
           <a:p>
             <a:pPr lvl="1"/>
             <a:r>
               <a:rPr lang="en-US" dirty="0" smtClean="0"/>
-              <a:t>Schema</a:t>
-            </a:r>
-          </a:p>
-          <a:p>
-            <a:pPr lvl="2"/>
-            <a:r>
-              <a:rPr lang="en-US" dirty="0" smtClean="0"/>
-              <a:t>Table – has constraints, keys, triggers</a:t>
-            </a:r>
-          </a:p>
-          <a:p>
-            <a:pPr lvl="2"/>
-            <a:r>
-              <a:rPr lang="en-US" dirty="0" smtClean="0"/>
-              <a:t>View</a:t>
-            </a:r>
-          </a:p>
-          <a:p>
-            <a:pPr lvl="2"/>
-            <a:r>
-              <a:rPr lang="en-US" dirty="0" smtClean="0"/>
-              <a:t>Stored procedures</a:t>
-            </a:r>
-          </a:p>
-          <a:p>
-            <a:pPr lvl="2"/>
-            <a:r>
-              <a:rPr lang="en-US" dirty="0" smtClean="0"/>
-              <a:t>Functions</a:t>
-            </a:r>
+              <a:t>Documentation (optional)</a:t>
+            </a:r>
+          </a:p>
+          <a:p>
+            <a:pPr lvl="1"/>
             <a:endParaRPr lang="en-US" dirty="0"/>
           </a:p>
         </p:txBody>
@@ -7061,7 +8237,7 @@
     </p:spTree>
     <p:extLst>
       <p:ext uri="{BB962C8B-B14F-4D97-AF65-F5344CB8AC3E}">
-        <p14:creationId xmlns:p14="http://schemas.microsoft.com/office/powerpoint/2010/main" val="86598072"/>
+        <p14:creationId xmlns:p14="http://schemas.microsoft.com/office/powerpoint/2010/main" val="1321342305"/>
       </p:ext>
     </p:extLst>
   </p:cSld>
@@ -7105,7 +8281,7 @@
           <a:p>
             <a:r>
               <a:rPr lang="en-US" dirty="0" smtClean="0"/>
-              <a:t>Workbench</a:t>
+              <a:t>Day 2: Exploring database</a:t>
             </a:r>
             <a:endParaRPr lang="en-US" dirty="0"/>
           </a:p>
@@ -7121,50 +8297,83 @@
             <p:ph idx="1"/>
           </p:nvPr>
         </p:nvSpPr>
-        <p:spPr/>
-        <p:txBody>
-          <a:bodyPr/>
-          <a:lstStyle/>
-          <a:p>
-            <a:r>
-              <a:rPr lang="en-US" dirty="0" smtClean="0"/>
-              <a:t>Items that interest Database Administrators</a:t>
-            </a:r>
-          </a:p>
-          <a:p>
-            <a:r>
-              <a:rPr lang="en-US" dirty="0" smtClean="0"/>
-              <a:t>Server status</a:t>
-            </a:r>
-          </a:p>
-          <a:p>
-            <a:r>
-              <a:rPr lang="en-US" dirty="0" smtClean="0"/>
-              <a:t>Users</a:t>
-            </a:r>
-          </a:p>
-          <a:p>
-            <a:r>
-              <a:rPr lang="en-US" dirty="0" smtClean="0"/>
-              <a:t>Client connections</a:t>
-            </a:r>
-          </a:p>
-          <a:p>
-            <a:r>
-              <a:rPr lang="en-US" dirty="0" smtClean="0"/>
-              <a:t>Variables</a:t>
-            </a:r>
-          </a:p>
-          <a:p>
-            <a:r>
-              <a:rPr lang="en-US" dirty="0" smtClean="0"/>
-              <a:t>Performance</a:t>
-            </a:r>
-          </a:p>
-          <a:p>
-            <a:r>
-              <a:rPr lang="en-US" dirty="0" smtClean="0"/>
-              <a:t>Other management tasks</a:t>
+        <p:spPr>
+          <a:xfrm>
+            <a:off x="1103312" y="2052918"/>
+            <a:ext cx="8946541" cy="4262538"/>
+          </a:xfrm>
+        </p:spPr>
+        <p:txBody>
+          <a:bodyPr>
+            <a:normAutofit/>
+          </a:bodyPr>
+          <a:lstStyle/>
+          <a:p>
+            <a:r>
+              <a:rPr lang="en-US" dirty="0" smtClean="0"/>
+              <a:t>Let’s see what Workbench shows us</a:t>
+            </a:r>
+          </a:p>
+          <a:p>
+            <a:r>
+              <a:rPr lang="en-US" dirty="0" smtClean="0"/>
+              <a:t>Database terminologies</a:t>
+            </a:r>
+          </a:p>
+          <a:p>
+            <a:pPr lvl="1"/>
+            <a:r>
+              <a:rPr lang="en-US" dirty="0" smtClean="0"/>
+              <a:t>Server: Operating System</a:t>
+            </a:r>
+          </a:p>
+          <a:p>
+            <a:pPr lvl="1"/>
+            <a:r>
+              <a:rPr lang="en-US" dirty="0" smtClean="0"/>
+              <a:t>Server: Database server</a:t>
+            </a:r>
+          </a:p>
+          <a:p>
+            <a:pPr lvl="1"/>
+            <a:r>
+              <a:rPr lang="en-US" dirty="0" smtClean="0"/>
+              <a:t>Database instance</a:t>
+            </a:r>
+          </a:p>
+          <a:p>
+            <a:pPr lvl="1"/>
+            <a:r>
+              <a:rPr lang="en-US" dirty="0" smtClean="0"/>
+              <a:t>Schema</a:t>
+            </a:r>
+          </a:p>
+          <a:p>
+            <a:pPr lvl="2"/>
+            <a:r>
+              <a:rPr lang="en-US" dirty="0" smtClean="0"/>
+              <a:t>Table – has constraints, keys, triggers</a:t>
+            </a:r>
+          </a:p>
+          <a:p>
+            <a:pPr lvl="2"/>
+            <a:r>
+              <a:rPr lang="en-US" dirty="0" smtClean="0"/>
+              <a:t>View</a:t>
+            </a:r>
+          </a:p>
+          <a:p>
+            <a:pPr lvl="2"/>
+            <a:r>
+              <a:rPr lang="en-US" dirty="0" smtClean="0"/>
+              <a:t>Stored procedures</a:t>
+            </a:r>
+          </a:p>
+          <a:p>
+            <a:pPr lvl="2"/>
+            <a:r>
+              <a:rPr lang="en-US" dirty="0" smtClean="0"/>
+              <a:t>Functions</a:t>
             </a:r>
             <a:endParaRPr lang="en-US" dirty="0"/>
           </a:p>
@@ -7173,7 +8382,7 @@
     </p:spTree>
     <p:extLst>
       <p:ext uri="{BB962C8B-B14F-4D97-AF65-F5344CB8AC3E}">
-        <p14:creationId xmlns:p14="http://schemas.microsoft.com/office/powerpoint/2010/main" val="1236169324"/>
+        <p14:creationId xmlns:p14="http://schemas.microsoft.com/office/powerpoint/2010/main" val="86598072"/>
       </p:ext>
     </p:extLst>
   </p:cSld>
@@ -7217,7 +8426,7 @@
           <a:p>
             <a:r>
               <a:rPr lang="en-US" dirty="0" smtClean="0"/>
-              <a:t>Database objects</a:t>
+              <a:t>Workbench</a:t>
             </a:r>
             <a:endParaRPr lang="en-US" dirty="0"/>
           </a:p>
@@ -7240,45 +8449,44 @@
           <a:p>
             <a:r>
               <a:rPr lang="en-US" dirty="0" smtClean="0"/>
-              <a:t>Items that interest Database Developers</a:t>
-            </a:r>
-          </a:p>
-          <a:p>
-            <a:r>
-              <a:rPr lang="en-US" dirty="0" smtClean="0"/>
-              <a:t>Schema</a:t>
-            </a:r>
-            <a:endParaRPr lang="en-US" dirty="0"/>
-          </a:p>
-          <a:p>
-            <a:pPr lvl="1"/>
-            <a:r>
-              <a:rPr lang="en-US" dirty="0"/>
-              <a:t>Table – has constraints, keys, triggers</a:t>
-            </a:r>
-          </a:p>
-          <a:p>
-            <a:pPr lvl="1"/>
-            <a:r>
-              <a:rPr lang="en-US" dirty="0"/>
-              <a:t>View</a:t>
-            </a:r>
-          </a:p>
-          <a:p>
-            <a:pPr lvl="1"/>
-            <a:r>
-              <a:rPr lang="en-US" dirty="0"/>
-              <a:t>Stored procedures</a:t>
-            </a:r>
-          </a:p>
-          <a:p>
-            <a:pPr lvl="1"/>
-            <a:r>
-              <a:rPr lang="en-US" dirty="0"/>
-              <a:t>Functions</a:t>
-            </a:r>
-          </a:p>
-          <a:p>
+              <a:t>Items that interest Database Administrators</a:t>
+            </a:r>
+          </a:p>
+          <a:p>
+            <a:r>
+              <a:rPr lang="en-US" dirty="0" smtClean="0"/>
+              <a:t>Server status</a:t>
+            </a:r>
+          </a:p>
+          <a:p>
+            <a:r>
+              <a:rPr lang="en-US" dirty="0" smtClean="0"/>
+              <a:t>Users</a:t>
+            </a:r>
+          </a:p>
+          <a:p>
+            <a:r>
+              <a:rPr lang="en-US" dirty="0" smtClean="0"/>
+              <a:t>Client connections</a:t>
+            </a:r>
+          </a:p>
+          <a:p>
+            <a:r>
+              <a:rPr lang="en-US" dirty="0" smtClean="0"/>
+              <a:t>Variables</a:t>
+            </a:r>
+          </a:p>
+          <a:p>
+            <a:r>
+              <a:rPr lang="en-US" dirty="0" smtClean="0"/>
+              <a:t>Performance</a:t>
+            </a:r>
+          </a:p>
+          <a:p>
+            <a:r>
+              <a:rPr lang="en-US" dirty="0" smtClean="0"/>
+              <a:t>Other management tasks</a:t>
+            </a:r>
             <a:endParaRPr lang="en-US" dirty="0"/>
           </a:p>
         </p:txBody>
@@ -7286,7 +8494,7 @@
     </p:spTree>
     <p:extLst>
       <p:ext uri="{BB962C8B-B14F-4D97-AF65-F5344CB8AC3E}">
-        <p14:creationId xmlns:p14="http://schemas.microsoft.com/office/powerpoint/2010/main" val="3209666376"/>
+        <p14:creationId xmlns:p14="http://schemas.microsoft.com/office/powerpoint/2010/main" val="1236169324"/>
       </p:ext>
     </p:extLst>
   </p:cSld>

--- a/Presentation/Database-Bootcamp-Presentation.pptx
+++ b/Presentation/Database-Bootcamp-Presentation.pptx
@@ -23,6 +23,12 @@
     <p:sldId id="271" r:id="rId17"/>
     <p:sldId id="272" r:id="rId18"/>
     <p:sldId id="273" r:id="rId19"/>
+    <p:sldId id="274" r:id="rId20"/>
+    <p:sldId id="275" r:id="rId21"/>
+    <p:sldId id="279" r:id="rId22"/>
+    <p:sldId id="276" r:id="rId23"/>
+    <p:sldId id="277" r:id="rId24"/>
+    <p:sldId id="278" r:id="rId25"/>
   </p:sldIdLst>
   <p:sldSz cx="12192000" cy="6858000"/>
   <p:notesSz cx="6858000" cy="9144000"/>
@@ -315,7 +321,7 @@
           <a:p>
             <a:fld id="{9DC1F441-9BCC-4383-B80D-68C31DF95A71}" type="datetimeFigureOut">
               <a:rPr lang="en-US" smtClean="0"/>
-              <a:t>1/4/2016</a:t>
+              <a:t>1/5/2016</a:t>
             </a:fld>
             <a:endParaRPr lang="en-US"/>
           </a:p>
@@ -595,7 +601,7 @@
           <a:p>
             <a:fld id="{9DC1F441-9BCC-4383-B80D-68C31DF95A71}" type="datetimeFigureOut">
               <a:rPr lang="en-US" smtClean="0"/>
-              <a:t>1/4/2016</a:t>
+              <a:t>1/5/2016</a:t>
             </a:fld>
             <a:endParaRPr lang="en-US"/>
           </a:p>
@@ -789,7 +795,7 @@
           <a:p>
             <a:fld id="{9DC1F441-9BCC-4383-B80D-68C31DF95A71}" type="datetimeFigureOut">
               <a:rPr lang="en-US" smtClean="0"/>
-              <a:t>1/4/2016</a:t>
+              <a:t>1/5/2016</a:t>
             </a:fld>
             <a:endParaRPr lang="en-US"/>
           </a:p>
@@ -1062,7 +1068,7 @@
           <a:p>
             <a:fld id="{9DC1F441-9BCC-4383-B80D-68C31DF95A71}" type="datetimeFigureOut">
               <a:rPr lang="en-US" smtClean="0"/>
-              <a:t>1/4/2016</a:t>
+              <a:t>1/5/2016</a:t>
             </a:fld>
             <a:endParaRPr lang="en-US"/>
           </a:p>
@@ -1403,7 +1409,7 @@
           <a:p>
             <a:fld id="{9DC1F441-9BCC-4383-B80D-68C31DF95A71}" type="datetimeFigureOut">
               <a:rPr lang="en-US" smtClean="0"/>
-              <a:t>1/4/2016</a:t>
+              <a:t>1/5/2016</a:t>
             </a:fld>
             <a:endParaRPr lang="en-US"/>
           </a:p>
@@ -2026,7 +2032,7 @@
           <a:p>
             <a:fld id="{9DC1F441-9BCC-4383-B80D-68C31DF95A71}" type="datetimeFigureOut">
               <a:rPr lang="en-US" smtClean="0"/>
-              <a:t>1/4/2016</a:t>
+              <a:t>1/5/2016</a:t>
             </a:fld>
             <a:endParaRPr lang="en-US"/>
           </a:p>
@@ -2886,7 +2892,7 @@
           <a:p>
             <a:fld id="{9DC1F441-9BCC-4383-B80D-68C31DF95A71}" type="datetimeFigureOut">
               <a:rPr lang="en-US" smtClean="0"/>
-              <a:t>1/4/2016</a:t>
+              <a:t>1/5/2016</a:t>
             </a:fld>
             <a:endParaRPr lang="en-US"/>
           </a:p>
@@ -3056,7 +3062,7 @@
           <a:p>
             <a:fld id="{9DC1F441-9BCC-4383-B80D-68C31DF95A71}" type="datetimeFigureOut">
               <a:rPr lang="en-US" smtClean="0"/>
-              <a:t>1/4/2016</a:t>
+              <a:t>1/5/2016</a:t>
             </a:fld>
             <a:endParaRPr lang="en-US"/>
           </a:p>
@@ -3236,7 +3242,7 @@
           <a:p>
             <a:fld id="{9DC1F441-9BCC-4383-B80D-68C31DF95A71}" type="datetimeFigureOut">
               <a:rPr lang="en-US" smtClean="0"/>
-              <a:t>1/4/2016</a:t>
+              <a:t>1/5/2016</a:t>
             </a:fld>
             <a:endParaRPr lang="en-US"/>
           </a:p>
@@ -3411,7 +3417,7 @@
           <a:p>
             <a:fld id="{9DC1F441-9BCC-4383-B80D-68C31DF95A71}" type="datetimeFigureOut">
               <a:rPr lang="en-US" smtClean="0"/>
-              <a:t>1/4/2016</a:t>
+              <a:t>1/5/2016</a:t>
             </a:fld>
             <a:endParaRPr lang="en-US"/>
           </a:p>
@@ -3658,7 +3664,7 @@
           <a:p>
             <a:fld id="{9DC1F441-9BCC-4383-B80D-68C31DF95A71}" type="datetimeFigureOut">
               <a:rPr lang="en-US" smtClean="0"/>
-              <a:t>1/4/2016</a:t>
+              <a:t>1/5/2016</a:t>
             </a:fld>
             <a:endParaRPr lang="en-US"/>
           </a:p>
@@ -3955,7 +3961,7 @@
           <a:p>
             <a:fld id="{9DC1F441-9BCC-4383-B80D-68C31DF95A71}" type="datetimeFigureOut">
               <a:rPr lang="en-US" smtClean="0"/>
-              <a:t>1/4/2016</a:t>
+              <a:t>1/5/2016</a:t>
             </a:fld>
             <a:endParaRPr lang="en-US"/>
           </a:p>
@@ -4399,7 +4405,7 @@
           <a:p>
             <a:fld id="{9DC1F441-9BCC-4383-B80D-68C31DF95A71}" type="datetimeFigureOut">
               <a:rPr lang="en-US" smtClean="0"/>
-              <a:t>1/4/2016</a:t>
+              <a:t>1/5/2016</a:t>
             </a:fld>
             <a:endParaRPr lang="en-US"/>
           </a:p>
@@ -4517,7 +4523,7 @@
           <a:p>
             <a:fld id="{9DC1F441-9BCC-4383-B80D-68C31DF95A71}" type="datetimeFigureOut">
               <a:rPr lang="en-US" smtClean="0"/>
-              <a:t>1/4/2016</a:t>
+              <a:t>1/5/2016</a:t>
             </a:fld>
             <a:endParaRPr lang="en-US"/>
           </a:p>
@@ -4612,7 +4618,7 @@
           <a:p>
             <a:fld id="{9DC1F441-9BCC-4383-B80D-68C31DF95A71}" type="datetimeFigureOut">
               <a:rPr lang="en-US" smtClean="0"/>
-              <a:t>1/4/2016</a:t>
+              <a:t>1/5/2016</a:t>
             </a:fld>
             <a:endParaRPr lang="en-US"/>
           </a:p>
@@ -4896,7 +4902,7 @@
           <a:p>
             <a:fld id="{9DC1F441-9BCC-4383-B80D-68C31DF95A71}" type="datetimeFigureOut">
               <a:rPr lang="en-US" smtClean="0"/>
-              <a:t>1/4/2016</a:t>
+              <a:t>1/5/2016</a:t>
             </a:fld>
             <a:endParaRPr lang="en-US"/>
           </a:p>
@@ -5176,7 +5182,7 @@
           <a:p>
             <a:fld id="{9DC1F441-9BCC-4383-B80D-68C31DF95A71}" type="datetimeFigureOut">
               <a:rPr lang="en-US" smtClean="0"/>
-              <a:t>1/4/2016</a:t>
+              <a:t>1/5/2016</a:t>
             </a:fld>
             <a:endParaRPr lang="en-US"/>
           </a:p>
@@ -5605,7 +5611,7 @@
           <a:p>
             <a:fld id="{9DC1F441-9BCC-4383-B80D-68C31DF95A71}" type="datetimeFigureOut">
               <a:rPr lang="en-US" smtClean="0"/>
-              <a:t>1/4/2016</a:t>
+              <a:t>1/5/2016</a:t>
             </a:fld>
             <a:endParaRPr lang="en-US"/>
           </a:p>
@@ -7546,6 +7552,100 @@
 </p:sld>
 </file>
 
+<file path=ppt/slides/slide19.xml><?xml version="1.0" encoding="utf-8"?>
+<p:sld xmlns:a="http://schemas.openxmlformats.org/drawingml/2006/main" xmlns:r="http://schemas.openxmlformats.org/officeDocument/2006/relationships" xmlns:p="http://schemas.openxmlformats.org/presentationml/2006/main">
+  <p:cSld>
+    <p:spTree>
+      <p:nvGrpSpPr>
+        <p:cNvPr id="1" name=""/>
+        <p:cNvGrpSpPr/>
+        <p:nvPr/>
+      </p:nvGrpSpPr>
+      <p:grpSpPr>
+        <a:xfrm>
+          <a:off x="0" y="0"/>
+          <a:ext cx="0" cy="0"/>
+          <a:chOff x="0" y="0"/>
+          <a:chExt cx="0" cy="0"/>
+        </a:xfrm>
+      </p:grpSpPr>
+      <p:sp>
+        <p:nvSpPr>
+          <p:cNvPr id="2" name="Title 1"/>
+          <p:cNvSpPr>
+            <a:spLocks noGrp="1"/>
+          </p:cNvSpPr>
+          <p:nvPr>
+            <p:ph type="title"/>
+          </p:nvPr>
+        </p:nvSpPr>
+        <p:spPr/>
+        <p:txBody>
+          <a:bodyPr/>
+          <a:lstStyle/>
+          <a:p>
+            <a:r>
+              <a:rPr lang="en-US" dirty="0" smtClean="0"/>
+              <a:t>Normalization</a:t>
+            </a:r>
+            <a:endParaRPr lang="en-US" dirty="0"/>
+          </a:p>
+        </p:txBody>
+      </p:sp>
+      <p:sp>
+        <p:nvSpPr>
+          <p:cNvPr id="3" name="Content Placeholder 2"/>
+          <p:cNvSpPr>
+            <a:spLocks noGrp="1"/>
+          </p:cNvSpPr>
+          <p:nvPr>
+            <p:ph idx="1"/>
+          </p:nvPr>
+        </p:nvSpPr>
+        <p:spPr/>
+        <p:txBody>
+          <a:bodyPr/>
+          <a:lstStyle/>
+          <a:p>
+            <a:r>
+              <a:rPr lang="en-US" dirty="0" smtClean="0"/>
+              <a:t>9 levels of normalization</a:t>
+            </a:r>
+          </a:p>
+          <a:p>
+            <a:r>
+              <a:rPr lang="en-US" dirty="0" smtClean="0"/>
+              <a:t>First 3 are the most important; we’ll cover those</a:t>
+            </a:r>
+          </a:p>
+          <a:p>
+            <a:r>
+              <a:rPr lang="en-US" dirty="0" smtClean="0"/>
+              <a:t>NF1, NF2 and NF3 – abbreviated</a:t>
+            </a:r>
+          </a:p>
+          <a:p>
+            <a:r>
+              <a:rPr lang="en-US" dirty="0" smtClean="0"/>
+              <a:t>Very, very important !!</a:t>
+            </a:r>
+            <a:endParaRPr lang="en-US" dirty="0"/>
+          </a:p>
+        </p:txBody>
+      </p:sp>
+    </p:spTree>
+    <p:extLst>
+      <p:ext uri="{BB962C8B-B14F-4D97-AF65-F5344CB8AC3E}">
+        <p14:creationId xmlns:p14="http://schemas.microsoft.com/office/powerpoint/2010/main" val="2169900212"/>
+      </p:ext>
+    </p:extLst>
+  </p:cSld>
+  <p:clrMapOvr>
+    <a:masterClrMapping/>
+  </p:clrMapOvr>
+</p:sld>
+</file>
+
 <file path=ppt/slides/slide2.xml><?xml version="1.0" encoding="utf-8"?>
 <p:sld xmlns:a="http://schemas.openxmlformats.org/drawingml/2006/main" xmlns:r="http://schemas.openxmlformats.org/officeDocument/2006/relationships" xmlns:p="http://schemas.openxmlformats.org/presentationml/2006/main">
   <p:cSld>
@@ -7611,7 +7711,6 @@
               <a:rPr lang="en-US" dirty="0" smtClean="0"/>
               <a:t>Goal</a:t>
             </a:r>
-            <a:endParaRPr lang="en-US" dirty="0" smtClean="0"/>
           </a:p>
           <a:p>
             <a:r>
@@ -7638,6 +7737,3612 @@
     <p:extLst>
       <p:ext uri="{BB962C8B-B14F-4D97-AF65-F5344CB8AC3E}">
         <p14:creationId xmlns:p14="http://schemas.microsoft.com/office/powerpoint/2010/main" val="2124208653"/>
+      </p:ext>
+    </p:extLst>
+  </p:cSld>
+  <p:clrMapOvr>
+    <a:masterClrMapping/>
+  </p:clrMapOvr>
+</p:sld>
+</file>
+
+<file path=ppt/slides/slide20.xml><?xml version="1.0" encoding="utf-8"?>
+<p:sld xmlns:a="http://schemas.openxmlformats.org/drawingml/2006/main" xmlns:r="http://schemas.openxmlformats.org/officeDocument/2006/relationships" xmlns:p="http://schemas.openxmlformats.org/presentationml/2006/main">
+  <p:cSld>
+    <p:spTree>
+      <p:nvGrpSpPr>
+        <p:cNvPr id="1" name=""/>
+        <p:cNvGrpSpPr/>
+        <p:nvPr/>
+      </p:nvGrpSpPr>
+      <p:grpSpPr>
+        <a:xfrm>
+          <a:off x="0" y="0"/>
+          <a:ext cx="0" cy="0"/>
+          <a:chOff x="0" y="0"/>
+          <a:chExt cx="0" cy="0"/>
+        </a:xfrm>
+      </p:grpSpPr>
+      <p:sp>
+        <p:nvSpPr>
+          <p:cNvPr id="2" name="Title 1"/>
+          <p:cNvSpPr>
+            <a:spLocks noGrp="1"/>
+          </p:cNvSpPr>
+          <p:nvPr>
+            <p:ph type="title"/>
+          </p:nvPr>
+        </p:nvSpPr>
+        <p:spPr/>
+        <p:txBody>
+          <a:bodyPr/>
+          <a:lstStyle/>
+          <a:p>
+            <a:r>
+              <a:rPr lang="en-US" dirty="0" smtClean="0"/>
+              <a:t>NF1</a:t>
+            </a:r>
+            <a:endParaRPr lang="en-US" dirty="0"/>
+          </a:p>
+        </p:txBody>
+      </p:sp>
+      <p:sp>
+        <p:nvSpPr>
+          <p:cNvPr id="3" name="Content Placeholder 2"/>
+          <p:cNvSpPr>
+            <a:spLocks noGrp="1"/>
+          </p:cNvSpPr>
+          <p:nvPr>
+            <p:ph idx="1"/>
+          </p:nvPr>
+        </p:nvSpPr>
+        <p:spPr/>
+        <p:txBody>
+          <a:bodyPr/>
+          <a:lstStyle/>
+          <a:p>
+            <a:r>
+              <a:rPr lang="en-US" dirty="0" smtClean="0"/>
+              <a:t>There should be no repeating fields or content</a:t>
+            </a:r>
+          </a:p>
+          <a:p>
+            <a:pPr marL="0" indent="0">
+              <a:buNone/>
+            </a:pPr>
+            <a:endParaRPr lang="en-US" dirty="0"/>
+          </a:p>
+        </p:txBody>
+      </p:sp>
+      <p:graphicFrame>
+        <p:nvGraphicFramePr>
+          <p:cNvPr id="4" name="Table 3"/>
+          <p:cNvGraphicFramePr>
+            <a:graphicFrameLocks noGrp="1"/>
+          </p:cNvGraphicFramePr>
+          <p:nvPr>
+            <p:extLst>
+              <p:ext uri="{D42A27DB-BD31-4B8C-83A1-F6EECF244321}">
+                <p14:modId xmlns:p14="http://schemas.microsoft.com/office/powerpoint/2010/main" val="3780502080"/>
+              </p:ext>
+            </p:extLst>
+          </p:nvPr>
+        </p:nvGraphicFramePr>
+        <p:xfrm>
+          <a:off x="1103313" y="2963409"/>
+          <a:ext cx="4846383" cy="1112520"/>
+        </p:xfrm>
+        <a:graphic>
+          <a:graphicData uri="http://schemas.openxmlformats.org/drawingml/2006/table">
+            <a:tbl>
+              <a:tblPr firstRow="1" bandRow="1">
+                <a:tableStyleId>{D27102A9-8310-4765-A935-A1911B00CA55}</a:tableStyleId>
+              </a:tblPr>
+              <a:tblGrid>
+                <a:gridCol w="468925"/>
+                <a:gridCol w="1122194"/>
+                <a:gridCol w="3255264"/>
+              </a:tblGrid>
+              <a:tr h="370840">
+                <a:tc>
+                  <a:txBody>
+                    <a:bodyPr/>
+                    <a:lstStyle/>
+                    <a:p>
+                      <a:r>
+                        <a:rPr lang="en-US" dirty="0" smtClean="0"/>
+                        <a:t>ID</a:t>
+                      </a:r>
+                      <a:endParaRPr lang="en-US" dirty="0"/>
+                    </a:p>
+                  </a:txBody>
+                  <a:tcPr/>
+                </a:tc>
+                <a:tc>
+                  <a:txBody>
+                    <a:bodyPr/>
+                    <a:lstStyle/>
+                    <a:p>
+                      <a:r>
+                        <a:rPr lang="en-US" dirty="0" smtClean="0"/>
+                        <a:t>Name</a:t>
+                      </a:r>
+                      <a:endParaRPr lang="en-US" dirty="0"/>
+                    </a:p>
+                  </a:txBody>
+                  <a:tcPr/>
+                </a:tc>
+                <a:tc>
+                  <a:txBody>
+                    <a:bodyPr/>
+                    <a:lstStyle/>
+                    <a:p>
+                      <a:r>
+                        <a:rPr lang="en-US" dirty="0" smtClean="0"/>
+                        <a:t>Phone</a:t>
+                      </a:r>
+                      <a:endParaRPr lang="en-US" dirty="0"/>
+                    </a:p>
+                  </a:txBody>
+                  <a:tcPr/>
+                </a:tc>
+              </a:tr>
+              <a:tr h="370840">
+                <a:tc>
+                  <a:txBody>
+                    <a:bodyPr/>
+                    <a:lstStyle/>
+                    <a:p>
+                      <a:r>
+                        <a:rPr lang="en-US" dirty="0" smtClean="0"/>
+                        <a:t>1</a:t>
+                      </a:r>
+                      <a:endParaRPr lang="en-US" dirty="0"/>
+                    </a:p>
+                  </a:txBody>
+                  <a:tcPr/>
+                </a:tc>
+                <a:tc>
+                  <a:txBody>
+                    <a:bodyPr/>
+                    <a:lstStyle/>
+                    <a:p>
+                      <a:r>
+                        <a:rPr lang="en-US" dirty="0" smtClean="0"/>
+                        <a:t>Matt</a:t>
+                      </a:r>
+                      <a:endParaRPr lang="en-US" dirty="0"/>
+                    </a:p>
+                  </a:txBody>
+                  <a:tcPr/>
+                </a:tc>
+                <a:tc>
+                  <a:txBody>
+                    <a:bodyPr/>
+                    <a:lstStyle/>
+                    <a:p>
+                      <a:r>
+                        <a:rPr lang="en-US" dirty="0" smtClean="0">
+                          <a:solidFill>
+                            <a:srgbClr val="FFC000"/>
+                          </a:solidFill>
+                        </a:rPr>
+                        <a:t>555-444-3333, 111-111-1111</a:t>
+                      </a:r>
+                      <a:endParaRPr lang="en-US" dirty="0">
+                        <a:solidFill>
+                          <a:srgbClr val="FFC000"/>
+                        </a:solidFill>
+                      </a:endParaRPr>
+                    </a:p>
+                  </a:txBody>
+                  <a:tcPr/>
+                </a:tc>
+              </a:tr>
+              <a:tr h="370840">
+                <a:tc>
+                  <a:txBody>
+                    <a:bodyPr/>
+                    <a:lstStyle/>
+                    <a:p>
+                      <a:r>
+                        <a:rPr lang="en-US" dirty="0" smtClean="0"/>
+                        <a:t>2</a:t>
+                      </a:r>
+                      <a:endParaRPr lang="en-US" dirty="0"/>
+                    </a:p>
+                  </a:txBody>
+                  <a:tcPr/>
+                </a:tc>
+                <a:tc>
+                  <a:txBody>
+                    <a:bodyPr/>
+                    <a:lstStyle/>
+                    <a:p>
+                      <a:r>
+                        <a:rPr lang="en-US" dirty="0" smtClean="0"/>
+                        <a:t>John</a:t>
+                      </a:r>
+                      <a:endParaRPr lang="en-US" dirty="0"/>
+                    </a:p>
+                  </a:txBody>
+                  <a:tcPr/>
+                </a:tc>
+                <a:tc>
+                  <a:txBody>
+                    <a:bodyPr/>
+                    <a:lstStyle/>
+                    <a:p>
+                      <a:r>
+                        <a:rPr lang="en-US" dirty="0" smtClean="0"/>
+                        <a:t>222-222-2222</a:t>
+                      </a:r>
+                      <a:endParaRPr lang="en-US" dirty="0"/>
+                    </a:p>
+                  </a:txBody>
+                  <a:tcPr/>
+                </a:tc>
+              </a:tr>
+            </a:tbl>
+          </a:graphicData>
+        </a:graphic>
+      </p:graphicFrame>
+      <p:graphicFrame>
+        <p:nvGraphicFramePr>
+          <p:cNvPr id="5" name="Table 4"/>
+          <p:cNvGraphicFramePr>
+            <a:graphicFrameLocks noGrp="1"/>
+          </p:cNvGraphicFramePr>
+          <p:nvPr>
+            <p:extLst>
+              <p:ext uri="{D42A27DB-BD31-4B8C-83A1-F6EECF244321}">
+                <p14:modId xmlns:p14="http://schemas.microsoft.com/office/powerpoint/2010/main" val="3660050367"/>
+              </p:ext>
+            </p:extLst>
+          </p:nvPr>
+        </p:nvGraphicFramePr>
+        <p:xfrm>
+          <a:off x="6120320" y="2963409"/>
+          <a:ext cx="3929533" cy="1483360"/>
+        </p:xfrm>
+        <a:graphic>
+          <a:graphicData uri="http://schemas.openxmlformats.org/drawingml/2006/table">
+            <a:tbl>
+              <a:tblPr firstRow="1" bandRow="1">
+                <a:tableStyleId>{D27102A9-8310-4765-A935-A1911B00CA55}</a:tableStyleId>
+              </a:tblPr>
+              <a:tblGrid>
+                <a:gridCol w="475552"/>
+                <a:gridCol w="1231392"/>
+                <a:gridCol w="2222589"/>
+              </a:tblGrid>
+              <a:tr h="370840">
+                <a:tc>
+                  <a:txBody>
+                    <a:bodyPr/>
+                    <a:lstStyle/>
+                    <a:p>
+                      <a:r>
+                        <a:rPr lang="en-US" dirty="0" smtClean="0"/>
+                        <a:t>ID</a:t>
+                      </a:r>
+                      <a:endParaRPr lang="en-US" dirty="0"/>
+                    </a:p>
+                  </a:txBody>
+                  <a:tcPr/>
+                </a:tc>
+                <a:tc>
+                  <a:txBody>
+                    <a:bodyPr/>
+                    <a:lstStyle/>
+                    <a:p>
+                      <a:r>
+                        <a:rPr lang="en-US" dirty="0" smtClean="0"/>
+                        <a:t>Name</a:t>
+                      </a:r>
+                      <a:endParaRPr lang="en-US" dirty="0"/>
+                    </a:p>
+                  </a:txBody>
+                  <a:tcPr/>
+                </a:tc>
+                <a:tc>
+                  <a:txBody>
+                    <a:bodyPr/>
+                    <a:lstStyle/>
+                    <a:p>
+                      <a:r>
+                        <a:rPr lang="en-US" dirty="0" smtClean="0"/>
+                        <a:t>Phone</a:t>
+                      </a:r>
+                      <a:endParaRPr lang="en-US" dirty="0"/>
+                    </a:p>
+                  </a:txBody>
+                  <a:tcPr/>
+                </a:tc>
+              </a:tr>
+              <a:tr h="370840">
+                <a:tc>
+                  <a:txBody>
+                    <a:bodyPr/>
+                    <a:lstStyle/>
+                    <a:p>
+                      <a:r>
+                        <a:rPr lang="en-US" dirty="0" smtClean="0"/>
+                        <a:t>1</a:t>
+                      </a:r>
+                      <a:endParaRPr lang="en-US" dirty="0"/>
+                    </a:p>
+                  </a:txBody>
+                  <a:tcPr/>
+                </a:tc>
+                <a:tc>
+                  <a:txBody>
+                    <a:bodyPr/>
+                    <a:lstStyle/>
+                    <a:p>
+                      <a:r>
+                        <a:rPr lang="en-US" dirty="0" smtClean="0">
+                          <a:solidFill>
+                            <a:srgbClr val="FFC000"/>
+                          </a:solidFill>
+                        </a:rPr>
+                        <a:t>Matt</a:t>
+                      </a:r>
+                      <a:endParaRPr lang="en-US" dirty="0">
+                        <a:solidFill>
+                          <a:srgbClr val="FFC000"/>
+                        </a:solidFill>
+                      </a:endParaRPr>
+                    </a:p>
+                  </a:txBody>
+                  <a:tcPr/>
+                </a:tc>
+                <a:tc>
+                  <a:txBody>
+                    <a:bodyPr/>
+                    <a:lstStyle/>
+                    <a:p>
+                      <a:r>
+                        <a:rPr lang="en-US" dirty="0" smtClean="0">
+                          <a:solidFill>
+                            <a:schemeClr val="tx1"/>
+                          </a:solidFill>
+                        </a:rPr>
+                        <a:t>555-444-3333</a:t>
+                      </a:r>
+                      <a:endParaRPr lang="en-US" dirty="0">
+                        <a:solidFill>
+                          <a:schemeClr val="tx1"/>
+                        </a:solidFill>
+                      </a:endParaRPr>
+                    </a:p>
+                  </a:txBody>
+                  <a:tcPr/>
+                </a:tc>
+              </a:tr>
+              <a:tr h="370840">
+                <a:tc>
+                  <a:txBody>
+                    <a:bodyPr/>
+                    <a:lstStyle/>
+                    <a:p>
+                      <a:r>
+                        <a:rPr lang="en-US" dirty="0" smtClean="0"/>
+                        <a:t>1</a:t>
+                      </a:r>
+                      <a:endParaRPr lang="en-US" dirty="0"/>
+                    </a:p>
+                  </a:txBody>
+                  <a:tcPr/>
+                </a:tc>
+                <a:tc>
+                  <a:txBody>
+                    <a:bodyPr/>
+                    <a:lstStyle/>
+                    <a:p>
+                      <a:r>
+                        <a:rPr lang="en-US" dirty="0" smtClean="0">
+                          <a:solidFill>
+                            <a:srgbClr val="FFC000"/>
+                          </a:solidFill>
+                        </a:rPr>
+                        <a:t>Matt</a:t>
+                      </a:r>
+                      <a:endParaRPr lang="en-US" dirty="0">
+                        <a:solidFill>
+                          <a:srgbClr val="FFC000"/>
+                        </a:solidFill>
+                      </a:endParaRPr>
+                    </a:p>
+                  </a:txBody>
+                  <a:tcPr/>
+                </a:tc>
+                <a:tc>
+                  <a:txBody>
+                    <a:bodyPr/>
+                    <a:lstStyle/>
+                    <a:p>
+                      <a:r>
+                        <a:rPr lang="en-US" dirty="0" smtClean="0">
+                          <a:solidFill>
+                            <a:schemeClr val="tx1"/>
+                          </a:solidFill>
+                        </a:rPr>
+                        <a:t>111-111-1111</a:t>
+                      </a:r>
+                      <a:endParaRPr lang="en-US" dirty="0">
+                        <a:solidFill>
+                          <a:schemeClr val="tx1"/>
+                        </a:solidFill>
+                      </a:endParaRPr>
+                    </a:p>
+                  </a:txBody>
+                  <a:tcPr/>
+                </a:tc>
+              </a:tr>
+              <a:tr h="370840">
+                <a:tc>
+                  <a:txBody>
+                    <a:bodyPr/>
+                    <a:lstStyle/>
+                    <a:p>
+                      <a:r>
+                        <a:rPr lang="en-US" dirty="0" smtClean="0"/>
+                        <a:t>2</a:t>
+                      </a:r>
+                      <a:endParaRPr lang="en-US" dirty="0"/>
+                    </a:p>
+                  </a:txBody>
+                  <a:tcPr/>
+                </a:tc>
+                <a:tc>
+                  <a:txBody>
+                    <a:bodyPr/>
+                    <a:lstStyle/>
+                    <a:p>
+                      <a:r>
+                        <a:rPr lang="en-US" dirty="0" smtClean="0"/>
+                        <a:t>John</a:t>
+                      </a:r>
+                      <a:endParaRPr lang="en-US" dirty="0"/>
+                    </a:p>
+                  </a:txBody>
+                  <a:tcPr/>
+                </a:tc>
+                <a:tc>
+                  <a:txBody>
+                    <a:bodyPr/>
+                    <a:lstStyle/>
+                    <a:p>
+                      <a:r>
+                        <a:rPr lang="en-US" dirty="0" smtClean="0"/>
+                        <a:t>222-222-2222</a:t>
+                      </a:r>
+                      <a:endParaRPr lang="en-US" dirty="0"/>
+                    </a:p>
+                  </a:txBody>
+                  <a:tcPr/>
+                </a:tc>
+              </a:tr>
+            </a:tbl>
+          </a:graphicData>
+        </a:graphic>
+      </p:graphicFrame>
+      <p:graphicFrame>
+        <p:nvGraphicFramePr>
+          <p:cNvPr id="8" name="Table 7"/>
+          <p:cNvGraphicFramePr>
+            <a:graphicFrameLocks noGrp="1"/>
+          </p:cNvGraphicFramePr>
+          <p:nvPr>
+            <p:extLst>
+              <p:ext uri="{D42A27DB-BD31-4B8C-83A1-F6EECF244321}">
+                <p14:modId xmlns:p14="http://schemas.microsoft.com/office/powerpoint/2010/main" val="2903952569"/>
+              </p:ext>
+            </p:extLst>
+          </p:nvPr>
+        </p:nvGraphicFramePr>
+        <p:xfrm>
+          <a:off x="1103311" y="4953168"/>
+          <a:ext cx="1591119" cy="1112520"/>
+        </p:xfrm>
+        <a:graphic>
+          <a:graphicData uri="http://schemas.openxmlformats.org/drawingml/2006/table">
+            <a:tbl>
+              <a:tblPr firstRow="1" bandRow="1">
+                <a:tableStyleId>{D27102A9-8310-4765-A935-A1911B00CA55}</a:tableStyleId>
+              </a:tblPr>
+              <a:tblGrid>
+                <a:gridCol w="468925"/>
+                <a:gridCol w="1122194"/>
+              </a:tblGrid>
+              <a:tr h="370840">
+                <a:tc>
+                  <a:txBody>
+                    <a:bodyPr/>
+                    <a:lstStyle/>
+                    <a:p>
+                      <a:r>
+                        <a:rPr lang="en-US" dirty="0" smtClean="0"/>
+                        <a:t>ID</a:t>
+                      </a:r>
+                      <a:endParaRPr lang="en-US" dirty="0"/>
+                    </a:p>
+                  </a:txBody>
+                  <a:tcPr/>
+                </a:tc>
+                <a:tc>
+                  <a:txBody>
+                    <a:bodyPr/>
+                    <a:lstStyle/>
+                    <a:p>
+                      <a:r>
+                        <a:rPr lang="en-US" dirty="0" smtClean="0"/>
+                        <a:t>Name</a:t>
+                      </a:r>
+                      <a:endParaRPr lang="en-US" dirty="0"/>
+                    </a:p>
+                  </a:txBody>
+                  <a:tcPr/>
+                </a:tc>
+              </a:tr>
+              <a:tr h="370840">
+                <a:tc>
+                  <a:txBody>
+                    <a:bodyPr/>
+                    <a:lstStyle/>
+                    <a:p>
+                      <a:r>
+                        <a:rPr lang="en-US" dirty="0" smtClean="0"/>
+                        <a:t>1</a:t>
+                      </a:r>
+                      <a:endParaRPr lang="en-US" dirty="0"/>
+                    </a:p>
+                  </a:txBody>
+                  <a:tcPr/>
+                </a:tc>
+                <a:tc>
+                  <a:txBody>
+                    <a:bodyPr/>
+                    <a:lstStyle/>
+                    <a:p>
+                      <a:r>
+                        <a:rPr lang="en-US" dirty="0" smtClean="0"/>
+                        <a:t>Matt</a:t>
+                      </a:r>
+                      <a:endParaRPr lang="en-US" dirty="0"/>
+                    </a:p>
+                  </a:txBody>
+                  <a:tcPr/>
+                </a:tc>
+              </a:tr>
+              <a:tr h="370840">
+                <a:tc>
+                  <a:txBody>
+                    <a:bodyPr/>
+                    <a:lstStyle/>
+                    <a:p>
+                      <a:r>
+                        <a:rPr lang="en-US" dirty="0" smtClean="0"/>
+                        <a:t>2</a:t>
+                      </a:r>
+                      <a:endParaRPr lang="en-US" dirty="0"/>
+                    </a:p>
+                  </a:txBody>
+                  <a:tcPr/>
+                </a:tc>
+                <a:tc>
+                  <a:txBody>
+                    <a:bodyPr/>
+                    <a:lstStyle/>
+                    <a:p>
+                      <a:r>
+                        <a:rPr lang="en-US" dirty="0" smtClean="0"/>
+                        <a:t>John</a:t>
+                      </a:r>
+                      <a:endParaRPr lang="en-US" dirty="0"/>
+                    </a:p>
+                  </a:txBody>
+                  <a:tcPr/>
+                </a:tc>
+              </a:tr>
+            </a:tbl>
+          </a:graphicData>
+        </a:graphic>
+      </p:graphicFrame>
+      <p:graphicFrame>
+        <p:nvGraphicFramePr>
+          <p:cNvPr id="9" name="Table 8"/>
+          <p:cNvGraphicFramePr>
+            <a:graphicFrameLocks noGrp="1"/>
+          </p:cNvGraphicFramePr>
+          <p:nvPr>
+            <p:extLst>
+              <p:ext uri="{D42A27DB-BD31-4B8C-83A1-F6EECF244321}">
+                <p14:modId xmlns:p14="http://schemas.microsoft.com/office/powerpoint/2010/main" val="461591885"/>
+              </p:ext>
+            </p:extLst>
+          </p:nvPr>
+        </p:nvGraphicFramePr>
+        <p:xfrm>
+          <a:off x="2993421" y="4948097"/>
+          <a:ext cx="2364580" cy="1483360"/>
+        </p:xfrm>
+        <a:graphic>
+          <a:graphicData uri="http://schemas.openxmlformats.org/drawingml/2006/table">
+            <a:tbl>
+              <a:tblPr firstRow="1" bandRow="1">
+                <a:tableStyleId>{D27102A9-8310-4765-A935-A1911B00CA55}</a:tableStyleId>
+              </a:tblPr>
+              <a:tblGrid>
+                <a:gridCol w="450436"/>
+                <a:gridCol w="1914144"/>
+              </a:tblGrid>
+              <a:tr h="370840">
+                <a:tc>
+                  <a:txBody>
+                    <a:bodyPr/>
+                    <a:lstStyle/>
+                    <a:p>
+                      <a:r>
+                        <a:rPr lang="en-US" dirty="0" smtClean="0"/>
+                        <a:t>ID</a:t>
+                      </a:r>
+                      <a:endParaRPr lang="en-US" dirty="0"/>
+                    </a:p>
+                  </a:txBody>
+                  <a:tcPr/>
+                </a:tc>
+                <a:tc>
+                  <a:txBody>
+                    <a:bodyPr/>
+                    <a:lstStyle/>
+                    <a:p>
+                      <a:r>
+                        <a:rPr lang="en-US" dirty="0" smtClean="0"/>
+                        <a:t>Phone</a:t>
+                      </a:r>
+                      <a:endParaRPr lang="en-US" dirty="0"/>
+                    </a:p>
+                  </a:txBody>
+                  <a:tcPr/>
+                </a:tc>
+              </a:tr>
+              <a:tr h="370840">
+                <a:tc>
+                  <a:txBody>
+                    <a:bodyPr/>
+                    <a:lstStyle/>
+                    <a:p>
+                      <a:r>
+                        <a:rPr lang="en-US" dirty="0" smtClean="0"/>
+                        <a:t>1</a:t>
+                      </a:r>
+                      <a:endParaRPr lang="en-US" dirty="0"/>
+                    </a:p>
+                  </a:txBody>
+                  <a:tcPr/>
+                </a:tc>
+                <a:tc>
+                  <a:txBody>
+                    <a:bodyPr/>
+                    <a:lstStyle/>
+                    <a:p>
+                      <a:r>
+                        <a:rPr lang="en-US" dirty="0" smtClean="0"/>
+                        <a:t>555-444-3333</a:t>
+                      </a:r>
+                      <a:endParaRPr lang="en-US" dirty="0"/>
+                    </a:p>
+                  </a:txBody>
+                  <a:tcPr/>
+                </a:tc>
+              </a:tr>
+              <a:tr h="370840">
+                <a:tc>
+                  <a:txBody>
+                    <a:bodyPr/>
+                    <a:lstStyle/>
+                    <a:p>
+                      <a:r>
+                        <a:rPr lang="en-US" dirty="0" smtClean="0"/>
+                        <a:t>2</a:t>
+                      </a:r>
+                      <a:endParaRPr lang="en-US" dirty="0"/>
+                    </a:p>
+                  </a:txBody>
+                  <a:tcPr/>
+                </a:tc>
+                <a:tc>
+                  <a:txBody>
+                    <a:bodyPr/>
+                    <a:lstStyle/>
+                    <a:p>
+                      <a:r>
+                        <a:rPr lang="en-US" dirty="0" smtClean="0"/>
+                        <a:t>111-111-1111</a:t>
+                      </a:r>
+                      <a:endParaRPr lang="en-US" dirty="0"/>
+                    </a:p>
+                  </a:txBody>
+                  <a:tcPr/>
+                </a:tc>
+              </a:tr>
+              <a:tr h="370840">
+                <a:tc>
+                  <a:txBody>
+                    <a:bodyPr/>
+                    <a:lstStyle/>
+                    <a:p>
+                      <a:r>
+                        <a:rPr lang="en-US" dirty="0" smtClean="0"/>
+                        <a:t>3</a:t>
+                      </a:r>
+                      <a:endParaRPr lang="en-US" dirty="0"/>
+                    </a:p>
+                  </a:txBody>
+                  <a:tcPr/>
+                </a:tc>
+                <a:tc>
+                  <a:txBody>
+                    <a:bodyPr/>
+                    <a:lstStyle/>
+                    <a:p>
+                      <a:r>
+                        <a:rPr lang="en-US" dirty="0" smtClean="0"/>
+                        <a:t>222-222-2222</a:t>
+                      </a:r>
+                      <a:endParaRPr lang="en-US" dirty="0"/>
+                    </a:p>
+                  </a:txBody>
+                  <a:tcPr/>
+                </a:tc>
+              </a:tr>
+            </a:tbl>
+          </a:graphicData>
+        </a:graphic>
+      </p:graphicFrame>
+      <p:sp>
+        <p:nvSpPr>
+          <p:cNvPr id="10" name="TextBox 9"/>
+          <p:cNvSpPr txBox="1"/>
+          <p:nvPr/>
+        </p:nvSpPr>
+        <p:spPr>
+          <a:xfrm>
+            <a:off x="998830" y="4599359"/>
+            <a:ext cx="1407758" cy="369332"/>
+          </a:xfrm>
+          <a:prstGeom prst="rect">
+            <a:avLst/>
+          </a:prstGeom>
+          <a:noFill/>
+        </p:spPr>
+        <p:txBody>
+          <a:bodyPr wrap="none" rtlCol="0">
+            <a:spAutoFit/>
+          </a:bodyPr>
+          <a:lstStyle/>
+          <a:p>
+            <a:r>
+              <a:rPr lang="en-US" b="1" dirty="0" smtClean="0"/>
+              <a:t>Employees</a:t>
+            </a:r>
+            <a:endParaRPr lang="en-US" b="1" dirty="0"/>
+          </a:p>
+        </p:txBody>
+      </p:sp>
+      <p:sp>
+        <p:nvSpPr>
+          <p:cNvPr id="11" name="TextBox 10"/>
+          <p:cNvSpPr txBox="1"/>
+          <p:nvPr/>
+        </p:nvSpPr>
+        <p:spPr>
+          <a:xfrm>
+            <a:off x="1017118" y="2611885"/>
+            <a:ext cx="5273954" cy="369332"/>
+          </a:xfrm>
+          <a:prstGeom prst="rect">
+            <a:avLst/>
+          </a:prstGeom>
+          <a:noFill/>
+        </p:spPr>
+        <p:txBody>
+          <a:bodyPr wrap="square" rtlCol="0">
+            <a:spAutoFit/>
+          </a:bodyPr>
+          <a:lstStyle/>
+          <a:p>
+            <a:r>
+              <a:rPr lang="en-US" b="1" dirty="0" smtClean="0"/>
+              <a:t>Employees – eliminate repeating content</a:t>
+            </a:r>
+            <a:endParaRPr lang="en-US" b="1" dirty="0"/>
+          </a:p>
+        </p:txBody>
+      </p:sp>
+      <p:sp>
+        <p:nvSpPr>
+          <p:cNvPr id="12" name="TextBox 11"/>
+          <p:cNvSpPr txBox="1"/>
+          <p:nvPr/>
+        </p:nvSpPr>
+        <p:spPr>
+          <a:xfrm>
+            <a:off x="2927415" y="4594288"/>
+            <a:ext cx="885179" cy="369332"/>
+          </a:xfrm>
+          <a:prstGeom prst="rect">
+            <a:avLst/>
+          </a:prstGeom>
+          <a:noFill/>
+        </p:spPr>
+        <p:txBody>
+          <a:bodyPr wrap="none" rtlCol="0">
+            <a:spAutoFit/>
+          </a:bodyPr>
+          <a:lstStyle/>
+          <a:p>
+            <a:r>
+              <a:rPr lang="en-US" b="1" dirty="0" smtClean="0"/>
+              <a:t>Phone</a:t>
+            </a:r>
+            <a:endParaRPr lang="en-US" b="1" dirty="0"/>
+          </a:p>
+        </p:txBody>
+      </p:sp>
+      <p:sp>
+        <p:nvSpPr>
+          <p:cNvPr id="13" name="Curved Down Arrow 12"/>
+          <p:cNvSpPr/>
+          <p:nvPr/>
+        </p:nvSpPr>
+        <p:spPr>
+          <a:xfrm>
+            <a:off x="5791200" y="2439979"/>
+            <a:ext cx="1097280" cy="523430"/>
+          </a:xfrm>
+          <a:prstGeom prst="curvedDownArrow">
+            <a:avLst/>
+          </a:prstGeom>
+        </p:spPr>
+        <p:style>
+          <a:lnRef idx="1">
+            <a:schemeClr val="accent3"/>
+          </a:lnRef>
+          <a:fillRef idx="3">
+            <a:schemeClr val="accent3"/>
+          </a:fillRef>
+          <a:effectRef idx="2">
+            <a:schemeClr val="accent3"/>
+          </a:effectRef>
+          <a:fontRef idx="minor">
+            <a:schemeClr val="lt1"/>
+          </a:fontRef>
+        </p:style>
+        <p:txBody>
+          <a:bodyPr rtlCol="0" anchor="ctr"/>
+          <a:lstStyle/>
+          <a:p>
+            <a:pPr algn="ctr"/>
+            <a:endParaRPr lang="en-US">
+              <a:solidFill>
+                <a:schemeClr val="tx1"/>
+              </a:solidFill>
+            </a:endParaRPr>
+          </a:p>
+        </p:txBody>
+      </p:sp>
+      <p:graphicFrame>
+        <p:nvGraphicFramePr>
+          <p:cNvPr id="15" name="Table 14"/>
+          <p:cNvGraphicFramePr>
+            <a:graphicFrameLocks noGrp="1"/>
+          </p:cNvGraphicFramePr>
+          <p:nvPr>
+            <p:extLst>
+              <p:ext uri="{D42A27DB-BD31-4B8C-83A1-F6EECF244321}">
+                <p14:modId xmlns:p14="http://schemas.microsoft.com/office/powerpoint/2010/main" val="1761416167"/>
+              </p:ext>
+            </p:extLst>
+          </p:nvPr>
+        </p:nvGraphicFramePr>
+        <p:xfrm>
+          <a:off x="5702703" y="4958434"/>
+          <a:ext cx="2721968" cy="1483360"/>
+        </p:xfrm>
+        <a:graphic>
+          <a:graphicData uri="http://schemas.openxmlformats.org/drawingml/2006/table">
+            <a:tbl>
+              <a:tblPr firstRow="1" bandRow="1">
+                <a:tableStyleId>{D27102A9-8310-4765-A935-A1911B00CA55}</a:tableStyleId>
+              </a:tblPr>
+              <a:tblGrid>
+                <a:gridCol w="600561"/>
+                <a:gridCol w="914400"/>
+                <a:gridCol w="1207007"/>
+              </a:tblGrid>
+              <a:tr h="370840">
+                <a:tc>
+                  <a:txBody>
+                    <a:bodyPr/>
+                    <a:lstStyle/>
+                    <a:p>
+                      <a:r>
+                        <a:rPr lang="en-US" dirty="0" smtClean="0"/>
+                        <a:t>ID</a:t>
+                      </a:r>
+                      <a:endParaRPr lang="en-US" dirty="0"/>
+                    </a:p>
+                  </a:txBody>
+                  <a:tcPr/>
+                </a:tc>
+                <a:tc>
+                  <a:txBody>
+                    <a:bodyPr/>
+                    <a:lstStyle/>
+                    <a:p>
+                      <a:r>
+                        <a:rPr lang="en-US" dirty="0" err="1" smtClean="0"/>
+                        <a:t>EmpID</a:t>
+                      </a:r>
+                      <a:endParaRPr lang="en-US" dirty="0"/>
+                    </a:p>
+                  </a:txBody>
+                  <a:tcPr/>
+                </a:tc>
+                <a:tc>
+                  <a:txBody>
+                    <a:bodyPr/>
+                    <a:lstStyle/>
+                    <a:p>
+                      <a:r>
+                        <a:rPr lang="en-US" dirty="0" err="1" smtClean="0"/>
+                        <a:t>PhoneID</a:t>
+                      </a:r>
+                      <a:endParaRPr lang="en-US" dirty="0"/>
+                    </a:p>
+                  </a:txBody>
+                  <a:tcPr/>
+                </a:tc>
+              </a:tr>
+              <a:tr h="370840">
+                <a:tc>
+                  <a:txBody>
+                    <a:bodyPr/>
+                    <a:lstStyle/>
+                    <a:p>
+                      <a:r>
+                        <a:rPr lang="en-US" dirty="0" smtClean="0"/>
+                        <a:t>1</a:t>
+                      </a:r>
+                      <a:endParaRPr lang="en-US" dirty="0"/>
+                    </a:p>
+                  </a:txBody>
+                  <a:tcPr/>
+                </a:tc>
+                <a:tc>
+                  <a:txBody>
+                    <a:bodyPr/>
+                    <a:lstStyle/>
+                    <a:p>
+                      <a:r>
+                        <a:rPr lang="en-US" dirty="0" smtClean="0"/>
+                        <a:t>1</a:t>
+                      </a:r>
+                      <a:endParaRPr lang="en-US" dirty="0"/>
+                    </a:p>
+                  </a:txBody>
+                  <a:tcPr/>
+                </a:tc>
+                <a:tc>
+                  <a:txBody>
+                    <a:bodyPr/>
+                    <a:lstStyle/>
+                    <a:p>
+                      <a:r>
+                        <a:rPr lang="en-US" dirty="0" smtClean="0"/>
+                        <a:t>1</a:t>
+                      </a:r>
+                      <a:endParaRPr lang="en-US" dirty="0"/>
+                    </a:p>
+                  </a:txBody>
+                  <a:tcPr/>
+                </a:tc>
+              </a:tr>
+              <a:tr h="370840">
+                <a:tc>
+                  <a:txBody>
+                    <a:bodyPr/>
+                    <a:lstStyle/>
+                    <a:p>
+                      <a:r>
+                        <a:rPr lang="en-US" dirty="0" smtClean="0"/>
+                        <a:t>2</a:t>
+                      </a:r>
+                      <a:endParaRPr lang="en-US" dirty="0"/>
+                    </a:p>
+                  </a:txBody>
+                  <a:tcPr/>
+                </a:tc>
+                <a:tc>
+                  <a:txBody>
+                    <a:bodyPr/>
+                    <a:lstStyle/>
+                    <a:p>
+                      <a:r>
+                        <a:rPr lang="en-US" dirty="0" smtClean="0"/>
+                        <a:t>1</a:t>
+                      </a:r>
+                      <a:endParaRPr lang="en-US" dirty="0"/>
+                    </a:p>
+                  </a:txBody>
+                  <a:tcPr/>
+                </a:tc>
+                <a:tc>
+                  <a:txBody>
+                    <a:bodyPr/>
+                    <a:lstStyle/>
+                    <a:p>
+                      <a:r>
+                        <a:rPr lang="en-US" dirty="0" smtClean="0"/>
+                        <a:t>2</a:t>
+                      </a:r>
+                      <a:endParaRPr lang="en-US" dirty="0"/>
+                    </a:p>
+                  </a:txBody>
+                  <a:tcPr/>
+                </a:tc>
+              </a:tr>
+              <a:tr h="370840">
+                <a:tc>
+                  <a:txBody>
+                    <a:bodyPr/>
+                    <a:lstStyle/>
+                    <a:p>
+                      <a:r>
+                        <a:rPr lang="en-US" dirty="0" smtClean="0"/>
+                        <a:t>3</a:t>
+                      </a:r>
+                      <a:endParaRPr lang="en-US" dirty="0"/>
+                    </a:p>
+                  </a:txBody>
+                  <a:tcPr/>
+                </a:tc>
+                <a:tc>
+                  <a:txBody>
+                    <a:bodyPr/>
+                    <a:lstStyle/>
+                    <a:p>
+                      <a:r>
+                        <a:rPr lang="en-US" dirty="0" smtClean="0"/>
+                        <a:t>2</a:t>
+                      </a:r>
+                      <a:endParaRPr lang="en-US" dirty="0"/>
+                    </a:p>
+                  </a:txBody>
+                  <a:tcPr/>
+                </a:tc>
+                <a:tc>
+                  <a:txBody>
+                    <a:bodyPr/>
+                    <a:lstStyle/>
+                    <a:p>
+                      <a:r>
+                        <a:rPr lang="en-US" dirty="0" smtClean="0"/>
+                        <a:t>3</a:t>
+                      </a:r>
+                      <a:endParaRPr lang="en-US" dirty="0"/>
+                    </a:p>
+                  </a:txBody>
+                  <a:tcPr/>
+                </a:tc>
+              </a:tr>
+            </a:tbl>
+          </a:graphicData>
+        </a:graphic>
+      </p:graphicFrame>
+      <p:sp>
+        <p:nvSpPr>
+          <p:cNvPr id="16" name="TextBox 15"/>
+          <p:cNvSpPr txBox="1"/>
+          <p:nvPr/>
+        </p:nvSpPr>
+        <p:spPr>
+          <a:xfrm>
+            <a:off x="5636697" y="4604625"/>
+            <a:ext cx="1489510" cy="369332"/>
+          </a:xfrm>
+          <a:prstGeom prst="rect">
+            <a:avLst/>
+          </a:prstGeom>
+          <a:noFill/>
+        </p:spPr>
+        <p:txBody>
+          <a:bodyPr wrap="none" rtlCol="0">
+            <a:spAutoFit/>
+          </a:bodyPr>
+          <a:lstStyle/>
+          <a:p>
+            <a:r>
+              <a:rPr lang="en-US" b="1" dirty="0" err="1" smtClean="0"/>
+              <a:t>Emp_Phone</a:t>
+            </a:r>
+            <a:endParaRPr lang="en-US" b="1" dirty="0"/>
+          </a:p>
+        </p:txBody>
+      </p:sp>
+    </p:spTree>
+    <p:extLst>
+      <p:ext uri="{BB962C8B-B14F-4D97-AF65-F5344CB8AC3E}">
+        <p14:creationId xmlns:p14="http://schemas.microsoft.com/office/powerpoint/2010/main" val="2820301724"/>
+      </p:ext>
+    </p:extLst>
+  </p:cSld>
+  <p:clrMapOvr>
+    <a:masterClrMapping/>
+  </p:clrMapOvr>
+</p:sld>
+</file>
+
+<file path=ppt/slides/slide21.xml><?xml version="1.0" encoding="utf-8"?>
+<p:sld xmlns:a="http://schemas.openxmlformats.org/drawingml/2006/main" xmlns:r="http://schemas.openxmlformats.org/officeDocument/2006/relationships" xmlns:p="http://schemas.openxmlformats.org/presentationml/2006/main">
+  <p:cSld>
+    <p:spTree>
+      <p:nvGrpSpPr>
+        <p:cNvPr id="1" name=""/>
+        <p:cNvGrpSpPr/>
+        <p:nvPr/>
+      </p:nvGrpSpPr>
+      <p:grpSpPr>
+        <a:xfrm>
+          <a:off x="0" y="0"/>
+          <a:ext cx="0" cy="0"/>
+          <a:chOff x="0" y="0"/>
+          <a:chExt cx="0" cy="0"/>
+        </a:xfrm>
+      </p:grpSpPr>
+      <p:sp>
+        <p:nvSpPr>
+          <p:cNvPr id="2" name="Title 1"/>
+          <p:cNvSpPr>
+            <a:spLocks noGrp="1"/>
+          </p:cNvSpPr>
+          <p:nvPr>
+            <p:ph type="title"/>
+          </p:nvPr>
+        </p:nvSpPr>
+        <p:spPr/>
+        <p:txBody>
+          <a:bodyPr/>
+          <a:lstStyle/>
+          <a:p>
+            <a:r>
+              <a:rPr lang="en-US" dirty="0" smtClean="0"/>
+              <a:t>Composite key</a:t>
+            </a:r>
+            <a:endParaRPr lang="en-US" dirty="0"/>
+          </a:p>
+        </p:txBody>
+      </p:sp>
+      <p:sp>
+        <p:nvSpPr>
+          <p:cNvPr id="3" name="Content Placeholder 2"/>
+          <p:cNvSpPr>
+            <a:spLocks noGrp="1"/>
+          </p:cNvSpPr>
+          <p:nvPr>
+            <p:ph idx="1"/>
+          </p:nvPr>
+        </p:nvSpPr>
+        <p:spPr/>
+        <p:txBody>
+          <a:bodyPr/>
+          <a:lstStyle/>
+          <a:p>
+            <a:r>
+              <a:rPr lang="en-US" dirty="0" smtClean="0"/>
+              <a:t>A composite key is a combination of more than 1 key that makes a row unique</a:t>
+            </a:r>
+          </a:p>
+          <a:p>
+            <a:r>
+              <a:rPr lang="en-US" dirty="0" smtClean="0"/>
+              <a:t>Employee can have many phones but phone number must not be duplicated</a:t>
+            </a:r>
+          </a:p>
+          <a:p>
+            <a:r>
+              <a:rPr lang="en-US" dirty="0" smtClean="0"/>
+              <a:t>Okay, great! Phone ID and Employee ID combination must be unique</a:t>
+            </a:r>
+            <a:endParaRPr lang="en-US" dirty="0"/>
+          </a:p>
+        </p:txBody>
+      </p:sp>
+      <p:graphicFrame>
+        <p:nvGraphicFramePr>
+          <p:cNvPr id="6" name="Table 5"/>
+          <p:cNvGraphicFramePr>
+            <a:graphicFrameLocks noGrp="1"/>
+          </p:cNvGraphicFramePr>
+          <p:nvPr>
+            <p:extLst>
+              <p:ext uri="{D42A27DB-BD31-4B8C-83A1-F6EECF244321}">
+                <p14:modId xmlns:p14="http://schemas.microsoft.com/office/powerpoint/2010/main" val="2733102204"/>
+              </p:ext>
+            </p:extLst>
+          </p:nvPr>
+        </p:nvGraphicFramePr>
+        <p:xfrm>
+          <a:off x="1533039" y="4563024"/>
+          <a:ext cx="2721968" cy="1483360"/>
+        </p:xfrm>
+        <a:graphic>
+          <a:graphicData uri="http://schemas.openxmlformats.org/drawingml/2006/table">
+            <a:tbl>
+              <a:tblPr firstRow="1" bandRow="1">
+                <a:tableStyleId>{D27102A9-8310-4765-A935-A1911B00CA55}</a:tableStyleId>
+              </a:tblPr>
+              <a:tblGrid>
+                <a:gridCol w="600561"/>
+                <a:gridCol w="914400"/>
+                <a:gridCol w="1207007"/>
+              </a:tblGrid>
+              <a:tr h="370840">
+                <a:tc>
+                  <a:txBody>
+                    <a:bodyPr/>
+                    <a:lstStyle/>
+                    <a:p>
+                      <a:r>
+                        <a:rPr lang="en-US" dirty="0" smtClean="0"/>
+                        <a:t>ID</a:t>
+                      </a:r>
+                      <a:endParaRPr lang="en-US" dirty="0"/>
+                    </a:p>
+                  </a:txBody>
+                  <a:tcPr/>
+                </a:tc>
+                <a:tc>
+                  <a:txBody>
+                    <a:bodyPr/>
+                    <a:lstStyle/>
+                    <a:p>
+                      <a:r>
+                        <a:rPr lang="en-US" dirty="0" err="1" smtClean="0"/>
+                        <a:t>EmpID</a:t>
+                      </a:r>
+                      <a:endParaRPr lang="en-US" dirty="0"/>
+                    </a:p>
+                  </a:txBody>
+                  <a:tcPr/>
+                </a:tc>
+                <a:tc>
+                  <a:txBody>
+                    <a:bodyPr/>
+                    <a:lstStyle/>
+                    <a:p>
+                      <a:r>
+                        <a:rPr lang="en-US" dirty="0" err="1" smtClean="0"/>
+                        <a:t>PhoneID</a:t>
+                      </a:r>
+                      <a:endParaRPr lang="en-US" dirty="0"/>
+                    </a:p>
+                  </a:txBody>
+                  <a:tcPr/>
+                </a:tc>
+              </a:tr>
+              <a:tr h="370840">
+                <a:tc>
+                  <a:txBody>
+                    <a:bodyPr/>
+                    <a:lstStyle/>
+                    <a:p>
+                      <a:r>
+                        <a:rPr lang="en-US" dirty="0" smtClean="0"/>
+                        <a:t>1</a:t>
+                      </a:r>
+                      <a:endParaRPr lang="en-US" dirty="0"/>
+                    </a:p>
+                  </a:txBody>
+                  <a:tcPr/>
+                </a:tc>
+                <a:tc>
+                  <a:txBody>
+                    <a:bodyPr/>
+                    <a:lstStyle/>
+                    <a:p>
+                      <a:r>
+                        <a:rPr lang="en-US" dirty="0" smtClean="0"/>
+                        <a:t>1</a:t>
+                      </a:r>
+                      <a:endParaRPr lang="en-US" dirty="0"/>
+                    </a:p>
+                  </a:txBody>
+                  <a:tcPr/>
+                </a:tc>
+                <a:tc>
+                  <a:txBody>
+                    <a:bodyPr/>
+                    <a:lstStyle/>
+                    <a:p>
+                      <a:r>
+                        <a:rPr lang="en-US" dirty="0" smtClean="0"/>
+                        <a:t>1</a:t>
+                      </a:r>
+                      <a:endParaRPr lang="en-US" dirty="0"/>
+                    </a:p>
+                  </a:txBody>
+                  <a:tcPr/>
+                </a:tc>
+              </a:tr>
+              <a:tr h="370840">
+                <a:tc>
+                  <a:txBody>
+                    <a:bodyPr/>
+                    <a:lstStyle/>
+                    <a:p>
+                      <a:r>
+                        <a:rPr lang="en-US" dirty="0" smtClean="0"/>
+                        <a:t>2</a:t>
+                      </a:r>
+                      <a:endParaRPr lang="en-US" dirty="0"/>
+                    </a:p>
+                  </a:txBody>
+                  <a:tcPr/>
+                </a:tc>
+                <a:tc>
+                  <a:txBody>
+                    <a:bodyPr/>
+                    <a:lstStyle/>
+                    <a:p>
+                      <a:r>
+                        <a:rPr lang="en-US" dirty="0" smtClean="0"/>
+                        <a:t>1</a:t>
+                      </a:r>
+                      <a:endParaRPr lang="en-US" dirty="0"/>
+                    </a:p>
+                  </a:txBody>
+                  <a:tcPr/>
+                </a:tc>
+                <a:tc>
+                  <a:txBody>
+                    <a:bodyPr/>
+                    <a:lstStyle/>
+                    <a:p>
+                      <a:r>
+                        <a:rPr lang="en-US" dirty="0" smtClean="0"/>
+                        <a:t>2</a:t>
+                      </a:r>
+                      <a:endParaRPr lang="en-US" dirty="0"/>
+                    </a:p>
+                  </a:txBody>
+                  <a:tcPr/>
+                </a:tc>
+              </a:tr>
+              <a:tr h="370840">
+                <a:tc>
+                  <a:txBody>
+                    <a:bodyPr/>
+                    <a:lstStyle/>
+                    <a:p>
+                      <a:r>
+                        <a:rPr lang="en-US" dirty="0" smtClean="0"/>
+                        <a:t>3</a:t>
+                      </a:r>
+                      <a:endParaRPr lang="en-US" dirty="0"/>
+                    </a:p>
+                  </a:txBody>
+                  <a:tcPr/>
+                </a:tc>
+                <a:tc>
+                  <a:txBody>
+                    <a:bodyPr/>
+                    <a:lstStyle/>
+                    <a:p>
+                      <a:r>
+                        <a:rPr lang="en-US" dirty="0" smtClean="0"/>
+                        <a:t>2</a:t>
+                      </a:r>
+                      <a:endParaRPr lang="en-US" dirty="0"/>
+                    </a:p>
+                  </a:txBody>
+                  <a:tcPr/>
+                </a:tc>
+                <a:tc>
+                  <a:txBody>
+                    <a:bodyPr/>
+                    <a:lstStyle/>
+                    <a:p>
+                      <a:r>
+                        <a:rPr lang="en-US" dirty="0" smtClean="0"/>
+                        <a:t>3</a:t>
+                      </a:r>
+                      <a:endParaRPr lang="en-US" dirty="0"/>
+                    </a:p>
+                  </a:txBody>
+                  <a:tcPr/>
+                </a:tc>
+              </a:tr>
+            </a:tbl>
+          </a:graphicData>
+        </a:graphic>
+      </p:graphicFrame>
+      <p:sp>
+        <p:nvSpPr>
+          <p:cNvPr id="7" name="TextBox 6"/>
+          <p:cNvSpPr txBox="1"/>
+          <p:nvPr/>
+        </p:nvSpPr>
+        <p:spPr>
+          <a:xfrm>
+            <a:off x="1467033" y="4209215"/>
+            <a:ext cx="1489510" cy="369332"/>
+          </a:xfrm>
+          <a:prstGeom prst="rect">
+            <a:avLst/>
+          </a:prstGeom>
+          <a:noFill/>
+        </p:spPr>
+        <p:txBody>
+          <a:bodyPr wrap="none" rtlCol="0">
+            <a:spAutoFit/>
+          </a:bodyPr>
+          <a:lstStyle/>
+          <a:p>
+            <a:r>
+              <a:rPr lang="en-US" b="1" dirty="0" err="1" smtClean="0"/>
+              <a:t>Emp_Phone</a:t>
+            </a:r>
+            <a:endParaRPr lang="en-US" b="1" dirty="0"/>
+          </a:p>
+        </p:txBody>
+      </p:sp>
+    </p:spTree>
+    <p:extLst>
+      <p:ext uri="{BB962C8B-B14F-4D97-AF65-F5344CB8AC3E}">
+        <p14:creationId xmlns:p14="http://schemas.microsoft.com/office/powerpoint/2010/main" val="1478338584"/>
+      </p:ext>
+    </p:extLst>
+  </p:cSld>
+  <p:clrMapOvr>
+    <a:masterClrMapping/>
+  </p:clrMapOvr>
+</p:sld>
+</file>
+
+<file path=ppt/slides/slide22.xml><?xml version="1.0" encoding="utf-8"?>
+<p:sld xmlns:a="http://schemas.openxmlformats.org/drawingml/2006/main" xmlns:r="http://schemas.openxmlformats.org/officeDocument/2006/relationships" xmlns:p="http://schemas.openxmlformats.org/presentationml/2006/main">
+  <p:cSld>
+    <p:spTree>
+      <p:nvGrpSpPr>
+        <p:cNvPr id="1" name=""/>
+        <p:cNvGrpSpPr/>
+        <p:nvPr/>
+      </p:nvGrpSpPr>
+      <p:grpSpPr>
+        <a:xfrm>
+          <a:off x="0" y="0"/>
+          <a:ext cx="0" cy="0"/>
+          <a:chOff x="0" y="0"/>
+          <a:chExt cx="0" cy="0"/>
+        </a:xfrm>
+      </p:grpSpPr>
+      <p:sp>
+        <p:nvSpPr>
+          <p:cNvPr id="2" name="Title 1"/>
+          <p:cNvSpPr>
+            <a:spLocks noGrp="1"/>
+          </p:cNvSpPr>
+          <p:nvPr>
+            <p:ph type="title"/>
+          </p:nvPr>
+        </p:nvSpPr>
+        <p:spPr/>
+        <p:txBody>
+          <a:bodyPr/>
+          <a:lstStyle/>
+          <a:p>
+            <a:r>
+              <a:rPr lang="en-US" dirty="0" smtClean="0"/>
+              <a:t>NF2</a:t>
+            </a:r>
+            <a:endParaRPr lang="en-US" dirty="0"/>
+          </a:p>
+        </p:txBody>
+      </p:sp>
+      <p:sp>
+        <p:nvSpPr>
+          <p:cNvPr id="3" name="Content Placeholder 2"/>
+          <p:cNvSpPr>
+            <a:spLocks noGrp="1"/>
+          </p:cNvSpPr>
+          <p:nvPr>
+            <p:ph idx="1"/>
+          </p:nvPr>
+        </p:nvSpPr>
+        <p:spPr/>
+        <p:txBody>
+          <a:bodyPr/>
+          <a:lstStyle/>
+          <a:p>
+            <a:r>
+              <a:rPr lang="en-US" dirty="0" smtClean="0"/>
+              <a:t>Especially relating to composite keys, non-key fields must provide facts about the entire composite key and not a subset of the key</a:t>
+            </a:r>
+            <a:endParaRPr lang="en-US" dirty="0"/>
+          </a:p>
+        </p:txBody>
+      </p:sp>
+      <p:graphicFrame>
+        <p:nvGraphicFramePr>
+          <p:cNvPr id="4" name="Table 3"/>
+          <p:cNvGraphicFramePr>
+            <a:graphicFrameLocks noGrp="1"/>
+          </p:cNvGraphicFramePr>
+          <p:nvPr>
+            <p:extLst>
+              <p:ext uri="{D42A27DB-BD31-4B8C-83A1-F6EECF244321}">
+                <p14:modId xmlns:p14="http://schemas.microsoft.com/office/powerpoint/2010/main" val="2608246317"/>
+              </p:ext>
+            </p:extLst>
+          </p:nvPr>
+        </p:nvGraphicFramePr>
+        <p:xfrm>
+          <a:off x="1514824" y="3160944"/>
+          <a:ext cx="4239800" cy="1483360"/>
+        </p:xfrm>
+        <a:graphic>
+          <a:graphicData uri="http://schemas.openxmlformats.org/drawingml/2006/table">
+            <a:tbl>
+              <a:tblPr firstRow="1" bandRow="1">
+                <a:tableStyleId>{D27102A9-8310-4765-A935-A1911B00CA55}</a:tableStyleId>
+              </a:tblPr>
+              <a:tblGrid>
+                <a:gridCol w="472472"/>
+                <a:gridCol w="1085088"/>
+                <a:gridCol w="1060704"/>
+                <a:gridCol w="1621536"/>
+              </a:tblGrid>
+              <a:tr h="370840">
+                <a:tc>
+                  <a:txBody>
+                    <a:bodyPr/>
+                    <a:lstStyle/>
+                    <a:p>
+                      <a:r>
+                        <a:rPr lang="en-US" dirty="0" smtClean="0"/>
+                        <a:t>ID</a:t>
+                      </a:r>
+                      <a:endParaRPr lang="en-US" dirty="0"/>
+                    </a:p>
+                  </a:txBody>
+                  <a:tcPr/>
+                </a:tc>
+                <a:tc>
+                  <a:txBody>
+                    <a:bodyPr/>
+                    <a:lstStyle/>
+                    <a:p>
+                      <a:r>
+                        <a:rPr lang="en-US" dirty="0" err="1" smtClean="0"/>
+                        <a:t>EmpID</a:t>
+                      </a:r>
+                      <a:endParaRPr lang="en-US" dirty="0"/>
+                    </a:p>
+                  </a:txBody>
+                  <a:tcPr/>
+                </a:tc>
+                <a:tc>
+                  <a:txBody>
+                    <a:bodyPr/>
+                    <a:lstStyle/>
+                    <a:p>
+                      <a:r>
+                        <a:rPr lang="en-US" dirty="0" err="1" smtClean="0"/>
+                        <a:t>DeptID</a:t>
+                      </a:r>
+                      <a:endParaRPr lang="en-US" dirty="0"/>
+                    </a:p>
+                  </a:txBody>
+                  <a:tcPr/>
+                </a:tc>
+                <a:tc>
+                  <a:txBody>
+                    <a:bodyPr/>
+                    <a:lstStyle/>
+                    <a:p>
+                      <a:r>
+                        <a:rPr lang="en-US" dirty="0" err="1" smtClean="0"/>
+                        <a:t>Phone_ID</a:t>
+                      </a:r>
+                      <a:endParaRPr lang="en-US" dirty="0"/>
+                    </a:p>
+                  </a:txBody>
+                  <a:tcPr/>
+                </a:tc>
+              </a:tr>
+              <a:tr h="370840">
+                <a:tc>
+                  <a:txBody>
+                    <a:bodyPr/>
+                    <a:lstStyle/>
+                    <a:p>
+                      <a:r>
+                        <a:rPr lang="en-US" dirty="0" smtClean="0"/>
+                        <a:t>1</a:t>
+                      </a:r>
+                      <a:endParaRPr lang="en-US" dirty="0"/>
+                    </a:p>
+                  </a:txBody>
+                  <a:tcPr/>
+                </a:tc>
+                <a:tc>
+                  <a:txBody>
+                    <a:bodyPr/>
+                    <a:lstStyle/>
+                    <a:p>
+                      <a:r>
+                        <a:rPr lang="en-US" dirty="0" smtClean="0"/>
+                        <a:t>1</a:t>
+                      </a:r>
+                      <a:endParaRPr lang="en-US" dirty="0"/>
+                    </a:p>
+                  </a:txBody>
+                  <a:tcPr/>
+                </a:tc>
+                <a:tc>
+                  <a:txBody>
+                    <a:bodyPr/>
+                    <a:lstStyle/>
+                    <a:p>
+                      <a:r>
+                        <a:rPr lang="en-US" dirty="0" smtClean="0"/>
+                        <a:t>100</a:t>
+                      </a:r>
+                      <a:endParaRPr lang="en-US" dirty="0"/>
+                    </a:p>
+                  </a:txBody>
+                  <a:tcPr/>
+                </a:tc>
+                <a:tc>
+                  <a:txBody>
+                    <a:bodyPr/>
+                    <a:lstStyle/>
+                    <a:p>
+                      <a:r>
+                        <a:rPr lang="en-US" dirty="0" smtClean="0"/>
+                        <a:t>1</a:t>
+                      </a:r>
+                      <a:endParaRPr lang="en-US" dirty="0"/>
+                    </a:p>
+                  </a:txBody>
+                  <a:tcPr/>
+                </a:tc>
+              </a:tr>
+              <a:tr h="370840">
+                <a:tc>
+                  <a:txBody>
+                    <a:bodyPr/>
+                    <a:lstStyle/>
+                    <a:p>
+                      <a:r>
+                        <a:rPr lang="en-US" dirty="0" smtClean="0"/>
+                        <a:t>2</a:t>
+                      </a:r>
+                      <a:endParaRPr lang="en-US" dirty="0"/>
+                    </a:p>
+                  </a:txBody>
+                  <a:tcPr/>
+                </a:tc>
+                <a:tc>
+                  <a:txBody>
+                    <a:bodyPr/>
+                    <a:lstStyle/>
+                    <a:p>
+                      <a:r>
+                        <a:rPr lang="en-US" dirty="0" smtClean="0"/>
+                        <a:t>1</a:t>
+                      </a:r>
+                      <a:endParaRPr lang="en-US" dirty="0"/>
+                    </a:p>
+                  </a:txBody>
+                  <a:tcPr/>
+                </a:tc>
+                <a:tc>
+                  <a:txBody>
+                    <a:bodyPr/>
+                    <a:lstStyle/>
+                    <a:p>
+                      <a:r>
+                        <a:rPr lang="en-US" dirty="0" smtClean="0"/>
+                        <a:t>100</a:t>
+                      </a:r>
+                      <a:endParaRPr lang="en-US" dirty="0"/>
+                    </a:p>
+                  </a:txBody>
+                  <a:tcPr/>
+                </a:tc>
+                <a:tc>
+                  <a:txBody>
+                    <a:bodyPr/>
+                    <a:lstStyle/>
+                    <a:p>
+                      <a:r>
+                        <a:rPr lang="en-US" dirty="0" smtClean="0"/>
+                        <a:t>2</a:t>
+                      </a:r>
+                      <a:endParaRPr lang="en-US" dirty="0"/>
+                    </a:p>
+                  </a:txBody>
+                  <a:tcPr/>
+                </a:tc>
+              </a:tr>
+              <a:tr h="370840">
+                <a:tc>
+                  <a:txBody>
+                    <a:bodyPr/>
+                    <a:lstStyle/>
+                    <a:p>
+                      <a:r>
+                        <a:rPr lang="en-US" dirty="0" smtClean="0"/>
+                        <a:t>3</a:t>
+                      </a:r>
+                      <a:endParaRPr lang="en-US" dirty="0"/>
+                    </a:p>
+                  </a:txBody>
+                  <a:tcPr/>
+                </a:tc>
+                <a:tc>
+                  <a:txBody>
+                    <a:bodyPr/>
+                    <a:lstStyle/>
+                    <a:p>
+                      <a:r>
+                        <a:rPr lang="en-US" dirty="0" smtClean="0"/>
+                        <a:t>2</a:t>
+                      </a:r>
+                      <a:endParaRPr lang="en-US" dirty="0"/>
+                    </a:p>
+                  </a:txBody>
+                  <a:tcPr/>
+                </a:tc>
+                <a:tc>
+                  <a:txBody>
+                    <a:bodyPr/>
+                    <a:lstStyle/>
+                    <a:p>
+                      <a:r>
+                        <a:rPr lang="en-US" dirty="0" smtClean="0"/>
+                        <a:t>300</a:t>
+                      </a:r>
+                      <a:endParaRPr lang="en-US" dirty="0"/>
+                    </a:p>
+                  </a:txBody>
+                  <a:tcPr/>
+                </a:tc>
+                <a:tc>
+                  <a:txBody>
+                    <a:bodyPr/>
+                    <a:lstStyle/>
+                    <a:p>
+                      <a:r>
+                        <a:rPr lang="en-US" dirty="0" smtClean="0"/>
+                        <a:t>3</a:t>
+                      </a:r>
+                      <a:endParaRPr lang="en-US" dirty="0"/>
+                    </a:p>
+                  </a:txBody>
+                  <a:tcPr/>
+                </a:tc>
+              </a:tr>
+            </a:tbl>
+          </a:graphicData>
+        </a:graphic>
+      </p:graphicFrame>
+      <p:sp>
+        <p:nvSpPr>
+          <p:cNvPr id="5" name="TextBox 4"/>
+          <p:cNvSpPr txBox="1"/>
+          <p:nvPr/>
+        </p:nvSpPr>
+        <p:spPr>
+          <a:xfrm>
+            <a:off x="1448818" y="2807135"/>
+            <a:ext cx="1489510" cy="369332"/>
+          </a:xfrm>
+          <a:prstGeom prst="rect">
+            <a:avLst/>
+          </a:prstGeom>
+          <a:noFill/>
+        </p:spPr>
+        <p:txBody>
+          <a:bodyPr wrap="none" rtlCol="0">
+            <a:spAutoFit/>
+          </a:bodyPr>
+          <a:lstStyle/>
+          <a:p>
+            <a:r>
+              <a:rPr lang="en-US" b="1" dirty="0" err="1" smtClean="0"/>
+              <a:t>Emp_Phone</a:t>
+            </a:r>
+            <a:endParaRPr lang="en-US" b="1" dirty="0"/>
+          </a:p>
+        </p:txBody>
+      </p:sp>
+      <p:sp>
+        <p:nvSpPr>
+          <p:cNvPr id="6" name="TextBox 5"/>
+          <p:cNvSpPr txBox="1"/>
+          <p:nvPr/>
+        </p:nvSpPr>
+        <p:spPr>
+          <a:xfrm>
+            <a:off x="1514824" y="4962144"/>
+            <a:ext cx="7958360" cy="1754326"/>
+          </a:xfrm>
+          <a:prstGeom prst="rect">
+            <a:avLst/>
+          </a:prstGeom>
+          <a:noFill/>
+        </p:spPr>
+        <p:txBody>
+          <a:bodyPr wrap="square" rtlCol="0">
+            <a:spAutoFit/>
+          </a:bodyPr>
+          <a:lstStyle/>
+          <a:p>
+            <a:r>
+              <a:rPr lang="en-US" dirty="0" smtClean="0"/>
+              <a:t>ID and </a:t>
+            </a:r>
+            <a:r>
+              <a:rPr lang="en-US" dirty="0" err="1" smtClean="0"/>
+              <a:t>EmpID</a:t>
+            </a:r>
+            <a:r>
+              <a:rPr lang="en-US" dirty="0" smtClean="0"/>
+              <a:t> combination is unique in the above table (i.e. composite key)</a:t>
+            </a:r>
+          </a:p>
+          <a:p>
+            <a:r>
+              <a:rPr lang="en-US" dirty="0" smtClean="0"/>
+              <a:t/>
+            </a:r>
+            <a:br>
+              <a:rPr lang="en-US" dirty="0" smtClean="0"/>
+            </a:br>
+            <a:r>
+              <a:rPr lang="en-US" dirty="0" smtClean="0"/>
+              <a:t>This design violates NF2 because Department ID provides fact about Employee ID. However, ID and Employee ID both make up to be a unique key!</a:t>
+            </a:r>
+            <a:endParaRPr lang="en-US" dirty="0"/>
+          </a:p>
+        </p:txBody>
+      </p:sp>
+    </p:spTree>
+    <p:extLst>
+      <p:ext uri="{BB962C8B-B14F-4D97-AF65-F5344CB8AC3E}">
+        <p14:creationId xmlns:p14="http://schemas.microsoft.com/office/powerpoint/2010/main" val="4107512576"/>
+      </p:ext>
+    </p:extLst>
+  </p:cSld>
+  <p:clrMapOvr>
+    <a:masterClrMapping/>
+  </p:clrMapOvr>
+</p:sld>
+</file>
+
+<file path=ppt/slides/slide23.xml><?xml version="1.0" encoding="utf-8"?>
+<p:sld xmlns:a="http://schemas.openxmlformats.org/drawingml/2006/main" xmlns:r="http://schemas.openxmlformats.org/officeDocument/2006/relationships" xmlns:p="http://schemas.openxmlformats.org/presentationml/2006/main">
+  <p:cSld>
+    <p:spTree>
+      <p:nvGrpSpPr>
+        <p:cNvPr id="1" name=""/>
+        <p:cNvGrpSpPr/>
+        <p:nvPr/>
+      </p:nvGrpSpPr>
+      <p:grpSpPr>
+        <a:xfrm>
+          <a:off x="0" y="0"/>
+          <a:ext cx="0" cy="0"/>
+          <a:chOff x="0" y="0"/>
+          <a:chExt cx="0" cy="0"/>
+        </a:xfrm>
+      </p:grpSpPr>
+      <p:sp>
+        <p:nvSpPr>
+          <p:cNvPr id="2" name="Title 1"/>
+          <p:cNvSpPr>
+            <a:spLocks noGrp="1"/>
+          </p:cNvSpPr>
+          <p:nvPr>
+            <p:ph type="title"/>
+          </p:nvPr>
+        </p:nvSpPr>
+        <p:spPr/>
+        <p:txBody>
+          <a:bodyPr/>
+          <a:lstStyle/>
+          <a:p>
+            <a:r>
+              <a:rPr lang="en-US" dirty="0" smtClean="0"/>
+              <a:t>NF2 fixed</a:t>
+            </a:r>
+            <a:endParaRPr lang="en-US" dirty="0"/>
+          </a:p>
+        </p:txBody>
+      </p:sp>
+      <p:sp>
+        <p:nvSpPr>
+          <p:cNvPr id="3" name="Content Placeholder 2"/>
+          <p:cNvSpPr>
+            <a:spLocks noGrp="1"/>
+          </p:cNvSpPr>
+          <p:nvPr>
+            <p:ph idx="1"/>
+          </p:nvPr>
+        </p:nvSpPr>
+        <p:spPr/>
+        <p:txBody>
+          <a:bodyPr/>
+          <a:lstStyle/>
+          <a:p>
+            <a:r>
+              <a:rPr lang="en-US" dirty="0" smtClean="0"/>
+              <a:t>Let’s fix the issue. Since department ID relates to employee, let’s do this:</a:t>
+            </a:r>
+          </a:p>
+          <a:p>
+            <a:endParaRPr lang="en-US" dirty="0"/>
+          </a:p>
+        </p:txBody>
+      </p:sp>
+      <p:graphicFrame>
+        <p:nvGraphicFramePr>
+          <p:cNvPr id="4" name="Table 3"/>
+          <p:cNvGraphicFramePr>
+            <a:graphicFrameLocks noGrp="1"/>
+          </p:cNvGraphicFramePr>
+          <p:nvPr>
+            <p:extLst>
+              <p:ext uri="{D42A27DB-BD31-4B8C-83A1-F6EECF244321}">
+                <p14:modId xmlns:p14="http://schemas.microsoft.com/office/powerpoint/2010/main" val="4033404588"/>
+              </p:ext>
+            </p:extLst>
+          </p:nvPr>
+        </p:nvGraphicFramePr>
+        <p:xfrm>
+          <a:off x="4372793" y="3142606"/>
+          <a:ext cx="1591119" cy="1112520"/>
+        </p:xfrm>
+        <a:graphic>
+          <a:graphicData uri="http://schemas.openxmlformats.org/drawingml/2006/table">
+            <a:tbl>
+              <a:tblPr firstRow="1" bandRow="1">
+                <a:tableStyleId>{D27102A9-8310-4765-A935-A1911B00CA55}</a:tableStyleId>
+              </a:tblPr>
+              <a:tblGrid>
+                <a:gridCol w="468925"/>
+                <a:gridCol w="1122194"/>
+              </a:tblGrid>
+              <a:tr h="370840">
+                <a:tc>
+                  <a:txBody>
+                    <a:bodyPr/>
+                    <a:lstStyle/>
+                    <a:p>
+                      <a:r>
+                        <a:rPr lang="en-US" dirty="0" smtClean="0"/>
+                        <a:t>ID</a:t>
+                      </a:r>
+                      <a:endParaRPr lang="en-US" dirty="0"/>
+                    </a:p>
+                  </a:txBody>
+                  <a:tcPr/>
+                </a:tc>
+                <a:tc>
+                  <a:txBody>
+                    <a:bodyPr/>
+                    <a:lstStyle/>
+                    <a:p>
+                      <a:r>
+                        <a:rPr lang="en-US" dirty="0" smtClean="0"/>
+                        <a:t>Name</a:t>
+                      </a:r>
+                      <a:endParaRPr lang="en-US" dirty="0"/>
+                    </a:p>
+                  </a:txBody>
+                  <a:tcPr/>
+                </a:tc>
+              </a:tr>
+              <a:tr h="370840">
+                <a:tc>
+                  <a:txBody>
+                    <a:bodyPr/>
+                    <a:lstStyle/>
+                    <a:p>
+                      <a:r>
+                        <a:rPr lang="en-US" dirty="0" smtClean="0"/>
+                        <a:t>1</a:t>
+                      </a:r>
+                      <a:endParaRPr lang="en-US" dirty="0"/>
+                    </a:p>
+                  </a:txBody>
+                  <a:tcPr/>
+                </a:tc>
+                <a:tc>
+                  <a:txBody>
+                    <a:bodyPr/>
+                    <a:lstStyle/>
+                    <a:p>
+                      <a:r>
+                        <a:rPr lang="en-US" dirty="0" smtClean="0"/>
+                        <a:t>Matt</a:t>
+                      </a:r>
+                      <a:endParaRPr lang="en-US" dirty="0"/>
+                    </a:p>
+                  </a:txBody>
+                  <a:tcPr/>
+                </a:tc>
+              </a:tr>
+              <a:tr h="370840">
+                <a:tc>
+                  <a:txBody>
+                    <a:bodyPr/>
+                    <a:lstStyle/>
+                    <a:p>
+                      <a:r>
+                        <a:rPr lang="en-US" dirty="0" smtClean="0"/>
+                        <a:t>2</a:t>
+                      </a:r>
+                      <a:endParaRPr lang="en-US" dirty="0"/>
+                    </a:p>
+                  </a:txBody>
+                  <a:tcPr/>
+                </a:tc>
+                <a:tc>
+                  <a:txBody>
+                    <a:bodyPr/>
+                    <a:lstStyle/>
+                    <a:p>
+                      <a:r>
+                        <a:rPr lang="en-US" dirty="0" smtClean="0"/>
+                        <a:t>John</a:t>
+                      </a:r>
+                      <a:endParaRPr lang="en-US" dirty="0"/>
+                    </a:p>
+                  </a:txBody>
+                  <a:tcPr/>
+                </a:tc>
+              </a:tr>
+            </a:tbl>
+          </a:graphicData>
+        </a:graphic>
+      </p:graphicFrame>
+      <p:sp>
+        <p:nvSpPr>
+          <p:cNvPr id="5" name="TextBox 4"/>
+          <p:cNvSpPr txBox="1"/>
+          <p:nvPr/>
+        </p:nvSpPr>
+        <p:spPr>
+          <a:xfrm>
+            <a:off x="4268312" y="2788797"/>
+            <a:ext cx="1407758" cy="369332"/>
+          </a:xfrm>
+          <a:prstGeom prst="rect">
+            <a:avLst/>
+          </a:prstGeom>
+          <a:noFill/>
+        </p:spPr>
+        <p:txBody>
+          <a:bodyPr wrap="none" rtlCol="0">
+            <a:spAutoFit/>
+          </a:bodyPr>
+          <a:lstStyle/>
+          <a:p>
+            <a:r>
+              <a:rPr lang="en-US" b="1" dirty="0" smtClean="0"/>
+              <a:t>Employees</a:t>
+            </a:r>
+            <a:endParaRPr lang="en-US" b="1" dirty="0"/>
+          </a:p>
+        </p:txBody>
+      </p:sp>
+      <p:graphicFrame>
+        <p:nvGraphicFramePr>
+          <p:cNvPr id="6" name="Table 5"/>
+          <p:cNvGraphicFramePr>
+            <a:graphicFrameLocks noGrp="1"/>
+          </p:cNvGraphicFramePr>
+          <p:nvPr>
+            <p:extLst>
+              <p:ext uri="{D42A27DB-BD31-4B8C-83A1-F6EECF244321}">
+                <p14:modId xmlns:p14="http://schemas.microsoft.com/office/powerpoint/2010/main" val="3610415771"/>
+              </p:ext>
+            </p:extLst>
+          </p:nvPr>
+        </p:nvGraphicFramePr>
+        <p:xfrm>
+          <a:off x="1578318" y="3142606"/>
+          <a:ext cx="1591119" cy="1112520"/>
+        </p:xfrm>
+        <a:graphic>
+          <a:graphicData uri="http://schemas.openxmlformats.org/drawingml/2006/table">
+            <a:tbl>
+              <a:tblPr firstRow="1" bandRow="1">
+                <a:tableStyleId>{D27102A9-8310-4765-A935-A1911B00CA55}</a:tableStyleId>
+              </a:tblPr>
+              <a:tblGrid>
+                <a:gridCol w="468925"/>
+                <a:gridCol w="1122194"/>
+              </a:tblGrid>
+              <a:tr h="370840">
+                <a:tc>
+                  <a:txBody>
+                    <a:bodyPr/>
+                    <a:lstStyle/>
+                    <a:p>
+                      <a:r>
+                        <a:rPr lang="en-US" dirty="0" smtClean="0"/>
+                        <a:t>ID</a:t>
+                      </a:r>
+                      <a:endParaRPr lang="en-US" dirty="0"/>
+                    </a:p>
+                  </a:txBody>
+                  <a:tcPr/>
+                </a:tc>
+                <a:tc>
+                  <a:txBody>
+                    <a:bodyPr/>
+                    <a:lstStyle/>
+                    <a:p>
+                      <a:r>
+                        <a:rPr lang="en-US" dirty="0" smtClean="0"/>
+                        <a:t>Name</a:t>
+                      </a:r>
+                      <a:endParaRPr lang="en-US" dirty="0"/>
+                    </a:p>
+                  </a:txBody>
+                  <a:tcPr/>
+                </a:tc>
+              </a:tr>
+              <a:tr h="370840">
+                <a:tc>
+                  <a:txBody>
+                    <a:bodyPr/>
+                    <a:lstStyle/>
+                    <a:p>
+                      <a:r>
+                        <a:rPr lang="en-US" dirty="0" smtClean="0"/>
+                        <a:t>1</a:t>
+                      </a:r>
+                      <a:endParaRPr lang="en-US" dirty="0"/>
+                    </a:p>
+                  </a:txBody>
+                  <a:tcPr/>
+                </a:tc>
+                <a:tc>
+                  <a:txBody>
+                    <a:bodyPr/>
+                    <a:lstStyle/>
+                    <a:p>
+                      <a:r>
+                        <a:rPr lang="en-US" dirty="0" smtClean="0"/>
+                        <a:t>Sales</a:t>
+                      </a:r>
+                      <a:endParaRPr lang="en-US" dirty="0"/>
+                    </a:p>
+                  </a:txBody>
+                  <a:tcPr/>
+                </a:tc>
+              </a:tr>
+              <a:tr h="370840">
+                <a:tc>
+                  <a:txBody>
+                    <a:bodyPr/>
+                    <a:lstStyle/>
+                    <a:p>
+                      <a:r>
+                        <a:rPr lang="en-US" dirty="0" smtClean="0"/>
+                        <a:t>2</a:t>
+                      </a:r>
+                      <a:endParaRPr lang="en-US" dirty="0"/>
+                    </a:p>
+                  </a:txBody>
+                  <a:tcPr/>
+                </a:tc>
+                <a:tc>
+                  <a:txBody>
+                    <a:bodyPr/>
+                    <a:lstStyle/>
+                    <a:p>
+                      <a:r>
+                        <a:rPr lang="en-US" dirty="0" smtClean="0"/>
+                        <a:t>Finance</a:t>
+                      </a:r>
+                      <a:endParaRPr lang="en-US" dirty="0"/>
+                    </a:p>
+                  </a:txBody>
+                  <a:tcPr/>
+                </a:tc>
+              </a:tr>
+            </a:tbl>
+          </a:graphicData>
+        </a:graphic>
+      </p:graphicFrame>
+      <p:sp>
+        <p:nvSpPr>
+          <p:cNvPr id="7" name="TextBox 6"/>
+          <p:cNvSpPr txBox="1"/>
+          <p:nvPr/>
+        </p:nvSpPr>
+        <p:spPr>
+          <a:xfrm>
+            <a:off x="1473837" y="2788797"/>
+            <a:ext cx="1612942" cy="369332"/>
+          </a:xfrm>
+          <a:prstGeom prst="rect">
+            <a:avLst/>
+          </a:prstGeom>
+          <a:noFill/>
+        </p:spPr>
+        <p:txBody>
+          <a:bodyPr wrap="none" rtlCol="0">
+            <a:spAutoFit/>
+          </a:bodyPr>
+          <a:lstStyle/>
+          <a:p>
+            <a:r>
+              <a:rPr lang="en-US" b="1" dirty="0" smtClean="0"/>
+              <a:t>Departments</a:t>
+            </a:r>
+            <a:endParaRPr lang="en-US" b="1" dirty="0"/>
+          </a:p>
+        </p:txBody>
+      </p:sp>
+      <p:graphicFrame>
+        <p:nvGraphicFramePr>
+          <p:cNvPr id="8" name="Table 7"/>
+          <p:cNvGraphicFramePr>
+            <a:graphicFrameLocks noGrp="1"/>
+          </p:cNvGraphicFramePr>
+          <p:nvPr>
+            <p:extLst>
+              <p:ext uri="{D42A27DB-BD31-4B8C-83A1-F6EECF244321}">
+                <p14:modId xmlns:p14="http://schemas.microsoft.com/office/powerpoint/2010/main" val="1801750220"/>
+              </p:ext>
+            </p:extLst>
+          </p:nvPr>
+        </p:nvGraphicFramePr>
+        <p:xfrm>
+          <a:off x="7271749" y="3142606"/>
+          <a:ext cx="2089146" cy="1112520"/>
+        </p:xfrm>
+        <a:graphic>
+          <a:graphicData uri="http://schemas.openxmlformats.org/drawingml/2006/table">
+            <a:tbl>
+              <a:tblPr firstRow="1" bandRow="1">
+                <a:tableStyleId>{D27102A9-8310-4765-A935-A1911B00CA55}</a:tableStyleId>
+              </a:tblPr>
+              <a:tblGrid>
+                <a:gridCol w="467609"/>
+                <a:gridCol w="757491"/>
+                <a:gridCol w="864046"/>
+              </a:tblGrid>
+              <a:tr h="370840">
+                <a:tc>
+                  <a:txBody>
+                    <a:bodyPr/>
+                    <a:lstStyle/>
+                    <a:p>
+                      <a:r>
+                        <a:rPr lang="en-US" dirty="0" smtClean="0"/>
+                        <a:t>ID</a:t>
+                      </a:r>
+                      <a:endParaRPr lang="en-US" dirty="0"/>
+                    </a:p>
+                  </a:txBody>
+                  <a:tcPr/>
+                </a:tc>
+                <a:tc>
+                  <a:txBody>
+                    <a:bodyPr/>
+                    <a:lstStyle/>
+                    <a:p>
+                      <a:r>
+                        <a:rPr lang="en-US" dirty="0" smtClean="0"/>
+                        <a:t>EID</a:t>
+                      </a:r>
+                      <a:endParaRPr lang="en-US" dirty="0"/>
+                    </a:p>
+                  </a:txBody>
+                  <a:tcPr/>
+                </a:tc>
+                <a:tc>
+                  <a:txBody>
+                    <a:bodyPr/>
+                    <a:lstStyle/>
+                    <a:p>
+                      <a:r>
+                        <a:rPr lang="en-US" dirty="0" smtClean="0"/>
+                        <a:t>DID</a:t>
+                      </a:r>
+                      <a:endParaRPr lang="en-US" dirty="0"/>
+                    </a:p>
+                  </a:txBody>
+                  <a:tcPr/>
+                </a:tc>
+              </a:tr>
+              <a:tr h="370840">
+                <a:tc>
+                  <a:txBody>
+                    <a:bodyPr/>
+                    <a:lstStyle/>
+                    <a:p>
+                      <a:r>
+                        <a:rPr lang="en-US" dirty="0" smtClean="0"/>
+                        <a:t>1</a:t>
+                      </a:r>
+                      <a:endParaRPr lang="en-US" dirty="0"/>
+                    </a:p>
+                  </a:txBody>
+                  <a:tcPr/>
+                </a:tc>
+                <a:tc>
+                  <a:txBody>
+                    <a:bodyPr/>
+                    <a:lstStyle/>
+                    <a:p>
+                      <a:r>
+                        <a:rPr lang="en-US" dirty="0" smtClean="0"/>
+                        <a:t>1</a:t>
+                      </a:r>
+                      <a:endParaRPr lang="en-US" dirty="0"/>
+                    </a:p>
+                  </a:txBody>
+                  <a:tcPr/>
+                </a:tc>
+                <a:tc>
+                  <a:txBody>
+                    <a:bodyPr/>
+                    <a:lstStyle/>
+                    <a:p>
+                      <a:r>
+                        <a:rPr lang="en-US" dirty="0" smtClean="0"/>
+                        <a:t>2</a:t>
+                      </a:r>
+                      <a:endParaRPr lang="en-US" dirty="0"/>
+                    </a:p>
+                  </a:txBody>
+                  <a:tcPr/>
+                </a:tc>
+              </a:tr>
+              <a:tr h="370840">
+                <a:tc>
+                  <a:txBody>
+                    <a:bodyPr/>
+                    <a:lstStyle/>
+                    <a:p>
+                      <a:r>
+                        <a:rPr lang="en-US" dirty="0" smtClean="0"/>
+                        <a:t>2</a:t>
+                      </a:r>
+                      <a:endParaRPr lang="en-US" dirty="0"/>
+                    </a:p>
+                  </a:txBody>
+                  <a:tcPr/>
+                </a:tc>
+                <a:tc>
+                  <a:txBody>
+                    <a:bodyPr/>
+                    <a:lstStyle/>
+                    <a:p>
+                      <a:r>
+                        <a:rPr lang="en-US" dirty="0" smtClean="0"/>
+                        <a:t>2</a:t>
+                      </a:r>
+                      <a:endParaRPr lang="en-US" dirty="0"/>
+                    </a:p>
+                  </a:txBody>
+                  <a:tcPr/>
+                </a:tc>
+                <a:tc>
+                  <a:txBody>
+                    <a:bodyPr/>
+                    <a:lstStyle/>
+                    <a:p>
+                      <a:r>
+                        <a:rPr lang="en-US" dirty="0" smtClean="0"/>
+                        <a:t>2</a:t>
+                      </a:r>
+                      <a:endParaRPr lang="en-US" dirty="0"/>
+                    </a:p>
+                  </a:txBody>
+                  <a:tcPr/>
+                </a:tc>
+              </a:tr>
+            </a:tbl>
+          </a:graphicData>
+        </a:graphic>
+      </p:graphicFrame>
+      <p:sp>
+        <p:nvSpPr>
+          <p:cNvPr id="9" name="TextBox 8"/>
+          <p:cNvSpPr txBox="1"/>
+          <p:nvPr/>
+        </p:nvSpPr>
+        <p:spPr>
+          <a:xfrm>
+            <a:off x="7167268" y="2788797"/>
+            <a:ext cx="1319592" cy="369332"/>
+          </a:xfrm>
+          <a:prstGeom prst="rect">
+            <a:avLst/>
+          </a:prstGeom>
+          <a:noFill/>
+        </p:spPr>
+        <p:txBody>
+          <a:bodyPr wrap="none" rtlCol="0">
+            <a:spAutoFit/>
+          </a:bodyPr>
+          <a:lstStyle/>
+          <a:p>
+            <a:r>
+              <a:rPr lang="en-US" b="1" dirty="0" err="1" smtClean="0"/>
+              <a:t>Emp_Dept</a:t>
+            </a:r>
+            <a:endParaRPr lang="en-US" b="1" dirty="0"/>
+          </a:p>
+        </p:txBody>
+      </p:sp>
+      <p:graphicFrame>
+        <p:nvGraphicFramePr>
+          <p:cNvPr id="10" name="Table 9"/>
+          <p:cNvGraphicFramePr>
+            <a:graphicFrameLocks noGrp="1"/>
+          </p:cNvGraphicFramePr>
+          <p:nvPr>
+            <p:extLst>
+              <p:ext uri="{D42A27DB-BD31-4B8C-83A1-F6EECF244321}">
+                <p14:modId xmlns:p14="http://schemas.microsoft.com/office/powerpoint/2010/main" val="1438561548"/>
+              </p:ext>
+            </p:extLst>
+          </p:nvPr>
+        </p:nvGraphicFramePr>
+        <p:xfrm>
+          <a:off x="4372793" y="5335549"/>
+          <a:ext cx="3332552" cy="1112520"/>
+        </p:xfrm>
+        <a:graphic>
+          <a:graphicData uri="http://schemas.openxmlformats.org/drawingml/2006/table">
+            <a:tbl>
+              <a:tblPr firstRow="1" bandRow="1">
+                <a:tableStyleId>{D27102A9-8310-4765-A935-A1911B00CA55}</a:tableStyleId>
+              </a:tblPr>
+              <a:tblGrid>
+                <a:gridCol w="575944"/>
+                <a:gridCol w="1378304"/>
+                <a:gridCol w="1378304"/>
+              </a:tblGrid>
+              <a:tr h="370840">
+                <a:tc>
+                  <a:txBody>
+                    <a:bodyPr/>
+                    <a:lstStyle/>
+                    <a:p>
+                      <a:r>
+                        <a:rPr lang="en-US" dirty="0" smtClean="0"/>
+                        <a:t>ID</a:t>
+                      </a:r>
+                      <a:endParaRPr lang="en-US" dirty="0"/>
+                    </a:p>
+                  </a:txBody>
+                  <a:tcPr/>
+                </a:tc>
+                <a:tc>
+                  <a:txBody>
+                    <a:bodyPr/>
+                    <a:lstStyle/>
+                    <a:p>
+                      <a:r>
+                        <a:rPr lang="en-US" dirty="0" smtClean="0"/>
+                        <a:t>Name</a:t>
+                      </a:r>
+                      <a:endParaRPr lang="en-US" dirty="0"/>
+                    </a:p>
+                  </a:txBody>
+                  <a:tcPr/>
+                </a:tc>
+                <a:tc>
+                  <a:txBody>
+                    <a:bodyPr/>
+                    <a:lstStyle/>
+                    <a:p>
+                      <a:r>
+                        <a:rPr lang="en-US" dirty="0" err="1" smtClean="0"/>
+                        <a:t>DeptID</a:t>
+                      </a:r>
+                      <a:endParaRPr lang="en-US" dirty="0"/>
+                    </a:p>
+                  </a:txBody>
+                  <a:tcPr/>
+                </a:tc>
+              </a:tr>
+              <a:tr h="370840">
+                <a:tc>
+                  <a:txBody>
+                    <a:bodyPr/>
+                    <a:lstStyle/>
+                    <a:p>
+                      <a:r>
+                        <a:rPr lang="en-US" dirty="0" smtClean="0"/>
+                        <a:t>1</a:t>
+                      </a:r>
+                      <a:endParaRPr lang="en-US" dirty="0"/>
+                    </a:p>
+                  </a:txBody>
+                  <a:tcPr/>
+                </a:tc>
+                <a:tc>
+                  <a:txBody>
+                    <a:bodyPr/>
+                    <a:lstStyle/>
+                    <a:p>
+                      <a:r>
+                        <a:rPr lang="en-US" dirty="0" smtClean="0"/>
+                        <a:t>Matt</a:t>
+                      </a:r>
+                      <a:endParaRPr lang="en-US" dirty="0"/>
+                    </a:p>
+                  </a:txBody>
+                  <a:tcPr/>
+                </a:tc>
+                <a:tc>
+                  <a:txBody>
+                    <a:bodyPr/>
+                    <a:lstStyle/>
+                    <a:p>
+                      <a:r>
+                        <a:rPr lang="en-US" dirty="0" smtClean="0"/>
+                        <a:t>2</a:t>
+                      </a:r>
+                      <a:endParaRPr lang="en-US" dirty="0"/>
+                    </a:p>
+                  </a:txBody>
+                  <a:tcPr/>
+                </a:tc>
+              </a:tr>
+              <a:tr h="370840">
+                <a:tc>
+                  <a:txBody>
+                    <a:bodyPr/>
+                    <a:lstStyle/>
+                    <a:p>
+                      <a:r>
+                        <a:rPr lang="en-US" dirty="0" smtClean="0"/>
+                        <a:t>2</a:t>
+                      </a:r>
+                      <a:endParaRPr lang="en-US" dirty="0"/>
+                    </a:p>
+                  </a:txBody>
+                  <a:tcPr/>
+                </a:tc>
+                <a:tc>
+                  <a:txBody>
+                    <a:bodyPr/>
+                    <a:lstStyle/>
+                    <a:p>
+                      <a:r>
+                        <a:rPr lang="en-US" dirty="0" smtClean="0"/>
+                        <a:t>John</a:t>
+                      </a:r>
+                      <a:endParaRPr lang="en-US" dirty="0"/>
+                    </a:p>
+                  </a:txBody>
+                  <a:tcPr/>
+                </a:tc>
+                <a:tc>
+                  <a:txBody>
+                    <a:bodyPr/>
+                    <a:lstStyle/>
+                    <a:p>
+                      <a:r>
+                        <a:rPr lang="en-US" dirty="0" smtClean="0"/>
+                        <a:t>2</a:t>
+                      </a:r>
+                      <a:endParaRPr lang="en-US" dirty="0"/>
+                    </a:p>
+                  </a:txBody>
+                  <a:tcPr/>
+                </a:tc>
+              </a:tr>
+            </a:tbl>
+          </a:graphicData>
+        </a:graphic>
+      </p:graphicFrame>
+      <p:sp>
+        <p:nvSpPr>
+          <p:cNvPr id="11" name="TextBox 10"/>
+          <p:cNvSpPr txBox="1"/>
+          <p:nvPr/>
+        </p:nvSpPr>
+        <p:spPr>
+          <a:xfrm>
+            <a:off x="4268312" y="4981740"/>
+            <a:ext cx="1407758" cy="369332"/>
+          </a:xfrm>
+          <a:prstGeom prst="rect">
+            <a:avLst/>
+          </a:prstGeom>
+          <a:noFill/>
+        </p:spPr>
+        <p:txBody>
+          <a:bodyPr wrap="none" rtlCol="0">
+            <a:spAutoFit/>
+          </a:bodyPr>
+          <a:lstStyle/>
+          <a:p>
+            <a:r>
+              <a:rPr lang="en-US" b="1" dirty="0" smtClean="0"/>
+              <a:t>Employees</a:t>
+            </a:r>
+            <a:endParaRPr lang="en-US" b="1" dirty="0"/>
+          </a:p>
+        </p:txBody>
+      </p:sp>
+      <p:graphicFrame>
+        <p:nvGraphicFramePr>
+          <p:cNvPr id="12" name="Table 11"/>
+          <p:cNvGraphicFramePr>
+            <a:graphicFrameLocks noGrp="1"/>
+          </p:cNvGraphicFramePr>
+          <p:nvPr>
+            <p:extLst>
+              <p:ext uri="{D42A27DB-BD31-4B8C-83A1-F6EECF244321}">
+                <p14:modId xmlns:p14="http://schemas.microsoft.com/office/powerpoint/2010/main" val="3784045095"/>
+              </p:ext>
+            </p:extLst>
+          </p:nvPr>
+        </p:nvGraphicFramePr>
+        <p:xfrm>
+          <a:off x="1578318" y="5335549"/>
+          <a:ext cx="1591119" cy="1112520"/>
+        </p:xfrm>
+        <a:graphic>
+          <a:graphicData uri="http://schemas.openxmlformats.org/drawingml/2006/table">
+            <a:tbl>
+              <a:tblPr firstRow="1" bandRow="1">
+                <a:tableStyleId>{D27102A9-8310-4765-A935-A1911B00CA55}</a:tableStyleId>
+              </a:tblPr>
+              <a:tblGrid>
+                <a:gridCol w="468925"/>
+                <a:gridCol w="1122194"/>
+              </a:tblGrid>
+              <a:tr h="370840">
+                <a:tc>
+                  <a:txBody>
+                    <a:bodyPr/>
+                    <a:lstStyle/>
+                    <a:p>
+                      <a:r>
+                        <a:rPr lang="en-US" dirty="0" smtClean="0"/>
+                        <a:t>ID</a:t>
+                      </a:r>
+                      <a:endParaRPr lang="en-US" dirty="0"/>
+                    </a:p>
+                  </a:txBody>
+                  <a:tcPr/>
+                </a:tc>
+                <a:tc>
+                  <a:txBody>
+                    <a:bodyPr/>
+                    <a:lstStyle/>
+                    <a:p>
+                      <a:r>
+                        <a:rPr lang="en-US" dirty="0" smtClean="0"/>
+                        <a:t>Name</a:t>
+                      </a:r>
+                      <a:endParaRPr lang="en-US" dirty="0"/>
+                    </a:p>
+                  </a:txBody>
+                  <a:tcPr/>
+                </a:tc>
+              </a:tr>
+              <a:tr h="370840">
+                <a:tc>
+                  <a:txBody>
+                    <a:bodyPr/>
+                    <a:lstStyle/>
+                    <a:p>
+                      <a:r>
+                        <a:rPr lang="en-US" dirty="0" smtClean="0"/>
+                        <a:t>1</a:t>
+                      </a:r>
+                      <a:endParaRPr lang="en-US" dirty="0"/>
+                    </a:p>
+                  </a:txBody>
+                  <a:tcPr/>
+                </a:tc>
+                <a:tc>
+                  <a:txBody>
+                    <a:bodyPr/>
+                    <a:lstStyle/>
+                    <a:p>
+                      <a:r>
+                        <a:rPr lang="en-US" dirty="0" smtClean="0"/>
+                        <a:t>Sales</a:t>
+                      </a:r>
+                      <a:endParaRPr lang="en-US" dirty="0"/>
+                    </a:p>
+                  </a:txBody>
+                  <a:tcPr/>
+                </a:tc>
+              </a:tr>
+              <a:tr h="370840">
+                <a:tc>
+                  <a:txBody>
+                    <a:bodyPr/>
+                    <a:lstStyle/>
+                    <a:p>
+                      <a:r>
+                        <a:rPr lang="en-US" dirty="0" smtClean="0"/>
+                        <a:t>2</a:t>
+                      </a:r>
+                      <a:endParaRPr lang="en-US" dirty="0"/>
+                    </a:p>
+                  </a:txBody>
+                  <a:tcPr/>
+                </a:tc>
+                <a:tc>
+                  <a:txBody>
+                    <a:bodyPr/>
+                    <a:lstStyle/>
+                    <a:p>
+                      <a:r>
+                        <a:rPr lang="en-US" dirty="0" smtClean="0"/>
+                        <a:t>Finance</a:t>
+                      </a:r>
+                      <a:endParaRPr lang="en-US" dirty="0"/>
+                    </a:p>
+                  </a:txBody>
+                  <a:tcPr/>
+                </a:tc>
+              </a:tr>
+            </a:tbl>
+          </a:graphicData>
+        </a:graphic>
+      </p:graphicFrame>
+      <p:sp>
+        <p:nvSpPr>
+          <p:cNvPr id="13" name="TextBox 12"/>
+          <p:cNvSpPr txBox="1"/>
+          <p:nvPr/>
+        </p:nvSpPr>
+        <p:spPr>
+          <a:xfrm>
+            <a:off x="1473837" y="4981740"/>
+            <a:ext cx="1612942" cy="369332"/>
+          </a:xfrm>
+          <a:prstGeom prst="rect">
+            <a:avLst/>
+          </a:prstGeom>
+          <a:noFill/>
+        </p:spPr>
+        <p:txBody>
+          <a:bodyPr wrap="none" rtlCol="0">
+            <a:spAutoFit/>
+          </a:bodyPr>
+          <a:lstStyle/>
+          <a:p>
+            <a:r>
+              <a:rPr lang="en-US" b="1" dirty="0" smtClean="0"/>
+              <a:t>Departments</a:t>
+            </a:r>
+            <a:endParaRPr lang="en-US" b="1" dirty="0"/>
+          </a:p>
+        </p:txBody>
+      </p:sp>
+      <p:sp>
+        <p:nvSpPr>
+          <p:cNvPr id="14" name="TextBox 13"/>
+          <p:cNvSpPr txBox="1"/>
+          <p:nvPr/>
+        </p:nvSpPr>
+        <p:spPr>
+          <a:xfrm>
+            <a:off x="4631311" y="4454796"/>
+            <a:ext cx="1026243" cy="369332"/>
+          </a:xfrm>
+          <a:prstGeom prst="rect">
+            <a:avLst/>
+          </a:prstGeom>
+          <a:noFill/>
+        </p:spPr>
+        <p:txBody>
+          <a:bodyPr wrap="none" rtlCol="0">
+            <a:spAutoFit/>
+          </a:bodyPr>
+          <a:lstStyle/>
+          <a:p>
+            <a:r>
+              <a:rPr lang="en-US" b="1" dirty="0" smtClean="0"/>
+              <a:t>-- OR --</a:t>
+            </a:r>
+            <a:endParaRPr lang="en-US" b="1" dirty="0"/>
+          </a:p>
+        </p:txBody>
+      </p:sp>
+    </p:spTree>
+    <p:extLst>
+      <p:ext uri="{BB962C8B-B14F-4D97-AF65-F5344CB8AC3E}">
+        <p14:creationId xmlns:p14="http://schemas.microsoft.com/office/powerpoint/2010/main" val="3050023518"/>
+      </p:ext>
+    </p:extLst>
+  </p:cSld>
+  <p:clrMapOvr>
+    <a:masterClrMapping/>
+  </p:clrMapOvr>
+</p:sld>
+</file>
+
+<file path=ppt/slides/slide24.xml><?xml version="1.0" encoding="utf-8"?>
+<p:sld xmlns:a="http://schemas.openxmlformats.org/drawingml/2006/main" xmlns:r="http://schemas.openxmlformats.org/officeDocument/2006/relationships" xmlns:p="http://schemas.openxmlformats.org/presentationml/2006/main">
+  <p:cSld>
+    <p:spTree>
+      <p:nvGrpSpPr>
+        <p:cNvPr id="1" name=""/>
+        <p:cNvGrpSpPr/>
+        <p:nvPr/>
+      </p:nvGrpSpPr>
+      <p:grpSpPr>
+        <a:xfrm>
+          <a:off x="0" y="0"/>
+          <a:ext cx="0" cy="0"/>
+          <a:chOff x="0" y="0"/>
+          <a:chExt cx="0" cy="0"/>
+        </a:xfrm>
+      </p:grpSpPr>
+      <p:sp>
+        <p:nvSpPr>
+          <p:cNvPr id="2" name="Title 1"/>
+          <p:cNvSpPr>
+            <a:spLocks noGrp="1"/>
+          </p:cNvSpPr>
+          <p:nvPr>
+            <p:ph type="title"/>
+          </p:nvPr>
+        </p:nvSpPr>
+        <p:spPr/>
+        <p:txBody>
+          <a:bodyPr/>
+          <a:lstStyle/>
+          <a:p>
+            <a:r>
+              <a:rPr lang="en-US" dirty="0" smtClean="0"/>
+              <a:t>NF3</a:t>
+            </a:r>
+            <a:endParaRPr lang="en-US" dirty="0"/>
+          </a:p>
+        </p:txBody>
+      </p:sp>
+      <p:sp>
+        <p:nvSpPr>
+          <p:cNvPr id="3" name="Content Placeholder 2"/>
+          <p:cNvSpPr>
+            <a:spLocks noGrp="1"/>
+          </p:cNvSpPr>
+          <p:nvPr>
+            <p:ph idx="1"/>
+          </p:nvPr>
+        </p:nvSpPr>
+        <p:spPr/>
+        <p:txBody>
+          <a:bodyPr/>
+          <a:lstStyle/>
+          <a:p>
+            <a:r>
+              <a:rPr lang="en-US" dirty="0"/>
+              <a:t>Non-key </a:t>
+            </a:r>
+            <a:r>
+              <a:rPr lang="en-US" dirty="0" smtClean="0"/>
+              <a:t>fields cannot provide </a:t>
+            </a:r>
+            <a:r>
+              <a:rPr lang="en-US" dirty="0"/>
+              <a:t>facts about </a:t>
+            </a:r>
+            <a:r>
+              <a:rPr lang="en-US" dirty="0" smtClean="0"/>
+              <a:t>other non-key fields</a:t>
+            </a:r>
+            <a:endParaRPr lang="en-US" dirty="0"/>
+          </a:p>
+        </p:txBody>
+      </p:sp>
+      <p:graphicFrame>
+        <p:nvGraphicFramePr>
+          <p:cNvPr id="6" name="Table 5"/>
+          <p:cNvGraphicFramePr>
+            <a:graphicFrameLocks noGrp="1"/>
+          </p:cNvGraphicFramePr>
+          <p:nvPr>
+            <p:extLst>
+              <p:ext uri="{D42A27DB-BD31-4B8C-83A1-F6EECF244321}">
+                <p14:modId xmlns:p14="http://schemas.microsoft.com/office/powerpoint/2010/main" val="2760936998"/>
+              </p:ext>
+            </p:extLst>
+          </p:nvPr>
+        </p:nvGraphicFramePr>
+        <p:xfrm>
+          <a:off x="1556440" y="4502188"/>
+          <a:ext cx="3470119" cy="1112520"/>
+        </p:xfrm>
+        <a:graphic>
+          <a:graphicData uri="http://schemas.openxmlformats.org/drawingml/2006/table">
+            <a:tbl>
+              <a:tblPr firstRow="1" bandRow="1">
+                <a:tableStyleId>{D27102A9-8310-4765-A935-A1911B00CA55}</a:tableStyleId>
+              </a:tblPr>
+              <a:tblGrid>
+                <a:gridCol w="599719"/>
+                <a:gridCol w="1435200"/>
+                <a:gridCol w="1435200"/>
+              </a:tblGrid>
+              <a:tr h="370840">
+                <a:tc>
+                  <a:txBody>
+                    <a:bodyPr/>
+                    <a:lstStyle/>
+                    <a:p>
+                      <a:r>
+                        <a:rPr lang="en-US" dirty="0" smtClean="0"/>
+                        <a:t>ID</a:t>
+                      </a:r>
+                      <a:endParaRPr lang="en-US" dirty="0"/>
+                    </a:p>
+                  </a:txBody>
+                  <a:tcPr/>
+                </a:tc>
+                <a:tc>
+                  <a:txBody>
+                    <a:bodyPr/>
+                    <a:lstStyle/>
+                    <a:p>
+                      <a:r>
+                        <a:rPr lang="en-US" dirty="0" smtClean="0"/>
+                        <a:t>EID</a:t>
+                      </a:r>
+                      <a:endParaRPr lang="en-US" dirty="0"/>
+                    </a:p>
+                  </a:txBody>
+                  <a:tcPr/>
+                </a:tc>
+                <a:tc>
+                  <a:txBody>
+                    <a:bodyPr/>
+                    <a:lstStyle/>
+                    <a:p>
+                      <a:r>
+                        <a:rPr lang="en-US" dirty="0" smtClean="0"/>
+                        <a:t>DID</a:t>
+                      </a:r>
+                      <a:endParaRPr lang="en-US" dirty="0"/>
+                    </a:p>
+                  </a:txBody>
+                  <a:tcPr/>
+                </a:tc>
+              </a:tr>
+              <a:tr h="370840">
+                <a:tc>
+                  <a:txBody>
+                    <a:bodyPr/>
+                    <a:lstStyle/>
+                    <a:p>
+                      <a:r>
+                        <a:rPr lang="en-US" dirty="0" smtClean="0"/>
+                        <a:t>1</a:t>
+                      </a:r>
+                      <a:endParaRPr lang="en-US" dirty="0"/>
+                    </a:p>
+                  </a:txBody>
+                  <a:tcPr/>
+                </a:tc>
+                <a:tc>
+                  <a:txBody>
+                    <a:bodyPr/>
+                    <a:lstStyle/>
+                    <a:p>
+                      <a:r>
+                        <a:rPr lang="en-US" dirty="0" smtClean="0"/>
+                        <a:t>1</a:t>
+                      </a:r>
+                      <a:endParaRPr lang="en-US" dirty="0"/>
+                    </a:p>
+                  </a:txBody>
+                  <a:tcPr/>
+                </a:tc>
+                <a:tc>
+                  <a:txBody>
+                    <a:bodyPr/>
+                    <a:lstStyle/>
+                    <a:p>
+                      <a:r>
+                        <a:rPr lang="en-US" dirty="0" smtClean="0"/>
+                        <a:t>2</a:t>
+                      </a:r>
+                      <a:endParaRPr lang="en-US" dirty="0"/>
+                    </a:p>
+                  </a:txBody>
+                  <a:tcPr/>
+                </a:tc>
+              </a:tr>
+              <a:tr h="370840">
+                <a:tc>
+                  <a:txBody>
+                    <a:bodyPr/>
+                    <a:lstStyle/>
+                    <a:p>
+                      <a:r>
+                        <a:rPr lang="en-US" dirty="0" smtClean="0"/>
+                        <a:t>2</a:t>
+                      </a:r>
+                      <a:endParaRPr lang="en-US" dirty="0"/>
+                    </a:p>
+                  </a:txBody>
+                  <a:tcPr/>
+                </a:tc>
+                <a:tc>
+                  <a:txBody>
+                    <a:bodyPr/>
+                    <a:lstStyle/>
+                    <a:p>
+                      <a:r>
+                        <a:rPr lang="en-US" dirty="0" smtClean="0"/>
+                        <a:t>2</a:t>
+                      </a:r>
+                      <a:endParaRPr lang="en-US" dirty="0"/>
+                    </a:p>
+                  </a:txBody>
+                  <a:tcPr/>
+                </a:tc>
+                <a:tc>
+                  <a:txBody>
+                    <a:bodyPr/>
+                    <a:lstStyle/>
+                    <a:p>
+                      <a:r>
+                        <a:rPr lang="en-US" dirty="0" smtClean="0"/>
+                        <a:t>2</a:t>
+                      </a:r>
+                      <a:endParaRPr lang="en-US" dirty="0"/>
+                    </a:p>
+                  </a:txBody>
+                  <a:tcPr/>
+                </a:tc>
+              </a:tr>
+            </a:tbl>
+          </a:graphicData>
+        </a:graphic>
+      </p:graphicFrame>
+      <p:sp>
+        <p:nvSpPr>
+          <p:cNvPr id="7" name="TextBox 6"/>
+          <p:cNvSpPr txBox="1"/>
+          <p:nvPr/>
+        </p:nvSpPr>
+        <p:spPr>
+          <a:xfrm>
+            <a:off x="1451960" y="4148379"/>
+            <a:ext cx="1319592" cy="369332"/>
+          </a:xfrm>
+          <a:prstGeom prst="rect">
+            <a:avLst/>
+          </a:prstGeom>
+          <a:noFill/>
+        </p:spPr>
+        <p:txBody>
+          <a:bodyPr wrap="none" rtlCol="0">
+            <a:spAutoFit/>
+          </a:bodyPr>
+          <a:lstStyle/>
+          <a:p>
+            <a:r>
+              <a:rPr lang="en-US" b="1" dirty="0" err="1" smtClean="0"/>
+              <a:t>Emp_Dept</a:t>
+            </a:r>
+            <a:endParaRPr lang="en-US" b="1" dirty="0"/>
+          </a:p>
+        </p:txBody>
+      </p:sp>
+      <p:graphicFrame>
+        <p:nvGraphicFramePr>
+          <p:cNvPr id="8" name="Table 7"/>
+          <p:cNvGraphicFramePr>
+            <a:graphicFrameLocks noGrp="1"/>
+          </p:cNvGraphicFramePr>
+          <p:nvPr>
+            <p:extLst>
+              <p:ext uri="{D42A27DB-BD31-4B8C-83A1-F6EECF244321}">
+                <p14:modId xmlns:p14="http://schemas.microsoft.com/office/powerpoint/2010/main" val="4011271877"/>
+              </p:ext>
+            </p:extLst>
+          </p:nvPr>
+        </p:nvGraphicFramePr>
+        <p:xfrm>
+          <a:off x="5243992" y="4500517"/>
+          <a:ext cx="3470119" cy="741680"/>
+        </p:xfrm>
+        <a:graphic>
+          <a:graphicData uri="http://schemas.openxmlformats.org/drawingml/2006/table">
+            <a:tbl>
+              <a:tblPr firstRow="1" bandRow="1">
+                <a:tableStyleId>{D27102A9-8310-4765-A935-A1911B00CA55}</a:tableStyleId>
+              </a:tblPr>
+              <a:tblGrid>
+                <a:gridCol w="599719"/>
+                <a:gridCol w="1435200"/>
+                <a:gridCol w="1435200"/>
+              </a:tblGrid>
+              <a:tr h="370840">
+                <a:tc>
+                  <a:txBody>
+                    <a:bodyPr/>
+                    <a:lstStyle/>
+                    <a:p>
+                      <a:r>
+                        <a:rPr lang="en-US" dirty="0" smtClean="0"/>
+                        <a:t>ID</a:t>
+                      </a:r>
+                      <a:endParaRPr lang="en-US" dirty="0"/>
+                    </a:p>
+                  </a:txBody>
+                  <a:tcPr/>
+                </a:tc>
+                <a:tc>
+                  <a:txBody>
+                    <a:bodyPr/>
+                    <a:lstStyle/>
+                    <a:p>
+                      <a:r>
+                        <a:rPr lang="en-US" dirty="0" err="1" smtClean="0"/>
+                        <a:t>DeptID</a:t>
+                      </a:r>
+                      <a:endParaRPr lang="en-US" dirty="0"/>
+                    </a:p>
+                  </a:txBody>
+                  <a:tcPr/>
+                </a:tc>
+                <a:tc>
+                  <a:txBody>
+                    <a:bodyPr/>
+                    <a:lstStyle/>
+                    <a:p>
+                      <a:r>
+                        <a:rPr lang="en-US" dirty="0" err="1" smtClean="0"/>
+                        <a:t>Dept_Bldg</a:t>
+                      </a:r>
+                      <a:endParaRPr lang="en-US" dirty="0"/>
+                    </a:p>
+                  </a:txBody>
+                  <a:tcPr/>
+                </a:tc>
+              </a:tr>
+              <a:tr h="370840">
+                <a:tc>
+                  <a:txBody>
+                    <a:bodyPr/>
+                    <a:lstStyle/>
+                    <a:p>
+                      <a:r>
+                        <a:rPr lang="en-US" dirty="0" smtClean="0"/>
+                        <a:t>1</a:t>
+                      </a:r>
+                      <a:endParaRPr lang="en-US" dirty="0"/>
+                    </a:p>
+                  </a:txBody>
+                  <a:tcPr/>
+                </a:tc>
+                <a:tc>
+                  <a:txBody>
+                    <a:bodyPr/>
+                    <a:lstStyle/>
+                    <a:p>
+                      <a:r>
+                        <a:rPr lang="en-US" dirty="0" smtClean="0"/>
+                        <a:t>2</a:t>
+                      </a:r>
+                      <a:endParaRPr lang="en-US" dirty="0"/>
+                    </a:p>
+                  </a:txBody>
+                  <a:tcPr/>
+                </a:tc>
+                <a:tc>
+                  <a:txBody>
+                    <a:bodyPr/>
+                    <a:lstStyle/>
+                    <a:p>
+                      <a:r>
+                        <a:rPr lang="en-US" dirty="0" smtClean="0"/>
+                        <a:t>2950</a:t>
+                      </a:r>
+                      <a:endParaRPr lang="en-US" dirty="0"/>
+                    </a:p>
+                  </a:txBody>
+                  <a:tcPr/>
+                </a:tc>
+              </a:tr>
+            </a:tbl>
+          </a:graphicData>
+        </a:graphic>
+      </p:graphicFrame>
+      <p:sp>
+        <p:nvSpPr>
+          <p:cNvPr id="9" name="TextBox 8"/>
+          <p:cNvSpPr txBox="1"/>
+          <p:nvPr/>
+        </p:nvSpPr>
+        <p:spPr>
+          <a:xfrm>
+            <a:off x="5158648" y="4148379"/>
+            <a:ext cx="1326004" cy="369332"/>
+          </a:xfrm>
+          <a:prstGeom prst="rect">
+            <a:avLst/>
+          </a:prstGeom>
+          <a:noFill/>
+        </p:spPr>
+        <p:txBody>
+          <a:bodyPr wrap="none" rtlCol="0">
+            <a:spAutoFit/>
+          </a:bodyPr>
+          <a:lstStyle/>
+          <a:p>
+            <a:r>
+              <a:rPr lang="en-US" b="1" dirty="0" err="1" smtClean="0"/>
+              <a:t>Dept_Bldg</a:t>
+            </a:r>
+            <a:endParaRPr lang="en-US" b="1" dirty="0"/>
+          </a:p>
+        </p:txBody>
+      </p:sp>
+      <p:sp>
+        <p:nvSpPr>
+          <p:cNvPr id="10" name="Curved Down Arrow 9"/>
+          <p:cNvSpPr/>
+          <p:nvPr/>
+        </p:nvSpPr>
+        <p:spPr>
+          <a:xfrm rot="5400000">
+            <a:off x="8557258" y="3695701"/>
+            <a:ext cx="1706882" cy="972311"/>
+          </a:xfrm>
+          <a:prstGeom prst="curvedDownArrow">
+            <a:avLst/>
+          </a:prstGeom>
+        </p:spPr>
+        <p:style>
+          <a:lnRef idx="1">
+            <a:schemeClr val="accent3"/>
+          </a:lnRef>
+          <a:fillRef idx="3">
+            <a:schemeClr val="accent3"/>
+          </a:fillRef>
+          <a:effectRef idx="2">
+            <a:schemeClr val="accent3"/>
+          </a:effectRef>
+          <a:fontRef idx="minor">
+            <a:schemeClr val="lt1"/>
+          </a:fontRef>
+        </p:style>
+        <p:txBody>
+          <a:bodyPr rtlCol="0" anchor="ctr"/>
+          <a:lstStyle/>
+          <a:p>
+            <a:pPr algn="ctr"/>
+            <a:endParaRPr lang="en-US">
+              <a:solidFill>
+                <a:schemeClr val="tx1"/>
+              </a:solidFill>
+            </a:endParaRPr>
+          </a:p>
+        </p:txBody>
+      </p:sp>
+      <p:sp>
+        <p:nvSpPr>
+          <p:cNvPr id="11" name="TextBox 10"/>
+          <p:cNvSpPr txBox="1"/>
+          <p:nvPr/>
+        </p:nvSpPr>
+        <p:spPr>
+          <a:xfrm>
+            <a:off x="1473466" y="5801738"/>
+            <a:ext cx="7951216" cy="646331"/>
+          </a:xfrm>
+          <a:prstGeom prst="rect">
+            <a:avLst/>
+          </a:prstGeom>
+          <a:noFill/>
+        </p:spPr>
+        <p:txBody>
+          <a:bodyPr wrap="none" rtlCol="0">
+            <a:spAutoFit/>
+          </a:bodyPr>
+          <a:lstStyle/>
+          <a:p>
+            <a:r>
+              <a:rPr lang="en-US" dirty="0" smtClean="0"/>
+              <a:t>Notice that department building # was providing facts about </a:t>
+            </a:r>
+            <a:r>
+              <a:rPr lang="en-US" dirty="0" err="1" smtClean="0"/>
+              <a:t>DeptID</a:t>
+            </a:r>
+            <a:r>
+              <a:rPr lang="en-US" dirty="0" smtClean="0"/>
+              <a:t>.</a:t>
+            </a:r>
+          </a:p>
+          <a:p>
+            <a:r>
+              <a:rPr lang="en-US" dirty="0" err="1" smtClean="0"/>
+              <a:t>DeptID</a:t>
+            </a:r>
+            <a:r>
+              <a:rPr lang="en-US" dirty="0" smtClean="0"/>
+              <a:t> is NOT a key field and therefore NF3 was violated</a:t>
+            </a:r>
+            <a:endParaRPr lang="en-US" dirty="0"/>
+          </a:p>
+        </p:txBody>
+      </p:sp>
+      <p:graphicFrame>
+        <p:nvGraphicFramePr>
+          <p:cNvPr id="12" name="Table 11"/>
+          <p:cNvGraphicFramePr>
+            <a:graphicFrameLocks noGrp="1"/>
+          </p:cNvGraphicFramePr>
+          <p:nvPr>
+            <p:extLst>
+              <p:ext uri="{D42A27DB-BD31-4B8C-83A1-F6EECF244321}">
+                <p14:modId xmlns:p14="http://schemas.microsoft.com/office/powerpoint/2010/main" val="3736508365"/>
+              </p:ext>
+            </p:extLst>
+          </p:nvPr>
+        </p:nvGraphicFramePr>
+        <p:xfrm>
+          <a:off x="1556440" y="2766619"/>
+          <a:ext cx="3892634" cy="1112520"/>
+        </p:xfrm>
+        <a:graphic>
+          <a:graphicData uri="http://schemas.openxmlformats.org/drawingml/2006/table">
+            <a:tbl>
+              <a:tblPr firstRow="1" bandRow="1">
+                <a:tableStyleId>{D27102A9-8310-4765-A935-A1911B00CA55}</a:tableStyleId>
+              </a:tblPr>
+              <a:tblGrid>
+                <a:gridCol w="616361"/>
+                <a:gridCol w="998457"/>
+                <a:gridCol w="778950"/>
+                <a:gridCol w="1498866"/>
+              </a:tblGrid>
+              <a:tr h="370840">
+                <a:tc>
+                  <a:txBody>
+                    <a:bodyPr/>
+                    <a:lstStyle/>
+                    <a:p>
+                      <a:r>
+                        <a:rPr lang="en-US" dirty="0" smtClean="0"/>
+                        <a:t>ID</a:t>
+                      </a:r>
+                      <a:endParaRPr lang="en-US" dirty="0"/>
+                    </a:p>
+                  </a:txBody>
+                  <a:tcPr/>
+                </a:tc>
+                <a:tc>
+                  <a:txBody>
+                    <a:bodyPr/>
+                    <a:lstStyle/>
+                    <a:p>
+                      <a:r>
+                        <a:rPr lang="en-US" dirty="0" smtClean="0"/>
+                        <a:t>EID</a:t>
+                      </a:r>
+                      <a:endParaRPr lang="en-US" dirty="0"/>
+                    </a:p>
+                  </a:txBody>
+                  <a:tcPr/>
+                </a:tc>
+                <a:tc>
+                  <a:txBody>
+                    <a:bodyPr/>
+                    <a:lstStyle/>
+                    <a:p>
+                      <a:r>
+                        <a:rPr lang="en-US" dirty="0" smtClean="0"/>
+                        <a:t>DID</a:t>
+                      </a:r>
+                      <a:endParaRPr lang="en-US" dirty="0"/>
+                    </a:p>
+                  </a:txBody>
+                  <a:tcPr/>
+                </a:tc>
+                <a:tc>
+                  <a:txBody>
+                    <a:bodyPr/>
+                    <a:lstStyle/>
+                    <a:p>
+                      <a:r>
+                        <a:rPr lang="en-US" dirty="0" err="1" smtClean="0"/>
+                        <a:t>Dept_Bldg</a:t>
+                      </a:r>
+                      <a:endParaRPr lang="en-US" dirty="0"/>
+                    </a:p>
+                  </a:txBody>
+                  <a:tcPr/>
+                </a:tc>
+              </a:tr>
+              <a:tr h="370840">
+                <a:tc>
+                  <a:txBody>
+                    <a:bodyPr/>
+                    <a:lstStyle/>
+                    <a:p>
+                      <a:r>
+                        <a:rPr lang="en-US" dirty="0" smtClean="0"/>
+                        <a:t>1</a:t>
+                      </a:r>
+                      <a:endParaRPr lang="en-US" dirty="0"/>
+                    </a:p>
+                  </a:txBody>
+                  <a:tcPr/>
+                </a:tc>
+                <a:tc>
+                  <a:txBody>
+                    <a:bodyPr/>
+                    <a:lstStyle/>
+                    <a:p>
+                      <a:r>
+                        <a:rPr lang="en-US" dirty="0" smtClean="0"/>
+                        <a:t>1</a:t>
+                      </a:r>
+                      <a:endParaRPr lang="en-US" dirty="0"/>
+                    </a:p>
+                  </a:txBody>
+                  <a:tcPr/>
+                </a:tc>
+                <a:tc>
+                  <a:txBody>
+                    <a:bodyPr/>
+                    <a:lstStyle/>
+                    <a:p>
+                      <a:r>
+                        <a:rPr lang="en-US" dirty="0" smtClean="0"/>
+                        <a:t>2</a:t>
+                      </a:r>
+                      <a:endParaRPr lang="en-US" dirty="0"/>
+                    </a:p>
+                  </a:txBody>
+                  <a:tcPr/>
+                </a:tc>
+                <a:tc>
+                  <a:txBody>
+                    <a:bodyPr/>
+                    <a:lstStyle/>
+                    <a:p>
+                      <a:r>
+                        <a:rPr lang="en-US" dirty="0" smtClean="0"/>
+                        <a:t>2950</a:t>
+                      </a:r>
+                      <a:endParaRPr lang="en-US" dirty="0"/>
+                    </a:p>
+                  </a:txBody>
+                  <a:tcPr/>
+                </a:tc>
+              </a:tr>
+              <a:tr h="370840">
+                <a:tc>
+                  <a:txBody>
+                    <a:bodyPr/>
+                    <a:lstStyle/>
+                    <a:p>
+                      <a:r>
+                        <a:rPr lang="en-US" dirty="0" smtClean="0"/>
+                        <a:t>2</a:t>
+                      </a:r>
+                      <a:endParaRPr lang="en-US" dirty="0"/>
+                    </a:p>
+                  </a:txBody>
+                  <a:tcPr/>
+                </a:tc>
+                <a:tc>
+                  <a:txBody>
+                    <a:bodyPr/>
+                    <a:lstStyle/>
+                    <a:p>
+                      <a:r>
+                        <a:rPr lang="en-US" dirty="0" smtClean="0"/>
+                        <a:t>2</a:t>
+                      </a:r>
+                      <a:endParaRPr lang="en-US" dirty="0"/>
+                    </a:p>
+                  </a:txBody>
+                  <a:tcPr/>
+                </a:tc>
+                <a:tc>
+                  <a:txBody>
+                    <a:bodyPr/>
+                    <a:lstStyle/>
+                    <a:p>
+                      <a:r>
+                        <a:rPr lang="en-US" dirty="0" smtClean="0"/>
+                        <a:t>2</a:t>
+                      </a:r>
+                      <a:endParaRPr lang="en-US" dirty="0"/>
+                    </a:p>
+                  </a:txBody>
+                  <a:tcPr/>
+                </a:tc>
+                <a:tc>
+                  <a:txBody>
+                    <a:bodyPr/>
+                    <a:lstStyle/>
+                    <a:p>
+                      <a:r>
+                        <a:rPr lang="en-US" dirty="0" smtClean="0"/>
+                        <a:t>2950</a:t>
+                      </a:r>
+                      <a:endParaRPr lang="en-US" dirty="0"/>
+                    </a:p>
+                  </a:txBody>
+                  <a:tcPr/>
+                </a:tc>
+              </a:tr>
+            </a:tbl>
+          </a:graphicData>
+        </a:graphic>
+      </p:graphicFrame>
+      <p:sp>
+        <p:nvSpPr>
+          <p:cNvPr id="13" name="TextBox 12"/>
+          <p:cNvSpPr txBox="1"/>
+          <p:nvPr/>
+        </p:nvSpPr>
+        <p:spPr>
+          <a:xfrm>
+            <a:off x="1451961" y="2412810"/>
+            <a:ext cx="1319592" cy="369332"/>
+          </a:xfrm>
+          <a:prstGeom prst="rect">
+            <a:avLst/>
+          </a:prstGeom>
+          <a:noFill/>
+        </p:spPr>
+        <p:txBody>
+          <a:bodyPr wrap="none" rtlCol="0">
+            <a:spAutoFit/>
+          </a:bodyPr>
+          <a:lstStyle/>
+          <a:p>
+            <a:r>
+              <a:rPr lang="en-US" b="1" dirty="0" err="1" smtClean="0"/>
+              <a:t>Emp_Dept</a:t>
+            </a:r>
+            <a:endParaRPr lang="en-US" b="1" dirty="0"/>
+          </a:p>
+        </p:txBody>
+      </p:sp>
+    </p:spTree>
+    <p:extLst>
+      <p:ext uri="{BB962C8B-B14F-4D97-AF65-F5344CB8AC3E}">
+        <p14:creationId xmlns:p14="http://schemas.microsoft.com/office/powerpoint/2010/main" val="4038366092"/>
       </p:ext>
     </p:extLst>
   </p:cSld>

--- a/Presentation/Database-Bootcamp-Presentation.pptx
+++ b/Presentation/Database-Bootcamp-Presentation.pptx
@@ -29,6 +29,15 @@
     <p:sldId id="276" r:id="rId23"/>
     <p:sldId id="277" r:id="rId24"/>
     <p:sldId id="278" r:id="rId25"/>
+    <p:sldId id="280" r:id="rId26"/>
+    <p:sldId id="281" r:id="rId27"/>
+    <p:sldId id="282" r:id="rId28"/>
+    <p:sldId id="283" r:id="rId29"/>
+    <p:sldId id="284" r:id="rId30"/>
+    <p:sldId id="285" r:id="rId31"/>
+    <p:sldId id="286" r:id="rId32"/>
+    <p:sldId id="287" r:id="rId33"/>
+    <p:sldId id="288" r:id="rId34"/>
   </p:sldIdLst>
   <p:sldSz cx="12192000" cy="6858000"/>
   <p:notesSz cx="6858000" cy="9144000"/>
@@ -321,7 +330,7 @@
           <a:p>
             <a:fld id="{9DC1F441-9BCC-4383-B80D-68C31DF95A71}" type="datetimeFigureOut">
               <a:rPr lang="en-US" smtClean="0"/>
-              <a:t>1/5/2016</a:t>
+              <a:t>1/10/2016</a:t>
             </a:fld>
             <a:endParaRPr lang="en-US"/>
           </a:p>
@@ -601,7 +610,7 @@
           <a:p>
             <a:fld id="{9DC1F441-9BCC-4383-B80D-68C31DF95A71}" type="datetimeFigureOut">
               <a:rPr lang="en-US" smtClean="0"/>
-              <a:t>1/5/2016</a:t>
+              <a:t>1/10/2016</a:t>
             </a:fld>
             <a:endParaRPr lang="en-US"/>
           </a:p>
@@ -795,7 +804,7 @@
           <a:p>
             <a:fld id="{9DC1F441-9BCC-4383-B80D-68C31DF95A71}" type="datetimeFigureOut">
               <a:rPr lang="en-US" smtClean="0"/>
-              <a:t>1/5/2016</a:t>
+              <a:t>1/10/2016</a:t>
             </a:fld>
             <a:endParaRPr lang="en-US"/>
           </a:p>
@@ -1068,7 +1077,7 @@
           <a:p>
             <a:fld id="{9DC1F441-9BCC-4383-B80D-68C31DF95A71}" type="datetimeFigureOut">
               <a:rPr lang="en-US" smtClean="0"/>
-              <a:t>1/5/2016</a:t>
+              <a:t>1/10/2016</a:t>
             </a:fld>
             <a:endParaRPr lang="en-US"/>
           </a:p>
@@ -1409,7 +1418,7 @@
           <a:p>
             <a:fld id="{9DC1F441-9BCC-4383-B80D-68C31DF95A71}" type="datetimeFigureOut">
               <a:rPr lang="en-US" smtClean="0"/>
-              <a:t>1/5/2016</a:t>
+              <a:t>1/10/2016</a:t>
             </a:fld>
             <a:endParaRPr lang="en-US"/>
           </a:p>
@@ -2032,7 +2041,7 @@
           <a:p>
             <a:fld id="{9DC1F441-9BCC-4383-B80D-68C31DF95A71}" type="datetimeFigureOut">
               <a:rPr lang="en-US" smtClean="0"/>
-              <a:t>1/5/2016</a:t>
+              <a:t>1/10/2016</a:t>
             </a:fld>
             <a:endParaRPr lang="en-US"/>
           </a:p>
@@ -2892,7 +2901,7 @@
           <a:p>
             <a:fld id="{9DC1F441-9BCC-4383-B80D-68C31DF95A71}" type="datetimeFigureOut">
               <a:rPr lang="en-US" smtClean="0"/>
-              <a:t>1/5/2016</a:t>
+              <a:t>1/10/2016</a:t>
             </a:fld>
             <a:endParaRPr lang="en-US"/>
           </a:p>
@@ -3062,7 +3071,7 @@
           <a:p>
             <a:fld id="{9DC1F441-9BCC-4383-B80D-68C31DF95A71}" type="datetimeFigureOut">
               <a:rPr lang="en-US" smtClean="0"/>
-              <a:t>1/5/2016</a:t>
+              <a:t>1/10/2016</a:t>
             </a:fld>
             <a:endParaRPr lang="en-US"/>
           </a:p>
@@ -3242,7 +3251,7 @@
           <a:p>
             <a:fld id="{9DC1F441-9BCC-4383-B80D-68C31DF95A71}" type="datetimeFigureOut">
               <a:rPr lang="en-US" smtClean="0"/>
-              <a:t>1/5/2016</a:t>
+              <a:t>1/10/2016</a:t>
             </a:fld>
             <a:endParaRPr lang="en-US"/>
           </a:p>
@@ -3417,7 +3426,7 @@
           <a:p>
             <a:fld id="{9DC1F441-9BCC-4383-B80D-68C31DF95A71}" type="datetimeFigureOut">
               <a:rPr lang="en-US" smtClean="0"/>
-              <a:t>1/5/2016</a:t>
+              <a:t>1/10/2016</a:t>
             </a:fld>
             <a:endParaRPr lang="en-US"/>
           </a:p>
@@ -3664,7 +3673,7 @@
           <a:p>
             <a:fld id="{9DC1F441-9BCC-4383-B80D-68C31DF95A71}" type="datetimeFigureOut">
               <a:rPr lang="en-US" smtClean="0"/>
-              <a:t>1/5/2016</a:t>
+              <a:t>1/10/2016</a:t>
             </a:fld>
             <a:endParaRPr lang="en-US"/>
           </a:p>
@@ -3961,7 +3970,7 @@
           <a:p>
             <a:fld id="{9DC1F441-9BCC-4383-B80D-68C31DF95A71}" type="datetimeFigureOut">
               <a:rPr lang="en-US" smtClean="0"/>
-              <a:t>1/5/2016</a:t>
+              <a:t>1/10/2016</a:t>
             </a:fld>
             <a:endParaRPr lang="en-US"/>
           </a:p>
@@ -4405,7 +4414,7 @@
           <a:p>
             <a:fld id="{9DC1F441-9BCC-4383-B80D-68C31DF95A71}" type="datetimeFigureOut">
               <a:rPr lang="en-US" smtClean="0"/>
-              <a:t>1/5/2016</a:t>
+              <a:t>1/10/2016</a:t>
             </a:fld>
             <a:endParaRPr lang="en-US"/>
           </a:p>
@@ -4523,7 +4532,7 @@
           <a:p>
             <a:fld id="{9DC1F441-9BCC-4383-B80D-68C31DF95A71}" type="datetimeFigureOut">
               <a:rPr lang="en-US" smtClean="0"/>
-              <a:t>1/5/2016</a:t>
+              <a:t>1/10/2016</a:t>
             </a:fld>
             <a:endParaRPr lang="en-US"/>
           </a:p>
@@ -4618,7 +4627,7 @@
           <a:p>
             <a:fld id="{9DC1F441-9BCC-4383-B80D-68C31DF95A71}" type="datetimeFigureOut">
               <a:rPr lang="en-US" smtClean="0"/>
-              <a:t>1/5/2016</a:t>
+              <a:t>1/10/2016</a:t>
             </a:fld>
             <a:endParaRPr lang="en-US"/>
           </a:p>
@@ -4902,7 +4911,7 @@
           <a:p>
             <a:fld id="{9DC1F441-9BCC-4383-B80D-68C31DF95A71}" type="datetimeFigureOut">
               <a:rPr lang="en-US" smtClean="0"/>
-              <a:t>1/5/2016</a:t>
+              <a:t>1/10/2016</a:t>
             </a:fld>
             <a:endParaRPr lang="en-US"/>
           </a:p>
@@ -5182,7 +5191,7 @@
           <a:p>
             <a:fld id="{9DC1F441-9BCC-4383-B80D-68C31DF95A71}" type="datetimeFigureOut">
               <a:rPr lang="en-US" smtClean="0"/>
-              <a:t>1/5/2016</a:t>
+              <a:t>1/10/2016</a:t>
             </a:fld>
             <a:endParaRPr lang="en-US"/>
           </a:p>
@@ -5611,7 +5620,7 @@
           <a:p>
             <a:fld id="{9DC1F441-9BCC-4383-B80D-68C31DF95A71}" type="datetimeFigureOut">
               <a:rPr lang="en-US" smtClean="0"/>
-              <a:t>1/5/2016</a:t>
+              <a:t>1/10/2016</a:t>
             </a:fld>
             <a:endParaRPr lang="en-US"/>
           </a:p>
@@ -11352,6 +11361,1197 @@
 </p:sld>
 </file>
 
+<file path=ppt/slides/slide25.xml><?xml version="1.0" encoding="utf-8"?>
+<p:sld xmlns:a="http://schemas.openxmlformats.org/drawingml/2006/main" xmlns:r="http://schemas.openxmlformats.org/officeDocument/2006/relationships" xmlns:p="http://schemas.openxmlformats.org/presentationml/2006/main">
+  <p:cSld>
+    <p:spTree>
+      <p:nvGrpSpPr>
+        <p:cNvPr id="1" name=""/>
+        <p:cNvGrpSpPr/>
+        <p:nvPr/>
+      </p:nvGrpSpPr>
+      <p:grpSpPr>
+        <a:xfrm>
+          <a:off x="0" y="0"/>
+          <a:ext cx="0" cy="0"/>
+          <a:chOff x="0" y="0"/>
+          <a:chExt cx="0" cy="0"/>
+        </a:xfrm>
+      </p:grpSpPr>
+      <p:sp>
+        <p:nvSpPr>
+          <p:cNvPr id="2" name="Title 1"/>
+          <p:cNvSpPr>
+            <a:spLocks noGrp="1"/>
+          </p:cNvSpPr>
+          <p:nvPr>
+            <p:ph type="title"/>
+          </p:nvPr>
+        </p:nvSpPr>
+        <p:spPr/>
+        <p:txBody>
+          <a:bodyPr/>
+          <a:lstStyle/>
+          <a:p>
+            <a:r>
+              <a:rPr lang="en-US" dirty="0" smtClean="0"/>
+              <a:t>Day 4</a:t>
+            </a:r>
+            <a:endParaRPr lang="en-US" dirty="0"/>
+          </a:p>
+        </p:txBody>
+      </p:sp>
+      <p:sp>
+        <p:nvSpPr>
+          <p:cNvPr id="3" name="Content Placeholder 2"/>
+          <p:cNvSpPr>
+            <a:spLocks noGrp="1"/>
+          </p:cNvSpPr>
+          <p:nvPr>
+            <p:ph idx="1"/>
+          </p:nvPr>
+        </p:nvSpPr>
+        <p:spPr/>
+        <p:txBody>
+          <a:bodyPr/>
+          <a:lstStyle/>
+          <a:p>
+            <a:r>
+              <a:rPr lang="en-US" dirty="0" smtClean="0"/>
+              <a:t>Working with data - CRUD</a:t>
+            </a:r>
+          </a:p>
+          <a:p>
+            <a:pPr lvl="1"/>
+            <a:r>
+              <a:rPr lang="en-US" dirty="0" smtClean="0"/>
+              <a:t>Create (Insert)</a:t>
+            </a:r>
+          </a:p>
+          <a:p>
+            <a:pPr lvl="1"/>
+            <a:r>
+              <a:rPr lang="en-US" dirty="0" smtClean="0"/>
+              <a:t>Retrieve (Select)</a:t>
+            </a:r>
+          </a:p>
+          <a:p>
+            <a:pPr lvl="1"/>
+            <a:r>
+              <a:rPr lang="en-US" dirty="0" smtClean="0"/>
+              <a:t>Update</a:t>
+            </a:r>
+          </a:p>
+          <a:p>
+            <a:pPr lvl="1"/>
+            <a:r>
+              <a:rPr lang="en-US" dirty="0" smtClean="0"/>
+              <a:t>Delete</a:t>
+            </a:r>
+          </a:p>
+        </p:txBody>
+      </p:sp>
+    </p:spTree>
+    <p:extLst>
+      <p:ext uri="{BB962C8B-B14F-4D97-AF65-F5344CB8AC3E}">
+        <p14:creationId xmlns:p14="http://schemas.microsoft.com/office/powerpoint/2010/main" val="1482404211"/>
+      </p:ext>
+    </p:extLst>
+  </p:cSld>
+  <p:clrMapOvr>
+    <a:masterClrMapping/>
+  </p:clrMapOvr>
+</p:sld>
+</file>
+
+<file path=ppt/slides/slide26.xml><?xml version="1.0" encoding="utf-8"?>
+<p:sld xmlns:a="http://schemas.openxmlformats.org/drawingml/2006/main" xmlns:r="http://schemas.openxmlformats.org/officeDocument/2006/relationships" xmlns:p="http://schemas.openxmlformats.org/presentationml/2006/main">
+  <p:cSld>
+    <p:spTree>
+      <p:nvGrpSpPr>
+        <p:cNvPr id="1" name=""/>
+        <p:cNvGrpSpPr/>
+        <p:nvPr/>
+      </p:nvGrpSpPr>
+      <p:grpSpPr>
+        <a:xfrm>
+          <a:off x="0" y="0"/>
+          <a:ext cx="0" cy="0"/>
+          <a:chOff x="0" y="0"/>
+          <a:chExt cx="0" cy="0"/>
+        </a:xfrm>
+      </p:grpSpPr>
+      <p:sp>
+        <p:nvSpPr>
+          <p:cNvPr id="2" name="Title 1"/>
+          <p:cNvSpPr>
+            <a:spLocks noGrp="1"/>
+          </p:cNvSpPr>
+          <p:nvPr>
+            <p:ph type="title"/>
+          </p:nvPr>
+        </p:nvSpPr>
+        <p:spPr/>
+        <p:txBody>
+          <a:bodyPr/>
+          <a:lstStyle/>
+          <a:p>
+            <a:r>
+              <a:rPr lang="en-US" dirty="0" smtClean="0"/>
+              <a:t>INSERT</a:t>
+            </a:r>
+            <a:endParaRPr lang="en-US" dirty="0"/>
+          </a:p>
+        </p:txBody>
+      </p:sp>
+      <p:sp>
+        <p:nvSpPr>
+          <p:cNvPr id="3" name="Content Placeholder 2"/>
+          <p:cNvSpPr>
+            <a:spLocks noGrp="1"/>
+          </p:cNvSpPr>
+          <p:nvPr>
+            <p:ph idx="1"/>
+          </p:nvPr>
+        </p:nvSpPr>
+        <p:spPr>
+          <a:xfrm>
+            <a:off x="1103312" y="2052918"/>
+            <a:ext cx="8946541" cy="4652682"/>
+          </a:xfrm>
+        </p:spPr>
+        <p:txBody>
+          <a:bodyPr/>
+          <a:lstStyle/>
+          <a:p>
+            <a:r>
+              <a:rPr lang="en-US" dirty="0" smtClean="0"/>
+              <a:t>Inserts data in a database table</a:t>
+            </a:r>
+          </a:p>
+          <a:p>
+            <a:pPr marL="0" indent="0">
+              <a:buNone/>
+            </a:pPr>
+            <a:r>
+              <a:rPr lang="en-US" dirty="0" smtClean="0"/>
+              <a:t>CREATE TABLE employees (</a:t>
+            </a:r>
+          </a:p>
+          <a:p>
+            <a:pPr marL="0" indent="0">
+              <a:buNone/>
+            </a:pPr>
+            <a:r>
+              <a:rPr lang="en-US" dirty="0"/>
+              <a:t>	</a:t>
+            </a:r>
+            <a:r>
+              <a:rPr lang="en-US" dirty="0" err="1" smtClean="0"/>
+              <a:t>empno</a:t>
+            </a:r>
+            <a:r>
+              <a:rPr lang="en-US" dirty="0" smtClean="0"/>
+              <a:t> INT NOT NULL AUTO_INCREMENT,</a:t>
+            </a:r>
+          </a:p>
+          <a:p>
+            <a:pPr marL="0" indent="0">
+              <a:buNone/>
+            </a:pPr>
+            <a:r>
+              <a:rPr lang="en-US" dirty="0"/>
+              <a:t>	</a:t>
+            </a:r>
+            <a:r>
+              <a:rPr lang="en-US" dirty="0" err="1" smtClean="0"/>
+              <a:t>fullname</a:t>
+            </a:r>
+            <a:r>
+              <a:rPr lang="en-US" dirty="0" smtClean="0"/>
+              <a:t> varchar(100),</a:t>
+            </a:r>
+          </a:p>
+          <a:p>
+            <a:pPr marL="0" indent="0">
+              <a:buNone/>
+            </a:pPr>
+            <a:r>
+              <a:rPr lang="en-US" dirty="0"/>
+              <a:t>	</a:t>
+            </a:r>
+            <a:r>
+              <a:rPr lang="en-US" dirty="0" smtClean="0"/>
+              <a:t>primary key (</a:t>
+            </a:r>
+            <a:r>
+              <a:rPr lang="en-US" dirty="0" err="1" smtClean="0"/>
+              <a:t>empno</a:t>
+            </a:r>
+            <a:r>
+              <a:rPr lang="en-US" dirty="0" smtClean="0"/>
+              <a:t>));</a:t>
+            </a:r>
+          </a:p>
+          <a:p>
+            <a:pPr marL="0" indent="0">
+              <a:buNone/>
+            </a:pPr>
+            <a:r>
+              <a:rPr lang="en-US" dirty="0" smtClean="0"/>
+              <a:t>INSERT INTO employees VALUES (1, ‘James Bond’);</a:t>
+            </a:r>
+          </a:p>
+          <a:p>
+            <a:pPr marL="0" indent="0">
+              <a:buNone/>
+            </a:pPr>
+            <a:r>
+              <a:rPr lang="en-US" dirty="0" smtClean="0"/>
+              <a:t>INSERT INTO employees (</a:t>
+            </a:r>
+            <a:r>
+              <a:rPr lang="en-US" dirty="0" err="1" smtClean="0"/>
+              <a:t>empno</a:t>
+            </a:r>
+            <a:r>
+              <a:rPr lang="en-US" dirty="0" smtClean="0"/>
+              <a:t>, </a:t>
+            </a:r>
+            <a:r>
+              <a:rPr lang="en-US" dirty="0" err="1" smtClean="0"/>
+              <a:t>fullname</a:t>
+            </a:r>
+            <a:r>
+              <a:rPr lang="en-US" dirty="0" smtClean="0"/>
+              <a:t>) VALUES (2, ‘Jane Bond’);</a:t>
+            </a:r>
+          </a:p>
+          <a:p>
+            <a:pPr marL="0" indent="0">
+              <a:buNone/>
+            </a:pPr>
+            <a:r>
+              <a:rPr lang="en-US" dirty="0" smtClean="0"/>
+              <a:t>INSERT INTO employees (</a:t>
+            </a:r>
+            <a:r>
+              <a:rPr lang="en-US" dirty="0" err="1" smtClean="0"/>
+              <a:t>fullname</a:t>
+            </a:r>
+            <a:r>
+              <a:rPr lang="en-US" dirty="0" smtClean="0"/>
+              <a:t>) VALUES (‘Lara Croft’);</a:t>
+            </a:r>
+          </a:p>
+          <a:p>
+            <a:pPr marL="0" indent="0">
+              <a:buNone/>
+            </a:pPr>
+            <a:r>
+              <a:rPr lang="en-US" dirty="0" smtClean="0"/>
+              <a:t>INSERT INTO employees (</a:t>
+            </a:r>
+            <a:r>
+              <a:rPr lang="en-US" dirty="0" err="1" smtClean="0"/>
+              <a:t>fullname</a:t>
+            </a:r>
+            <a:r>
+              <a:rPr lang="en-US" dirty="0" smtClean="0"/>
+              <a:t>) VALUES (‘Jon Doe’), (‘Jane Doe’);</a:t>
+            </a:r>
+          </a:p>
+          <a:p>
+            <a:pPr marL="0" indent="0">
+              <a:buNone/>
+            </a:pPr>
+            <a:r>
+              <a:rPr lang="en-US" dirty="0" smtClean="0"/>
+              <a:t>INSERT INTO employees (</a:t>
+            </a:r>
+            <a:r>
+              <a:rPr lang="en-US" dirty="0" err="1" smtClean="0"/>
+              <a:t>fullname</a:t>
+            </a:r>
+            <a:r>
+              <a:rPr lang="en-US" dirty="0" smtClean="0"/>
+              <a:t>) select </a:t>
+            </a:r>
+            <a:r>
+              <a:rPr lang="en-US" dirty="0" err="1" smtClean="0"/>
+              <a:t>fullname</a:t>
+            </a:r>
+            <a:r>
+              <a:rPr lang="en-US" dirty="0" smtClean="0"/>
+              <a:t> from </a:t>
+            </a:r>
+            <a:r>
+              <a:rPr lang="en-US" dirty="0" err="1" smtClean="0"/>
+              <a:t>old_emp_table</a:t>
+            </a:r>
+            <a:r>
+              <a:rPr lang="en-US" dirty="0" smtClean="0"/>
+              <a:t>;</a:t>
+            </a:r>
+          </a:p>
+        </p:txBody>
+      </p:sp>
+    </p:spTree>
+    <p:extLst>
+      <p:ext uri="{BB962C8B-B14F-4D97-AF65-F5344CB8AC3E}">
+        <p14:creationId xmlns:p14="http://schemas.microsoft.com/office/powerpoint/2010/main" val="716216097"/>
+      </p:ext>
+    </p:extLst>
+  </p:cSld>
+  <p:clrMapOvr>
+    <a:masterClrMapping/>
+  </p:clrMapOvr>
+</p:sld>
+</file>
+
+<file path=ppt/slides/slide27.xml><?xml version="1.0" encoding="utf-8"?>
+<p:sld xmlns:a="http://schemas.openxmlformats.org/drawingml/2006/main" xmlns:r="http://schemas.openxmlformats.org/officeDocument/2006/relationships" xmlns:p="http://schemas.openxmlformats.org/presentationml/2006/main">
+  <p:cSld>
+    <p:spTree>
+      <p:nvGrpSpPr>
+        <p:cNvPr id="1" name=""/>
+        <p:cNvGrpSpPr/>
+        <p:nvPr/>
+      </p:nvGrpSpPr>
+      <p:grpSpPr>
+        <a:xfrm>
+          <a:off x="0" y="0"/>
+          <a:ext cx="0" cy="0"/>
+          <a:chOff x="0" y="0"/>
+          <a:chExt cx="0" cy="0"/>
+        </a:xfrm>
+      </p:grpSpPr>
+      <p:sp>
+        <p:nvSpPr>
+          <p:cNvPr id="2" name="Title 1"/>
+          <p:cNvSpPr>
+            <a:spLocks noGrp="1"/>
+          </p:cNvSpPr>
+          <p:nvPr>
+            <p:ph type="title"/>
+          </p:nvPr>
+        </p:nvSpPr>
+        <p:spPr/>
+        <p:txBody>
+          <a:bodyPr/>
+          <a:lstStyle/>
+          <a:p>
+            <a:r>
+              <a:rPr lang="en-US" dirty="0" smtClean="0"/>
+              <a:t>SELECT</a:t>
+            </a:r>
+            <a:endParaRPr lang="en-US" dirty="0"/>
+          </a:p>
+        </p:txBody>
+      </p:sp>
+      <p:sp>
+        <p:nvSpPr>
+          <p:cNvPr id="3" name="Content Placeholder 2"/>
+          <p:cNvSpPr>
+            <a:spLocks noGrp="1"/>
+          </p:cNvSpPr>
+          <p:nvPr>
+            <p:ph idx="1"/>
+          </p:nvPr>
+        </p:nvSpPr>
+        <p:spPr>
+          <a:xfrm>
+            <a:off x="1103312" y="2052918"/>
+            <a:ext cx="8946541" cy="4805082"/>
+          </a:xfrm>
+        </p:spPr>
+        <p:txBody>
+          <a:bodyPr>
+            <a:normAutofit/>
+          </a:bodyPr>
+          <a:lstStyle/>
+          <a:p>
+            <a:r>
+              <a:rPr lang="en-US" dirty="0" smtClean="0"/>
+              <a:t>Retrieves data from table or tables</a:t>
+            </a:r>
+          </a:p>
+          <a:p>
+            <a:pPr marL="0" indent="0">
+              <a:buNone/>
+            </a:pPr>
+            <a:r>
+              <a:rPr lang="en-US" dirty="0" smtClean="0"/>
+              <a:t>SELECT * FROM employees; -- all columns</a:t>
+            </a:r>
+          </a:p>
+          <a:p>
+            <a:pPr marL="0" indent="0">
+              <a:buNone/>
+            </a:pPr>
+            <a:r>
+              <a:rPr lang="en-US" dirty="0" smtClean="0"/>
+              <a:t>SELECT </a:t>
+            </a:r>
+            <a:r>
+              <a:rPr lang="en-US" dirty="0" err="1" smtClean="0"/>
+              <a:t>empno</a:t>
+            </a:r>
+            <a:r>
+              <a:rPr lang="en-US" dirty="0" smtClean="0"/>
+              <a:t>, </a:t>
+            </a:r>
+            <a:r>
+              <a:rPr lang="en-US" dirty="0" err="1" smtClean="0"/>
+              <a:t>fullname</a:t>
+            </a:r>
+            <a:r>
+              <a:rPr lang="en-US" dirty="0" smtClean="0"/>
+              <a:t> </a:t>
+            </a:r>
+          </a:p>
+          <a:p>
+            <a:pPr marL="0" indent="0">
+              <a:buNone/>
+            </a:pPr>
+            <a:r>
+              <a:rPr lang="en-US" dirty="0" smtClean="0"/>
+              <a:t>FROM employees; -- columns specifically listed out</a:t>
+            </a:r>
+          </a:p>
+          <a:p>
+            <a:pPr marL="0" indent="0">
+              <a:buNone/>
+            </a:pPr>
+            <a:r>
+              <a:rPr lang="en-US" dirty="0" smtClean="0"/>
+              <a:t>SELECT </a:t>
+            </a:r>
+            <a:r>
+              <a:rPr lang="en-US" dirty="0" err="1" smtClean="0"/>
+              <a:t>a.empno</a:t>
+            </a:r>
+            <a:r>
+              <a:rPr lang="en-US" dirty="0" smtClean="0"/>
+              <a:t>, </a:t>
+            </a:r>
+            <a:r>
+              <a:rPr lang="en-US" dirty="0" err="1" smtClean="0"/>
+              <a:t>a.fullname</a:t>
+            </a:r>
+            <a:r>
+              <a:rPr lang="en-US" dirty="0" smtClean="0"/>
+              <a:t> FROM employees a; </a:t>
+            </a:r>
+            <a:r>
+              <a:rPr lang="en-US" dirty="0" smtClean="0">
+                <a:solidFill>
+                  <a:srgbClr val="FFFF00"/>
+                </a:solidFill>
+              </a:rPr>
+              <a:t>-- table alias</a:t>
+            </a:r>
+          </a:p>
+          <a:p>
+            <a:pPr marL="0" indent="0">
+              <a:buNone/>
+            </a:pPr>
+            <a:r>
+              <a:rPr lang="en-US" dirty="0" smtClean="0"/>
+              <a:t>SELECT </a:t>
+            </a:r>
+            <a:r>
+              <a:rPr lang="en-US" dirty="0" err="1" smtClean="0"/>
+              <a:t>empno</a:t>
+            </a:r>
+            <a:r>
+              <a:rPr lang="en-US" dirty="0" smtClean="0"/>
+              <a:t> as </a:t>
+            </a:r>
+            <a:r>
+              <a:rPr lang="en-US" dirty="0" err="1" smtClean="0"/>
+              <a:t>employee_number</a:t>
+            </a:r>
+            <a:r>
+              <a:rPr lang="en-US" dirty="0"/>
+              <a:t> </a:t>
+            </a:r>
+            <a:r>
+              <a:rPr lang="en-US" dirty="0" smtClean="0"/>
+              <a:t>FROM employees; </a:t>
+            </a:r>
+            <a:r>
+              <a:rPr lang="en-US" dirty="0" smtClean="0">
+                <a:solidFill>
+                  <a:srgbClr val="FFFF00"/>
+                </a:solidFill>
+              </a:rPr>
+              <a:t>-- column alias</a:t>
+            </a:r>
+          </a:p>
+          <a:p>
+            <a:pPr marL="0" indent="0">
+              <a:buNone/>
+            </a:pPr>
+            <a:r>
+              <a:rPr lang="en-US" dirty="0" smtClean="0"/>
+              <a:t>SELECT * FROM employees WHERE </a:t>
+            </a:r>
+            <a:r>
+              <a:rPr lang="en-US" dirty="0" err="1" smtClean="0"/>
+              <a:t>fullname</a:t>
+            </a:r>
+            <a:r>
+              <a:rPr lang="en-US" dirty="0" smtClean="0"/>
+              <a:t> = ‘Jane Doe’;</a:t>
+            </a:r>
+          </a:p>
+          <a:p>
+            <a:pPr marL="0" indent="0">
+              <a:buNone/>
+            </a:pPr>
+            <a:r>
+              <a:rPr lang="en-US" dirty="0" smtClean="0"/>
+              <a:t>SELECT * FROM employees WHERE </a:t>
+            </a:r>
+            <a:r>
+              <a:rPr lang="en-US" dirty="0" err="1" smtClean="0"/>
+              <a:t>fullname</a:t>
+            </a:r>
+            <a:r>
+              <a:rPr lang="en-US" dirty="0" smtClean="0"/>
+              <a:t> like ‘Jane%’;</a:t>
+            </a:r>
+          </a:p>
+          <a:p>
+            <a:pPr marL="0" indent="0">
+              <a:buNone/>
+            </a:pPr>
+            <a:r>
+              <a:rPr lang="en-US" dirty="0"/>
+              <a:t>SELECT * FROM employees WHERE </a:t>
+            </a:r>
+            <a:r>
+              <a:rPr lang="en-US" dirty="0" err="1"/>
+              <a:t>fullname</a:t>
+            </a:r>
+            <a:r>
+              <a:rPr lang="en-US" dirty="0"/>
+              <a:t> like </a:t>
+            </a:r>
+            <a:r>
+              <a:rPr lang="en-US" dirty="0" smtClean="0"/>
+              <a:t>‘%Doe%’;</a:t>
+            </a:r>
+          </a:p>
+          <a:p>
+            <a:pPr marL="0" indent="0">
+              <a:buNone/>
+            </a:pPr>
+            <a:r>
+              <a:rPr lang="en-US" dirty="0" smtClean="0"/>
+              <a:t>SELECT * FROM employees ORDER BY </a:t>
+            </a:r>
+            <a:r>
+              <a:rPr lang="en-US" dirty="0" err="1" smtClean="0"/>
+              <a:t>fullname</a:t>
+            </a:r>
+            <a:r>
+              <a:rPr lang="en-US" dirty="0" smtClean="0"/>
+              <a:t>;</a:t>
+            </a:r>
+          </a:p>
+          <a:p>
+            <a:pPr marL="0" indent="0">
+              <a:buNone/>
+            </a:pPr>
+            <a:r>
+              <a:rPr lang="en-US" dirty="0"/>
+              <a:t>SELECT * FROM employees ORDER BY </a:t>
+            </a:r>
+            <a:r>
+              <a:rPr lang="en-US" dirty="0" err="1" smtClean="0"/>
+              <a:t>fullname</a:t>
+            </a:r>
+            <a:r>
+              <a:rPr lang="en-US" dirty="0" smtClean="0"/>
+              <a:t> DESC;</a:t>
+            </a:r>
+            <a:endParaRPr lang="en-US" dirty="0"/>
+          </a:p>
+          <a:p>
+            <a:pPr marL="0" indent="0">
+              <a:buNone/>
+            </a:pPr>
+            <a:endParaRPr lang="en-US" dirty="0"/>
+          </a:p>
+          <a:p>
+            <a:pPr marL="0" indent="0">
+              <a:buNone/>
+            </a:pPr>
+            <a:endParaRPr lang="en-US" dirty="0"/>
+          </a:p>
+        </p:txBody>
+      </p:sp>
+    </p:spTree>
+    <p:extLst>
+      <p:ext uri="{BB962C8B-B14F-4D97-AF65-F5344CB8AC3E}">
+        <p14:creationId xmlns:p14="http://schemas.microsoft.com/office/powerpoint/2010/main" val="3994773285"/>
+      </p:ext>
+    </p:extLst>
+  </p:cSld>
+  <p:clrMapOvr>
+    <a:masterClrMapping/>
+  </p:clrMapOvr>
+</p:sld>
+</file>
+
+<file path=ppt/slides/slide28.xml><?xml version="1.0" encoding="utf-8"?>
+<p:sld xmlns:a="http://schemas.openxmlformats.org/drawingml/2006/main" xmlns:r="http://schemas.openxmlformats.org/officeDocument/2006/relationships" xmlns:p="http://schemas.openxmlformats.org/presentationml/2006/main">
+  <p:cSld>
+    <p:spTree>
+      <p:nvGrpSpPr>
+        <p:cNvPr id="1" name=""/>
+        <p:cNvGrpSpPr/>
+        <p:nvPr/>
+      </p:nvGrpSpPr>
+      <p:grpSpPr>
+        <a:xfrm>
+          <a:off x="0" y="0"/>
+          <a:ext cx="0" cy="0"/>
+          <a:chOff x="0" y="0"/>
+          <a:chExt cx="0" cy="0"/>
+        </a:xfrm>
+      </p:grpSpPr>
+      <p:sp>
+        <p:nvSpPr>
+          <p:cNvPr id="2" name="Title 1"/>
+          <p:cNvSpPr>
+            <a:spLocks noGrp="1"/>
+          </p:cNvSpPr>
+          <p:nvPr>
+            <p:ph type="title"/>
+          </p:nvPr>
+        </p:nvSpPr>
+        <p:spPr/>
+        <p:txBody>
+          <a:bodyPr/>
+          <a:lstStyle/>
+          <a:p>
+            <a:r>
+              <a:rPr lang="en-US" dirty="0" smtClean="0"/>
+              <a:t>JOINS</a:t>
+            </a:r>
+            <a:endParaRPr lang="en-US" dirty="0"/>
+          </a:p>
+        </p:txBody>
+      </p:sp>
+      <p:sp>
+        <p:nvSpPr>
+          <p:cNvPr id="3" name="Content Placeholder 2"/>
+          <p:cNvSpPr>
+            <a:spLocks noGrp="1"/>
+          </p:cNvSpPr>
+          <p:nvPr>
+            <p:ph idx="1"/>
+          </p:nvPr>
+        </p:nvSpPr>
+        <p:spPr>
+          <a:xfrm>
+            <a:off x="1103312" y="2052918"/>
+            <a:ext cx="8946541" cy="4805082"/>
+          </a:xfrm>
+        </p:spPr>
+        <p:txBody>
+          <a:bodyPr/>
+          <a:lstStyle/>
+          <a:p>
+            <a:r>
+              <a:rPr lang="en-US" dirty="0" smtClean="0"/>
+              <a:t>JOIN or INNER JOIN 2 tables: get only matching data</a:t>
+            </a:r>
+          </a:p>
+          <a:p>
+            <a:r>
+              <a:rPr lang="en-US" dirty="0" smtClean="0"/>
+              <a:t>LEFT JOIN: get all data from first table and only matching data from second one</a:t>
+            </a:r>
+          </a:p>
+          <a:p>
+            <a:r>
+              <a:rPr lang="en-US" dirty="0" smtClean="0"/>
+              <a:t>RIGHT JOIN: just don’t do this. It’s technically just a LEFT JOIN in reverse</a:t>
+            </a:r>
+          </a:p>
+          <a:p>
+            <a:pPr marL="0" indent="0">
+              <a:buNone/>
+            </a:pPr>
+            <a:r>
+              <a:rPr lang="en-US" dirty="0" smtClean="0"/>
+              <a:t>SELECT </a:t>
+            </a:r>
+            <a:r>
+              <a:rPr lang="en-US" dirty="0" err="1" smtClean="0"/>
+              <a:t>e.empno</a:t>
+            </a:r>
+            <a:r>
+              <a:rPr lang="en-US" dirty="0" smtClean="0"/>
+              <a:t>, </a:t>
+            </a:r>
+            <a:r>
+              <a:rPr lang="en-US" dirty="0" err="1" smtClean="0"/>
+              <a:t>e.fullname</a:t>
+            </a:r>
+            <a:r>
+              <a:rPr lang="en-US" dirty="0" smtClean="0"/>
+              <a:t>, </a:t>
+            </a:r>
+            <a:r>
+              <a:rPr lang="en-US" dirty="0" err="1" smtClean="0"/>
+              <a:t>d.dept_name</a:t>
+            </a:r>
+            <a:endParaRPr lang="en-US" dirty="0"/>
+          </a:p>
+          <a:p>
+            <a:pPr marL="0" indent="0">
+              <a:buNone/>
+            </a:pPr>
+            <a:r>
+              <a:rPr lang="en-US" dirty="0" smtClean="0"/>
+              <a:t>FROM employees e</a:t>
+            </a:r>
+          </a:p>
+          <a:p>
+            <a:pPr marL="0" indent="0">
+              <a:buNone/>
+            </a:pPr>
+            <a:r>
+              <a:rPr lang="en-US" dirty="0" smtClean="0"/>
+              <a:t>INNER JOIN departments d ON </a:t>
+            </a:r>
+            <a:r>
+              <a:rPr lang="en-US" dirty="0" err="1" smtClean="0"/>
+              <a:t>d.dept_id</a:t>
+            </a:r>
+            <a:r>
+              <a:rPr lang="en-US" dirty="0" smtClean="0"/>
+              <a:t> = </a:t>
+            </a:r>
+            <a:r>
+              <a:rPr lang="en-US" dirty="0" err="1" smtClean="0"/>
+              <a:t>e.dept_id</a:t>
+            </a:r>
+            <a:r>
+              <a:rPr lang="en-US" dirty="0" smtClean="0"/>
+              <a:t>; </a:t>
+            </a:r>
+            <a:r>
+              <a:rPr lang="en-US" dirty="0" smtClean="0">
+                <a:solidFill>
+                  <a:srgbClr val="FFFF00"/>
+                </a:solidFill>
+              </a:rPr>
+              <a:t>-- only matching</a:t>
+            </a:r>
+          </a:p>
+          <a:p>
+            <a:pPr marL="0" indent="0">
+              <a:buNone/>
+            </a:pPr>
+            <a:r>
+              <a:rPr lang="en-US" dirty="0"/>
+              <a:t>SELECT </a:t>
+            </a:r>
+            <a:r>
+              <a:rPr lang="en-US" dirty="0" err="1"/>
+              <a:t>e.empno</a:t>
+            </a:r>
+            <a:r>
+              <a:rPr lang="en-US" dirty="0"/>
+              <a:t>, </a:t>
+            </a:r>
+            <a:r>
+              <a:rPr lang="en-US" dirty="0" err="1"/>
+              <a:t>e.fullname</a:t>
+            </a:r>
+            <a:r>
+              <a:rPr lang="en-US" dirty="0"/>
+              <a:t>, </a:t>
+            </a:r>
+            <a:r>
+              <a:rPr lang="en-US" dirty="0" err="1"/>
+              <a:t>d.dept_name</a:t>
+            </a:r>
+            <a:endParaRPr lang="en-US" dirty="0"/>
+          </a:p>
+          <a:p>
+            <a:pPr marL="0" indent="0">
+              <a:buNone/>
+            </a:pPr>
+            <a:r>
+              <a:rPr lang="en-US" dirty="0"/>
+              <a:t>FROM employees e</a:t>
+            </a:r>
+          </a:p>
+          <a:p>
+            <a:pPr marL="0" indent="0">
+              <a:buNone/>
+            </a:pPr>
+            <a:r>
+              <a:rPr lang="en-US" dirty="0"/>
+              <a:t>INNER JOIN departments d ON </a:t>
+            </a:r>
+            <a:r>
+              <a:rPr lang="en-US" dirty="0" err="1"/>
+              <a:t>d.dept_id</a:t>
+            </a:r>
+            <a:r>
+              <a:rPr lang="en-US" dirty="0"/>
+              <a:t> = </a:t>
+            </a:r>
+            <a:r>
+              <a:rPr lang="en-US" dirty="0" err="1"/>
+              <a:t>e.dept_id</a:t>
+            </a:r>
+            <a:r>
+              <a:rPr lang="en-US" dirty="0" smtClean="0"/>
+              <a:t>; </a:t>
+            </a:r>
+            <a:r>
+              <a:rPr lang="en-US" dirty="0" smtClean="0">
+                <a:solidFill>
+                  <a:srgbClr val="FFFF00"/>
+                </a:solidFill>
+              </a:rPr>
+              <a:t>-- all employees, include departments where match is found</a:t>
+            </a:r>
+            <a:endParaRPr lang="en-US" dirty="0">
+              <a:solidFill>
+                <a:srgbClr val="FFFF00"/>
+              </a:solidFill>
+            </a:endParaRPr>
+          </a:p>
+        </p:txBody>
+      </p:sp>
+    </p:spTree>
+    <p:extLst>
+      <p:ext uri="{BB962C8B-B14F-4D97-AF65-F5344CB8AC3E}">
+        <p14:creationId xmlns:p14="http://schemas.microsoft.com/office/powerpoint/2010/main" val="2177277674"/>
+      </p:ext>
+    </p:extLst>
+  </p:cSld>
+  <p:clrMapOvr>
+    <a:masterClrMapping/>
+  </p:clrMapOvr>
+</p:sld>
+</file>
+
+<file path=ppt/slides/slide29.xml><?xml version="1.0" encoding="utf-8"?>
+<p:sld xmlns:a="http://schemas.openxmlformats.org/drawingml/2006/main" xmlns:r="http://schemas.openxmlformats.org/officeDocument/2006/relationships" xmlns:p="http://schemas.openxmlformats.org/presentationml/2006/main">
+  <p:cSld>
+    <p:spTree>
+      <p:nvGrpSpPr>
+        <p:cNvPr id="1" name=""/>
+        <p:cNvGrpSpPr/>
+        <p:nvPr/>
+      </p:nvGrpSpPr>
+      <p:grpSpPr>
+        <a:xfrm>
+          <a:off x="0" y="0"/>
+          <a:ext cx="0" cy="0"/>
+          <a:chOff x="0" y="0"/>
+          <a:chExt cx="0" cy="0"/>
+        </a:xfrm>
+      </p:grpSpPr>
+      <p:sp>
+        <p:nvSpPr>
+          <p:cNvPr id="2" name="Title 1"/>
+          <p:cNvSpPr>
+            <a:spLocks noGrp="1"/>
+          </p:cNvSpPr>
+          <p:nvPr>
+            <p:ph type="title"/>
+          </p:nvPr>
+        </p:nvSpPr>
+        <p:spPr/>
+        <p:txBody>
+          <a:bodyPr/>
+          <a:lstStyle/>
+          <a:p>
+            <a:r>
+              <a:rPr lang="en-US" dirty="0" smtClean="0"/>
+              <a:t>UPDATE</a:t>
+            </a:r>
+            <a:endParaRPr lang="en-US" dirty="0"/>
+          </a:p>
+        </p:txBody>
+      </p:sp>
+      <p:sp>
+        <p:nvSpPr>
+          <p:cNvPr id="3" name="Content Placeholder 2"/>
+          <p:cNvSpPr>
+            <a:spLocks noGrp="1"/>
+          </p:cNvSpPr>
+          <p:nvPr>
+            <p:ph idx="1"/>
+          </p:nvPr>
+        </p:nvSpPr>
+        <p:spPr>
+          <a:xfrm>
+            <a:off x="1103312" y="2052918"/>
+            <a:ext cx="8946541" cy="4664874"/>
+          </a:xfrm>
+        </p:spPr>
+        <p:txBody>
+          <a:bodyPr/>
+          <a:lstStyle/>
+          <a:p>
+            <a:r>
+              <a:rPr lang="en-US" dirty="0" smtClean="0"/>
+              <a:t>Update one or more fields of a table</a:t>
+            </a:r>
+          </a:p>
+          <a:p>
+            <a:pPr marL="0" indent="0">
+              <a:buNone/>
+            </a:pPr>
+            <a:r>
+              <a:rPr lang="en-US" dirty="0" smtClean="0"/>
+              <a:t>UPDATE employees SET </a:t>
+            </a:r>
+            <a:r>
+              <a:rPr lang="en-US" dirty="0" err="1" smtClean="0"/>
+              <a:t>dept_no</a:t>
+            </a:r>
+            <a:r>
+              <a:rPr lang="en-US" dirty="0" smtClean="0"/>
+              <a:t> = 10; </a:t>
+            </a:r>
+            <a:r>
+              <a:rPr lang="en-US" dirty="0" smtClean="0">
+                <a:solidFill>
+                  <a:srgbClr val="FFFF00"/>
+                </a:solidFill>
+              </a:rPr>
+              <a:t>-- change all records</a:t>
+            </a:r>
+          </a:p>
+          <a:p>
+            <a:pPr marL="0" indent="0">
+              <a:buNone/>
+            </a:pPr>
+            <a:r>
+              <a:rPr lang="en-US" dirty="0" smtClean="0"/>
+              <a:t>UPDATE employees SET </a:t>
+            </a:r>
+            <a:r>
+              <a:rPr lang="en-US" dirty="0" err="1" smtClean="0"/>
+              <a:t>dept_no</a:t>
+            </a:r>
+            <a:r>
+              <a:rPr lang="en-US" dirty="0"/>
+              <a:t> </a:t>
+            </a:r>
+            <a:r>
+              <a:rPr lang="en-US" dirty="0" smtClean="0"/>
+              <a:t>= 10 WHERE </a:t>
+            </a:r>
+            <a:r>
+              <a:rPr lang="en-US" dirty="0" err="1" smtClean="0"/>
+              <a:t>fullname</a:t>
+            </a:r>
+            <a:r>
+              <a:rPr lang="en-US" dirty="0" smtClean="0"/>
+              <a:t> like ‘%Doe%’; </a:t>
+            </a:r>
+            <a:r>
+              <a:rPr lang="en-US" dirty="0" smtClean="0">
+                <a:solidFill>
+                  <a:srgbClr val="FFFF00"/>
+                </a:solidFill>
+              </a:rPr>
+              <a:t>-- change selected records</a:t>
+            </a:r>
+          </a:p>
+          <a:p>
+            <a:pPr marL="0" indent="0">
+              <a:buNone/>
+            </a:pPr>
+            <a:r>
+              <a:rPr lang="en-US" dirty="0" smtClean="0"/>
+              <a:t>UPDATE employees e</a:t>
+            </a:r>
+          </a:p>
+          <a:p>
+            <a:pPr marL="0" indent="0">
+              <a:buNone/>
+            </a:pPr>
+            <a:r>
+              <a:rPr lang="en-US" dirty="0" smtClean="0"/>
+              <a:t>INNER JOIN </a:t>
+            </a:r>
+            <a:r>
+              <a:rPr lang="en-US" dirty="0" err="1" smtClean="0"/>
+              <a:t>old_db_table</a:t>
+            </a:r>
+            <a:r>
+              <a:rPr lang="en-US" dirty="0" smtClean="0"/>
+              <a:t> d ON </a:t>
+            </a:r>
+            <a:r>
+              <a:rPr lang="en-US" dirty="0" err="1" smtClean="0"/>
+              <a:t>d.empno</a:t>
+            </a:r>
+            <a:r>
+              <a:rPr lang="en-US" dirty="0" smtClean="0"/>
+              <a:t> = </a:t>
+            </a:r>
+            <a:r>
+              <a:rPr lang="en-US" dirty="0" err="1" smtClean="0"/>
+              <a:t>e.empno</a:t>
+            </a:r>
+            <a:endParaRPr lang="en-US" dirty="0"/>
+          </a:p>
+          <a:p>
+            <a:pPr marL="0" indent="0">
+              <a:buNone/>
+            </a:pPr>
+            <a:r>
+              <a:rPr lang="en-US" dirty="0" smtClean="0"/>
+              <a:t>SET </a:t>
+            </a:r>
+            <a:r>
+              <a:rPr lang="en-US" dirty="0" err="1" smtClean="0"/>
+              <a:t>e.fullname</a:t>
+            </a:r>
+            <a:r>
+              <a:rPr lang="en-US" dirty="0" smtClean="0"/>
+              <a:t> = </a:t>
+            </a:r>
+            <a:r>
+              <a:rPr lang="en-US" dirty="0" err="1" smtClean="0"/>
+              <a:t>d.fullname</a:t>
+            </a:r>
+            <a:r>
+              <a:rPr lang="en-US" dirty="0" smtClean="0"/>
+              <a:t>; </a:t>
+            </a:r>
+            <a:r>
+              <a:rPr lang="en-US" dirty="0" smtClean="0">
+                <a:solidFill>
+                  <a:srgbClr val="FFFF00"/>
+                </a:solidFill>
+              </a:rPr>
+              <a:t>-- set employee table’s </a:t>
+            </a:r>
+            <a:r>
+              <a:rPr lang="en-US" dirty="0" err="1" smtClean="0">
+                <a:solidFill>
+                  <a:srgbClr val="FFFF00"/>
+                </a:solidFill>
+              </a:rPr>
+              <a:t>fullname</a:t>
+            </a:r>
+            <a:r>
+              <a:rPr lang="en-US" dirty="0" smtClean="0">
+                <a:solidFill>
+                  <a:srgbClr val="FFFF00"/>
+                </a:solidFill>
+              </a:rPr>
+              <a:t> to the same as the </a:t>
+            </a:r>
+            <a:r>
+              <a:rPr lang="en-US" dirty="0" err="1" smtClean="0">
+                <a:solidFill>
+                  <a:srgbClr val="FFFF00"/>
+                </a:solidFill>
+              </a:rPr>
+              <a:t>fullname</a:t>
+            </a:r>
+            <a:r>
+              <a:rPr lang="en-US" dirty="0" smtClean="0">
+                <a:solidFill>
+                  <a:srgbClr val="FFFF00"/>
+                </a:solidFill>
+              </a:rPr>
+              <a:t> in </a:t>
+            </a:r>
+            <a:r>
+              <a:rPr lang="en-US" dirty="0" err="1" smtClean="0">
+                <a:solidFill>
+                  <a:srgbClr val="FFFF00"/>
+                </a:solidFill>
+              </a:rPr>
+              <a:t>old_db_table</a:t>
+            </a:r>
+            <a:r>
+              <a:rPr lang="en-US" dirty="0" smtClean="0">
+                <a:solidFill>
+                  <a:srgbClr val="FFFF00"/>
+                </a:solidFill>
+              </a:rPr>
+              <a:t> for matching </a:t>
+            </a:r>
+            <a:r>
+              <a:rPr lang="en-US" dirty="0" err="1" smtClean="0">
+                <a:solidFill>
+                  <a:srgbClr val="FFFF00"/>
+                </a:solidFill>
+              </a:rPr>
+              <a:t>empno</a:t>
+            </a:r>
+            <a:endParaRPr lang="en-US" dirty="0" smtClean="0">
+              <a:solidFill>
+                <a:srgbClr val="FFFF00"/>
+              </a:solidFill>
+            </a:endParaRPr>
+          </a:p>
+          <a:p>
+            <a:pPr marL="0" indent="0">
+              <a:buNone/>
+            </a:pPr>
+            <a:endParaRPr lang="en-US" dirty="0">
+              <a:solidFill>
+                <a:srgbClr val="FFFF00"/>
+              </a:solidFill>
+            </a:endParaRPr>
+          </a:p>
+          <a:p>
+            <a:pPr marL="0" indent="0">
+              <a:buNone/>
+            </a:pPr>
+            <a:r>
+              <a:rPr lang="en-US" dirty="0" smtClean="0"/>
+              <a:t>ALWAYS run a SELECT statement to see how many records will be impacted. Then perform UPDATE and verify the records update were similar to the ones returned by SELECT</a:t>
+            </a:r>
+            <a:endParaRPr lang="en-US" dirty="0"/>
+          </a:p>
+          <a:p>
+            <a:pPr marL="0" indent="0">
+              <a:buNone/>
+            </a:pPr>
+            <a:endParaRPr lang="en-US" dirty="0">
+              <a:solidFill>
+                <a:srgbClr val="FFFF00"/>
+              </a:solidFill>
+            </a:endParaRPr>
+          </a:p>
+        </p:txBody>
+      </p:sp>
+    </p:spTree>
+    <p:extLst>
+      <p:ext uri="{BB962C8B-B14F-4D97-AF65-F5344CB8AC3E}">
+        <p14:creationId xmlns:p14="http://schemas.microsoft.com/office/powerpoint/2010/main" val="522380368"/>
+      </p:ext>
+    </p:extLst>
+  </p:cSld>
+  <p:clrMapOvr>
+    <a:masterClrMapping/>
+  </p:clrMapOvr>
+</p:sld>
+</file>
+
 <file path=ppt/slides/slide3.xml><?xml version="1.0" encoding="utf-8"?>
 <p:sld xmlns:a="http://schemas.openxmlformats.org/drawingml/2006/main" xmlns:r="http://schemas.openxmlformats.org/officeDocument/2006/relationships" xmlns:p="http://schemas.openxmlformats.org/presentationml/2006/main">
   <p:cSld>
@@ -11457,6 +12657,676 @@
     <p:extLst>
       <p:ext uri="{BB962C8B-B14F-4D97-AF65-F5344CB8AC3E}">
         <p14:creationId xmlns:p14="http://schemas.microsoft.com/office/powerpoint/2010/main" val="4293307980"/>
+      </p:ext>
+    </p:extLst>
+  </p:cSld>
+  <p:clrMapOvr>
+    <a:masterClrMapping/>
+  </p:clrMapOvr>
+</p:sld>
+</file>
+
+<file path=ppt/slides/slide30.xml><?xml version="1.0" encoding="utf-8"?>
+<p:sld xmlns:a="http://schemas.openxmlformats.org/drawingml/2006/main" xmlns:r="http://schemas.openxmlformats.org/officeDocument/2006/relationships" xmlns:p="http://schemas.openxmlformats.org/presentationml/2006/main">
+  <p:cSld>
+    <p:spTree>
+      <p:nvGrpSpPr>
+        <p:cNvPr id="1" name=""/>
+        <p:cNvGrpSpPr/>
+        <p:nvPr/>
+      </p:nvGrpSpPr>
+      <p:grpSpPr>
+        <a:xfrm>
+          <a:off x="0" y="0"/>
+          <a:ext cx="0" cy="0"/>
+          <a:chOff x="0" y="0"/>
+          <a:chExt cx="0" cy="0"/>
+        </a:xfrm>
+      </p:grpSpPr>
+      <p:sp>
+        <p:nvSpPr>
+          <p:cNvPr id="2" name="Title 1"/>
+          <p:cNvSpPr>
+            <a:spLocks noGrp="1"/>
+          </p:cNvSpPr>
+          <p:nvPr>
+            <p:ph type="title"/>
+          </p:nvPr>
+        </p:nvSpPr>
+        <p:spPr/>
+        <p:txBody>
+          <a:bodyPr/>
+          <a:lstStyle/>
+          <a:p>
+            <a:r>
+              <a:rPr lang="en-US" dirty="0" smtClean="0"/>
+              <a:t>DELETE</a:t>
+            </a:r>
+            <a:endParaRPr lang="en-US" dirty="0"/>
+          </a:p>
+        </p:txBody>
+      </p:sp>
+      <p:sp>
+        <p:nvSpPr>
+          <p:cNvPr id="3" name="Content Placeholder 2"/>
+          <p:cNvSpPr>
+            <a:spLocks noGrp="1"/>
+          </p:cNvSpPr>
+          <p:nvPr>
+            <p:ph idx="1"/>
+          </p:nvPr>
+        </p:nvSpPr>
+        <p:spPr/>
+        <p:txBody>
+          <a:bodyPr/>
+          <a:lstStyle/>
+          <a:p>
+            <a:r>
+              <a:rPr lang="en-US" dirty="0" smtClean="0"/>
+              <a:t>Deletes data from a table – BE VERY CAREFUL WITH THIS!</a:t>
+            </a:r>
+          </a:p>
+          <a:p>
+            <a:pPr marL="0" indent="0">
+              <a:buNone/>
+            </a:pPr>
+            <a:r>
+              <a:rPr lang="en-US" dirty="0" smtClean="0"/>
+              <a:t>DELETE FROM employees; </a:t>
+            </a:r>
+            <a:r>
+              <a:rPr lang="en-US" dirty="0" smtClean="0">
+                <a:solidFill>
+                  <a:srgbClr val="FFFF00"/>
+                </a:solidFill>
+              </a:rPr>
+              <a:t>-- delete all records</a:t>
+            </a:r>
+          </a:p>
+          <a:p>
+            <a:pPr marL="0" indent="0">
+              <a:buNone/>
+            </a:pPr>
+            <a:r>
+              <a:rPr lang="en-US" dirty="0" smtClean="0"/>
+              <a:t>DELETE FROM employees WHERE </a:t>
+            </a:r>
+            <a:r>
+              <a:rPr lang="en-US" dirty="0" err="1" smtClean="0"/>
+              <a:t>fullname</a:t>
+            </a:r>
+            <a:r>
+              <a:rPr lang="en-US" dirty="0" smtClean="0"/>
+              <a:t> like ‘%Doe%’; </a:t>
+            </a:r>
+            <a:r>
+              <a:rPr lang="en-US" dirty="0" smtClean="0">
+                <a:solidFill>
+                  <a:srgbClr val="FFFF00"/>
+                </a:solidFill>
+              </a:rPr>
+              <a:t>-- removes selected records</a:t>
+            </a:r>
+          </a:p>
+          <a:p>
+            <a:pPr marL="0" indent="0">
+              <a:buNone/>
+            </a:pPr>
+            <a:r>
+              <a:rPr lang="en-US" dirty="0" smtClean="0"/>
+              <a:t>DELETE employees e </a:t>
+            </a:r>
+          </a:p>
+          <a:p>
+            <a:pPr marL="0" indent="0">
+              <a:buNone/>
+            </a:pPr>
+            <a:r>
+              <a:rPr lang="en-US" dirty="0" smtClean="0"/>
+              <a:t>FROM e</a:t>
+            </a:r>
+          </a:p>
+          <a:p>
+            <a:pPr marL="0" indent="0">
+              <a:buNone/>
+            </a:pPr>
+            <a:r>
+              <a:rPr lang="en-US" dirty="0" smtClean="0"/>
+              <a:t>INNER JOIN departments d ON </a:t>
+            </a:r>
+            <a:r>
+              <a:rPr lang="en-US" dirty="0" err="1" smtClean="0"/>
+              <a:t>d.dept_no</a:t>
+            </a:r>
+            <a:r>
+              <a:rPr lang="en-US" dirty="0" smtClean="0"/>
+              <a:t> = </a:t>
+            </a:r>
+            <a:r>
+              <a:rPr lang="en-US" dirty="0" err="1" smtClean="0"/>
+              <a:t>e.dept_no</a:t>
+            </a:r>
+            <a:endParaRPr lang="en-US" dirty="0" smtClean="0"/>
+          </a:p>
+          <a:p>
+            <a:pPr marL="0" indent="0">
+              <a:buNone/>
+            </a:pPr>
+            <a:r>
+              <a:rPr lang="en-US" dirty="0" smtClean="0"/>
+              <a:t>WHERE </a:t>
+            </a:r>
+            <a:r>
+              <a:rPr lang="en-US" dirty="0" err="1" smtClean="0"/>
+              <a:t>e.fullname</a:t>
+            </a:r>
+            <a:r>
+              <a:rPr lang="en-US" dirty="0" smtClean="0"/>
+              <a:t> like ‘%Doe%’ </a:t>
+            </a:r>
+          </a:p>
+          <a:p>
+            <a:pPr marL="0" indent="0">
+              <a:buNone/>
+            </a:pPr>
+            <a:r>
+              <a:rPr lang="en-US" dirty="0"/>
+              <a:t> </a:t>
+            </a:r>
+            <a:r>
+              <a:rPr lang="en-US" dirty="0" smtClean="0"/>
+              <a:t>   AND </a:t>
+            </a:r>
+            <a:r>
+              <a:rPr lang="en-US" dirty="0" err="1" smtClean="0"/>
+              <a:t>d.dept_name</a:t>
+            </a:r>
+            <a:r>
+              <a:rPr lang="en-US" dirty="0" smtClean="0"/>
+              <a:t> = ‘Sales’; </a:t>
+            </a:r>
+            <a:r>
+              <a:rPr lang="en-US" dirty="0" smtClean="0">
+                <a:solidFill>
+                  <a:srgbClr val="FFFF00"/>
+                </a:solidFill>
+              </a:rPr>
+              <a:t>-- remove Sales employees whose name contains Doe</a:t>
+            </a:r>
+            <a:endParaRPr lang="en-US" dirty="0">
+              <a:solidFill>
+                <a:srgbClr val="FFFF00"/>
+              </a:solidFill>
+            </a:endParaRPr>
+          </a:p>
+        </p:txBody>
+      </p:sp>
+    </p:spTree>
+    <p:extLst>
+      <p:ext uri="{BB962C8B-B14F-4D97-AF65-F5344CB8AC3E}">
+        <p14:creationId xmlns:p14="http://schemas.microsoft.com/office/powerpoint/2010/main" val="1100258582"/>
+      </p:ext>
+    </p:extLst>
+  </p:cSld>
+  <p:clrMapOvr>
+    <a:masterClrMapping/>
+  </p:clrMapOvr>
+</p:sld>
+</file>
+
+<file path=ppt/slides/slide31.xml><?xml version="1.0" encoding="utf-8"?>
+<p:sld xmlns:a="http://schemas.openxmlformats.org/drawingml/2006/main" xmlns:r="http://schemas.openxmlformats.org/officeDocument/2006/relationships" xmlns:p="http://schemas.openxmlformats.org/presentationml/2006/main">
+  <p:cSld>
+    <p:spTree>
+      <p:nvGrpSpPr>
+        <p:cNvPr id="1" name=""/>
+        <p:cNvGrpSpPr/>
+        <p:nvPr/>
+      </p:nvGrpSpPr>
+      <p:grpSpPr>
+        <a:xfrm>
+          <a:off x="0" y="0"/>
+          <a:ext cx="0" cy="0"/>
+          <a:chOff x="0" y="0"/>
+          <a:chExt cx="0" cy="0"/>
+        </a:xfrm>
+      </p:grpSpPr>
+      <p:sp>
+        <p:nvSpPr>
+          <p:cNvPr id="2" name="Title 1"/>
+          <p:cNvSpPr>
+            <a:spLocks noGrp="1"/>
+          </p:cNvSpPr>
+          <p:nvPr>
+            <p:ph type="title"/>
+          </p:nvPr>
+        </p:nvSpPr>
+        <p:spPr/>
+        <p:txBody>
+          <a:bodyPr/>
+          <a:lstStyle/>
+          <a:p>
+            <a:r>
+              <a:rPr lang="en-US" dirty="0" smtClean="0"/>
+              <a:t>Day 5:</a:t>
+            </a:r>
+            <a:endParaRPr lang="en-US" dirty="0"/>
+          </a:p>
+        </p:txBody>
+      </p:sp>
+      <p:sp>
+        <p:nvSpPr>
+          <p:cNvPr id="3" name="Content Placeholder 2"/>
+          <p:cNvSpPr>
+            <a:spLocks noGrp="1"/>
+          </p:cNvSpPr>
+          <p:nvPr>
+            <p:ph idx="1"/>
+          </p:nvPr>
+        </p:nvSpPr>
+        <p:spPr/>
+        <p:txBody>
+          <a:bodyPr/>
+          <a:lstStyle/>
+          <a:p>
+            <a:r>
+              <a:rPr lang="en-US" dirty="0" smtClean="0"/>
+              <a:t>Working with multiple tables</a:t>
+            </a:r>
+          </a:p>
+          <a:p>
+            <a:r>
+              <a:rPr lang="en-US" dirty="0" smtClean="0"/>
+              <a:t>JOINS – very common in querying</a:t>
+            </a:r>
+          </a:p>
+          <a:p>
+            <a:r>
+              <a:rPr lang="en-US" dirty="0" smtClean="0"/>
+              <a:t>Sub querying – small subsets</a:t>
+            </a:r>
+          </a:p>
+          <a:p>
+            <a:r>
+              <a:rPr lang="en-US" dirty="0" smtClean="0"/>
+              <a:t>Grouping and aggregating</a:t>
+            </a:r>
+          </a:p>
+          <a:p>
+            <a:r>
+              <a:rPr lang="en-US" dirty="0" smtClean="0"/>
+              <a:t>Ask DB to EXPLAIN what it is doing</a:t>
+            </a:r>
+            <a:endParaRPr lang="en-US" dirty="0"/>
+          </a:p>
+        </p:txBody>
+      </p:sp>
+    </p:spTree>
+    <p:extLst>
+      <p:ext uri="{BB962C8B-B14F-4D97-AF65-F5344CB8AC3E}">
+        <p14:creationId xmlns:p14="http://schemas.microsoft.com/office/powerpoint/2010/main" val="3526781037"/>
+      </p:ext>
+    </p:extLst>
+  </p:cSld>
+  <p:clrMapOvr>
+    <a:masterClrMapping/>
+  </p:clrMapOvr>
+</p:sld>
+</file>
+
+<file path=ppt/slides/slide32.xml><?xml version="1.0" encoding="utf-8"?>
+<p:sld xmlns:a="http://schemas.openxmlformats.org/drawingml/2006/main" xmlns:r="http://schemas.openxmlformats.org/officeDocument/2006/relationships" xmlns:p="http://schemas.openxmlformats.org/presentationml/2006/main">
+  <p:cSld>
+    <p:spTree>
+      <p:nvGrpSpPr>
+        <p:cNvPr id="1" name=""/>
+        <p:cNvGrpSpPr/>
+        <p:nvPr/>
+      </p:nvGrpSpPr>
+      <p:grpSpPr>
+        <a:xfrm>
+          <a:off x="0" y="0"/>
+          <a:ext cx="0" cy="0"/>
+          <a:chOff x="0" y="0"/>
+          <a:chExt cx="0" cy="0"/>
+        </a:xfrm>
+      </p:grpSpPr>
+      <p:sp>
+        <p:nvSpPr>
+          <p:cNvPr id="2" name="Title 1"/>
+          <p:cNvSpPr>
+            <a:spLocks noGrp="1"/>
+          </p:cNvSpPr>
+          <p:nvPr>
+            <p:ph type="title"/>
+          </p:nvPr>
+        </p:nvSpPr>
+        <p:spPr/>
+        <p:txBody>
+          <a:bodyPr/>
+          <a:lstStyle/>
+          <a:p>
+            <a:r>
+              <a:rPr lang="en-US" dirty="0" smtClean="0"/>
+              <a:t>Multiple Tables</a:t>
+            </a:r>
+            <a:endParaRPr lang="en-US" dirty="0"/>
+          </a:p>
+        </p:txBody>
+      </p:sp>
+      <p:sp>
+        <p:nvSpPr>
+          <p:cNvPr id="3" name="Content Placeholder 2"/>
+          <p:cNvSpPr>
+            <a:spLocks noGrp="1"/>
+          </p:cNvSpPr>
+          <p:nvPr>
+            <p:ph idx="1"/>
+          </p:nvPr>
+        </p:nvSpPr>
+        <p:spPr>
+          <a:xfrm>
+            <a:off x="1103312" y="2052918"/>
+            <a:ext cx="8946541" cy="4530762"/>
+          </a:xfrm>
+        </p:spPr>
+        <p:txBody>
+          <a:bodyPr/>
+          <a:lstStyle/>
+          <a:p>
+            <a:r>
+              <a:rPr lang="en-US" dirty="0" smtClean="0"/>
+              <a:t>Extract data from multiple tables</a:t>
+            </a:r>
+          </a:p>
+          <a:p>
+            <a:pPr marL="0" indent="0">
+              <a:buNone/>
+            </a:pPr>
+            <a:r>
+              <a:rPr lang="en-US" dirty="0" smtClean="0"/>
+              <a:t>SELECT </a:t>
+            </a:r>
+            <a:r>
+              <a:rPr lang="en-US" dirty="0" err="1" smtClean="0"/>
+              <a:t>e.fullname</a:t>
+            </a:r>
+            <a:r>
+              <a:rPr lang="en-US" dirty="0" smtClean="0"/>
+              <a:t>, </a:t>
+            </a:r>
+            <a:r>
+              <a:rPr lang="en-US" dirty="0" err="1" smtClean="0"/>
+              <a:t>f.spousename</a:t>
+            </a:r>
+            <a:r>
+              <a:rPr lang="en-US" dirty="0" smtClean="0"/>
+              <a:t>, </a:t>
+            </a:r>
+            <a:r>
+              <a:rPr lang="en-US" dirty="0" err="1" smtClean="0"/>
+              <a:t>d.deptname</a:t>
+            </a:r>
+            <a:r>
+              <a:rPr lang="en-US" dirty="0" smtClean="0"/>
+              <a:t>, </a:t>
+            </a:r>
+            <a:r>
+              <a:rPr lang="en-US" dirty="0" err="1" smtClean="0"/>
+              <a:t>l.city</a:t>
+            </a:r>
+            <a:r>
+              <a:rPr lang="en-US" dirty="0" smtClean="0"/>
+              <a:t>, </a:t>
+            </a:r>
+            <a:r>
+              <a:rPr lang="en-US" dirty="0" err="1" smtClean="0"/>
+              <a:t>l.state</a:t>
+            </a:r>
+            <a:endParaRPr lang="en-US" dirty="0" smtClean="0"/>
+          </a:p>
+          <a:p>
+            <a:pPr marL="0" indent="0">
+              <a:buNone/>
+            </a:pPr>
+            <a:r>
+              <a:rPr lang="en-US" dirty="0" smtClean="0"/>
+              <a:t>FROM employees e</a:t>
+            </a:r>
+          </a:p>
+          <a:p>
+            <a:pPr marL="0" indent="0">
+              <a:buNone/>
+            </a:pPr>
+            <a:r>
+              <a:rPr lang="en-US" dirty="0" smtClean="0"/>
+              <a:t>JOIN departments d ON </a:t>
+            </a:r>
+            <a:r>
+              <a:rPr lang="en-US" dirty="0" err="1" smtClean="0"/>
+              <a:t>d.dept_no</a:t>
+            </a:r>
+            <a:r>
+              <a:rPr lang="en-US" dirty="0" smtClean="0"/>
+              <a:t> = </a:t>
+            </a:r>
+            <a:r>
+              <a:rPr lang="en-US" dirty="0" err="1" smtClean="0"/>
+              <a:t>e.dept_no</a:t>
+            </a:r>
+            <a:endParaRPr lang="en-US" dirty="0"/>
+          </a:p>
+          <a:p>
+            <a:pPr marL="0" indent="0">
+              <a:buNone/>
+            </a:pPr>
+            <a:r>
+              <a:rPr lang="en-US" dirty="0" smtClean="0"/>
+              <a:t>JOIN locations l ON </a:t>
+            </a:r>
+            <a:r>
+              <a:rPr lang="en-US" dirty="0" err="1" smtClean="0"/>
+              <a:t>l.loc_id</a:t>
+            </a:r>
+            <a:r>
+              <a:rPr lang="en-US" dirty="0" smtClean="0"/>
+              <a:t> = </a:t>
+            </a:r>
+            <a:r>
+              <a:rPr lang="en-US" dirty="0" err="1" smtClean="0"/>
+              <a:t>d.loc_id</a:t>
+            </a:r>
+            <a:endParaRPr lang="en-US" dirty="0" smtClean="0"/>
+          </a:p>
+          <a:p>
+            <a:pPr marL="0" indent="0">
+              <a:buNone/>
+            </a:pPr>
+            <a:r>
+              <a:rPr lang="en-US" dirty="0" smtClean="0"/>
+              <a:t>JOIN family f ON </a:t>
+            </a:r>
+            <a:r>
+              <a:rPr lang="en-US" dirty="0" err="1" smtClean="0"/>
+              <a:t>f.empno</a:t>
+            </a:r>
+            <a:r>
+              <a:rPr lang="en-US" dirty="0" smtClean="0"/>
+              <a:t> = </a:t>
+            </a:r>
+            <a:r>
+              <a:rPr lang="en-US" dirty="0" err="1" smtClean="0"/>
+              <a:t>e.empno</a:t>
+            </a:r>
+            <a:r>
+              <a:rPr lang="en-US" dirty="0" smtClean="0"/>
+              <a:t> AND </a:t>
+            </a:r>
+            <a:r>
+              <a:rPr lang="en-US" dirty="0" err="1" smtClean="0"/>
+              <a:t>f.rel</a:t>
+            </a:r>
+            <a:r>
+              <a:rPr lang="en-US" dirty="0" smtClean="0"/>
+              <a:t> = ‘SPOUSE’</a:t>
+            </a:r>
+          </a:p>
+          <a:p>
+            <a:pPr marL="0" indent="0">
+              <a:buNone/>
+            </a:pPr>
+            <a:r>
+              <a:rPr lang="en-US" dirty="0" smtClean="0"/>
+              <a:t>WHERE </a:t>
+            </a:r>
+            <a:r>
+              <a:rPr lang="en-US" dirty="0" err="1" smtClean="0"/>
+              <a:t>e.salary</a:t>
+            </a:r>
+            <a:r>
+              <a:rPr lang="en-US" dirty="0" smtClean="0"/>
+              <a:t> &gt; 100000</a:t>
+            </a:r>
+          </a:p>
+          <a:p>
+            <a:pPr marL="0" indent="0">
+              <a:buNone/>
+            </a:pPr>
+            <a:r>
+              <a:rPr lang="en-US" dirty="0" smtClean="0"/>
+              <a:t>    </a:t>
+            </a:r>
+            <a:r>
+              <a:rPr lang="en-US" dirty="0"/>
+              <a:t>A</a:t>
+            </a:r>
+            <a:r>
+              <a:rPr lang="en-US" dirty="0" smtClean="0"/>
+              <a:t>ND </a:t>
+            </a:r>
+            <a:r>
+              <a:rPr lang="en-US" dirty="0" err="1" smtClean="0"/>
+              <a:t>d.country</a:t>
+            </a:r>
+            <a:r>
+              <a:rPr lang="en-US" dirty="0" smtClean="0"/>
+              <a:t> = ‘USA’</a:t>
+            </a:r>
+          </a:p>
+          <a:p>
+            <a:pPr marL="0" indent="0">
+              <a:buNone/>
+            </a:pPr>
+            <a:r>
+              <a:rPr lang="en-US" dirty="0" smtClean="0"/>
+              <a:t>ORDER BY </a:t>
+            </a:r>
+            <a:r>
+              <a:rPr lang="en-US" dirty="0" err="1" smtClean="0"/>
+              <a:t>e.age</a:t>
+            </a:r>
+            <a:r>
+              <a:rPr lang="en-US" dirty="0" smtClean="0"/>
+              <a:t> DESC</a:t>
+            </a:r>
+          </a:p>
+          <a:p>
+            <a:pPr marL="0" indent="0">
+              <a:buNone/>
+            </a:pPr>
+            <a:r>
+              <a:rPr lang="en-US" dirty="0" smtClean="0"/>
+              <a:t>LIMIT 0, 100;</a:t>
+            </a:r>
+          </a:p>
+        </p:txBody>
+      </p:sp>
+    </p:spTree>
+    <p:extLst>
+      <p:ext uri="{BB962C8B-B14F-4D97-AF65-F5344CB8AC3E}">
+        <p14:creationId xmlns:p14="http://schemas.microsoft.com/office/powerpoint/2010/main" val="1979852704"/>
+      </p:ext>
+    </p:extLst>
+  </p:cSld>
+  <p:clrMapOvr>
+    <a:masterClrMapping/>
+  </p:clrMapOvr>
+</p:sld>
+</file>
+
+<file path=ppt/slides/slide33.xml><?xml version="1.0" encoding="utf-8"?>
+<p:sld xmlns:a="http://schemas.openxmlformats.org/drawingml/2006/main" xmlns:r="http://schemas.openxmlformats.org/officeDocument/2006/relationships" xmlns:p="http://schemas.openxmlformats.org/presentationml/2006/main">
+  <p:cSld>
+    <p:spTree>
+      <p:nvGrpSpPr>
+        <p:cNvPr id="1" name=""/>
+        <p:cNvGrpSpPr/>
+        <p:nvPr/>
+      </p:nvGrpSpPr>
+      <p:grpSpPr>
+        <a:xfrm>
+          <a:off x="0" y="0"/>
+          <a:ext cx="0" cy="0"/>
+          <a:chOff x="0" y="0"/>
+          <a:chExt cx="0" cy="0"/>
+        </a:xfrm>
+      </p:grpSpPr>
+      <p:sp>
+        <p:nvSpPr>
+          <p:cNvPr id="2" name="Title 1"/>
+          <p:cNvSpPr>
+            <a:spLocks noGrp="1"/>
+          </p:cNvSpPr>
+          <p:nvPr>
+            <p:ph type="title"/>
+          </p:nvPr>
+        </p:nvSpPr>
+        <p:spPr/>
+        <p:txBody>
+          <a:bodyPr/>
+          <a:lstStyle/>
+          <a:p>
+            <a:r>
+              <a:rPr lang="en-US" dirty="0" smtClean="0"/>
+              <a:t>Sub querying</a:t>
+            </a:r>
+            <a:endParaRPr lang="en-US" dirty="0"/>
+          </a:p>
+        </p:txBody>
+      </p:sp>
+      <p:sp>
+        <p:nvSpPr>
+          <p:cNvPr id="3" name="Content Placeholder 2"/>
+          <p:cNvSpPr>
+            <a:spLocks noGrp="1"/>
+          </p:cNvSpPr>
+          <p:nvPr>
+            <p:ph idx="1"/>
+          </p:nvPr>
+        </p:nvSpPr>
+        <p:spPr/>
+        <p:txBody>
+          <a:bodyPr/>
+          <a:lstStyle/>
+          <a:p>
+            <a:r>
+              <a:rPr lang="en-US" dirty="0" smtClean="0"/>
+              <a:t>Extract small amounts of data efficiently into on-the-fly-tables and JOIN them </a:t>
+            </a:r>
+            <a:r>
+              <a:rPr lang="en-US" smtClean="0"/>
+              <a:t>to actual tables</a:t>
+            </a:r>
+          </a:p>
+          <a:p>
+            <a:endParaRPr lang="en-US"/>
+          </a:p>
+        </p:txBody>
+      </p:sp>
+    </p:spTree>
+    <p:extLst>
+      <p:ext uri="{BB962C8B-B14F-4D97-AF65-F5344CB8AC3E}">
+        <p14:creationId xmlns:p14="http://schemas.microsoft.com/office/powerpoint/2010/main" val="1777720145"/>
       </p:ext>
     </p:extLst>
   </p:cSld>

--- a/Presentation/Database-Bootcamp-Presentation.pptx
+++ b/Presentation/Database-Bootcamp-Presentation.pptx
@@ -38,6 +38,9 @@
     <p:sldId id="286" r:id="rId32"/>
     <p:sldId id="287" r:id="rId33"/>
     <p:sldId id="288" r:id="rId34"/>
+    <p:sldId id="289" r:id="rId35"/>
+    <p:sldId id="290" r:id="rId36"/>
+    <p:sldId id="291" r:id="rId37"/>
   </p:sldIdLst>
   <p:sldSz cx="12192000" cy="6858000"/>
   <p:notesSz cx="6858000" cy="9144000"/>
@@ -13100,21 +13103,45 @@
             </a:pPr>
             <a:r>
               <a:rPr lang="en-US" dirty="0" smtClean="0"/>
-              <a:t>JOIN departments d ON </a:t>
-            </a:r>
-            <a:r>
-              <a:rPr lang="en-US" dirty="0" err="1" smtClean="0"/>
+              <a:t>JOIN </a:t>
+            </a:r>
+            <a:r>
+              <a:rPr lang="en-US" dirty="0" smtClean="0">
+                <a:solidFill>
+                  <a:srgbClr val="FFFF00"/>
+                </a:solidFill>
+              </a:rPr>
+              <a:t>departments d ON </a:t>
+            </a:r>
+            <a:r>
+              <a:rPr lang="en-US" dirty="0" err="1" smtClean="0">
+                <a:solidFill>
+                  <a:srgbClr val="FFFF00"/>
+                </a:solidFill>
+              </a:rPr>
               <a:t>d.dept_no</a:t>
             </a:r>
             <a:r>
-              <a:rPr lang="en-US" dirty="0" smtClean="0"/>
+              <a:rPr lang="en-US" dirty="0" smtClean="0">
+                <a:solidFill>
+                  <a:srgbClr val="FFFF00"/>
+                </a:solidFill>
+              </a:rPr>
               <a:t> = </a:t>
             </a:r>
             <a:r>
-              <a:rPr lang="en-US" dirty="0" err="1" smtClean="0"/>
+              <a:rPr lang="en-US" dirty="0" err="1" smtClean="0">
+                <a:solidFill>
+                  <a:srgbClr val="FFFF00"/>
+                </a:solidFill>
+              </a:rPr>
               <a:t>e.dept_no</a:t>
             </a:r>
-            <a:endParaRPr lang="en-US" dirty="0"/>
+            <a:endParaRPr lang="en-US" dirty="0">
+              <a:solidFill>
+                <a:srgbClr val="FFFF00"/>
+              </a:solidFill>
+            </a:endParaRPr>
           </a:p>
           <a:p>
             <a:pPr marL="0" indent="0">
@@ -13144,30 +13171,62 @@
             </a:pPr>
             <a:r>
               <a:rPr lang="en-US" dirty="0" smtClean="0"/>
-              <a:t>JOIN family f ON </a:t>
-            </a:r>
-            <a:r>
-              <a:rPr lang="en-US" dirty="0" err="1" smtClean="0"/>
+              <a:t>JOIN </a:t>
+            </a:r>
+            <a:r>
+              <a:rPr lang="en-US" dirty="0" smtClean="0">
+                <a:solidFill>
+                  <a:srgbClr val="FFFF00"/>
+                </a:solidFill>
+              </a:rPr>
+              <a:t>family f ON </a:t>
+            </a:r>
+            <a:r>
+              <a:rPr lang="en-US" dirty="0" err="1" smtClean="0">
+                <a:solidFill>
+                  <a:srgbClr val="FFFF00"/>
+                </a:solidFill>
+              </a:rPr>
               <a:t>f.empno</a:t>
             </a:r>
             <a:r>
-              <a:rPr lang="en-US" dirty="0" smtClean="0"/>
+              <a:rPr lang="en-US" dirty="0" smtClean="0">
+                <a:solidFill>
+                  <a:srgbClr val="FFFF00"/>
+                </a:solidFill>
+              </a:rPr>
               <a:t> = </a:t>
             </a:r>
             <a:r>
-              <a:rPr lang="en-US" dirty="0" err="1" smtClean="0"/>
+              <a:rPr lang="en-US" dirty="0" err="1" smtClean="0">
+                <a:solidFill>
+                  <a:srgbClr val="FFFF00"/>
+                </a:solidFill>
+              </a:rPr>
               <a:t>e.empno</a:t>
             </a:r>
             <a:r>
-              <a:rPr lang="en-US" dirty="0" smtClean="0"/>
+              <a:rPr lang="en-US" dirty="0" smtClean="0">
+                <a:solidFill>
+                  <a:srgbClr val="FFFF00"/>
+                </a:solidFill>
+              </a:rPr>
               <a:t> AND </a:t>
             </a:r>
             <a:r>
-              <a:rPr lang="en-US" dirty="0" err="1" smtClean="0"/>
+              <a:rPr lang="en-US" dirty="0" err="1" smtClean="0">
+                <a:solidFill>
+                  <a:srgbClr val="FFFF00"/>
+                </a:solidFill>
+              </a:rPr>
               <a:t>f.rel</a:t>
             </a:r>
             <a:r>
-              <a:rPr lang="en-US" dirty="0" smtClean="0"/>
+              <a:rPr lang="en-US" dirty="0" smtClean="0">
+                <a:solidFill>
+                  <a:srgbClr val="FFFF00"/>
+                </a:solidFill>
+              </a:rPr>
               <a:t> = ‘SPOUSE’</a:t>
             </a:r>
           </a:p>
@@ -13197,19 +13256,35 @@
               <a:t>    </a:t>
             </a:r>
             <a:r>
-              <a:rPr lang="en-US" dirty="0"/>
+              <a:rPr lang="en-US" dirty="0">
+                <a:solidFill>
+                  <a:srgbClr val="FFFF00"/>
+                </a:solidFill>
+              </a:rPr>
               <a:t>A</a:t>
             </a:r>
             <a:r>
-              <a:rPr lang="en-US" dirty="0" smtClean="0"/>
+              <a:rPr lang="en-US" dirty="0" smtClean="0">
+                <a:solidFill>
+                  <a:srgbClr val="FFFF00"/>
+                </a:solidFill>
+              </a:rPr>
               <a:t>ND </a:t>
             </a:r>
             <a:r>
-              <a:rPr lang="en-US" dirty="0" err="1" smtClean="0"/>
+              <a:rPr lang="en-US" dirty="0" err="1" smtClean="0">
+                <a:solidFill>
+                  <a:srgbClr val="FFFF00"/>
+                </a:solidFill>
+              </a:rPr>
               <a:t>d.country</a:t>
             </a:r>
             <a:r>
-              <a:rPr lang="en-US" dirty="0" smtClean="0"/>
+              <a:rPr lang="en-US" dirty="0" smtClean="0">
+                <a:solidFill>
+                  <a:srgbClr val="FFFF00"/>
+                </a:solidFill>
+              </a:rPr>
               <a:t> = ‘USA’</a:t>
             </a:r>
           </a:p>
@@ -13304,22 +13379,294 @@
             <p:ph idx="1"/>
           </p:nvPr>
         </p:nvSpPr>
-        <p:spPr/>
-        <p:txBody>
-          <a:bodyPr/>
+        <p:spPr>
+          <a:xfrm>
+            <a:off x="1103312" y="2052918"/>
+            <a:ext cx="8946541" cy="4805082"/>
+          </a:xfrm>
+        </p:spPr>
+        <p:txBody>
+          <a:bodyPr>
+            <a:normAutofit/>
+          </a:bodyPr>
           <a:lstStyle/>
           <a:p>
             <a:r>
               <a:rPr lang="en-US" dirty="0" smtClean="0"/>
-              <a:t>Extract small amounts of data efficiently into on-the-fly-tables and JOIN them </a:t>
-            </a:r>
-            <a:r>
-              <a:rPr lang="en-US" smtClean="0"/>
-              <a:t>to actual tables</a:t>
-            </a:r>
-          </a:p>
-          <a:p>
-            <a:endParaRPr lang="en-US"/>
+              <a:t>Extract small amounts of data efficiently into on-the-fly-tables and JOIN them to actual </a:t>
+            </a:r>
+            <a:r>
+              <a:rPr lang="en-US" dirty="0" smtClean="0"/>
+              <a:t>tables</a:t>
+            </a:r>
+          </a:p>
+          <a:p>
+            <a:pPr marL="0" indent="0">
+              <a:buNone/>
+            </a:pPr>
+            <a:r>
+              <a:rPr lang="en-US" dirty="0"/>
+              <a:t>SELECT </a:t>
+            </a:r>
+            <a:r>
+              <a:rPr lang="en-US" dirty="0" err="1"/>
+              <a:t>e.fullname</a:t>
+            </a:r>
+            <a:r>
+              <a:rPr lang="en-US" dirty="0"/>
+              <a:t>, </a:t>
+            </a:r>
+            <a:r>
+              <a:rPr lang="en-US" dirty="0" err="1"/>
+              <a:t>f.spousename</a:t>
+            </a:r>
+            <a:r>
+              <a:rPr lang="en-US" dirty="0"/>
+              <a:t>, </a:t>
+            </a:r>
+            <a:r>
+              <a:rPr lang="en-US" dirty="0" err="1"/>
+              <a:t>d.deptname</a:t>
+            </a:r>
+            <a:r>
+              <a:rPr lang="en-US" dirty="0"/>
+              <a:t>, </a:t>
+            </a:r>
+            <a:r>
+              <a:rPr lang="en-US" dirty="0" err="1"/>
+              <a:t>l.city</a:t>
+            </a:r>
+            <a:r>
+              <a:rPr lang="en-US" dirty="0"/>
+              <a:t>, </a:t>
+            </a:r>
+            <a:r>
+              <a:rPr lang="en-US" dirty="0" err="1"/>
+              <a:t>l.state</a:t>
+            </a:r>
+            <a:endParaRPr lang="en-US" dirty="0"/>
+          </a:p>
+          <a:p>
+            <a:pPr marL="0" indent="0">
+              <a:buNone/>
+            </a:pPr>
+            <a:r>
+              <a:rPr lang="en-US" dirty="0"/>
+              <a:t>FROM employees e</a:t>
+            </a:r>
+          </a:p>
+          <a:p>
+            <a:pPr marL="0" indent="0">
+              <a:buNone/>
+            </a:pPr>
+            <a:r>
+              <a:rPr lang="en-US" dirty="0"/>
+              <a:t>JOIN </a:t>
+            </a:r>
+            <a:r>
+              <a:rPr lang="en-US" dirty="0" smtClean="0">
+                <a:solidFill>
+                  <a:srgbClr val="FFFF00"/>
+                </a:solidFill>
+              </a:rPr>
+              <a:t>(SELECT </a:t>
+            </a:r>
+            <a:r>
+              <a:rPr lang="en-US" dirty="0" err="1" smtClean="0">
+                <a:solidFill>
+                  <a:srgbClr val="FFFF00"/>
+                </a:solidFill>
+              </a:rPr>
+              <a:t>deptname</a:t>
+            </a:r>
+            <a:r>
+              <a:rPr lang="en-US" dirty="0" smtClean="0">
+                <a:solidFill>
+                  <a:srgbClr val="FFFF00"/>
+                </a:solidFill>
+              </a:rPr>
+              <a:t>, </a:t>
+            </a:r>
+            <a:r>
+              <a:rPr lang="en-US" dirty="0" err="1" smtClean="0">
+                <a:solidFill>
+                  <a:srgbClr val="FFFF00"/>
+                </a:solidFill>
+              </a:rPr>
+              <a:t>dept_no</a:t>
+            </a:r>
+            <a:r>
+              <a:rPr lang="en-US" dirty="0" smtClean="0">
+                <a:solidFill>
+                  <a:srgbClr val="FFFF00"/>
+                </a:solidFill>
+              </a:rPr>
+              <a:t> FROM departments </a:t>
+            </a:r>
+          </a:p>
+          <a:p>
+            <a:pPr marL="0" indent="0">
+              <a:buNone/>
+            </a:pPr>
+            <a:r>
+              <a:rPr lang="en-US" dirty="0">
+                <a:solidFill>
+                  <a:srgbClr val="FFFF00"/>
+                </a:solidFill>
+              </a:rPr>
+              <a:t> </a:t>
+            </a:r>
+            <a:r>
+              <a:rPr lang="en-US" dirty="0" smtClean="0">
+                <a:solidFill>
+                  <a:srgbClr val="FFFF00"/>
+                </a:solidFill>
+              </a:rPr>
+              <a:t>          WHERE country = ‘USA’)</a:t>
+            </a:r>
+            <a:r>
+              <a:rPr lang="en-US" dirty="0" smtClean="0"/>
+              <a:t> d on </a:t>
+            </a:r>
+            <a:r>
+              <a:rPr lang="en-US" dirty="0" err="1" smtClean="0"/>
+              <a:t>d.dept_no</a:t>
+            </a:r>
+            <a:r>
+              <a:rPr lang="en-US" dirty="0" smtClean="0"/>
+              <a:t> = </a:t>
+            </a:r>
+            <a:r>
+              <a:rPr lang="en-US" dirty="0" err="1" smtClean="0"/>
+              <a:t>e.dept_no</a:t>
+            </a:r>
+            <a:endParaRPr lang="en-US" dirty="0"/>
+          </a:p>
+          <a:p>
+            <a:pPr marL="0" indent="0">
+              <a:buNone/>
+            </a:pPr>
+            <a:r>
+              <a:rPr lang="en-US" dirty="0"/>
+              <a:t>JOIN locations l ON </a:t>
+            </a:r>
+            <a:r>
+              <a:rPr lang="en-US" dirty="0" err="1"/>
+              <a:t>l.loc_id</a:t>
+            </a:r>
+            <a:r>
+              <a:rPr lang="en-US" dirty="0"/>
+              <a:t> = </a:t>
+            </a:r>
+            <a:r>
+              <a:rPr lang="en-US" dirty="0" err="1"/>
+              <a:t>d.loc_id</a:t>
+            </a:r>
+            <a:endParaRPr lang="en-US" dirty="0"/>
+          </a:p>
+          <a:p>
+            <a:pPr marL="0" indent="0">
+              <a:buNone/>
+            </a:pPr>
+            <a:r>
+              <a:rPr lang="en-US" dirty="0"/>
+              <a:t>JOIN family f ON </a:t>
+            </a:r>
+            <a:r>
+              <a:rPr lang="en-US" dirty="0" err="1"/>
+              <a:t>f.empno</a:t>
+            </a:r>
+            <a:r>
+              <a:rPr lang="en-US" dirty="0"/>
+              <a:t> = </a:t>
+            </a:r>
+            <a:r>
+              <a:rPr lang="en-US" dirty="0" err="1"/>
+              <a:t>e.empno</a:t>
+            </a:r>
+            <a:r>
+              <a:rPr lang="en-US" dirty="0"/>
+              <a:t> AND </a:t>
+            </a:r>
+            <a:r>
+              <a:rPr lang="en-US" dirty="0" err="1"/>
+              <a:t>f.rel</a:t>
+            </a:r>
+            <a:r>
+              <a:rPr lang="en-US" dirty="0"/>
+              <a:t> = ‘SPOUSE’</a:t>
+            </a:r>
+          </a:p>
+          <a:p>
+            <a:pPr marL="0" indent="0">
+              <a:buNone/>
+            </a:pPr>
+            <a:r>
+              <a:rPr lang="en-US" dirty="0">
+                <a:solidFill>
+                  <a:srgbClr val="FFFF00"/>
+                </a:solidFill>
+              </a:rPr>
+              <a:t>WHERE </a:t>
+            </a:r>
+            <a:r>
+              <a:rPr lang="en-US" dirty="0" err="1">
+                <a:solidFill>
+                  <a:srgbClr val="FFFF00"/>
+                </a:solidFill>
+              </a:rPr>
+              <a:t>e.salary</a:t>
+            </a:r>
+            <a:r>
+              <a:rPr lang="en-US" dirty="0">
+                <a:solidFill>
+                  <a:srgbClr val="FFFF00"/>
+                </a:solidFill>
+              </a:rPr>
+              <a:t> &gt; </a:t>
+            </a:r>
+            <a:r>
+              <a:rPr lang="en-US" dirty="0" smtClean="0">
+                <a:solidFill>
+                  <a:srgbClr val="FFFF00"/>
+                </a:solidFill>
+              </a:rPr>
+              <a:t>100000</a:t>
+            </a:r>
+            <a:endParaRPr lang="en-US" dirty="0">
+              <a:solidFill>
+                <a:srgbClr val="FFFF00"/>
+              </a:solidFill>
+            </a:endParaRPr>
+          </a:p>
+          <a:p>
+            <a:pPr marL="0" indent="0">
+              <a:buNone/>
+            </a:pPr>
+            <a:r>
+              <a:rPr lang="en-US" dirty="0"/>
+              <a:t>ORDER BY </a:t>
+            </a:r>
+            <a:r>
+              <a:rPr lang="en-US" dirty="0" err="1"/>
+              <a:t>e.age</a:t>
+            </a:r>
+            <a:r>
+              <a:rPr lang="en-US" dirty="0"/>
+              <a:t> DESC</a:t>
+            </a:r>
+          </a:p>
+          <a:p>
+            <a:pPr marL="0" indent="0">
+              <a:buNone/>
+            </a:pPr>
+            <a:r>
+              <a:rPr lang="en-US" dirty="0"/>
+              <a:t>LIMIT 0, 100;</a:t>
+            </a:r>
+          </a:p>
+          <a:p>
+            <a:endParaRPr lang="en-US" dirty="0"/>
           </a:p>
         </p:txBody>
       </p:sp>
@@ -13327,6 +13674,697 @@
     <p:extLst>
       <p:ext uri="{BB962C8B-B14F-4D97-AF65-F5344CB8AC3E}">
         <p14:creationId xmlns:p14="http://schemas.microsoft.com/office/powerpoint/2010/main" val="1777720145"/>
+      </p:ext>
+    </p:extLst>
+  </p:cSld>
+  <p:clrMapOvr>
+    <a:masterClrMapping/>
+  </p:clrMapOvr>
+</p:sld>
+</file>
+
+<file path=ppt/slides/slide34.xml><?xml version="1.0" encoding="utf-8"?>
+<p:sld xmlns:a="http://schemas.openxmlformats.org/drawingml/2006/main" xmlns:r="http://schemas.openxmlformats.org/officeDocument/2006/relationships" xmlns:p="http://schemas.openxmlformats.org/presentationml/2006/main">
+  <p:cSld>
+    <p:spTree>
+      <p:nvGrpSpPr>
+        <p:cNvPr id="1" name=""/>
+        <p:cNvGrpSpPr/>
+        <p:nvPr/>
+      </p:nvGrpSpPr>
+      <p:grpSpPr>
+        <a:xfrm>
+          <a:off x="0" y="0"/>
+          <a:ext cx="0" cy="0"/>
+          <a:chOff x="0" y="0"/>
+          <a:chExt cx="0" cy="0"/>
+        </a:xfrm>
+      </p:grpSpPr>
+      <p:sp>
+        <p:nvSpPr>
+          <p:cNvPr id="2" name="Title 1"/>
+          <p:cNvSpPr>
+            <a:spLocks noGrp="1"/>
+          </p:cNvSpPr>
+          <p:nvPr>
+            <p:ph type="title"/>
+          </p:nvPr>
+        </p:nvSpPr>
+        <p:spPr/>
+        <p:txBody>
+          <a:bodyPr/>
+          <a:lstStyle/>
+          <a:p>
+            <a:r>
+              <a:rPr lang="en-US" dirty="0" smtClean="0"/>
+              <a:t>Count, group count</a:t>
+            </a:r>
+            <a:endParaRPr lang="en-US" dirty="0"/>
+          </a:p>
+        </p:txBody>
+      </p:sp>
+      <p:sp>
+        <p:nvSpPr>
+          <p:cNvPr id="3" name="Content Placeholder 2"/>
+          <p:cNvSpPr>
+            <a:spLocks noGrp="1"/>
+          </p:cNvSpPr>
+          <p:nvPr>
+            <p:ph idx="1"/>
+          </p:nvPr>
+        </p:nvSpPr>
+        <p:spPr>
+          <a:xfrm>
+            <a:off x="1103312" y="2052918"/>
+            <a:ext cx="8946541" cy="4701450"/>
+          </a:xfrm>
+        </p:spPr>
+        <p:txBody>
+          <a:bodyPr>
+            <a:normAutofit fontScale="92500" lnSpcReduction="10000"/>
+          </a:bodyPr>
+          <a:lstStyle/>
+          <a:p>
+            <a:r>
+              <a:rPr lang="en-US" dirty="0" smtClean="0"/>
+              <a:t>Count by &lt;something&gt; requires &lt;something&gt; to be grouped</a:t>
+            </a:r>
+          </a:p>
+          <a:p>
+            <a:r>
+              <a:rPr lang="en-US" dirty="0" smtClean="0"/>
+              <a:t>How many Honda accords are there in the parking lot?</a:t>
+            </a:r>
+          </a:p>
+          <a:p>
+            <a:pPr lvl="1"/>
+            <a:r>
+              <a:rPr lang="en-US" dirty="0" smtClean="0"/>
+              <a:t>Separate out Hondas and count, OR</a:t>
+            </a:r>
+          </a:p>
+          <a:p>
+            <a:pPr lvl="1"/>
+            <a:r>
+              <a:rPr lang="en-US" dirty="0" smtClean="0"/>
+              <a:t>Go to cars sequentially. Count when you come across Honda</a:t>
+            </a:r>
+          </a:p>
+          <a:p>
+            <a:pPr marL="0" indent="0">
+              <a:buNone/>
+            </a:pPr>
+            <a:r>
+              <a:rPr lang="en-US" dirty="0" smtClean="0"/>
+              <a:t>SELECT model, COUNT(*)</a:t>
+            </a:r>
+          </a:p>
+          <a:p>
+            <a:pPr marL="0" indent="0">
+              <a:buNone/>
+            </a:pPr>
+            <a:r>
+              <a:rPr lang="en-US" dirty="0" smtClean="0"/>
+              <a:t>FROM cars </a:t>
+            </a:r>
+            <a:r>
+              <a:rPr lang="en-US" dirty="0" smtClean="0">
+                <a:solidFill>
+                  <a:srgbClr val="FFFF00"/>
+                </a:solidFill>
+              </a:rPr>
+              <a:t>WHERE model = ‘HONDA’ </a:t>
+            </a:r>
+          </a:p>
+          <a:p>
+            <a:pPr marL="0" indent="0">
+              <a:buNone/>
+            </a:pPr>
+            <a:r>
+              <a:rPr lang="en-US" dirty="0" smtClean="0">
+                <a:solidFill>
+                  <a:srgbClr val="FFFF00"/>
+                </a:solidFill>
+              </a:rPr>
+              <a:t>(without where, get count by model)</a:t>
+            </a:r>
+          </a:p>
+          <a:p>
+            <a:pPr marL="0" indent="0">
+              <a:buNone/>
+            </a:pPr>
+            <a:r>
+              <a:rPr lang="en-US" dirty="0" smtClean="0"/>
+              <a:t>GROUP BY model; </a:t>
+            </a:r>
+            <a:r>
+              <a:rPr lang="en-US" dirty="0" smtClean="0">
+                <a:solidFill>
+                  <a:srgbClr val="FFFF00"/>
+                </a:solidFill>
+              </a:rPr>
+              <a:t>-- grouping</a:t>
+            </a:r>
+          </a:p>
+          <a:p>
+            <a:pPr marL="0" indent="0">
+              <a:buNone/>
+            </a:pPr>
+            <a:endParaRPr lang="en-US" dirty="0" smtClean="0"/>
+          </a:p>
+          <a:p>
+            <a:pPr marL="0" indent="0">
+              <a:buNone/>
+            </a:pPr>
+            <a:r>
+              <a:rPr lang="en-US" dirty="0" smtClean="0"/>
+              <a:t>SELECT COUNT(*)</a:t>
+            </a:r>
+          </a:p>
+          <a:p>
+            <a:pPr marL="0" indent="0">
+              <a:buNone/>
+            </a:pPr>
+            <a:r>
+              <a:rPr lang="en-US" dirty="0" smtClean="0"/>
+              <a:t>FROM cars</a:t>
+            </a:r>
+          </a:p>
+          <a:p>
+            <a:pPr marL="0" indent="0">
+              <a:buNone/>
+            </a:pPr>
+            <a:r>
+              <a:rPr lang="en-US" dirty="0" smtClean="0"/>
+              <a:t>WHERE model = ‘HONDA’; </a:t>
+            </a:r>
+            <a:r>
+              <a:rPr lang="en-US" dirty="0" smtClean="0">
+                <a:solidFill>
+                  <a:srgbClr val="FFFF00"/>
+                </a:solidFill>
+              </a:rPr>
+              <a:t>-- NO grouping; counting ONLY Hondas</a:t>
+            </a:r>
+            <a:endParaRPr lang="en-US" dirty="0">
+              <a:solidFill>
+                <a:srgbClr val="FFFF00"/>
+              </a:solidFill>
+            </a:endParaRPr>
+          </a:p>
+        </p:txBody>
+      </p:sp>
+    </p:spTree>
+    <p:extLst>
+      <p:ext uri="{BB962C8B-B14F-4D97-AF65-F5344CB8AC3E}">
+        <p14:creationId xmlns:p14="http://schemas.microsoft.com/office/powerpoint/2010/main" val="2174399821"/>
+      </p:ext>
+    </p:extLst>
+  </p:cSld>
+  <p:clrMapOvr>
+    <a:masterClrMapping/>
+  </p:clrMapOvr>
+</p:sld>
+</file>
+
+<file path=ppt/slides/slide35.xml><?xml version="1.0" encoding="utf-8"?>
+<p:sld xmlns:a="http://schemas.openxmlformats.org/drawingml/2006/main" xmlns:r="http://schemas.openxmlformats.org/officeDocument/2006/relationships" xmlns:p="http://schemas.openxmlformats.org/presentationml/2006/main">
+  <p:cSld>
+    <p:spTree>
+      <p:nvGrpSpPr>
+        <p:cNvPr id="1" name=""/>
+        <p:cNvGrpSpPr/>
+        <p:nvPr/>
+      </p:nvGrpSpPr>
+      <p:grpSpPr>
+        <a:xfrm>
+          <a:off x="0" y="0"/>
+          <a:ext cx="0" cy="0"/>
+          <a:chOff x="0" y="0"/>
+          <a:chExt cx="0" cy="0"/>
+        </a:xfrm>
+      </p:grpSpPr>
+      <p:sp>
+        <p:nvSpPr>
+          <p:cNvPr id="2" name="Title 1"/>
+          <p:cNvSpPr>
+            <a:spLocks noGrp="1"/>
+          </p:cNvSpPr>
+          <p:nvPr>
+            <p:ph type="title"/>
+          </p:nvPr>
+        </p:nvSpPr>
+        <p:spPr/>
+        <p:txBody>
+          <a:bodyPr/>
+          <a:lstStyle/>
+          <a:p>
+            <a:r>
+              <a:rPr lang="en-US" dirty="0" smtClean="0"/>
+              <a:t>Group multiple fields</a:t>
+            </a:r>
+            <a:endParaRPr lang="en-US" dirty="0"/>
+          </a:p>
+        </p:txBody>
+      </p:sp>
+      <p:sp>
+        <p:nvSpPr>
+          <p:cNvPr id="3" name="Content Placeholder 2"/>
+          <p:cNvSpPr>
+            <a:spLocks noGrp="1"/>
+          </p:cNvSpPr>
+          <p:nvPr>
+            <p:ph idx="1"/>
+          </p:nvPr>
+        </p:nvSpPr>
+        <p:spPr/>
+        <p:txBody>
+          <a:bodyPr/>
+          <a:lstStyle/>
+          <a:p>
+            <a:r>
+              <a:rPr lang="en-US" dirty="0" smtClean="0"/>
+              <a:t>Total salary by location and department</a:t>
+            </a:r>
+          </a:p>
+          <a:p>
+            <a:pPr marL="0" indent="0">
+              <a:buNone/>
+            </a:pPr>
+            <a:r>
+              <a:rPr lang="en-US" dirty="0" smtClean="0"/>
+              <a:t>SELECT </a:t>
+            </a:r>
+            <a:r>
+              <a:rPr lang="en-US" dirty="0" err="1" smtClean="0">
+                <a:solidFill>
+                  <a:srgbClr val="FFFF00"/>
+                </a:solidFill>
+              </a:rPr>
+              <a:t>d.location</a:t>
+            </a:r>
+            <a:r>
+              <a:rPr lang="en-US" dirty="0" smtClean="0">
+                <a:solidFill>
+                  <a:srgbClr val="FFFF00"/>
+                </a:solidFill>
+              </a:rPr>
+              <a:t>, </a:t>
+            </a:r>
+            <a:r>
+              <a:rPr lang="en-US" dirty="0" err="1" smtClean="0">
+                <a:solidFill>
+                  <a:srgbClr val="FFFF00"/>
+                </a:solidFill>
+              </a:rPr>
+              <a:t>d.deptname</a:t>
+            </a:r>
+            <a:r>
+              <a:rPr lang="en-US" dirty="0" smtClean="0"/>
+              <a:t>, SUM(</a:t>
+            </a:r>
+            <a:r>
+              <a:rPr lang="en-US" dirty="0" err="1" smtClean="0"/>
+              <a:t>e.salary</a:t>
+            </a:r>
+            <a:r>
+              <a:rPr lang="en-US" dirty="0" smtClean="0"/>
+              <a:t>) as </a:t>
+            </a:r>
+            <a:r>
+              <a:rPr lang="en-US" dirty="0" err="1" smtClean="0"/>
+              <a:t>totalsalary</a:t>
+            </a:r>
+            <a:endParaRPr lang="en-US" dirty="0" smtClean="0"/>
+          </a:p>
+          <a:p>
+            <a:pPr marL="0" indent="0">
+              <a:buNone/>
+            </a:pPr>
+            <a:r>
+              <a:rPr lang="en-US" dirty="0" smtClean="0"/>
+              <a:t>FROM employees e</a:t>
+            </a:r>
+          </a:p>
+          <a:p>
+            <a:pPr marL="0" indent="0">
+              <a:buNone/>
+            </a:pPr>
+            <a:r>
+              <a:rPr lang="en-US" dirty="0" smtClean="0"/>
+              <a:t>JOIN departments d ON </a:t>
+            </a:r>
+            <a:r>
+              <a:rPr lang="en-US" dirty="0" err="1" smtClean="0"/>
+              <a:t>d.dept_no</a:t>
+            </a:r>
+            <a:r>
+              <a:rPr lang="en-US" dirty="0" smtClean="0"/>
+              <a:t> = </a:t>
+            </a:r>
+            <a:r>
+              <a:rPr lang="en-US" dirty="0" err="1" smtClean="0"/>
+              <a:t>e.dept_no</a:t>
+            </a:r>
+            <a:endParaRPr lang="en-US" dirty="0" smtClean="0"/>
+          </a:p>
+          <a:p>
+            <a:pPr marL="0" indent="0">
+              <a:buNone/>
+            </a:pPr>
+            <a:r>
+              <a:rPr lang="en-US" dirty="0" smtClean="0"/>
+              <a:t>WHERE </a:t>
+            </a:r>
+            <a:r>
+              <a:rPr lang="en-US" dirty="0" err="1" smtClean="0"/>
+              <a:t>d.country</a:t>
+            </a:r>
+            <a:r>
+              <a:rPr lang="en-US" dirty="0" smtClean="0"/>
+              <a:t> = ‘USA’</a:t>
+            </a:r>
+          </a:p>
+          <a:p>
+            <a:pPr marL="0" indent="0">
+              <a:buNone/>
+            </a:pPr>
+            <a:r>
+              <a:rPr lang="en-US" dirty="0" smtClean="0"/>
+              <a:t>GROUP BY </a:t>
+            </a:r>
+            <a:r>
+              <a:rPr lang="en-US" dirty="0" err="1" smtClean="0">
+                <a:solidFill>
+                  <a:srgbClr val="FFFF00"/>
+                </a:solidFill>
+              </a:rPr>
+              <a:t>d.location</a:t>
+            </a:r>
+            <a:r>
+              <a:rPr lang="en-US" dirty="0" smtClean="0">
+                <a:solidFill>
+                  <a:srgbClr val="FFFF00"/>
+                </a:solidFill>
+              </a:rPr>
+              <a:t>, </a:t>
+            </a:r>
+            <a:r>
+              <a:rPr lang="en-US" dirty="0" err="1" smtClean="0">
+                <a:solidFill>
+                  <a:srgbClr val="FFFF00"/>
+                </a:solidFill>
+              </a:rPr>
+              <a:t>d.deptname</a:t>
+            </a:r>
+            <a:endParaRPr lang="en-US" dirty="0" smtClean="0">
+              <a:solidFill>
+                <a:srgbClr val="FFFF00"/>
+              </a:solidFill>
+            </a:endParaRPr>
+          </a:p>
+          <a:p>
+            <a:pPr marL="0" indent="0">
+              <a:buNone/>
+            </a:pPr>
+            <a:r>
+              <a:rPr lang="en-US" dirty="0" smtClean="0">
+                <a:solidFill>
+                  <a:srgbClr val="FFFF00"/>
+                </a:solidFill>
+              </a:rPr>
+              <a:t>HAVING SUM(</a:t>
+            </a:r>
+            <a:r>
+              <a:rPr lang="en-US" dirty="0" err="1" smtClean="0">
+                <a:solidFill>
+                  <a:srgbClr val="FFFF00"/>
+                </a:solidFill>
+              </a:rPr>
+              <a:t>e.salary</a:t>
+            </a:r>
+            <a:r>
+              <a:rPr lang="en-US" dirty="0" smtClean="0">
+                <a:solidFill>
+                  <a:srgbClr val="FFFF00"/>
+                </a:solidFill>
+              </a:rPr>
+              <a:t>) &gt; 1000000</a:t>
+            </a:r>
+            <a:r>
+              <a:rPr lang="en-US" dirty="0" smtClean="0"/>
+              <a:t>; </a:t>
+            </a:r>
+          </a:p>
+          <a:p>
+            <a:r>
+              <a:rPr lang="en-US" dirty="0" smtClean="0"/>
+              <a:t>WHERE happens before GROUP BY</a:t>
+            </a:r>
+          </a:p>
+          <a:p>
+            <a:r>
+              <a:rPr lang="en-US" dirty="0" smtClean="0"/>
+              <a:t>HAVING happens after GROUP BY</a:t>
+            </a:r>
+            <a:endParaRPr lang="en-US" dirty="0"/>
+          </a:p>
+          <a:p>
+            <a:endParaRPr lang="en-US" dirty="0"/>
+          </a:p>
+        </p:txBody>
+      </p:sp>
+    </p:spTree>
+    <p:extLst>
+      <p:ext uri="{BB962C8B-B14F-4D97-AF65-F5344CB8AC3E}">
+        <p14:creationId xmlns:p14="http://schemas.microsoft.com/office/powerpoint/2010/main" val="1179603355"/>
+      </p:ext>
+    </p:extLst>
+  </p:cSld>
+  <p:clrMapOvr>
+    <a:masterClrMapping/>
+  </p:clrMapOvr>
+</p:sld>
+</file>
+
+<file path=ppt/slides/slide36.xml><?xml version="1.0" encoding="utf-8"?>
+<p:sld xmlns:a="http://schemas.openxmlformats.org/drawingml/2006/main" xmlns:r="http://schemas.openxmlformats.org/officeDocument/2006/relationships" xmlns:p="http://schemas.openxmlformats.org/presentationml/2006/main">
+  <p:cSld>
+    <p:spTree>
+      <p:nvGrpSpPr>
+        <p:cNvPr id="1" name=""/>
+        <p:cNvGrpSpPr/>
+        <p:nvPr/>
+      </p:nvGrpSpPr>
+      <p:grpSpPr>
+        <a:xfrm>
+          <a:off x="0" y="0"/>
+          <a:ext cx="0" cy="0"/>
+          <a:chOff x="0" y="0"/>
+          <a:chExt cx="0" cy="0"/>
+        </a:xfrm>
+      </p:grpSpPr>
+      <p:sp>
+        <p:nvSpPr>
+          <p:cNvPr id="2" name="Title 1"/>
+          <p:cNvSpPr>
+            <a:spLocks noGrp="1"/>
+          </p:cNvSpPr>
+          <p:nvPr>
+            <p:ph type="title"/>
+          </p:nvPr>
+        </p:nvSpPr>
+        <p:spPr/>
+        <p:txBody>
+          <a:bodyPr/>
+          <a:lstStyle/>
+          <a:p>
+            <a:r>
+              <a:rPr lang="en-US" dirty="0" smtClean="0"/>
+              <a:t>EXPLAIN my query</a:t>
+            </a:r>
+            <a:endParaRPr lang="en-US" dirty="0"/>
+          </a:p>
+        </p:txBody>
+      </p:sp>
+      <p:sp>
+        <p:nvSpPr>
+          <p:cNvPr id="3" name="Content Placeholder 2"/>
+          <p:cNvSpPr>
+            <a:spLocks noGrp="1"/>
+          </p:cNvSpPr>
+          <p:nvPr>
+            <p:ph idx="1"/>
+          </p:nvPr>
+        </p:nvSpPr>
+        <p:spPr/>
+        <p:txBody>
+          <a:bodyPr/>
+          <a:lstStyle/>
+          <a:p>
+            <a:r>
+              <a:rPr lang="en-US" dirty="0" smtClean="0"/>
+              <a:t>Database can tell us what it is doing</a:t>
+            </a:r>
+          </a:p>
+          <a:p>
+            <a:r>
+              <a:rPr lang="en-US" dirty="0" smtClean="0"/>
+              <a:t>Understand query performance</a:t>
+            </a:r>
+          </a:p>
+          <a:p>
+            <a:pPr marL="0" indent="0">
+              <a:buNone/>
+            </a:pPr>
+            <a:r>
+              <a:rPr lang="en-US" dirty="0" smtClean="0">
+                <a:solidFill>
+                  <a:srgbClr val="FFFF00"/>
+                </a:solidFill>
+              </a:rPr>
+              <a:t>EXPLAIN</a:t>
+            </a:r>
+            <a:r>
+              <a:rPr lang="en-US" dirty="0" smtClean="0"/>
+              <a:t> SELECT code </a:t>
+            </a:r>
+            <a:r>
+              <a:rPr lang="en-US" dirty="0"/>
+              <a:t>FROM country WHERE </a:t>
+            </a:r>
+            <a:r>
+              <a:rPr lang="en-US" dirty="0" err="1"/>
+              <a:t>surfacearea</a:t>
+            </a:r>
+            <a:r>
+              <a:rPr lang="en-US" dirty="0"/>
+              <a:t> &lt; 1000 ORDER BY </a:t>
+            </a:r>
+            <a:r>
+              <a:rPr lang="en-US" dirty="0" err="1"/>
+              <a:t>surfacearea</a:t>
+            </a:r>
+            <a:r>
+              <a:rPr lang="en-US" dirty="0" smtClean="0"/>
+              <a:t>;</a:t>
+            </a:r>
+          </a:p>
+          <a:p>
+            <a:pPr marL="0" indent="0">
+              <a:buNone/>
+            </a:pPr>
+            <a:endParaRPr lang="en-US" dirty="0"/>
+          </a:p>
+          <a:p>
+            <a:pPr marL="0" indent="0">
+              <a:buNone/>
+            </a:pPr>
+            <a:endParaRPr lang="en-US" dirty="0" smtClean="0"/>
+          </a:p>
+          <a:p>
+            <a:pPr marL="0" indent="0">
+              <a:buNone/>
+            </a:pPr>
+            <a:r>
+              <a:rPr lang="en-US" dirty="0"/>
+              <a:t>CREATE INDEX </a:t>
+            </a:r>
+            <a:r>
+              <a:rPr lang="en-US" dirty="0" err="1"/>
+              <a:t>idx_country_surfacearea</a:t>
+            </a:r>
+            <a:r>
+              <a:rPr lang="en-US" dirty="0"/>
+              <a:t> ON country(</a:t>
+            </a:r>
+            <a:r>
+              <a:rPr lang="en-US" dirty="0" err="1"/>
+              <a:t>surfacearea</a:t>
+            </a:r>
+            <a:r>
+              <a:rPr lang="en-US" dirty="0" smtClean="0"/>
+              <a:t>);</a:t>
+            </a:r>
+          </a:p>
+          <a:p>
+            <a:pPr marL="0" indent="0">
+              <a:buNone/>
+            </a:pPr>
+            <a:endParaRPr lang="en-US" dirty="0"/>
+          </a:p>
+          <a:p>
+            <a:pPr marL="0" indent="0">
+              <a:buNone/>
+            </a:pPr>
+            <a:endParaRPr lang="en-US" dirty="0" smtClean="0"/>
+          </a:p>
+          <a:p>
+            <a:pPr marL="0" indent="0">
+              <a:buNone/>
+            </a:pPr>
+            <a:endParaRPr lang="en-US" dirty="0" smtClean="0"/>
+          </a:p>
+          <a:p>
+            <a:pPr marL="0" indent="0">
+              <a:buNone/>
+            </a:pPr>
+            <a:endParaRPr lang="en-US" dirty="0"/>
+          </a:p>
+        </p:txBody>
+      </p:sp>
+      <p:pic>
+        <p:nvPicPr>
+          <p:cNvPr id="4" name="Picture 3"/>
+          <p:cNvPicPr>
+            <a:picLocks noChangeAspect="1"/>
+          </p:cNvPicPr>
+          <p:nvPr/>
+        </p:nvPicPr>
+        <p:blipFill>
+          <a:blip r:embed="rId2"/>
+          <a:stretch>
+            <a:fillRect/>
+          </a:stretch>
+        </p:blipFill>
+        <p:spPr>
+          <a:xfrm>
+            <a:off x="1210627" y="3647547"/>
+            <a:ext cx="7210425" cy="695325"/>
+          </a:xfrm>
+          <a:prstGeom prst="rect">
+            <a:avLst/>
+          </a:prstGeom>
+        </p:spPr>
+      </p:pic>
+      <p:pic>
+        <p:nvPicPr>
+          <p:cNvPr id="6" name="Picture 5"/>
+          <p:cNvPicPr>
+            <a:picLocks noChangeAspect="1"/>
+          </p:cNvPicPr>
+          <p:nvPr/>
+        </p:nvPicPr>
+        <p:blipFill>
+          <a:blip r:embed="rId3"/>
+          <a:stretch>
+            <a:fillRect/>
+          </a:stretch>
+        </p:blipFill>
+        <p:spPr>
+          <a:xfrm>
+            <a:off x="1210627" y="4916540"/>
+            <a:ext cx="8486775" cy="638175"/>
+          </a:xfrm>
+          <a:prstGeom prst="rect">
+            <a:avLst/>
+          </a:prstGeom>
+        </p:spPr>
+      </p:pic>
+    </p:spTree>
+    <p:extLst>
+      <p:ext uri="{BB962C8B-B14F-4D97-AF65-F5344CB8AC3E}">
+        <p14:creationId xmlns:p14="http://schemas.microsoft.com/office/powerpoint/2010/main" val="3790605170"/>
       </p:ext>
     </p:extLst>
   </p:cSld>

--- a/Presentation/Database-Bootcamp-Presentation.pptx
+++ b/Presentation/Database-Bootcamp-Presentation.pptx
@@ -41,6 +41,9 @@
     <p:sldId id="289" r:id="rId35"/>
     <p:sldId id="290" r:id="rId36"/>
     <p:sldId id="291" r:id="rId37"/>
+    <p:sldId id="292" r:id="rId38"/>
+    <p:sldId id="293" r:id="rId39"/>
+    <p:sldId id="294" r:id="rId40"/>
   </p:sldIdLst>
   <p:sldSz cx="12192000" cy="6858000"/>
   <p:notesSz cx="6858000" cy="9144000"/>
@@ -333,7 +336,7 @@
           <a:p>
             <a:fld id="{9DC1F441-9BCC-4383-B80D-68C31DF95A71}" type="datetimeFigureOut">
               <a:rPr lang="en-US" smtClean="0"/>
-              <a:t>1/10/2016</a:t>
+              <a:t>1/12/2016</a:t>
             </a:fld>
             <a:endParaRPr lang="en-US"/>
           </a:p>
@@ -613,7 +616,7 @@
           <a:p>
             <a:fld id="{9DC1F441-9BCC-4383-B80D-68C31DF95A71}" type="datetimeFigureOut">
               <a:rPr lang="en-US" smtClean="0"/>
-              <a:t>1/10/2016</a:t>
+              <a:t>1/12/2016</a:t>
             </a:fld>
             <a:endParaRPr lang="en-US"/>
           </a:p>
@@ -807,7 +810,7 @@
           <a:p>
             <a:fld id="{9DC1F441-9BCC-4383-B80D-68C31DF95A71}" type="datetimeFigureOut">
               <a:rPr lang="en-US" smtClean="0"/>
-              <a:t>1/10/2016</a:t>
+              <a:t>1/12/2016</a:t>
             </a:fld>
             <a:endParaRPr lang="en-US"/>
           </a:p>
@@ -1080,7 +1083,7 @@
           <a:p>
             <a:fld id="{9DC1F441-9BCC-4383-B80D-68C31DF95A71}" type="datetimeFigureOut">
               <a:rPr lang="en-US" smtClean="0"/>
-              <a:t>1/10/2016</a:t>
+              <a:t>1/12/2016</a:t>
             </a:fld>
             <a:endParaRPr lang="en-US"/>
           </a:p>
@@ -1421,7 +1424,7 @@
           <a:p>
             <a:fld id="{9DC1F441-9BCC-4383-B80D-68C31DF95A71}" type="datetimeFigureOut">
               <a:rPr lang="en-US" smtClean="0"/>
-              <a:t>1/10/2016</a:t>
+              <a:t>1/12/2016</a:t>
             </a:fld>
             <a:endParaRPr lang="en-US"/>
           </a:p>
@@ -2044,7 +2047,7 @@
           <a:p>
             <a:fld id="{9DC1F441-9BCC-4383-B80D-68C31DF95A71}" type="datetimeFigureOut">
               <a:rPr lang="en-US" smtClean="0"/>
-              <a:t>1/10/2016</a:t>
+              <a:t>1/12/2016</a:t>
             </a:fld>
             <a:endParaRPr lang="en-US"/>
           </a:p>
@@ -2904,7 +2907,7 @@
           <a:p>
             <a:fld id="{9DC1F441-9BCC-4383-B80D-68C31DF95A71}" type="datetimeFigureOut">
               <a:rPr lang="en-US" smtClean="0"/>
-              <a:t>1/10/2016</a:t>
+              <a:t>1/12/2016</a:t>
             </a:fld>
             <a:endParaRPr lang="en-US"/>
           </a:p>
@@ -3074,7 +3077,7 @@
           <a:p>
             <a:fld id="{9DC1F441-9BCC-4383-B80D-68C31DF95A71}" type="datetimeFigureOut">
               <a:rPr lang="en-US" smtClean="0"/>
-              <a:t>1/10/2016</a:t>
+              <a:t>1/12/2016</a:t>
             </a:fld>
             <a:endParaRPr lang="en-US"/>
           </a:p>
@@ -3254,7 +3257,7 @@
           <a:p>
             <a:fld id="{9DC1F441-9BCC-4383-B80D-68C31DF95A71}" type="datetimeFigureOut">
               <a:rPr lang="en-US" smtClean="0"/>
-              <a:t>1/10/2016</a:t>
+              <a:t>1/12/2016</a:t>
             </a:fld>
             <a:endParaRPr lang="en-US"/>
           </a:p>
@@ -3429,7 +3432,7 @@
           <a:p>
             <a:fld id="{9DC1F441-9BCC-4383-B80D-68C31DF95A71}" type="datetimeFigureOut">
               <a:rPr lang="en-US" smtClean="0"/>
-              <a:t>1/10/2016</a:t>
+              <a:t>1/12/2016</a:t>
             </a:fld>
             <a:endParaRPr lang="en-US"/>
           </a:p>
@@ -3676,7 +3679,7 @@
           <a:p>
             <a:fld id="{9DC1F441-9BCC-4383-B80D-68C31DF95A71}" type="datetimeFigureOut">
               <a:rPr lang="en-US" smtClean="0"/>
-              <a:t>1/10/2016</a:t>
+              <a:t>1/12/2016</a:t>
             </a:fld>
             <a:endParaRPr lang="en-US"/>
           </a:p>
@@ -3973,7 +3976,7 @@
           <a:p>
             <a:fld id="{9DC1F441-9BCC-4383-B80D-68C31DF95A71}" type="datetimeFigureOut">
               <a:rPr lang="en-US" smtClean="0"/>
-              <a:t>1/10/2016</a:t>
+              <a:t>1/12/2016</a:t>
             </a:fld>
             <a:endParaRPr lang="en-US"/>
           </a:p>
@@ -4417,7 +4420,7 @@
           <a:p>
             <a:fld id="{9DC1F441-9BCC-4383-B80D-68C31DF95A71}" type="datetimeFigureOut">
               <a:rPr lang="en-US" smtClean="0"/>
-              <a:t>1/10/2016</a:t>
+              <a:t>1/12/2016</a:t>
             </a:fld>
             <a:endParaRPr lang="en-US"/>
           </a:p>
@@ -4535,7 +4538,7 @@
           <a:p>
             <a:fld id="{9DC1F441-9BCC-4383-B80D-68C31DF95A71}" type="datetimeFigureOut">
               <a:rPr lang="en-US" smtClean="0"/>
-              <a:t>1/10/2016</a:t>
+              <a:t>1/12/2016</a:t>
             </a:fld>
             <a:endParaRPr lang="en-US"/>
           </a:p>
@@ -4630,7 +4633,7 @@
           <a:p>
             <a:fld id="{9DC1F441-9BCC-4383-B80D-68C31DF95A71}" type="datetimeFigureOut">
               <a:rPr lang="en-US" smtClean="0"/>
-              <a:t>1/10/2016</a:t>
+              <a:t>1/12/2016</a:t>
             </a:fld>
             <a:endParaRPr lang="en-US"/>
           </a:p>
@@ -4914,7 +4917,7 @@
           <a:p>
             <a:fld id="{9DC1F441-9BCC-4383-B80D-68C31DF95A71}" type="datetimeFigureOut">
               <a:rPr lang="en-US" smtClean="0"/>
-              <a:t>1/10/2016</a:t>
+              <a:t>1/12/2016</a:t>
             </a:fld>
             <a:endParaRPr lang="en-US"/>
           </a:p>
@@ -5194,7 +5197,7 @@
           <a:p>
             <a:fld id="{9DC1F441-9BCC-4383-B80D-68C31DF95A71}" type="datetimeFigureOut">
               <a:rPr lang="en-US" smtClean="0"/>
-              <a:t>1/10/2016</a:t>
+              <a:t>1/12/2016</a:t>
             </a:fld>
             <a:endParaRPr lang="en-US"/>
           </a:p>
@@ -5623,7 +5626,7 @@
           <a:p>
             <a:fld id="{9DC1F441-9BCC-4383-B80D-68C31DF95A71}" type="datetimeFigureOut">
               <a:rPr lang="en-US" smtClean="0"/>
-              <a:t>1/10/2016</a:t>
+              <a:t>1/12/2016</a:t>
             </a:fld>
             <a:endParaRPr lang="en-US"/>
           </a:p>
@@ -13393,11 +13396,7 @@
           <a:p>
             <a:r>
               <a:rPr lang="en-US" dirty="0" smtClean="0"/>
-              <a:t>Extract small amounts of data efficiently into on-the-fly-tables and JOIN them to actual </a:t>
-            </a:r>
-            <a:r>
-              <a:rPr lang="en-US" dirty="0" smtClean="0"/>
-              <a:t>tables</a:t>
+              <a:t>Extract small amounts of data efficiently into on-the-fly-tables and JOIN them to actual tables</a:t>
             </a:r>
           </a:p>
           <a:p>
@@ -14365,6 +14364,499 @@
     <p:extLst>
       <p:ext uri="{BB962C8B-B14F-4D97-AF65-F5344CB8AC3E}">
         <p14:creationId xmlns:p14="http://schemas.microsoft.com/office/powerpoint/2010/main" val="3790605170"/>
+      </p:ext>
+    </p:extLst>
+  </p:cSld>
+  <p:clrMapOvr>
+    <a:masterClrMapping/>
+  </p:clrMapOvr>
+</p:sld>
+</file>
+
+<file path=ppt/slides/slide37.xml><?xml version="1.0" encoding="utf-8"?>
+<p:sld xmlns:a="http://schemas.openxmlformats.org/drawingml/2006/main" xmlns:r="http://schemas.openxmlformats.org/officeDocument/2006/relationships" xmlns:p="http://schemas.openxmlformats.org/presentationml/2006/main">
+  <p:cSld>
+    <p:spTree>
+      <p:nvGrpSpPr>
+        <p:cNvPr id="1" name=""/>
+        <p:cNvGrpSpPr/>
+        <p:nvPr/>
+      </p:nvGrpSpPr>
+      <p:grpSpPr>
+        <a:xfrm>
+          <a:off x="0" y="0"/>
+          <a:ext cx="0" cy="0"/>
+          <a:chOff x="0" y="0"/>
+          <a:chExt cx="0" cy="0"/>
+        </a:xfrm>
+      </p:grpSpPr>
+      <p:sp>
+        <p:nvSpPr>
+          <p:cNvPr id="2" name="Title 1"/>
+          <p:cNvSpPr>
+            <a:spLocks noGrp="1"/>
+          </p:cNvSpPr>
+          <p:nvPr>
+            <p:ph type="title"/>
+          </p:nvPr>
+        </p:nvSpPr>
+        <p:spPr/>
+        <p:txBody>
+          <a:bodyPr/>
+          <a:lstStyle/>
+          <a:p>
+            <a:r>
+              <a:rPr lang="en-US" dirty="0" smtClean="0"/>
+              <a:t>Day 6:</a:t>
+            </a:r>
+            <a:endParaRPr lang="en-US" dirty="0"/>
+          </a:p>
+        </p:txBody>
+      </p:sp>
+      <p:sp>
+        <p:nvSpPr>
+          <p:cNvPr id="3" name="Content Placeholder 2"/>
+          <p:cNvSpPr>
+            <a:spLocks noGrp="1"/>
+          </p:cNvSpPr>
+          <p:nvPr>
+            <p:ph idx="1"/>
+          </p:nvPr>
+        </p:nvSpPr>
+        <p:spPr/>
+        <p:txBody>
+          <a:bodyPr/>
+          <a:lstStyle/>
+          <a:p>
+            <a:r>
+              <a:rPr lang="en-US" dirty="0" smtClean="0"/>
+              <a:t>Safely update data</a:t>
+            </a:r>
+          </a:p>
+          <a:p>
+            <a:r>
+              <a:rPr lang="en-US" dirty="0" smtClean="0"/>
+              <a:t>Safely delete data</a:t>
+            </a:r>
+            <a:endParaRPr lang="en-US" dirty="0"/>
+          </a:p>
+        </p:txBody>
+      </p:sp>
+    </p:spTree>
+    <p:extLst>
+      <p:ext uri="{BB962C8B-B14F-4D97-AF65-F5344CB8AC3E}">
+        <p14:creationId xmlns:p14="http://schemas.microsoft.com/office/powerpoint/2010/main" val="1299707278"/>
+      </p:ext>
+    </p:extLst>
+  </p:cSld>
+  <p:clrMapOvr>
+    <a:masterClrMapping/>
+  </p:clrMapOvr>
+</p:sld>
+</file>
+
+<file path=ppt/slides/slide38.xml><?xml version="1.0" encoding="utf-8"?>
+<p:sld xmlns:a="http://schemas.openxmlformats.org/drawingml/2006/main" xmlns:r="http://schemas.openxmlformats.org/officeDocument/2006/relationships" xmlns:p="http://schemas.openxmlformats.org/presentationml/2006/main">
+  <p:cSld>
+    <p:spTree>
+      <p:nvGrpSpPr>
+        <p:cNvPr id="1" name=""/>
+        <p:cNvGrpSpPr/>
+        <p:nvPr/>
+      </p:nvGrpSpPr>
+      <p:grpSpPr>
+        <a:xfrm>
+          <a:off x="0" y="0"/>
+          <a:ext cx="0" cy="0"/>
+          <a:chOff x="0" y="0"/>
+          <a:chExt cx="0" cy="0"/>
+        </a:xfrm>
+      </p:grpSpPr>
+      <p:sp>
+        <p:nvSpPr>
+          <p:cNvPr id="2" name="Title 1"/>
+          <p:cNvSpPr>
+            <a:spLocks noGrp="1"/>
+          </p:cNvSpPr>
+          <p:nvPr>
+            <p:ph type="title"/>
+          </p:nvPr>
+        </p:nvSpPr>
+        <p:spPr/>
+        <p:txBody>
+          <a:bodyPr/>
+          <a:lstStyle/>
+          <a:p>
+            <a:r>
+              <a:rPr lang="en-US" dirty="0" smtClean="0"/>
+              <a:t>Update safely</a:t>
+            </a:r>
+            <a:endParaRPr lang="en-US" dirty="0"/>
+          </a:p>
+        </p:txBody>
+      </p:sp>
+      <p:sp>
+        <p:nvSpPr>
+          <p:cNvPr id="3" name="Content Placeholder 2"/>
+          <p:cNvSpPr>
+            <a:spLocks noGrp="1"/>
+          </p:cNvSpPr>
+          <p:nvPr>
+            <p:ph idx="1"/>
+          </p:nvPr>
+        </p:nvSpPr>
+        <p:spPr/>
+        <p:txBody>
+          <a:bodyPr/>
+          <a:lstStyle/>
+          <a:p>
+            <a:r>
+              <a:rPr lang="en-US" dirty="0" smtClean="0"/>
+              <a:t>Do SELECT to determine # of rows that must be updated. Then run UPDATE</a:t>
+            </a:r>
+          </a:p>
+          <a:p>
+            <a:r>
+              <a:rPr lang="en-US" dirty="0" smtClean="0"/>
+              <a:t>Use WHERE clause; very few times will you NOT need WHERE</a:t>
+            </a:r>
+          </a:p>
+          <a:p>
+            <a:r>
+              <a:rPr lang="en-US" dirty="0" smtClean="0"/>
+              <a:t>Take a backup before large UPDATEs</a:t>
+            </a:r>
+          </a:p>
+          <a:p>
+            <a:r>
+              <a:rPr lang="en-US" dirty="0" smtClean="0"/>
+              <a:t>If column needs to be updated, create a new column, copy data from target column to new column, and then update target column</a:t>
+            </a:r>
+          </a:p>
+          <a:p>
+            <a:pPr marL="0" indent="0">
+              <a:buNone/>
+            </a:pPr>
+            <a:endParaRPr lang="en-US" dirty="0" smtClean="0"/>
+          </a:p>
+          <a:p>
+            <a:pPr marL="0" indent="0">
+              <a:buNone/>
+            </a:pPr>
+            <a:r>
+              <a:rPr lang="en-US" dirty="0" smtClean="0"/>
+              <a:t>SELECT COUNT(*) FROM city </a:t>
+            </a:r>
+            <a:r>
+              <a:rPr lang="en-US" dirty="0" smtClean="0">
+                <a:solidFill>
+                  <a:srgbClr val="FFFF00"/>
+                </a:solidFill>
+              </a:rPr>
+              <a:t>WHERE </a:t>
+            </a:r>
+            <a:r>
+              <a:rPr lang="en-US" dirty="0" err="1" smtClean="0">
+                <a:solidFill>
+                  <a:srgbClr val="FFFF00"/>
+                </a:solidFill>
+              </a:rPr>
+              <a:t>countrycode</a:t>
+            </a:r>
+            <a:r>
+              <a:rPr lang="en-US" dirty="0" smtClean="0">
+                <a:solidFill>
+                  <a:srgbClr val="FFFF00"/>
+                </a:solidFill>
+              </a:rPr>
+              <a:t> = ‘NLD’;</a:t>
+            </a:r>
+          </a:p>
+          <a:p>
+            <a:pPr marL="0" indent="0">
+              <a:buNone/>
+            </a:pPr>
+            <a:r>
+              <a:rPr lang="en-US" dirty="0" smtClean="0"/>
+              <a:t>UPDATE city SET population=population*1.05 </a:t>
+            </a:r>
+            <a:r>
+              <a:rPr lang="en-US" dirty="0" smtClean="0">
+                <a:solidFill>
+                  <a:srgbClr val="FFFF00"/>
+                </a:solidFill>
+              </a:rPr>
+              <a:t>WHERE </a:t>
+            </a:r>
+          </a:p>
+          <a:p>
+            <a:pPr marL="0" indent="0">
+              <a:buNone/>
+            </a:pPr>
+            <a:r>
+              <a:rPr lang="en-US" dirty="0">
+                <a:solidFill>
+                  <a:srgbClr val="FFFF00"/>
+                </a:solidFill>
+              </a:rPr>
+              <a:t> </a:t>
+            </a:r>
+            <a:r>
+              <a:rPr lang="en-US" dirty="0" smtClean="0">
+                <a:solidFill>
+                  <a:srgbClr val="FFFF00"/>
+                </a:solidFill>
+              </a:rPr>
+              <a:t>   </a:t>
+            </a:r>
+            <a:r>
+              <a:rPr lang="en-US" dirty="0" err="1" smtClean="0">
+                <a:solidFill>
+                  <a:srgbClr val="FFFF00"/>
+                </a:solidFill>
+              </a:rPr>
+              <a:t>countrycode</a:t>
+            </a:r>
+            <a:r>
+              <a:rPr lang="en-US" dirty="0" smtClean="0">
+                <a:solidFill>
+                  <a:srgbClr val="FFFF00"/>
+                </a:solidFill>
+              </a:rPr>
+              <a:t> = ‘NLD’;</a:t>
+            </a:r>
+          </a:p>
+          <a:p>
+            <a:pPr marL="0" indent="0">
+              <a:buNone/>
+            </a:pPr>
+            <a:endParaRPr lang="en-US" dirty="0" smtClean="0"/>
+          </a:p>
+        </p:txBody>
+      </p:sp>
+    </p:spTree>
+    <p:extLst>
+      <p:ext uri="{BB962C8B-B14F-4D97-AF65-F5344CB8AC3E}">
+        <p14:creationId xmlns:p14="http://schemas.microsoft.com/office/powerpoint/2010/main" val="2073229223"/>
+      </p:ext>
+    </p:extLst>
+  </p:cSld>
+  <p:clrMapOvr>
+    <a:masterClrMapping/>
+  </p:clrMapOvr>
+</p:sld>
+</file>
+
+<file path=ppt/slides/slide39.xml><?xml version="1.0" encoding="utf-8"?>
+<p:sld xmlns:a="http://schemas.openxmlformats.org/drawingml/2006/main" xmlns:r="http://schemas.openxmlformats.org/officeDocument/2006/relationships" xmlns:p="http://schemas.openxmlformats.org/presentationml/2006/main">
+  <p:cSld>
+    <p:spTree>
+      <p:nvGrpSpPr>
+        <p:cNvPr id="1" name=""/>
+        <p:cNvGrpSpPr/>
+        <p:nvPr/>
+      </p:nvGrpSpPr>
+      <p:grpSpPr>
+        <a:xfrm>
+          <a:off x="0" y="0"/>
+          <a:ext cx="0" cy="0"/>
+          <a:chOff x="0" y="0"/>
+          <a:chExt cx="0" cy="0"/>
+        </a:xfrm>
+      </p:grpSpPr>
+      <p:sp>
+        <p:nvSpPr>
+          <p:cNvPr id="2" name="Title 1"/>
+          <p:cNvSpPr>
+            <a:spLocks noGrp="1"/>
+          </p:cNvSpPr>
+          <p:nvPr>
+            <p:ph type="title"/>
+          </p:nvPr>
+        </p:nvSpPr>
+        <p:spPr/>
+        <p:txBody>
+          <a:bodyPr/>
+          <a:lstStyle/>
+          <a:p>
+            <a:r>
+              <a:rPr lang="en-US" dirty="0" smtClean="0"/>
+              <a:t>Update column safely</a:t>
+            </a:r>
+            <a:endParaRPr lang="en-US" dirty="0"/>
+          </a:p>
+        </p:txBody>
+      </p:sp>
+      <p:sp>
+        <p:nvSpPr>
+          <p:cNvPr id="3" name="Content Placeholder 2"/>
+          <p:cNvSpPr>
+            <a:spLocks noGrp="1"/>
+          </p:cNvSpPr>
+          <p:nvPr>
+            <p:ph idx="1"/>
+          </p:nvPr>
+        </p:nvSpPr>
+        <p:spPr>
+          <a:xfrm>
+            <a:off x="1103312" y="2052918"/>
+            <a:ext cx="8946541" cy="4640490"/>
+          </a:xfrm>
+        </p:spPr>
+        <p:txBody>
+          <a:bodyPr/>
+          <a:lstStyle/>
+          <a:p>
+            <a:r>
+              <a:rPr lang="en-US" dirty="0" smtClean="0"/>
+              <a:t>Raise population of cities in NLD by 5%</a:t>
+            </a:r>
+          </a:p>
+          <a:p>
+            <a:r>
+              <a:rPr lang="en-US" dirty="0" smtClean="0"/>
+              <a:t>But…I am </a:t>
+            </a:r>
+            <a:r>
+              <a:rPr lang="en-US" smtClean="0"/>
+              <a:t>not sure</a:t>
+            </a:r>
+          </a:p>
+          <a:p>
+            <a:endParaRPr lang="en-US" dirty="0"/>
+          </a:p>
+          <a:p>
+            <a:pPr marL="0" indent="0">
+              <a:buNone/>
+            </a:pPr>
+            <a:r>
+              <a:rPr lang="en-US" dirty="0" smtClean="0"/>
+              <a:t>ALTER TABLE city ADD COLUMN </a:t>
+            </a:r>
+            <a:r>
+              <a:rPr lang="en-US" dirty="0" err="1" smtClean="0"/>
+              <a:t>population_orig</a:t>
+            </a:r>
+            <a:r>
+              <a:rPr lang="en-US" dirty="0" smtClean="0"/>
+              <a:t> </a:t>
+            </a:r>
+            <a:r>
+              <a:rPr lang="en-US" dirty="0" err="1" smtClean="0"/>
+              <a:t>int</a:t>
+            </a:r>
+            <a:r>
+              <a:rPr lang="en-US" dirty="0" smtClean="0"/>
+              <a:t>;</a:t>
+            </a:r>
+          </a:p>
+          <a:p>
+            <a:pPr marL="0" indent="0">
+              <a:buNone/>
+            </a:pPr>
+            <a:r>
+              <a:rPr lang="en-US" dirty="0" smtClean="0"/>
+              <a:t>UPDATE city SET </a:t>
+            </a:r>
+            <a:r>
+              <a:rPr lang="en-US" dirty="0" err="1" smtClean="0"/>
+              <a:t>population_orig</a:t>
+            </a:r>
+            <a:r>
+              <a:rPr lang="en-US" dirty="0" smtClean="0"/>
+              <a:t> = population;</a:t>
+            </a:r>
+          </a:p>
+          <a:p>
+            <a:pPr marL="0" indent="0">
+              <a:buNone/>
+            </a:pPr>
+            <a:r>
+              <a:rPr lang="en-US" dirty="0" smtClean="0"/>
+              <a:t>SELECT COUNT(*) FROM city WHERE </a:t>
+            </a:r>
+            <a:r>
+              <a:rPr lang="en-US" dirty="0" err="1" smtClean="0"/>
+              <a:t>countrycode</a:t>
+            </a:r>
+            <a:r>
+              <a:rPr lang="en-US" dirty="0" smtClean="0"/>
+              <a:t> = ‘NLD’;</a:t>
+            </a:r>
+          </a:p>
+          <a:p>
+            <a:pPr marL="0" indent="0">
+              <a:buNone/>
+            </a:pPr>
+            <a:r>
+              <a:rPr lang="en-US" dirty="0" smtClean="0"/>
+              <a:t>UPDATE city SET population=population*1.05 </a:t>
+            </a:r>
+            <a:r>
+              <a:rPr lang="en-US" dirty="0" smtClean="0">
+                <a:solidFill>
+                  <a:srgbClr val="FFFF00"/>
+                </a:solidFill>
+              </a:rPr>
+              <a:t>WHERE</a:t>
+            </a:r>
+          </a:p>
+          <a:p>
+            <a:pPr marL="0" indent="0">
+              <a:buNone/>
+            </a:pPr>
+            <a:r>
+              <a:rPr lang="en-US" dirty="0">
+                <a:solidFill>
+                  <a:srgbClr val="FFFF00"/>
+                </a:solidFill>
+              </a:rPr>
+              <a:t> </a:t>
+            </a:r>
+            <a:r>
+              <a:rPr lang="en-US" dirty="0" smtClean="0">
+                <a:solidFill>
+                  <a:srgbClr val="FFFF00"/>
+                </a:solidFill>
+              </a:rPr>
+              <a:t>   </a:t>
+            </a:r>
+            <a:r>
+              <a:rPr lang="en-US" dirty="0" err="1" smtClean="0">
+                <a:solidFill>
+                  <a:srgbClr val="FFFF00"/>
+                </a:solidFill>
+              </a:rPr>
+              <a:t>countrycode</a:t>
+            </a:r>
+            <a:r>
+              <a:rPr lang="en-US" dirty="0" smtClean="0">
+                <a:solidFill>
+                  <a:srgbClr val="FFFF00"/>
+                </a:solidFill>
+              </a:rPr>
+              <a:t> = ‘NLD’;</a:t>
+            </a:r>
+          </a:p>
+          <a:p>
+            <a:pPr marL="0" indent="0">
+              <a:buNone/>
+            </a:pPr>
+            <a:endParaRPr lang="en-US" dirty="0" smtClean="0"/>
+          </a:p>
+          <a:p>
+            <a:r>
+              <a:rPr lang="en-US" dirty="0" smtClean="0"/>
+              <a:t>Make sure entire UPDATE statement is selected and executed. Double-check statement before execution!!</a:t>
+            </a:r>
+            <a:endParaRPr lang="en-US" dirty="0"/>
+          </a:p>
+        </p:txBody>
+      </p:sp>
+    </p:spTree>
+    <p:extLst>
+      <p:ext uri="{BB962C8B-B14F-4D97-AF65-F5344CB8AC3E}">
+        <p14:creationId xmlns:p14="http://schemas.microsoft.com/office/powerpoint/2010/main" val="1440845127"/>
       </p:ext>
     </p:extLst>
   </p:cSld>

--- a/Presentation/Database-Bootcamp-Presentation.pptx
+++ b/Presentation/Database-Bootcamp-Presentation.pptx
@@ -44,6 +44,10 @@
     <p:sldId id="292" r:id="rId38"/>
     <p:sldId id="293" r:id="rId39"/>
     <p:sldId id="294" r:id="rId40"/>
+    <p:sldId id="295" r:id="rId41"/>
+    <p:sldId id="296" r:id="rId42"/>
+    <p:sldId id="297" r:id="rId43"/>
+    <p:sldId id="298" r:id="rId44"/>
   </p:sldIdLst>
   <p:sldSz cx="12192000" cy="6858000"/>
   <p:notesSz cx="6858000" cy="9144000"/>
@@ -6558,8 +6562,19 @@
           <a:p>
             <a:r>
               <a:rPr lang="en-US" dirty="0" smtClean="0"/>
-              <a:t>Let’s create a TEST schema for ourselves</a:t>
-            </a:r>
+              <a:t>Let’s create a TEST schema for </a:t>
+            </a:r>
+            <a:r>
+              <a:rPr lang="en-US" dirty="0" smtClean="0"/>
+              <a:t>ourselves</a:t>
+            </a:r>
+          </a:p>
+          <a:p>
+            <a:r>
+              <a:rPr lang="en-US" dirty="0" smtClean="0"/>
+              <a:t>Switch to TEST schema (aka database) using USE TEST;</a:t>
+            </a:r>
+            <a:endParaRPr lang="en-US" dirty="0" smtClean="0"/>
           </a:p>
           <a:p>
             <a:r>
@@ -7104,7 +7119,19 @@
             </a:pPr>
             <a:r>
               <a:rPr lang="en-US" dirty="0" smtClean="0"/>
-              <a:t>CREATE TABLE employees (</a:t>
+              <a:t>CREATE TABLE </a:t>
+            </a:r>
+            <a:r>
+              <a:rPr lang="en-US" dirty="0" smtClean="0">
+                <a:solidFill>
+                  <a:srgbClr val="FFFF00"/>
+                </a:solidFill>
+              </a:rPr>
+              <a:t>employees</a:t>
+            </a:r>
+            <a:r>
+              <a:rPr lang="en-US" dirty="0" smtClean="0"/>
+              <a:t> (</a:t>
             </a:r>
           </a:p>
           <a:p>
@@ -7116,12 +7143,193 @@
               <a:t>	</a:t>
             </a:r>
             <a:r>
+              <a:rPr lang="en-US" dirty="0" err="1" smtClean="0">
+                <a:solidFill>
+                  <a:srgbClr val="FFFF00"/>
+                </a:solidFill>
+              </a:rPr>
+              <a:t>empno</a:t>
+            </a:r>
+            <a:r>
+              <a:rPr lang="en-US" dirty="0" smtClean="0">
+                <a:solidFill>
+                  <a:srgbClr val="FFFF00"/>
+                </a:solidFill>
+              </a:rPr>
+              <a:t> </a:t>
+            </a:r>
+            <a:r>
+              <a:rPr lang="en-US" dirty="0" smtClean="0"/>
+              <a:t>INT </a:t>
+            </a:r>
+            <a:r>
+              <a:rPr lang="en-US" dirty="0" smtClean="0">
+                <a:solidFill>
+                  <a:srgbClr val="FFFF00"/>
+                </a:solidFill>
+              </a:rPr>
+              <a:t>NOT NULL </a:t>
+            </a:r>
+            <a:r>
+              <a:rPr lang="en-US" dirty="0" smtClean="0"/>
+              <a:t>AUTO_INCREMENT,</a:t>
+            </a:r>
+          </a:p>
+          <a:p>
+            <a:pPr marL="0" indent="0">
+              <a:buNone/>
+            </a:pPr>
+            <a:r>
+              <a:rPr lang="en-US" dirty="0"/>
+              <a:t>	</a:t>
+            </a:r>
+            <a:r>
+              <a:rPr lang="en-US" dirty="0" err="1" smtClean="0"/>
+              <a:t>firstname</a:t>
+            </a:r>
+            <a:r>
+              <a:rPr lang="en-US" dirty="0" smtClean="0"/>
+              <a:t> </a:t>
+            </a:r>
+            <a:r>
+              <a:rPr lang="en-US" dirty="0" smtClean="0">
+                <a:solidFill>
+                  <a:srgbClr val="FFFF00"/>
+                </a:solidFill>
+              </a:rPr>
+              <a:t>varchar(50)</a:t>
+            </a:r>
+            <a:r>
+              <a:rPr lang="en-US" dirty="0" smtClean="0"/>
+              <a:t>,</a:t>
+            </a:r>
+          </a:p>
+          <a:p>
+            <a:pPr marL="0" indent="0">
+              <a:buNone/>
+            </a:pPr>
+            <a:r>
+              <a:rPr lang="en-US" dirty="0"/>
+              <a:t>	</a:t>
+            </a:r>
+            <a:r>
+              <a:rPr lang="en-US" dirty="0" err="1" smtClean="0"/>
+              <a:t>lastname</a:t>
+            </a:r>
+            <a:r>
+              <a:rPr lang="en-US" dirty="0" smtClean="0"/>
+              <a:t> varchar(50) NOT NULL,</a:t>
+            </a:r>
+          </a:p>
+          <a:p>
+            <a:pPr marL="0" indent="0">
+              <a:buNone/>
+            </a:pPr>
+            <a:r>
+              <a:rPr lang="en-US" dirty="0"/>
+              <a:t>	</a:t>
+            </a:r>
+            <a:r>
+              <a:rPr lang="en-US" dirty="0" smtClean="0"/>
+              <a:t>age </a:t>
+            </a:r>
+            <a:r>
+              <a:rPr lang="en-US" dirty="0" err="1" smtClean="0"/>
+              <a:t>int</a:t>
+            </a:r>
+            <a:r>
+              <a:rPr lang="en-US" dirty="0" smtClean="0"/>
+              <a:t> NOT NULL </a:t>
+            </a:r>
+            <a:r>
+              <a:rPr lang="en-US" dirty="0" smtClean="0">
+                <a:solidFill>
+                  <a:srgbClr val="FFFF00"/>
+                </a:solidFill>
+              </a:rPr>
+              <a:t>DEFAULT 0</a:t>
+            </a:r>
+            <a:r>
+              <a:rPr lang="en-US" dirty="0" smtClean="0"/>
+              <a:t>,</a:t>
+            </a:r>
+          </a:p>
+          <a:p>
+            <a:pPr marL="0" indent="0">
+              <a:buNone/>
+            </a:pPr>
+            <a:r>
+              <a:rPr lang="en-US" dirty="0"/>
+              <a:t>	</a:t>
+            </a:r>
+            <a:r>
+              <a:rPr lang="en-US" dirty="0" err="1" smtClean="0"/>
+              <a:t>ssn</a:t>
+            </a:r>
+            <a:r>
+              <a:rPr lang="en-US" dirty="0" smtClean="0"/>
+              <a:t> </a:t>
+            </a:r>
+            <a:r>
+              <a:rPr lang="en-US" dirty="0" smtClean="0">
+                <a:solidFill>
+                  <a:srgbClr val="FFFF00"/>
+                </a:solidFill>
+              </a:rPr>
+              <a:t>char(9)</a:t>
+            </a:r>
+            <a:r>
+              <a:rPr lang="en-US" dirty="0" smtClean="0"/>
+              <a:t>,</a:t>
+            </a:r>
+          </a:p>
+          <a:p>
+            <a:pPr marL="0" indent="0">
+              <a:buNone/>
+            </a:pPr>
+            <a:r>
+              <a:rPr lang="en-US" dirty="0" smtClean="0"/>
+              <a:t>	</a:t>
+            </a:r>
+            <a:r>
+              <a:rPr lang="en-US" dirty="0" smtClean="0">
+                <a:solidFill>
+                  <a:srgbClr val="FFFF00"/>
+                </a:solidFill>
+              </a:rPr>
+              <a:t>CONSTRAINT</a:t>
+            </a:r>
+            <a:r>
+              <a:rPr lang="en-US" dirty="0" smtClean="0"/>
+              <a:t> </a:t>
+            </a:r>
+            <a:r>
+              <a:rPr lang="en-US" dirty="0" err="1" smtClean="0"/>
+              <a:t>pk_employees_empno</a:t>
+            </a:r>
+            <a:r>
+              <a:rPr lang="en-US" dirty="0" smtClean="0"/>
+              <a:t> </a:t>
+            </a:r>
+            <a:r>
+              <a:rPr lang="en-US" dirty="0" smtClean="0">
+                <a:solidFill>
+                  <a:srgbClr val="FFFF00"/>
+                </a:solidFill>
+              </a:rPr>
+              <a:t>PRIMARY KEY </a:t>
+            </a:r>
+            <a:r>
+              <a:rPr lang="en-US" dirty="0" smtClean="0"/>
+              <a:t>(</a:t>
+            </a:r>
+            <a:r>
               <a:rPr lang="en-US" dirty="0" err="1" smtClean="0"/>
               <a:t>empno</a:t>
             </a:r>
             <a:r>
               <a:rPr lang="en-US" dirty="0" smtClean="0"/>
-              <a:t> INT NOT NULL AUTO_INCREMENT,</a:t>
+              <a:t>),</a:t>
             </a:r>
           </a:p>
           <a:p>
@@ -7133,12 +7341,36 @@
               <a:t>	</a:t>
             </a:r>
             <a:r>
+              <a:rPr lang="en-US" dirty="0" smtClean="0"/>
+              <a:t>CONSTRAINT </a:t>
+            </a:r>
+            <a:r>
               <a:rPr lang="en-US" dirty="0" err="1" smtClean="0"/>
-              <a:t>firstname</a:t>
-            </a:r>
-            <a:r>
-              <a:rPr lang="en-US" dirty="0" smtClean="0"/>
-              <a:t> varchar(50),</a:t>
+              <a:t>uk_employees_ssn</a:t>
+            </a:r>
+            <a:r>
+              <a:rPr lang="en-US" dirty="0" smtClean="0"/>
+              <a:t> </a:t>
+            </a:r>
+            <a:r>
+              <a:rPr lang="en-US" dirty="0" smtClean="0">
+                <a:solidFill>
+                  <a:srgbClr val="FFFF00"/>
+                </a:solidFill>
+              </a:rPr>
+              <a:t>UNIQUE KEY </a:t>
+            </a:r>
+            <a:r>
+              <a:rPr lang="en-US" dirty="0" smtClean="0"/>
+              <a:t>(</a:t>
+            </a:r>
+            <a:r>
+              <a:rPr lang="en-US" dirty="0" err="1" smtClean="0"/>
+              <a:t>ssn</a:t>
+            </a:r>
+            <a:r>
+              <a:rPr lang="en-US" dirty="0" smtClean="0"/>
+              <a:t>),</a:t>
             </a:r>
           </a:p>
           <a:p>
@@ -7150,117 +7382,16 @@
               <a:t>	</a:t>
             </a:r>
             <a:r>
-              <a:rPr lang="en-US" dirty="0" err="1" smtClean="0"/>
-              <a:t>lastname</a:t>
-            </a:r>
-            <a:r>
-              <a:rPr lang="en-US" dirty="0" smtClean="0"/>
-              <a:t> varchar(50) NOT NULL,</a:t>
-            </a:r>
-          </a:p>
-          <a:p>
-            <a:pPr marL="0" indent="0">
-              <a:buNone/>
-            </a:pPr>
-            <a:r>
-              <a:rPr lang="en-US" dirty="0"/>
-              <a:t>	</a:t>
-            </a:r>
-            <a:r>
-              <a:rPr lang="en-US" dirty="0" smtClean="0"/>
-              <a:t>age </a:t>
-            </a:r>
-            <a:r>
-              <a:rPr lang="en-US" dirty="0" err="1" smtClean="0"/>
-              <a:t>int</a:t>
-            </a:r>
-            <a:r>
-              <a:rPr lang="en-US" dirty="0" smtClean="0"/>
-              <a:t> NOT NULL DEFAULT 0,</a:t>
-            </a:r>
-          </a:p>
-          <a:p>
-            <a:pPr marL="0" indent="0">
-              <a:buNone/>
-            </a:pPr>
-            <a:r>
-              <a:rPr lang="en-US" dirty="0"/>
-              <a:t>	</a:t>
-            </a:r>
-            <a:r>
-              <a:rPr lang="en-US" dirty="0" err="1" smtClean="0"/>
-              <a:t>ssn</a:t>
-            </a:r>
-            <a:r>
-              <a:rPr lang="en-US" dirty="0" smtClean="0"/>
-              <a:t> char(9),</a:t>
-            </a:r>
-          </a:p>
-          <a:p>
-            <a:pPr marL="0" indent="0">
-              <a:buNone/>
-            </a:pPr>
-            <a:r>
-              <a:rPr lang="en-US" dirty="0" smtClean="0"/>
-              <a:t>	CONSTRAINT </a:t>
-            </a:r>
-            <a:r>
-              <a:rPr lang="en-US" dirty="0" err="1" smtClean="0"/>
-              <a:t>pk_employees_empno</a:t>
-            </a:r>
-            <a:r>
-              <a:rPr lang="en-US" dirty="0" smtClean="0"/>
-              <a:t> PRIMARY KEY (</a:t>
-            </a:r>
-            <a:r>
-              <a:rPr lang="en-US" dirty="0" err="1" smtClean="0"/>
-              <a:t>empno</a:t>
-            </a:r>
-            <a:r>
-              <a:rPr lang="en-US" dirty="0" smtClean="0"/>
-              <a:t>),</a:t>
-            </a:r>
-          </a:p>
-          <a:p>
-            <a:pPr marL="0" indent="0">
-              <a:buNone/>
-            </a:pPr>
-            <a:r>
-              <a:rPr lang="en-US" dirty="0"/>
-              <a:t>	</a:t>
-            </a:r>
-            <a:r>
-              <a:rPr lang="en-US" dirty="0" smtClean="0"/>
-              <a:t>CONSTRAINT </a:t>
-            </a:r>
-            <a:r>
-              <a:rPr lang="en-US" dirty="0" err="1" smtClean="0"/>
-              <a:t>uk_employees_ssn</a:t>
-            </a:r>
-            <a:r>
-              <a:rPr lang="en-US" dirty="0" smtClean="0"/>
-              <a:t> UNIQUE KEY (</a:t>
-            </a:r>
-            <a:r>
-              <a:rPr lang="en-US" dirty="0" err="1" smtClean="0"/>
-              <a:t>ssn</a:t>
-            </a:r>
-            <a:r>
-              <a:rPr lang="en-US" dirty="0" smtClean="0"/>
-              <a:t>),</a:t>
-            </a:r>
-          </a:p>
-          <a:p>
-            <a:pPr marL="0" indent="0">
-              <a:buNone/>
-            </a:pPr>
-            <a:r>
-              <a:rPr lang="en-US" dirty="0"/>
-              <a:t>	</a:t>
-            </a:r>
-            <a:r>
-              <a:rPr lang="en-US" dirty="0" smtClean="0"/>
-              <a:t>INDEX </a:t>
+              <a:rPr lang="en-US" dirty="0" smtClean="0">
+                <a:solidFill>
+                  <a:srgbClr val="FFFF00"/>
+                </a:solidFill>
+              </a:rPr>
+              <a:t>INDEX</a:t>
+            </a:r>
+            <a:r>
+              <a:rPr lang="en-US" dirty="0" smtClean="0"/>
+              <a:t> </a:t>
             </a:r>
             <a:r>
               <a:rPr lang="en-US" dirty="0" err="1" smtClean="0"/>
@@ -7379,7 +7510,19 @@
             </a:pPr>
             <a:r>
               <a:rPr lang="en-US" dirty="0" smtClean="0"/>
-              <a:t>CREATE TABLE workhours (</a:t>
+              <a:t>CREATE TABLE </a:t>
+            </a:r>
+            <a:r>
+              <a:rPr lang="en-US" dirty="0" smtClean="0">
+                <a:solidFill>
+                  <a:srgbClr val="FFFF00"/>
+                </a:solidFill>
+              </a:rPr>
+              <a:t>workhours</a:t>
+            </a:r>
+            <a:r>
+              <a:rPr lang="en-US" dirty="0" smtClean="0"/>
+              <a:t> (</a:t>
             </a:r>
           </a:p>
           <a:p>
@@ -7391,8 +7534,28 @@
               <a:t>	</a:t>
             </a:r>
             <a:r>
-              <a:rPr lang="en-US" dirty="0" smtClean="0"/>
-              <a:t>id INT NOT NULL AUTO_INCREMENT,</a:t>
+              <a:rPr lang="en-US" dirty="0" smtClean="0">
+                <a:solidFill>
+                  <a:srgbClr val="FFFF00"/>
+                </a:solidFill>
+              </a:rPr>
+              <a:t>id</a:t>
+            </a:r>
+            <a:r>
+              <a:rPr lang="en-US" dirty="0" smtClean="0"/>
+              <a:t> INT NOT NULL </a:t>
+            </a:r>
+            <a:r>
+              <a:rPr lang="en-US" dirty="0" smtClean="0">
+                <a:solidFill>
+                  <a:srgbClr val="FFFF00"/>
+                </a:solidFill>
+              </a:rPr>
+              <a:t>AUTO_INCREMENT</a:t>
+            </a:r>
+            <a:r>
+              <a:rPr lang="en-US" dirty="0" smtClean="0"/>
+              <a:t>,</a:t>
             </a:r>
           </a:p>
           <a:p>
@@ -7409,7 +7572,19 @@
             </a:r>
             <a:r>
               <a:rPr lang="en-US" dirty="0" smtClean="0"/>
-              <a:t> DATE NOT NULL,</a:t>
+              <a:t> </a:t>
+            </a:r>
+            <a:r>
+              <a:rPr lang="en-US" dirty="0" smtClean="0">
+                <a:solidFill>
+                  <a:srgbClr val="FFFF00"/>
+                </a:solidFill>
+              </a:rPr>
+              <a:t>DATE</a:t>
+            </a:r>
+            <a:r>
+              <a:rPr lang="en-US" dirty="0" smtClean="0"/>
+              <a:t> NOT NULL,</a:t>
             </a:r>
           </a:p>
           <a:p>
@@ -7422,7 +7597,19 @@
             </a:r>
             <a:r>
               <a:rPr lang="en-US" dirty="0" smtClean="0"/>
-              <a:t>workhours INT NOT NULL,</a:t>
+              <a:t>workhours INT </a:t>
+            </a:r>
+            <a:r>
+              <a:rPr lang="en-US" dirty="0" smtClean="0">
+                <a:solidFill>
+                  <a:srgbClr val="FFFF00"/>
+                </a:solidFill>
+              </a:rPr>
+              <a:t>NOT NULL</a:t>
+            </a:r>
+            <a:r>
+              <a:rPr lang="en-US" dirty="0" smtClean="0"/>
+              <a:t>,</a:t>
             </a:r>
           </a:p>
           <a:p>
@@ -7510,7 +7697,19 @@
             </a:r>
             <a:r>
               <a:rPr lang="en-US" dirty="0" smtClean="0"/>
-              <a:t> FOREIGN KEY (</a:t>
+              <a:t> </a:t>
+            </a:r>
+            <a:r>
+              <a:rPr lang="en-US" dirty="0" smtClean="0">
+                <a:solidFill>
+                  <a:srgbClr val="FFFF00"/>
+                </a:solidFill>
+              </a:rPr>
+              <a:t>FOREIGN KEY </a:t>
+            </a:r>
+            <a:r>
+              <a:rPr lang="en-US" dirty="0" smtClean="0"/>
+              <a:t>(</a:t>
             </a:r>
             <a:r>
               <a:rPr lang="en-US" dirty="0" err="1" smtClean="0"/>
@@ -7531,7 +7730,19 @@
             </a:r>
             <a:r>
               <a:rPr lang="en-US" dirty="0" smtClean="0"/>
-              <a:t>	REFERENCES employees (</a:t>
+              <a:t>	</a:t>
+            </a:r>
+            <a:r>
+              <a:rPr lang="en-US" dirty="0" smtClean="0">
+                <a:solidFill>
+                  <a:srgbClr val="FFFF00"/>
+                </a:solidFill>
+              </a:rPr>
+              <a:t>REFERENCES</a:t>
+            </a:r>
+            <a:r>
+              <a:rPr lang="en-US" dirty="0" smtClean="0"/>
+              <a:t> employees (</a:t>
             </a:r>
             <a:r>
               <a:rPr lang="en-US" dirty="0" err="1" smtClean="0"/>
@@ -9685,7 +9896,11 @@
           <a:p>
             <a:r>
               <a:rPr lang="en-US" dirty="0" smtClean="0"/>
-              <a:t>NF2 fixed</a:t>
+              <a:t>NF2 </a:t>
+            </a:r>
+            <a:r>
+              <a:rPr lang="en-US" dirty="0" smtClean="0"/>
+              <a:t>obtained</a:t>
             </a:r>
             <a:endParaRPr lang="en-US" dirty="0"/>
           </a:p>
@@ -11527,7 +11742,9 @@
           </a:xfrm>
         </p:spPr>
         <p:txBody>
-          <a:bodyPr/>
+          <a:bodyPr>
+            <a:normAutofit/>
+          </a:bodyPr>
           <a:lstStyle/>
           <a:p>
             <a:r>
@@ -11605,7 +11822,19 @@
             </a:pPr>
             <a:r>
               <a:rPr lang="en-US" dirty="0" smtClean="0"/>
-              <a:t>INSERT INTO employees VALUES (1, ‘James Bond’);</a:t>
+              <a:t>INSERT INTO employees </a:t>
+            </a:r>
+            <a:r>
+              <a:rPr lang="en-US" dirty="0" smtClean="0">
+                <a:solidFill>
+                  <a:srgbClr val="FFFF00"/>
+                </a:solidFill>
+              </a:rPr>
+              <a:t>VALUES</a:t>
+            </a:r>
+            <a:r>
+              <a:rPr lang="en-US" dirty="0" smtClean="0"/>
+              <a:t> (1, ‘James Bond’);</a:t>
             </a:r>
           </a:p>
           <a:p>
@@ -11614,15 +11843,81 @@
             </a:pPr>
             <a:r>
               <a:rPr lang="en-US" dirty="0" smtClean="0"/>
+              <a:t>INSERT INTO employees </a:t>
+            </a:r>
+            <a:r>
+              <a:rPr lang="en-US" dirty="0" smtClean="0">
+                <a:solidFill>
+                  <a:srgbClr val="FFFF00"/>
+                </a:solidFill>
+              </a:rPr>
+              <a:t>(</a:t>
+            </a:r>
+            <a:r>
+              <a:rPr lang="en-US" dirty="0" err="1" smtClean="0">
+                <a:solidFill>
+                  <a:srgbClr val="FFFF00"/>
+                </a:solidFill>
+              </a:rPr>
+              <a:t>empno</a:t>
+            </a:r>
+            <a:r>
+              <a:rPr lang="en-US" dirty="0" smtClean="0">
+                <a:solidFill>
+                  <a:srgbClr val="FFFF00"/>
+                </a:solidFill>
+              </a:rPr>
+              <a:t>, </a:t>
+            </a:r>
+            <a:r>
+              <a:rPr lang="en-US" dirty="0" err="1" smtClean="0">
+                <a:solidFill>
+                  <a:srgbClr val="FFFF00"/>
+                </a:solidFill>
+              </a:rPr>
+              <a:t>fullname</a:t>
+            </a:r>
+            <a:r>
+              <a:rPr lang="en-US" dirty="0" smtClean="0">
+                <a:solidFill>
+                  <a:srgbClr val="FFFF00"/>
+                </a:solidFill>
+              </a:rPr>
+              <a:t>) VALUES </a:t>
+            </a:r>
+            <a:r>
+              <a:rPr lang="en-US" dirty="0" smtClean="0"/>
+              <a:t>(2, ‘Jane Bond’);</a:t>
+            </a:r>
+          </a:p>
+          <a:p>
+            <a:pPr marL="0" indent="0">
+              <a:buNone/>
+            </a:pPr>
+            <a:r>
+              <a:rPr lang="en-US" dirty="0" smtClean="0"/>
               <a:t>INSERT INTO employees (</a:t>
             </a:r>
             <a:r>
-              <a:rPr lang="en-US" dirty="0" err="1" smtClean="0"/>
-              <a:t>empno</a:t>
-            </a:r>
-            <a:r>
-              <a:rPr lang="en-US" dirty="0" smtClean="0"/>
-              <a:t>, </a:t>
+              <a:rPr lang="en-US" dirty="0" err="1" smtClean="0">
+                <a:solidFill>
+                  <a:srgbClr val="FFFF00"/>
+                </a:solidFill>
+              </a:rPr>
+              <a:t>fullname</a:t>
+            </a:r>
+            <a:r>
+              <a:rPr lang="en-US" dirty="0" smtClean="0"/>
+              <a:t>) VALUES (‘Lara Croft’);</a:t>
+            </a:r>
+          </a:p>
+          <a:p>
+            <a:pPr marL="0" indent="0">
+              <a:buNone/>
+            </a:pPr>
+            <a:r>
+              <a:rPr lang="en-US" dirty="0" smtClean="0"/>
+              <a:t>INSERT INTO employees (</a:t>
             </a:r>
             <a:r>
               <a:rPr lang="en-US" dirty="0" err="1" smtClean="0"/>
@@ -11630,7 +11925,19 @@
             </a:r>
             <a:r>
               <a:rPr lang="en-US" dirty="0" smtClean="0"/>
-              <a:t>) VALUES (2, ‘Jane Bond’);</a:t>
+              <a:t>) VALUES </a:t>
+            </a:r>
+            <a:r>
+              <a:rPr lang="en-US" dirty="0" smtClean="0">
+                <a:solidFill>
+                  <a:srgbClr val="FFFF00"/>
+                </a:solidFill>
+              </a:rPr>
+              <a:t>(‘Jon Doe’), (‘Jane Doe’)</a:t>
+            </a:r>
+            <a:r>
+              <a:rPr lang="en-US" dirty="0" smtClean="0"/>
+              <a:t>;</a:t>
             </a:r>
           </a:p>
           <a:p>
@@ -11647,16 +11954,19 @@
             </a:r>
             <a:r>
               <a:rPr lang="en-US" dirty="0" smtClean="0"/>
-              <a:t>) VALUES (‘Lara Croft’);</a:t>
-            </a:r>
-          </a:p>
-          <a:p>
-            <a:pPr marL="0" indent="0">
-              <a:buNone/>
-            </a:pPr>
-            <a:r>
-              <a:rPr lang="en-US" dirty="0" smtClean="0"/>
-              <a:t>INSERT INTO employees (</a:t>
+              <a:t>) </a:t>
+            </a:r>
+            <a:r>
+              <a:rPr lang="en-US" dirty="0" smtClean="0">
+                <a:solidFill>
+                  <a:srgbClr val="FFFF00"/>
+                </a:solidFill>
+              </a:rPr>
+              <a:t>SELECT</a:t>
+            </a:r>
+            <a:r>
+              <a:rPr lang="en-US" dirty="0" smtClean="0"/>
+              <a:t> </a:t>
             </a:r>
             <a:r>
               <a:rPr lang="en-US" dirty="0" err="1" smtClean="0"/>
@@ -11664,32 +11974,15 @@
             </a:r>
             <a:r>
               <a:rPr lang="en-US" dirty="0" smtClean="0"/>
-              <a:t>) VALUES (‘Jon Doe’), (‘Jane Doe’);</a:t>
-            </a:r>
-          </a:p>
-          <a:p>
-            <a:pPr marL="0" indent="0">
-              <a:buNone/>
-            </a:pPr>
-            <a:r>
-              <a:rPr lang="en-US" dirty="0" smtClean="0"/>
-              <a:t>INSERT INTO employees (</a:t>
-            </a:r>
-            <a:r>
-              <a:rPr lang="en-US" dirty="0" err="1" smtClean="0"/>
-              <a:t>fullname</a:t>
-            </a:r>
-            <a:r>
-              <a:rPr lang="en-US" dirty="0" smtClean="0"/>
-              <a:t>) select </a:t>
-            </a:r>
-            <a:r>
-              <a:rPr lang="en-US" dirty="0" err="1" smtClean="0"/>
-              <a:t>fullname</a:t>
-            </a:r>
-            <a:r>
-              <a:rPr lang="en-US" dirty="0" smtClean="0"/>
-              <a:t> from </a:t>
+              <a:t> </a:t>
+            </a:r>
+            <a:r>
+              <a:rPr lang="en-US" dirty="0" smtClean="0"/>
+              <a:t>FROM</a:t>
+            </a:r>
+            <a:r>
+              <a:rPr lang="en-US" dirty="0" smtClean="0"/>
+              <a:t> </a:t>
             </a:r>
             <a:r>
               <a:rPr lang="en-US" dirty="0" err="1" smtClean="0"/>
@@ -11788,7 +12081,15 @@
             </a:pPr>
             <a:r>
               <a:rPr lang="en-US" dirty="0" smtClean="0"/>
-              <a:t>SELECT * FROM employees; -- all columns</a:t>
+              <a:t>SELECT * FROM employees; </a:t>
+            </a:r>
+            <a:r>
+              <a:rPr lang="en-US" dirty="0" smtClean="0">
+                <a:solidFill>
+                  <a:srgbClr val="FFFF00"/>
+                </a:solidFill>
+              </a:rPr>
+              <a:t>-- all columns</a:t>
             </a:r>
           </a:p>
           <a:p>
@@ -11822,7 +12123,15 @@
             </a:pPr>
             <a:r>
               <a:rPr lang="en-US" dirty="0" smtClean="0"/>
-              <a:t>FROM employees; -- columns specifically listed out</a:t>
+              <a:t>FROM employees; </a:t>
+            </a:r>
+            <a:r>
+              <a:rPr lang="en-US" dirty="0" smtClean="0">
+                <a:solidFill>
+                  <a:srgbClr val="FFFF00"/>
+                </a:solidFill>
+              </a:rPr>
+              <a:t>-- columns specifically listed out</a:t>
             </a:r>
           </a:p>
           <a:p>
@@ -11956,7 +12265,15 @@
             </a:pPr>
             <a:r>
               <a:rPr lang="en-US" dirty="0" smtClean="0"/>
-              <a:t>SELECT * FROM employees ORDER BY </a:t>
+              <a:t>SELECT * FROM employees </a:t>
+            </a:r>
+            <a:r>
+              <a:rPr lang="en-US" dirty="0" smtClean="0">
+                <a:solidFill>
+                  <a:srgbClr val="FFFF00"/>
+                </a:solidFill>
+              </a:rPr>
+              <a:t>ORDER BY </a:t>
             </a:r>
             <a:r>
               <a:rPr lang="en-US" dirty="0" err="1" smtClean="0"/>
@@ -11981,7 +12298,19 @@
             </a:r>
             <a:r>
               <a:rPr lang="en-US" dirty="0" smtClean="0"/>
-              <a:t> DESC;</a:t>
+              <a:t> </a:t>
+            </a:r>
+            <a:r>
+              <a:rPr lang="en-US" dirty="0" smtClean="0">
+                <a:solidFill>
+                  <a:srgbClr val="FFFF00"/>
+                </a:solidFill>
+              </a:rPr>
+              <a:t>DESC</a:t>
+            </a:r>
+            <a:r>
+              <a:rPr lang="en-US" dirty="0" smtClean="0"/>
+              <a:t>;</a:t>
             </a:r>
             <a:endParaRPr lang="en-US" dirty="0"/>
           </a:p>
@@ -14715,11 +15044,7 @@
           <a:p>
             <a:r>
               <a:rPr lang="en-US" dirty="0" smtClean="0"/>
-              <a:t>But…I am </a:t>
-            </a:r>
-            <a:r>
-              <a:rPr lang="en-US" smtClean="0"/>
-              <a:t>not sure</a:t>
+              <a:t>But…I am not sure</a:t>
             </a:r>
           </a:p>
           <a:p>
@@ -14986,6 +15311,826 @@
     <p:extLst>
       <p:ext uri="{BB962C8B-B14F-4D97-AF65-F5344CB8AC3E}">
         <p14:creationId xmlns:p14="http://schemas.microsoft.com/office/powerpoint/2010/main" val="1962500766"/>
+      </p:ext>
+    </p:extLst>
+  </p:cSld>
+  <p:clrMapOvr>
+    <a:masterClrMapping/>
+  </p:clrMapOvr>
+</p:sld>
+</file>
+
+<file path=ppt/slides/slide40.xml><?xml version="1.0" encoding="utf-8"?>
+<p:sld xmlns:a="http://schemas.openxmlformats.org/drawingml/2006/main" xmlns:r="http://schemas.openxmlformats.org/officeDocument/2006/relationships" xmlns:p="http://schemas.openxmlformats.org/presentationml/2006/main">
+  <p:cSld>
+    <p:spTree>
+      <p:nvGrpSpPr>
+        <p:cNvPr id="1" name=""/>
+        <p:cNvGrpSpPr/>
+        <p:nvPr/>
+      </p:nvGrpSpPr>
+      <p:grpSpPr>
+        <a:xfrm>
+          <a:off x="0" y="0"/>
+          <a:ext cx="0" cy="0"/>
+          <a:chOff x="0" y="0"/>
+          <a:chExt cx="0" cy="0"/>
+        </a:xfrm>
+      </p:grpSpPr>
+      <p:sp>
+        <p:nvSpPr>
+          <p:cNvPr id="2" name="Title 1"/>
+          <p:cNvSpPr>
+            <a:spLocks noGrp="1"/>
+          </p:cNvSpPr>
+          <p:nvPr>
+            <p:ph type="title"/>
+          </p:nvPr>
+        </p:nvSpPr>
+        <p:spPr/>
+        <p:txBody>
+          <a:bodyPr/>
+          <a:lstStyle/>
+          <a:p>
+            <a:r>
+              <a:rPr lang="en-US" dirty="0" smtClean="0"/>
+              <a:t>Delete safely</a:t>
+            </a:r>
+            <a:endParaRPr lang="en-US" dirty="0"/>
+          </a:p>
+        </p:txBody>
+      </p:sp>
+      <p:sp>
+        <p:nvSpPr>
+          <p:cNvPr id="3" name="Content Placeholder 2"/>
+          <p:cNvSpPr>
+            <a:spLocks noGrp="1"/>
+          </p:cNvSpPr>
+          <p:nvPr>
+            <p:ph idx="1"/>
+          </p:nvPr>
+        </p:nvSpPr>
+        <p:spPr/>
+        <p:txBody>
+          <a:bodyPr/>
+          <a:lstStyle/>
+          <a:p>
+            <a:r>
+              <a:rPr lang="en-US" dirty="0" smtClean="0"/>
+              <a:t>Take a backup first. Seriously!</a:t>
+            </a:r>
+          </a:p>
+          <a:p>
+            <a:r>
+              <a:rPr lang="en-US" dirty="0" smtClean="0"/>
+              <a:t>Consider TRUNCATE over DELETE for an entire table</a:t>
+            </a:r>
+          </a:p>
+          <a:p>
+            <a:pPr marL="0" indent="0">
+              <a:buNone/>
+            </a:pPr>
+            <a:r>
+              <a:rPr lang="en-US" dirty="0" smtClean="0"/>
+              <a:t>TRUNCATE TABLE city;</a:t>
+            </a:r>
+          </a:p>
+          <a:p>
+            <a:r>
+              <a:rPr lang="en-US" dirty="0" smtClean="0"/>
+              <a:t>Use a WHERE clause whenever possible</a:t>
+            </a:r>
+          </a:p>
+          <a:p>
+            <a:r>
+              <a:rPr lang="en-US" dirty="0" smtClean="0"/>
+              <a:t>Execute SELECT statement first</a:t>
+            </a:r>
+          </a:p>
+          <a:p>
+            <a:pPr marL="0" indent="0">
+              <a:buNone/>
+            </a:pPr>
+            <a:r>
+              <a:rPr lang="en-US" dirty="0" smtClean="0"/>
+              <a:t>SELECT COUNT(*) FROM city </a:t>
+            </a:r>
+            <a:r>
+              <a:rPr lang="en-US" dirty="0" smtClean="0">
+                <a:solidFill>
+                  <a:srgbClr val="FFFF00"/>
+                </a:solidFill>
+              </a:rPr>
+              <a:t>WHERE </a:t>
+            </a:r>
+            <a:r>
+              <a:rPr lang="en-US" dirty="0" err="1" smtClean="0">
+                <a:solidFill>
+                  <a:srgbClr val="FFFF00"/>
+                </a:solidFill>
+              </a:rPr>
+              <a:t>countrycode</a:t>
+            </a:r>
+            <a:r>
+              <a:rPr lang="en-US" dirty="0" smtClean="0">
+                <a:solidFill>
+                  <a:srgbClr val="FFFF00"/>
+                </a:solidFill>
+              </a:rPr>
+              <a:t> = ‘NLD’;</a:t>
+            </a:r>
+          </a:p>
+          <a:p>
+            <a:pPr marL="0" indent="0">
+              <a:buNone/>
+            </a:pPr>
+            <a:r>
+              <a:rPr lang="en-US" dirty="0" smtClean="0"/>
+              <a:t>DELETE FROM city </a:t>
+            </a:r>
+            <a:r>
+              <a:rPr lang="en-US" dirty="0" smtClean="0">
+                <a:solidFill>
+                  <a:srgbClr val="FFFF00"/>
+                </a:solidFill>
+              </a:rPr>
+              <a:t>WHERE </a:t>
+            </a:r>
+            <a:r>
+              <a:rPr lang="en-US" dirty="0" err="1" smtClean="0">
+                <a:solidFill>
+                  <a:srgbClr val="FFFF00"/>
+                </a:solidFill>
+              </a:rPr>
+              <a:t>countrycode</a:t>
+            </a:r>
+            <a:r>
+              <a:rPr lang="en-US" dirty="0" smtClean="0">
+                <a:solidFill>
+                  <a:srgbClr val="FFFF00"/>
+                </a:solidFill>
+              </a:rPr>
+              <a:t> = ‘NLD’;</a:t>
+            </a:r>
+            <a:endParaRPr lang="en-US" dirty="0">
+              <a:solidFill>
+                <a:srgbClr val="FFFF00"/>
+              </a:solidFill>
+            </a:endParaRPr>
+          </a:p>
+        </p:txBody>
+      </p:sp>
+    </p:spTree>
+    <p:extLst>
+      <p:ext uri="{BB962C8B-B14F-4D97-AF65-F5344CB8AC3E}">
+        <p14:creationId xmlns:p14="http://schemas.microsoft.com/office/powerpoint/2010/main" val="1235251848"/>
+      </p:ext>
+    </p:extLst>
+  </p:cSld>
+  <p:clrMapOvr>
+    <a:masterClrMapping/>
+  </p:clrMapOvr>
+</p:sld>
+</file>
+
+<file path=ppt/slides/slide41.xml><?xml version="1.0" encoding="utf-8"?>
+<p:sld xmlns:a="http://schemas.openxmlformats.org/drawingml/2006/main" xmlns:r="http://schemas.openxmlformats.org/officeDocument/2006/relationships" xmlns:p="http://schemas.openxmlformats.org/presentationml/2006/main">
+  <p:cSld>
+    <p:spTree>
+      <p:nvGrpSpPr>
+        <p:cNvPr id="1" name=""/>
+        <p:cNvGrpSpPr/>
+        <p:nvPr/>
+      </p:nvGrpSpPr>
+      <p:grpSpPr>
+        <a:xfrm>
+          <a:off x="0" y="0"/>
+          <a:ext cx="0" cy="0"/>
+          <a:chOff x="0" y="0"/>
+          <a:chExt cx="0" cy="0"/>
+        </a:xfrm>
+      </p:grpSpPr>
+      <p:sp>
+        <p:nvSpPr>
+          <p:cNvPr id="2" name="Title 1"/>
+          <p:cNvSpPr>
+            <a:spLocks noGrp="1"/>
+          </p:cNvSpPr>
+          <p:nvPr>
+            <p:ph type="title"/>
+          </p:nvPr>
+        </p:nvSpPr>
+        <p:spPr/>
+        <p:txBody>
+          <a:bodyPr/>
+          <a:lstStyle/>
+          <a:p>
+            <a:r>
+              <a:rPr lang="en-US" dirty="0" smtClean="0"/>
+              <a:t>Day 7:</a:t>
+            </a:r>
+            <a:endParaRPr lang="en-US" dirty="0"/>
+          </a:p>
+        </p:txBody>
+      </p:sp>
+      <p:sp>
+        <p:nvSpPr>
+          <p:cNvPr id="3" name="Content Placeholder 2"/>
+          <p:cNvSpPr>
+            <a:spLocks noGrp="1"/>
+          </p:cNvSpPr>
+          <p:nvPr>
+            <p:ph idx="1"/>
+          </p:nvPr>
+        </p:nvSpPr>
+        <p:spPr/>
+        <p:txBody>
+          <a:bodyPr/>
+          <a:lstStyle/>
+          <a:p>
+            <a:r>
+              <a:rPr lang="en-US" dirty="0" smtClean="0"/>
+              <a:t>Show subset of data in the form of views</a:t>
+            </a:r>
+          </a:p>
+          <a:p>
+            <a:r>
+              <a:rPr lang="en-US" dirty="0" smtClean="0"/>
+              <a:t>View – just a SELECT statement</a:t>
+            </a:r>
+          </a:p>
+          <a:p>
+            <a:endParaRPr lang="en-US" dirty="0" smtClean="0"/>
+          </a:p>
+          <a:p>
+            <a:pPr marL="0" indent="0">
+              <a:buNone/>
+            </a:pPr>
+            <a:r>
+              <a:rPr lang="en-US" dirty="0" smtClean="0"/>
+              <a:t>CREATE VIEW </a:t>
+            </a:r>
+            <a:r>
+              <a:rPr lang="en-US" dirty="0" err="1" smtClean="0"/>
+              <a:t>holland_cities</a:t>
+            </a:r>
+            <a:r>
+              <a:rPr lang="en-US" dirty="0" smtClean="0"/>
+              <a:t> AS</a:t>
+            </a:r>
+            <a:endParaRPr lang="en-US" dirty="0"/>
+          </a:p>
+          <a:p>
+            <a:pPr marL="0" indent="0">
+              <a:buNone/>
+            </a:pPr>
+            <a:r>
+              <a:rPr lang="en-US" dirty="0" smtClean="0"/>
+              <a:t>  SELECT id, name, district, population </a:t>
+            </a:r>
+          </a:p>
+          <a:p>
+            <a:pPr marL="0" indent="0">
+              <a:buNone/>
+            </a:pPr>
+            <a:r>
+              <a:rPr lang="en-US" dirty="0" smtClean="0"/>
+              <a:t>  FROM city </a:t>
+            </a:r>
+          </a:p>
+          <a:p>
+            <a:pPr marL="0" indent="0">
+              <a:buNone/>
+            </a:pPr>
+            <a:r>
+              <a:rPr lang="en-US" dirty="0"/>
+              <a:t> </a:t>
+            </a:r>
+            <a:r>
+              <a:rPr lang="en-US" dirty="0" smtClean="0"/>
+              <a:t> WHERE </a:t>
+            </a:r>
+            <a:r>
+              <a:rPr lang="en-US" dirty="0" err="1" smtClean="0"/>
+              <a:t>countrycode</a:t>
+            </a:r>
+            <a:r>
+              <a:rPr lang="en-US" dirty="0" smtClean="0"/>
+              <a:t> </a:t>
+            </a:r>
+            <a:r>
+              <a:rPr lang="en-US" dirty="0"/>
+              <a:t>= </a:t>
+            </a:r>
+            <a:r>
+              <a:rPr lang="en-US" dirty="0" smtClean="0"/>
+              <a:t>'NLD‘;</a:t>
+            </a:r>
+          </a:p>
+          <a:p>
+            <a:pPr marL="0" indent="0">
+              <a:buNone/>
+            </a:pPr>
+            <a:endParaRPr lang="en-US" dirty="0"/>
+          </a:p>
+          <a:p>
+            <a:pPr marL="0" indent="0">
+              <a:buNone/>
+            </a:pPr>
+            <a:r>
+              <a:rPr lang="en-US" dirty="0" smtClean="0"/>
+              <a:t>SELECT * FROM </a:t>
+            </a:r>
+            <a:r>
+              <a:rPr lang="en-US" dirty="0" err="1" smtClean="0"/>
+              <a:t>holland_cities</a:t>
+            </a:r>
+            <a:r>
+              <a:rPr lang="en-US" dirty="0" smtClean="0"/>
+              <a:t>;</a:t>
+            </a:r>
+          </a:p>
+          <a:p>
+            <a:pPr marL="0" indent="0">
+              <a:buNone/>
+            </a:pPr>
+            <a:endParaRPr lang="en-US" dirty="0"/>
+          </a:p>
+        </p:txBody>
+      </p:sp>
+    </p:spTree>
+    <p:extLst>
+      <p:ext uri="{BB962C8B-B14F-4D97-AF65-F5344CB8AC3E}">
+        <p14:creationId xmlns:p14="http://schemas.microsoft.com/office/powerpoint/2010/main" val="3985442147"/>
+      </p:ext>
+    </p:extLst>
+  </p:cSld>
+  <p:clrMapOvr>
+    <a:masterClrMapping/>
+  </p:clrMapOvr>
+</p:sld>
+</file>
+
+<file path=ppt/slides/slide42.xml><?xml version="1.0" encoding="utf-8"?>
+<p:sld xmlns:a="http://schemas.openxmlformats.org/drawingml/2006/main" xmlns:r="http://schemas.openxmlformats.org/officeDocument/2006/relationships" xmlns:p="http://schemas.openxmlformats.org/presentationml/2006/main">
+  <p:cSld>
+    <p:spTree>
+      <p:nvGrpSpPr>
+        <p:cNvPr id="1" name=""/>
+        <p:cNvGrpSpPr/>
+        <p:nvPr/>
+      </p:nvGrpSpPr>
+      <p:grpSpPr>
+        <a:xfrm>
+          <a:off x="0" y="0"/>
+          <a:ext cx="0" cy="0"/>
+          <a:chOff x="0" y="0"/>
+          <a:chExt cx="0" cy="0"/>
+        </a:xfrm>
+      </p:grpSpPr>
+      <p:sp>
+        <p:nvSpPr>
+          <p:cNvPr id="2" name="Title 1"/>
+          <p:cNvSpPr>
+            <a:spLocks noGrp="1"/>
+          </p:cNvSpPr>
+          <p:nvPr>
+            <p:ph type="title"/>
+          </p:nvPr>
+        </p:nvSpPr>
+        <p:spPr/>
+        <p:txBody>
+          <a:bodyPr/>
+          <a:lstStyle/>
+          <a:p>
+            <a:r>
+              <a:rPr lang="en-US" dirty="0" smtClean="0"/>
+              <a:t>Day 8:</a:t>
+            </a:r>
+            <a:endParaRPr lang="en-US" dirty="0"/>
+          </a:p>
+        </p:txBody>
+      </p:sp>
+      <p:sp>
+        <p:nvSpPr>
+          <p:cNvPr id="3" name="Content Placeholder 2"/>
+          <p:cNvSpPr>
+            <a:spLocks noGrp="1"/>
+          </p:cNvSpPr>
+          <p:nvPr>
+            <p:ph idx="1"/>
+          </p:nvPr>
+        </p:nvSpPr>
+        <p:spPr>
+          <a:xfrm>
+            <a:off x="1103312" y="2052918"/>
+            <a:ext cx="8946541" cy="4805082"/>
+          </a:xfrm>
+        </p:spPr>
+        <p:txBody>
+          <a:bodyPr>
+            <a:normAutofit fontScale="85000" lnSpcReduction="20000"/>
+          </a:bodyPr>
+          <a:lstStyle/>
+          <a:p>
+            <a:r>
+              <a:rPr lang="en-US" dirty="0" smtClean="0"/>
+              <a:t>Functions! Keep them small and lean</a:t>
+            </a:r>
+          </a:p>
+          <a:p>
+            <a:pPr marL="0" indent="0">
+              <a:buNone/>
+            </a:pPr>
+            <a:r>
+              <a:rPr lang="en-US" dirty="0">
+                <a:solidFill>
+                  <a:srgbClr val="FFFF00"/>
+                </a:solidFill>
+              </a:rPr>
+              <a:t>DELIMITER</a:t>
+            </a:r>
+            <a:r>
+              <a:rPr lang="en-US" dirty="0"/>
+              <a:t> //</a:t>
+            </a:r>
+          </a:p>
+          <a:p>
+            <a:pPr marL="0" indent="0">
+              <a:buNone/>
+            </a:pPr>
+            <a:r>
+              <a:rPr lang="en-US" dirty="0"/>
+              <a:t>CREATE FUNCTION </a:t>
+            </a:r>
+            <a:r>
+              <a:rPr lang="en-US" dirty="0" err="1"/>
+              <a:t>get_formatted_city_country</a:t>
+            </a:r>
+            <a:r>
+              <a:rPr lang="en-US" dirty="0"/>
+              <a:t>(</a:t>
+            </a:r>
+            <a:r>
+              <a:rPr lang="en-US" dirty="0">
+                <a:solidFill>
+                  <a:srgbClr val="FFFF00"/>
+                </a:solidFill>
+              </a:rPr>
+              <a:t>city</a:t>
+            </a:r>
+            <a:r>
+              <a:rPr lang="en-US" dirty="0"/>
+              <a:t> VARCHAR(100),</a:t>
+            </a:r>
+          </a:p>
+          <a:p>
+            <a:pPr marL="0" indent="0">
+              <a:buNone/>
+            </a:pPr>
+            <a:r>
+              <a:rPr lang="en-US" dirty="0"/>
+              <a:t>  </a:t>
+            </a:r>
+            <a:r>
+              <a:rPr lang="en-US" dirty="0">
+                <a:solidFill>
+                  <a:srgbClr val="FFFF00"/>
+                </a:solidFill>
+              </a:rPr>
+              <a:t>country</a:t>
+            </a:r>
+            <a:r>
+              <a:rPr lang="en-US" dirty="0"/>
+              <a:t> VARCHAR(100))</a:t>
+            </a:r>
+          </a:p>
+          <a:p>
+            <a:pPr marL="0" indent="0">
+              <a:buNone/>
+            </a:pPr>
+            <a:r>
+              <a:rPr lang="en-US" dirty="0">
+                <a:solidFill>
+                  <a:srgbClr val="FFFF00"/>
+                </a:solidFill>
+              </a:rPr>
+              <a:t>RETURNS</a:t>
+            </a:r>
+            <a:r>
+              <a:rPr lang="en-US" dirty="0"/>
+              <a:t> VARCHAR(250)</a:t>
+            </a:r>
+          </a:p>
+          <a:p>
+            <a:pPr marL="0" indent="0">
+              <a:buNone/>
+            </a:pPr>
+            <a:r>
+              <a:rPr lang="en-US" dirty="0">
+                <a:solidFill>
+                  <a:srgbClr val="FFFF00"/>
+                </a:solidFill>
+              </a:rPr>
+              <a:t>COMMENT</a:t>
+            </a:r>
+            <a:r>
+              <a:rPr lang="en-US" dirty="0"/>
+              <a:t> 'Given city and country, return city-country'</a:t>
+            </a:r>
+          </a:p>
+          <a:p>
+            <a:pPr marL="0" indent="0">
+              <a:buNone/>
+            </a:pPr>
+            <a:r>
+              <a:rPr lang="en-US" dirty="0">
+                <a:solidFill>
+                  <a:srgbClr val="FFFF00"/>
+                </a:solidFill>
+              </a:rPr>
+              <a:t>BEGIN</a:t>
+            </a:r>
+          </a:p>
+          <a:p>
+            <a:pPr marL="0" indent="0">
+              <a:buNone/>
+            </a:pPr>
+            <a:r>
+              <a:rPr lang="en-US" dirty="0"/>
+              <a:t>     IF country = 'USA' THEN</a:t>
+            </a:r>
+          </a:p>
+          <a:p>
+            <a:pPr marL="0" indent="0">
+              <a:buNone/>
+            </a:pPr>
+            <a:r>
+              <a:rPr lang="en-US" dirty="0"/>
+              <a:t>	     RETURN CONCAT(city, '–', country, ' aka Awesome');</a:t>
+            </a:r>
+          </a:p>
+          <a:p>
+            <a:pPr marL="0" indent="0">
+              <a:buNone/>
+            </a:pPr>
+            <a:r>
+              <a:rPr lang="en-US" dirty="0"/>
+              <a:t>     ELSE </a:t>
+            </a:r>
+          </a:p>
+          <a:p>
+            <a:pPr marL="0" indent="0">
+              <a:buNone/>
+            </a:pPr>
+            <a:r>
+              <a:rPr lang="en-US" dirty="0"/>
+              <a:t>             RETURN CONCAT(city, '–', </a:t>
+            </a:r>
+            <a:r>
+              <a:rPr lang="en-US" dirty="0" smtClean="0"/>
+              <a:t>country);</a:t>
+            </a:r>
+            <a:endParaRPr lang="en-US" dirty="0"/>
+          </a:p>
+          <a:p>
+            <a:pPr marL="0" indent="0">
+              <a:buNone/>
+            </a:pPr>
+            <a:r>
+              <a:rPr lang="en-US" dirty="0"/>
+              <a:t>     END IF;</a:t>
+            </a:r>
+          </a:p>
+          <a:p>
+            <a:pPr marL="0" indent="0">
+              <a:buNone/>
+            </a:pPr>
+            <a:r>
+              <a:rPr lang="en-US" dirty="0">
+                <a:solidFill>
+                  <a:srgbClr val="FFFF00"/>
+                </a:solidFill>
+              </a:rPr>
+              <a:t>END</a:t>
+            </a:r>
+            <a:r>
+              <a:rPr lang="en-US" dirty="0"/>
+              <a:t>; //</a:t>
+            </a:r>
+          </a:p>
+          <a:p>
+            <a:pPr marL="0" indent="0">
+              <a:buNone/>
+            </a:pPr>
+            <a:r>
+              <a:rPr lang="en-US" dirty="0">
+                <a:solidFill>
+                  <a:srgbClr val="FFFF00"/>
+                </a:solidFill>
+              </a:rPr>
+              <a:t>DELIMITER</a:t>
+            </a:r>
+            <a:r>
+              <a:rPr lang="en-US" dirty="0"/>
+              <a:t> ;</a:t>
+            </a:r>
+          </a:p>
+        </p:txBody>
+      </p:sp>
+    </p:spTree>
+    <p:extLst>
+      <p:ext uri="{BB962C8B-B14F-4D97-AF65-F5344CB8AC3E}">
+        <p14:creationId xmlns:p14="http://schemas.microsoft.com/office/powerpoint/2010/main" val="4118497388"/>
+      </p:ext>
+    </p:extLst>
+  </p:cSld>
+  <p:clrMapOvr>
+    <a:masterClrMapping/>
+  </p:clrMapOvr>
+</p:sld>
+</file>
+
+<file path=ppt/slides/slide43.xml><?xml version="1.0" encoding="utf-8"?>
+<p:sld xmlns:a="http://schemas.openxmlformats.org/drawingml/2006/main" xmlns:r="http://schemas.openxmlformats.org/officeDocument/2006/relationships" xmlns:p="http://schemas.openxmlformats.org/presentationml/2006/main">
+  <p:cSld>
+    <p:spTree>
+      <p:nvGrpSpPr>
+        <p:cNvPr id="1" name=""/>
+        <p:cNvGrpSpPr/>
+        <p:nvPr/>
+      </p:nvGrpSpPr>
+      <p:grpSpPr>
+        <a:xfrm>
+          <a:off x="0" y="0"/>
+          <a:ext cx="0" cy="0"/>
+          <a:chOff x="0" y="0"/>
+          <a:chExt cx="0" cy="0"/>
+        </a:xfrm>
+      </p:grpSpPr>
+      <p:sp>
+        <p:nvSpPr>
+          <p:cNvPr id="2" name="Title 1"/>
+          <p:cNvSpPr>
+            <a:spLocks noGrp="1"/>
+          </p:cNvSpPr>
+          <p:nvPr>
+            <p:ph type="title"/>
+          </p:nvPr>
+        </p:nvSpPr>
+        <p:spPr/>
+        <p:txBody>
+          <a:bodyPr/>
+          <a:lstStyle/>
+          <a:p>
+            <a:r>
+              <a:rPr lang="en-US" dirty="0" smtClean="0"/>
+              <a:t>Function</a:t>
+            </a:r>
+            <a:endParaRPr lang="en-US" dirty="0"/>
+          </a:p>
+        </p:txBody>
+      </p:sp>
+      <p:sp>
+        <p:nvSpPr>
+          <p:cNvPr id="3" name="Content Placeholder 2"/>
+          <p:cNvSpPr>
+            <a:spLocks noGrp="1"/>
+          </p:cNvSpPr>
+          <p:nvPr>
+            <p:ph idx="1"/>
+          </p:nvPr>
+        </p:nvSpPr>
+        <p:spPr/>
+        <p:txBody>
+          <a:bodyPr/>
+          <a:lstStyle/>
+          <a:p>
+            <a:pPr marL="0" indent="0">
+              <a:buNone/>
+            </a:pPr>
+            <a:r>
+              <a:rPr lang="en-US" dirty="0" smtClean="0"/>
+              <a:t>SELECT </a:t>
+            </a:r>
+            <a:r>
+              <a:rPr lang="en-US" dirty="0" err="1" smtClean="0"/>
+              <a:t>get_formatted_city_country</a:t>
+            </a:r>
+            <a:r>
+              <a:rPr lang="en-US" dirty="0"/>
+              <a:t>('Sioux Falls', 'NLD</a:t>
+            </a:r>
+            <a:r>
+              <a:rPr lang="en-US" dirty="0" smtClean="0"/>
+              <a:t>');</a:t>
+            </a:r>
+          </a:p>
+          <a:p>
+            <a:r>
+              <a:rPr lang="en-US" dirty="0"/>
+              <a:t>Sioux </a:t>
+            </a:r>
+            <a:r>
+              <a:rPr lang="en-US" dirty="0" smtClean="0"/>
+              <a:t>Falls–NLD</a:t>
+            </a:r>
+          </a:p>
+          <a:p>
+            <a:pPr marL="0" indent="0">
+              <a:buNone/>
+            </a:pPr>
+            <a:endParaRPr lang="en-US" dirty="0"/>
+          </a:p>
+          <a:p>
+            <a:pPr marL="0" indent="0">
+              <a:buNone/>
+            </a:pPr>
+            <a:r>
+              <a:rPr lang="en-US" dirty="0" smtClean="0"/>
+              <a:t>SELECT </a:t>
+            </a:r>
+            <a:r>
+              <a:rPr lang="en-US" dirty="0" err="1" smtClean="0"/>
+              <a:t>get_formatted_city_country</a:t>
+            </a:r>
+            <a:r>
+              <a:rPr lang="en-US" dirty="0"/>
+              <a:t>('Sioux Falls', </a:t>
+            </a:r>
+            <a:r>
+              <a:rPr lang="en-US" dirty="0" smtClean="0"/>
+              <a:t>'USA');</a:t>
+            </a:r>
+            <a:endParaRPr lang="en-US" dirty="0"/>
+          </a:p>
+          <a:p>
+            <a:r>
+              <a:rPr lang="en-US" dirty="0"/>
+              <a:t>Sioux </a:t>
+            </a:r>
+            <a:r>
+              <a:rPr lang="en-US" dirty="0" smtClean="0"/>
+              <a:t>Falls–USA aka Awesome</a:t>
+            </a:r>
+            <a:endParaRPr lang="en-US" dirty="0"/>
+          </a:p>
+          <a:p>
+            <a:pPr marL="0" indent="0">
+              <a:buNone/>
+            </a:pPr>
+            <a:endParaRPr lang="en-US" dirty="0" smtClean="0"/>
+          </a:p>
+          <a:p>
+            <a:pPr marL="0" indent="0">
+              <a:buNone/>
+            </a:pPr>
+            <a:r>
+              <a:rPr lang="en-US" dirty="0" smtClean="0"/>
+              <a:t>SELECT city, country, </a:t>
+            </a:r>
+            <a:r>
+              <a:rPr lang="en-US" dirty="0" err="1" smtClean="0">
+                <a:solidFill>
+                  <a:srgbClr val="FFFF00"/>
+                </a:solidFill>
+              </a:rPr>
+              <a:t>get_formatted_city_country</a:t>
+            </a:r>
+            <a:r>
+              <a:rPr lang="en-US" dirty="0" smtClean="0">
+                <a:solidFill>
+                  <a:srgbClr val="FFFF00"/>
+                </a:solidFill>
+              </a:rPr>
+              <a:t>(city, country)</a:t>
+            </a:r>
+          </a:p>
+          <a:p>
+            <a:pPr marL="0" indent="0">
+              <a:buNone/>
+            </a:pPr>
+            <a:r>
+              <a:rPr lang="en-US" dirty="0" smtClean="0"/>
+              <a:t>FROM cities</a:t>
+            </a:r>
+          </a:p>
+          <a:p>
+            <a:pPr marL="0" indent="0">
+              <a:buNone/>
+            </a:pPr>
+            <a:r>
+              <a:rPr lang="en-US" dirty="0" smtClean="0"/>
+              <a:t>WHERE country IN (‘USA’, ‘NLD’);</a:t>
+            </a:r>
+            <a:endParaRPr lang="en-US" dirty="0"/>
+          </a:p>
+        </p:txBody>
+      </p:sp>
+    </p:spTree>
+    <p:extLst>
+      <p:ext uri="{BB962C8B-B14F-4D97-AF65-F5344CB8AC3E}">
+        <p14:creationId xmlns:p14="http://schemas.microsoft.com/office/powerpoint/2010/main" val="484028732"/>
       </p:ext>
     </p:extLst>
   </p:cSld>

--- a/Presentation/Database-Bootcamp-Presentation.pptx
+++ b/Presentation/Database-Bootcamp-Presentation.pptx
@@ -46,8 +46,12 @@
     <p:sldId id="294" r:id="rId40"/>
     <p:sldId id="295" r:id="rId41"/>
     <p:sldId id="296" r:id="rId42"/>
-    <p:sldId id="297" r:id="rId43"/>
-    <p:sldId id="298" r:id="rId44"/>
+    <p:sldId id="299" r:id="rId43"/>
+    <p:sldId id="300" r:id="rId44"/>
+    <p:sldId id="301" r:id="rId45"/>
+    <p:sldId id="302" r:id="rId46"/>
+    <p:sldId id="297" r:id="rId47"/>
+    <p:sldId id="298" r:id="rId48"/>
   </p:sldIdLst>
   <p:sldSz cx="12192000" cy="6858000"/>
   <p:notesSz cx="6858000" cy="9144000"/>
@@ -340,7 +344,7 @@
           <a:p>
             <a:fld id="{9DC1F441-9BCC-4383-B80D-68C31DF95A71}" type="datetimeFigureOut">
               <a:rPr lang="en-US" smtClean="0"/>
-              <a:t>1/12/2016</a:t>
+              <a:t>1/13/2016</a:t>
             </a:fld>
             <a:endParaRPr lang="en-US"/>
           </a:p>
@@ -620,7 +624,7 @@
           <a:p>
             <a:fld id="{9DC1F441-9BCC-4383-B80D-68C31DF95A71}" type="datetimeFigureOut">
               <a:rPr lang="en-US" smtClean="0"/>
-              <a:t>1/12/2016</a:t>
+              <a:t>1/13/2016</a:t>
             </a:fld>
             <a:endParaRPr lang="en-US"/>
           </a:p>
@@ -814,7 +818,7 @@
           <a:p>
             <a:fld id="{9DC1F441-9BCC-4383-B80D-68C31DF95A71}" type="datetimeFigureOut">
               <a:rPr lang="en-US" smtClean="0"/>
-              <a:t>1/12/2016</a:t>
+              <a:t>1/13/2016</a:t>
             </a:fld>
             <a:endParaRPr lang="en-US"/>
           </a:p>
@@ -1087,7 +1091,7 @@
           <a:p>
             <a:fld id="{9DC1F441-9BCC-4383-B80D-68C31DF95A71}" type="datetimeFigureOut">
               <a:rPr lang="en-US" smtClean="0"/>
-              <a:t>1/12/2016</a:t>
+              <a:t>1/13/2016</a:t>
             </a:fld>
             <a:endParaRPr lang="en-US"/>
           </a:p>
@@ -1428,7 +1432,7 @@
           <a:p>
             <a:fld id="{9DC1F441-9BCC-4383-B80D-68C31DF95A71}" type="datetimeFigureOut">
               <a:rPr lang="en-US" smtClean="0"/>
-              <a:t>1/12/2016</a:t>
+              <a:t>1/13/2016</a:t>
             </a:fld>
             <a:endParaRPr lang="en-US"/>
           </a:p>
@@ -2051,7 +2055,7 @@
           <a:p>
             <a:fld id="{9DC1F441-9BCC-4383-B80D-68C31DF95A71}" type="datetimeFigureOut">
               <a:rPr lang="en-US" smtClean="0"/>
-              <a:t>1/12/2016</a:t>
+              <a:t>1/13/2016</a:t>
             </a:fld>
             <a:endParaRPr lang="en-US"/>
           </a:p>
@@ -2911,7 +2915,7 @@
           <a:p>
             <a:fld id="{9DC1F441-9BCC-4383-B80D-68C31DF95A71}" type="datetimeFigureOut">
               <a:rPr lang="en-US" smtClean="0"/>
-              <a:t>1/12/2016</a:t>
+              <a:t>1/13/2016</a:t>
             </a:fld>
             <a:endParaRPr lang="en-US"/>
           </a:p>
@@ -3081,7 +3085,7 @@
           <a:p>
             <a:fld id="{9DC1F441-9BCC-4383-B80D-68C31DF95A71}" type="datetimeFigureOut">
               <a:rPr lang="en-US" smtClean="0"/>
-              <a:t>1/12/2016</a:t>
+              <a:t>1/13/2016</a:t>
             </a:fld>
             <a:endParaRPr lang="en-US"/>
           </a:p>
@@ -3261,7 +3265,7 @@
           <a:p>
             <a:fld id="{9DC1F441-9BCC-4383-B80D-68C31DF95A71}" type="datetimeFigureOut">
               <a:rPr lang="en-US" smtClean="0"/>
-              <a:t>1/12/2016</a:t>
+              <a:t>1/13/2016</a:t>
             </a:fld>
             <a:endParaRPr lang="en-US"/>
           </a:p>
@@ -3436,7 +3440,7 @@
           <a:p>
             <a:fld id="{9DC1F441-9BCC-4383-B80D-68C31DF95A71}" type="datetimeFigureOut">
               <a:rPr lang="en-US" smtClean="0"/>
-              <a:t>1/12/2016</a:t>
+              <a:t>1/13/2016</a:t>
             </a:fld>
             <a:endParaRPr lang="en-US"/>
           </a:p>
@@ -3683,7 +3687,7 @@
           <a:p>
             <a:fld id="{9DC1F441-9BCC-4383-B80D-68C31DF95A71}" type="datetimeFigureOut">
               <a:rPr lang="en-US" smtClean="0"/>
-              <a:t>1/12/2016</a:t>
+              <a:t>1/13/2016</a:t>
             </a:fld>
             <a:endParaRPr lang="en-US"/>
           </a:p>
@@ -3980,7 +3984,7 @@
           <a:p>
             <a:fld id="{9DC1F441-9BCC-4383-B80D-68C31DF95A71}" type="datetimeFigureOut">
               <a:rPr lang="en-US" smtClean="0"/>
-              <a:t>1/12/2016</a:t>
+              <a:t>1/13/2016</a:t>
             </a:fld>
             <a:endParaRPr lang="en-US"/>
           </a:p>
@@ -4424,7 +4428,7 @@
           <a:p>
             <a:fld id="{9DC1F441-9BCC-4383-B80D-68C31DF95A71}" type="datetimeFigureOut">
               <a:rPr lang="en-US" smtClean="0"/>
-              <a:t>1/12/2016</a:t>
+              <a:t>1/13/2016</a:t>
             </a:fld>
             <a:endParaRPr lang="en-US"/>
           </a:p>
@@ -4542,7 +4546,7 @@
           <a:p>
             <a:fld id="{9DC1F441-9BCC-4383-B80D-68C31DF95A71}" type="datetimeFigureOut">
               <a:rPr lang="en-US" smtClean="0"/>
-              <a:t>1/12/2016</a:t>
+              <a:t>1/13/2016</a:t>
             </a:fld>
             <a:endParaRPr lang="en-US"/>
           </a:p>
@@ -4637,7 +4641,7 @@
           <a:p>
             <a:fld id="{9DC1F441-9BCC-4383-B80D-68C31DF95A71}" type="datetimeFigureOut">
               <a:rPr lang="en-US" smtClean="0"/>
-              <a:t>1/12/2016</a:t>
+              <a:t>1/13/2016</a:t>
             </a:fld>
             <a:endParaRPr lang="en-US"/>
           </a:p>
@@ -4921,7 +4925,7 @@
           <a:p>
             <a:fld id="{9DC1F441-9BCC-4383-B80D-68C31DF95A71}" type="datetimeFigureOut">
               <a:rPr lang="en-US" smtClean="0"/>
-              <a:t>1/12/2016</a:t>
+              <a:t>1/13/2016</a:t>
             </a:fld>
             <a:endParaRPr lang="en-US"/>
           </a:p>
@@ -5201,7 +5205,7 @@
           <a:p>
             <a:fld id="{9DC1F441-9BCC-4383-B80D-68C31DF95A71}" type="datetimeFigureOut">
               <a:rPr lang="en-US" smtClean="0"/>
-              <a:t>1/12/2016</a:t>
+              <a:t>1/13/2016</a:t>
             </a:fld>
             <a:endParaRPr lang="en-US"/>
           </a:p>
@@ -5630,7 +5634,7 @@
           <a:p>
             <a:fld id="{9DC1F441-9BCC-4383-B80D-68C31DF95A71}" type="datetimeFigureOut">
               <a:rPr lang="en-US" smtClean="0"/>
-              <a:t>1/12/2016</a:t>
+              <a:t>1/13/2016</a:t>
             </a:fld>
             <a:endParaRPr lang="en-US"/>
           </a:p>
@@ -6562,11 +6566,7 @@
           <a:p>
             <a:r>
               <a:rPr lang="en-US" dirty="0" smtClean="0"/>
-              <a:t>Let’s create a TEST schema for </a:t>
-            </a:r>
-            <a:r>
-              <a:rPr lang="en-US" dirty="0" smtClean="0"/>
-              <a:t>ourselves</a:t>
+              <a:t>Let’s create a TEST schema for ourselves</a:t>
             </a:r>
           </a:p>
           <a:p>
@@ -6574,7 +6574,6 @@
               <a:rPr lang="en-US" dirty="0" smtClean="0"/>
               <a:t>Switch to TEST schema (aka database) using USE TEST;</a:t>
             </a:r>
-            <a:endParaRPr lang="en-US" dirty="0" smtClean="0"/>
           </a:p>
           <a:p>
             <a:r>
@@ -9896,11 +9895,7 @@
           <a:p>
             <a:r>
               <a:rPr lang="en-US" dirty="0" smtClean="0"/>
-              <a:t>NF2 </a:t>
-            </a:r>
-            <a:r>
-              <a:rPr lang="en-US" dirty="0" smtClean="0"/>
-              <a:t>obtained</a:t>
+              <a:t>NF2 obtained</a:t>
             </a:r>
             <a:endParaRPr lang="en-US" dirty="0"/>
           </a:p>
@@ -11974,15 +11969,7 @@
             </a:r>
             <a:r>
               <a:rPr lang="en-US" dirty="0" smtClean="0"/>
-              <a:t> </a:t>
-            </a:r>
-            <a:r>
-              <a:rPr lang="en-US" dirty="0" smtClean="0"/>
-              <a:t>FROM</a:t>
-            </a:r>
-            <a:r>
-              <a:rPr lang="en-US" dirty="0" smtClean="0"/>
-              <a:t> </a:t>
+              <a:t> FROM </a:t>
             </a:r>
             <a:r>
               <a:rPr lang="en-US" dirty="0" err="1" smtClean="0"/>
@@ -15545,7 +15532,9 @@
         </p:nvSpPr>
         <p:spPr/>
         <p:txBody>
-          <a:bodyPr/>
+          <a:bodyPr>
+            <a:normAutofit lnSpcReduction="10000"/>
+          </a:bodyPr>
           <a:lstStyle/>
           <a:p>
             <a:r>
@@ -15556,8 +15545,19 @@
           <a:p>
             <a:r>
               <a:rPr lang="en-US" dirty="0" smtClean="0"/>
-              <a:t>View – just a SELECT statement</a:t>
-            </a:r>
+              <a:t>View – just a SELECT </a:t>
+            </a:r>
+            <a:r>
+              <a:rPr lang="en-US" dirty="0" smtClean="0"/>
+              <a:t>statement</a:t>
+            </a:r>
+          </a:p>
+          <a:p>
+            <a:r>
+              <a:rPr lang="en-US" dirty="0" smtClean="0"/>
+              <a:t>Index – fast search</a:t>
+            </a:r>
+            <a:endParaRPr lang="en-US" dirty="0" smtClean="0"/>
           </a:p>
           <a:p>
             <a:endParaRPr lang="en-US" dirty="0" smtClean="0"/>
@@ -15705,6 +15705,781 @@
           <a:p>
             <a:r>
               <a:rPr lang="en-US" dirty="0" smtClean="0"/>
+              <a:t>Indexes</a:t>
+            </a:r>
+            <a:endParaRPr lang="en-US" dirty="0"/>
+          </a:p>
+        </p:txBody>
+      </p:sp>
+      <p:sp>
+        <p:nvSpPr>
+          <p:cNvPr id="3" name="Content Placeholder 2"/>
+          <p:cNvSpPr>
+            <a:spLocks noGrp="1"/>
+          </p:cNvSpPr>
+          <p:nvPr>
+            <p:ph idx="1"/>
+          </p:nvPr>
+        </p:nvSpPr>
+        <p:spPr>
+          <a:xfrm>
+            <a:off x="1103312" y="2052918"/>
+            <a:ext cx="8946541" cy="4677066"/>
+          </a:xfrm>
+        </p:spPr>
+        <p:txBody>
+          <a:bodyPr/>
+          <a:lstStyle/>
+          <a:p>
+            <a:r>
+              <a:rPr lang="en-US" dirty="0" smtClean="0"/>
+              <a:t>Helps in faster retrieval of data</a:t>
+            </a:r>
+          </a:p>
+          <a:p>
+            <a:r>
+              <a:rPr lang="en-US" dirty="0" smtClean="0"/>
+              <a:t>Overhead when adding, editing, deleting data</a:t>
+            </a:r>
+          </a:p>
+          <a:p>
+            <a:r>
+              <a:rPr lang="en-US" dirty="0" smtClean="0"/>
+              <a:t>Benefits </a:t>
+            </a:r>
+            <a:r>
+              <a:rPr lang="en-US" dirty="0" err="1" smtClean="0"/>
+              <a:t>outweight</a:t>
+            </a:r>
+            <a:r>
+              <a:rPr lang="en-US" dirty="0" smtClean="0"/>
+              <a:t> overheads</a:t>
+            </a:r>
+          </a:p>
+          <a:p>
+            <a:endParaRPr lang="en-US" dirty="0" smtClean="0"/>
+          </a:p>
+          <a:p>
+            <a:pPr marL="0" indent="0">
+              <a:buNone/>
+            </a:pPr>
+            <a:r>
+              <a:rPr lang="en-US" dirty="0" smtClean="0"/>
+              <a:t>SELECT * FROM city WHERE population &gt; 100000;</a:t>
+            </a:r>
+            <a:endParaRPr lang="en-US" dirty="0"/>
+          </a:p>
+          <a:p>
+            <a:r>
+              <a:rPr lang="en-US" dirty="0" smtClean="0"/>
+              <a:t>Database has to look through ALL rows of city and pick out records with population higher than 100K and display all columns</a:t>
+            </a:r>
+          </a:p>
+          <a:p>
+            <a:endParaRPr lang="en-US" dirty="0"/>
+          </a:p>
+          <a:p>
+            <a:pPr marL="0" indent="0">
+              <a:buNone/>
+            </a:pPr>
+            <a:r>
+              <a:rPr lang="en-US" dirty="0" smtClean="0"/>
+              <a:t>CREATE INDEX </a:t>
+            </a:r>
+            <a:r>
+              <a:rPr lang="en-US" dirty="0" err="1" smtClean="0"/>
+              <a:t>idx_city_population</a:t>
+            </a:r>
+            <a:r>
+              <a:rPr lang="en-US" dirty="0" smtClean="0"/>
+              <a:t> ON city (population);</a:t>
+            </a:r>
+          </a:p>
+          <a:p>
+            <a:r>
+              <a:rPr lang="en-US" dirty="0" smtClean="0"/>
+              <a:t>Index is like the index in the back of a book that helps searching faster and information is sorted. With this index, query will be faster</a:t>
+            </a:r>
+            <a:endParaRPr lang="en-US" dirty="0"/>
+          </a:p>
+        </p:txBody>
+      </p:sp>
+    </p:spTree>
+    <p:extLst>
+      <p:ext uri="{BB962C8B-B14F-4D97-AF65-F5344CB8AC3E}">
+        <p14:creationId xmlns:p14="http://schemas.microsoft.com/office/powerpoint/2010/main" val="3364143902"/>
+      </p:ext>
+    </p:extLst>
+  </p:cSld>
+  <p:clrMapOvr>
+    <a:masterClrMapping/>
+  </p:clrMapOvr>
+</p:sld>
+</file>
+
+<file path=ppt/slides/slide43.xml><?xml version="1.0" encoding="utf-8"?>
+<p:sld xmlns:a="http://schemas.openxmlformats.org/drawingml/2006/main" xmlns:r="http://schemas.openxmlformats.org/officeDocument/2006/relationships" xmlns:p="http://schemas.openxmlformats.org/presentationml/2006/main">
+  <p:cSld>
+    <p:spTree>
+      <p:nvGrpSpPr>
+        <p:cNvPr id="1" name=""/>
+        <p:cNvGrpSpPr/>
+        <p:nvPr/>
+      </p:nvGrpSpPr>
+      <p:grpSpPr>
+        <a:xfrm>
+          <a:off x="0" y="0"/>
+          <a:ext cx="0" cy="0"/>
+          <a:chOff x="0" y="0"/>
+          <a:chExt cx="0" cy="0"/>
+        </a:xfrm>
+      </p:grpSpPr>
+      <p:sp>
+        <p:nvSpPr>
+          <p:cNvPr id="2" name="Title 1"/>
+          <p:cNvSpPr>
+            <a:spLocks noGrp="1"/>
+          </p:cNvSpPr>
+          <p:nvPr>
+            <p:ph type="title"/>
+          </p:nvPr>
+        </p:nvSpPr>
+        <p:spPr/>
+        <p:txBody>
+          <a:bodyPr/>
+          <a:lstStyle/>
+          <a:p>
+            <a:r>
+              <a:rPr lang="en-US" dirty="0" smtClean="0"/>
+              <a:t>Index on multiple columns</a:t>
+            </a:r>
+            <a:endParaRPr lang="en-US" dirty="0"/>
+          </a:p>
+        </p:txBody>
+      </p:sp>
+      <p:sp>
+        <p:nvSpPr>
+          <p:cNvPr id="3" name="Content Placeholder 2"/>
+          <p:cNvSpPr>
+            <a:spLocks noGrp="1"/>
+          </p:cNvSpPr>
+          <p:nvPr>
+            <p:ph idx="1"/>
+          </p:nvPr>
+        </p:nvSpPr>
+        <p:spPr/>
+        <p:txBody>
+          <a:bodyPr/>
+          <a:lstStyle/>
+          <a:p>
+            <a:pPr marL="0" indent="0">
+              <a:buNone/>
+            </a:pPr>
+            <a:r>
+              <a:rPr lang="en-US" dirty="0" smtClean="0"/>
+              <a:t>SELECT * FROM city </a:t>
+            </a:r>
+          </a:p>
+          <a:p>
+            <a:pPr marL="0" indent="0">
+              <a:buNone/>
+            </a:pPr>
+            <a:r>
+              <a:rPr lang="en-US" dirty="0" smtClean="0"/>
+              <a:t>WHERE population &gt; 100000 AND </a:t>
+            </a:r>
+            <a:r>
+              <a:rPr lang="en-US" dirty="0" err="1" smtClean="0"/>
+              <a:t>countrycode</a:t>
+            </a:r>
+            <a:r>
+              <a:rPr lang="en-US" dirty="0" smtClean="0"/>
+              <a:t> = ‘NLD’;</a:t>
+            </a:r>
+          </a:p>
+          <a:p>
+            <a:r>
+              <a:rPr lang="en-US" dirty="0" smtClean="0"/>
+              <a:t>Query will be fast if population and country code are both indexed</a:t>
+            </a:r>
+          </a:p>
+          <a:p>
+            <a:endParaRPr lang="en-US" dirty="0"/>
+          </a:p>
+          <a:p>
+            <a:pPr marL="0" indent="0">
+              <a:buNone/>
+            </a:pPr>
+            <a:r>
+              <a:rPr lang="en-US" dirty="0" smtClean="0"/>
+              <a:t>ALTER TABLE city DROP INDEX </a:t>
+            </a:r>
+            <a:r>
+              <a:rPr lang="en-US" dirty="0" err="1" smtClean="0"/>
+              <a:t>idx_city_population</a:t>
+            </a:r>
+            <a:r>
+              <a:rPr lang="en-US" dirty="0" smtClean="0"/>
+              <a:t>;</a:t>
+            </a:r>
+          </a:p>
+          <a:p>
+            <a:pPr marL="0" indent="0">
+              <a:buNone/>
+            </a:pPr>
+            <a:r>
+              <a:rPr lang="en-US" dirty="0" smtClean="0"/>
+              <a:t>CREATE INDEX </a:t>
+            </a:r>
+            <a:r>
+              <a:rPr lang="en-US" dirty="0" err="1" smtClean="0"/>
+              <a:t>idx_city_pop_ctrycode</a:t>
+            </a:r>
+            <a:r>
+              <a:rPr lang="en-US" dirty="0" smtClean="0"/>
+              <a:t> </a:t>
+            </a:r>
+          </a:p>
+          <a:p>
+            <a:pPr marL="0" indent="0">
+              <a:buNone/>
+            </a:pPr>
+            <a:r>
+              <a:rPr lang="en-US" dirty="0" smtClean="0"/>
+              <a:t>ON city (population, </a:t>
+            </a:r>
+            <a:r>
+              <a:rPr lang="en-US" dirty="0" err="1" smtClean="0"/>
+              <a:t>countrycode</a:t>
+            </a:r>
+            <a:r>
+              <a:rPr lang="en-US" dirty="0" smtClean="0"/>
+              <a:t>);</a:t>
+            </a:r>
+          </a:p>
+          <a:p>
+            <a:r>
+              <a:rPr lang="en-US" dirty="0" smtClean="0"/>
+              <a:t>Query will speed up because database will look up population and </a:t>
+            </a:r>
+            <a:r>
+              <a:rPr lang="en-US" dirty="0" err="1" smtClean="0"/>
+              <a:t>countrycode</a:t>
+            </a:r>
+            <a:r>
+              <a:rPr lang="en-US" dirty="0" smtClean="0"/>
+              <a:t> very quickly in an index and then retrieve all columns</a:t>
+            </a:r>
+            <a:endParaRPr lang="en-US" dirty="0"/>
+          </a:p>
+        </p:txBody>
+      </p:sp>
+    </p:spTree>
+    <p:extLst>
+      <p:ext uri="{BB962C8B-B14F-4D97-AF65-F5344CB8AC3E}">
+        <p14:creationId xmlns:p14="http://schemas.microsoft.com/office/powerpoint/2010/main" val="2503232099"/>
+      </p:ext>
+    </p:extLst>
+  </p:cSld>
+  <p:clrMapOvr>
+    <a:masterClrMapping/>
+  </p:clrMapOvr>
+</p:sld>
+</file>
+
+<file path=ppt/slides/slide44.xml><?xml version="1.0" encoding="utf-8"?>
+<p:sld xmlns:a="http://schemas.openxmlformats.org/drawingml/2006/main" xmlns:r="http://schemas.openxmlformats.org/officeDocument/2006/relationships" xmlns:p="http://schemas.openxmlformats.org/presentationml/2006/main">
+  <p:cSld>
+    <p:spTree>
+      <p:nvGrpSpPr>
+        <p:cNvPr id="1" name=""/>
+        <p:cNvGrpSpPr/>
+        <p:nvPr/>
+      </p:nvGrpSpPr>
+      <p:grpSpPr>
+        <a:xfrm>
+          <a:off x="0" y="0"/>
+          <a:ext cx="0" cy="0"/>
+          <a:chOff x="0" y="0"/>
+          <a:chExt cx="0" cy="0"/>
+        </a:xfrm>
+      </p:grpSpPr>
+      <p:sp>
+        <p:nvSpPr>
+          <p:cNvPr id="2" name="Title 1"/>
+          <p:cNvSpPr>
+            <a:spLocks noGrp="1"/>
+          </p:cNvSpPr>
+          <p:nvPr>
+            <p:ph type="title"/>
+          </p:nvPr>
+        </p:nvSpPr>
+        <p:spPr/>
+        <p:txBody>
+          <a:bodyPr/>
+          <a:lstStyle/>
+          <a:p>
+            <a:r>
+              <a:rPr lang="en-US" dirty="0" smtClean="0"/>
+              <a:t>Indexes - covering</a:t>
+            </a:r>
+            <a:endParaRPr lang="en-US" dirty="0"/>
+          </a:p>
+        </p:txBody>
+      </p:sp>
+      <p:sp>
+        <p:nvSpPr>
+          <p:cNvPr id="3" name="Content Placeholder 2"/>
+          <p:cNvSpPr>
+            <a:spLocks noGrp="1"/>
+          </p:cNvSpPr>
+          <p:nvPr>
+            <p:ph idx="1"/>
+          </p:nvPr>
+        </p:nvSpPr>
+        <p:spPr/>
+        <p:txBody>
+          <a:bodyPr/>
+          <a:lstStyle/>
+          <a:p>
+            <a:pPr marL="0" indent="0">
+              <a:buNone/>
+            </a:pPr>
+            <a:r>
+              <a:rPr lang="en-US" dirty="0" smtClean="0"/>
+              <a:t>SELECT population, </a:t>
+            </a:r>
+            <a:r>
+              <a:rPr lang="en-US" dirty="0" err="1" smtClean="0"/>
+              <a:t>countrycode</a:t>
+            </a:r>
+            <a:r>
+              <a:rPr lang="en-US" dirty="0" smtClean="0"/>
+              <a:t>, city FROM city</a:t>
+            </a:r>
+          </a:p>
+          <a:p>
+            <a:pPr marL="0" indent="0">
+              <a:buNone/>
+            </a:pPr>
+            <a:r>
+              <a:rPr lang="en-US" dirty="0" smtClean="0"/>
+              <a:t>WHERE population &gt; 100000 AND </a:t>
+            </a:r>
+            <a:r>
+              <a:rPr lang="en-US" dirty="0" err="1" smtClean="0"/>
+              <a:t>countrycode</a:t>
+            </a:r>
+            <a:r>
+              <a:rPr lang="en-US" dirty="0" smtClean="0"/>
+              <a:t> = ‘NLD’;</a:t>
+            </a:r>
+          </a:p>
+          <a:p>
+            <a:pPr marL="0" indent="0">
+              <a:buNone/>
+            </a:pPr>
+            <a:endParaRPr lang="en-US" dirty="0" smtClean="0"/>
+          </a:p>
+          <a:p>
+            <a:pPr marL="0" indent="0">
+              <a:buNone/>
+            </a:pPr>
+            <a:r>
+              <a:rPr lang="en-US" dirty="0" smtClean="0"/>
+              <a:t>CREATE INDEX </a:t>
+            </a:r>
+            <a:r>
+              <a:rPr lang="en-US" dirty="0" err="1" smtClean="0"/>
+              <a:t>idx_city_city_pop_ctrycode</a:t>
+            </a:r>
+            <a:r>
+              <a:rPr lang="en-US" dirty="0" smtClean="0"/>
+              <a:t> </a:t>
+            </a:r>
+          </a:p>
+          <a:p>
+            <a:pPr marL="0" indent="0">
+              <a:buNone/>
+            </a:pPr>
+            <a:r>
+              <a:rPr lang="en-US" dirty="0" smtClean="0"/>
+              <a:t>ON city (population, </a:t>
+            </a:r>
+            <a:r>
+              <a:rPr lang="en-US" dirty="0" err="1" smtClean="0"/>
+              <a:t>countrycode</a:t>
+            </a:r>
+            <a:r>
+              <a:rPr lang="en-US" dirty="0" smtClean="0"/>
+              <a:t>, city);</a:t>
+            </a:r>
+          </a:p>
+          <a:p>
+            <a:pPr marL="0" indent="0">
+              <a:buNone/>
+            </a:pPr>
+            <a:endParaRPr lang="en-US" dirty="0" smtClean="0"/>
+          </a:p>
+          <a:p>
+            <a:r>
+              <a:rPr lang="en-US" dirty="0" smtClean="0"/>
+              <a:t>This is called a covering index since all the data query needs is covered in the index. Once the index is read, there is need to get anything more from the table</a:t>
+            </a:r>
+          </a:p>
+          <a:p>
+            <a:r>
+              <a:rPr lang="en-US" dirty="0" smtClean="0"/>
+              <a:t>Very efficient. Use prudently since multiple columns are involved</a:t>
+            </a:r>
+          </a:p>
+        </p:txBody>
+      </p:sp>
+    </p:spTree>
+    <p:extLst>
+      <p:ext uri="{BB962C8B-B14F-4D97-AF65-F5344CB8AC3E}">
+        <p14:creationId xmlns:p14="http://schemas.microsoft.com/office/powerpoint/2010/main" val="427408642"/>
+      </p:ext>
+    </p:extLst>
+  </p:cSld>
+  <p:clrMapOvr>
+    <a:masterClrMapping/>
+  </p:clrMapOvr>
+</p:sld>
+</file>
+
+<file path=ppt/slides/slide45.xml><?xml version="1.0" encoding="utf-8"?>
+<p:sld xmlns:a="http://schemas.openxmlformats.org/drawingml/2006/main" xmlns:r="http://schemas.openxmlformats.org/officeDocument/2006/relationships" xmlns:p="http://schemas.openxmlformats.org/presentationml/2006/main">
+  <p:cSld>
+    <p:spTree>
+      <p:nvGrpSpPr>
+        <p:cNvPr id="1" name=""/>
+        <p:cNvGrpSpPr/>
+        <p:nvPr/>
+      </p:nvGrpSpPr>
+      <p:grpSpPr>
+        <a:xfrm>
+          <a:off x="0" y="0"/>
+          <a:ext cx="0" cy="0"/>
+          <a:chOff x="0" y="0"/>
+          <a:chExt cx="0" cy="0"/>
+        </a:xfrm>
+      </p:grpSpPr>
+      <p:sp>
+        <p:nvSpPr>
+          <p:cNvPr id="2" name="Title 1"/>
+          <p:cNvSpPr>
+            <a:spLocks noGrp="1"/>
+          </p:cNvSpPr>
+          <p:nvPr>
+            <p:ph type="title"/>
+          </p:nvPr>
+        </p:nvSpPr>
+        <p:spPr/>
+        <p:txBody>
+          <a:bodyPr/>
+          <a:lstStyle/>
+          <a:p>
+            <a:r>
+              <a:rPr lang="en-US" dirty="0" smtClean="0"/>
+              <a:t>Index – multiple tables</a:t>
+            </a:r>
+            <a:endParaRPr lang="en-US" dirty="0"/>
+          </a:p>
+        </p:txBody>
+      </p:sp>
+      <p:sp>
+        <p:nvSpPr>
+          <p:cNvPr id="3" name="Content Placeholder 2"/>
+          <p:cNvSpPr>
+            <a:spLocks noGrp="1"/>
+          </p:cNvSpPr>
+          <p:nvPr>
+            <p:ph idx="1"/>
+          </p:nvPr>
+        </p:nvSpPr>
+        <p:spPr/>
+        <p:txBody>
+          <a:bodyPr/>
+          <a:lstStyle/>
+          <a:p>
+            <a:pPr marL="0" indent="0">
+              <a:buNone/>
+            </a:pPr>
+            <a:r>
+              <a:rPr lang="en-US" dirty="0" smtClean="0"/>
+              <a:t>SELECT </a:t>
+            </a:r>
+            <a:r>
+              <a:rPr lang="en-US" dirty="0" err="1" smtClean="0"/>
+              <a:t>c.Name</a:t>
+            </a:r>
+            <a:r>
+              <a:rPr lang="en-US" dirty="0"/>
+              <a:t>, </a:t>
+            </a:r>
+            <a:r>
+              <a:rPr lang="en-US" dirty="0" err="1"/>
+              <a:t>c.countrycode</a:t>
+            </a:r>
+            <a:r>
+              <a:rPr lang="en-US" dirty="0"/>
+              <a:t>, y.name, </a:t>
+            </a:r>
+            <a:r>
+              <a:rPr lang="en-US" dirty="0" err="1"/>
+              <a:t>y.continent</a:t>
+            </a:r>
+            <a:r>
+              <a:rPr lang="en-US" dirty="0"/>
+              <a:t>, </a:t>
+            </a:r>
+            <a:r>
+              <a:rPr lang="en-US" dirty="0" err="1" smtClean="0"/>
+              <a:t>y.IndepYear</a:t>
+            </a:r>
+            <a:endParaRPr lang="en-US" dirty="0" smtClean="0"/>
+          </a:p>
+          <a:p>
+            <a:pPr marL="0" indent="0">
+              <a:buNone/>
+            </a:pPr>
+            <a:r>
+              <a:rPr lang="en-US" dirty="0" smtClean="0"/>
+              <a:t>FROM city c INNER JOIN country </a:t>
+            </a:r>
+            <a:r>
+              <a:rPr lang="en-US" dirty="0"/>
+              <a:t>y </a:t>
+            </a:r>
+            <a:r>
+              <a:rPr lang="en-US" dirty="0" smtClean="0"/>
+              <a:t>ON </a:t>
+            </a:r>
+            <a:r>
+              <a:rPr lang="en-US" dirty="0" err="1"/>
+              <a:t>c.countrycode</a:t>
+            </a:r>
+            <a:r>
+              <a:rPr lang="en-US" dirty="0"/>
+              <a:t> = </a:t>
+            </a:r>
+            <a:r>
+              <a:rPr lang="en-US" dirty="0" err="1" smtClean="0"/>
+              <a:t>y.code</a:t>
+            </a:r>
+            <a:endParaRPr lang="en-US" dirty="0" smtClean="0"/>
+          </a:p>
+          <a:p>
+            <a:pPr marL="0" indent="0">
+              <a:buNone/>
+            </a:pPr>
+            <a:r>
+              <a:rPr lang="en-US" dirty="0" smtClean="0"/>
+              <a:t>WHERE </a:t>
+            </a:r>
+            <a:r>
+              <a:rPr lang="en-US" dirty="0" err="1" smtClean="0"/>
+              <a:t>c.population</a:t>
+            </a:r>
+            <a:r>
+              <a:rPr lang="en-US" dirty="0" smtClean="0"/>
+              <a:t> </a:t>
+            </a:r>
+            <a:r>
+              <a:rPr lang="en-US" dirty="0"/>
+              <a:t>&gt; 100000 </a:t>
+            </a:r>
+            <a:r>
+              <a:rPr lang="en-US" dirty="0" smtClean="0"/>
+              <a:t>AND </a:t>
+            </a:r>
+            <a:r>
+              <a:rPr lang="en-US" dirty="0" err="1"/>
+              <a:t>y.indepyear</a:t>
+            </a:r>
+            <a:r>
+              <a:rPr lang="en-US" dirty="0"/>
+              <a:t> &gt; 1992</a:t>
+            </a:r>
+            <a:r>
+              <a:rPr lang="en-US" dirty="0" smtClean="0"/>
+              <a:t>;</a:t>
+            </a:r>
+          </a:p>
+          <a:p>
+            <a:pPr marL="0" indent="0">
+              <a:buNone/>
+            </a:pPr>
+            <a:endParaRPr lang="en-US" dirty="0"/>
+          </a:p>
+          <a:p>
+            <a:pPr marL="0" indent="0">
+              <a:buNone/>
+            </a:pPr>
+            <a:endParaRPr lang="en-US" dirty="0" smtClean="0"/>
+          </a:p>
+          <a:p>
+            <a:pPr marL="0" indent="0">
+              <a:buNone/>
+            </a:pPr>
+            <a:endParaRPr lang="en-US" dirty="0" smtClean="0"/>
+          </a:p>
+          <a:p>
+            <a:pPr marL="0" indent="0">
+              <a:buNone/>
+            </a:pPr>
+            <a:r>
+              <a:rPr lang="en-US" dirty="0" smtClean="0"/>
+              <a:t>CREATE INDEX </a:t>
+            </a:r>
+            <a:r>
+              <a:rPr lang="en-US" dirty="0" err="1" smtClean="0"/>
+              <a:t>idx_city_population</a:t>
+            </a:r>
+            <a:r>
+              <a:rPr lang="en-US" dirty="0" smtClean="0"/>
+              <a:t> ON </a:t>
+            </a:r>
+            <a:r>
+              <a:rPr lang="en-US" dirty="0"/>
+              <a:t>city (population</a:t>
+            </a:r>
+            <a:r>
+              <a:rPr lang="en-US" dirty="0" smtClean="0"/>
+              <a:t>);</a:t>
+            </a:r>
+          </a:p>
+          <a:p>
+            <a:pPr marL="0" indent="0">
+              <a:buNone/>
+            </a:pPr>
+            <a:r>
+              <a:rPr lang="en-US" dirty="0"/>
+              <a:t>CREATE INDEX </a:t>
+            </a:r>
+            <a:r>
+              <a:rPr lang="en-US" dirty="0" err="1"/>
+              <a:t>idx_country_indepyear</a:t>
+            </a:r>
+            <a:r>
+              <a:rPr lang="en-US" dirty="0"/>
+              <a:t> </a:t>
+            </a:r>
+            <a:r>
+              <a:rPr lang="en-US" dirty="0" smtClean="0"/>
+              <a:t>ON </a:t>
+            </a:r>
+            <a:r>
+              <a:rPr lang="en-US" dirty="0"/>
+              <a:t>country (</a:t>
+            </a:r>
+            <a:r>
+              <a:rPr lang="en-US" dirty="0" err="1"/>
+              <a:t>indepyear</a:t>
+            </a:r>
+            <a:r>
+              <a:rPr lang="en-US" dirty="0"/>
+              <a:t>);</a:t>
+            </a:r>
+          </a:p>
+        </p:txBody>
+      </p:sp>
+      <p:pic>
+        <p:nvPicPr>
+          <p:cNvPr id="4" name="Picture 3"/>
+          <p:cNvPicPr>
+            <a:picLocks noChangeAspect="1"/>
+          </p:cNvPicPr>
+          <p:nvPr/>
+        </p:nvPicPr>
+        <p:blipFill>
+          <a:blip r:embed="rId2"/>
+          <a:stretch>
+            <a:fillRect/>
+          </a:stretch>
+        </p:blipFill>
+        <p:spPr>
+          <a:xfrm>
+            <a:off x="1213040" y="3393186"/>
+            <a:ext cx="7134225" cy="876300"/>
+          </a:xfrm>
+          <a:prstGeom prst="rect">
+            <a:avLst/>
+          </a:prstGeom>
+        </p:spPr>
+      </p:pic>
+      <p:pic>
+        <p:nvPicPr>
+          <p:cNvPr id="5" name="Picture 4"/>
+          <p:cNvPicPr>
+            <a:picLocks noChangeAspect="1"/>
+          </p:cNvPicPr>
+          <p:nvPr/>
+        </p:nvPicPr>
+        <p:blipFill>
+          <a:blip r:embed="rId3"/>
+          <a:stretch>
+            <a:fillRect/>
+          </a:stretch>
+        </p:blipFill>
+        <p:spPr>
+          <a:xfrm>
+            <a:off x="1213040" y="5449061"/>
+            <a:ext cx="8877300" cy="876300"/>
+          </a:xfrm>
+          <a:prstGeom prst="rect">
+            <a:avLst/>
+          </a:prstGeom>
+        </p:spPr>
+      </p:pic>
+    </p:spTree>
+    <p:extLst>
+      <p:ext uri="{BB962C8B-B14F-4D97-AF65-F5344CB8AC3E}">
+        <p14:creationId xmlns:p14="http://schemas.microsoft.com/office/powerpoint/2010/main" val="3238330641"/>
+      </p:ext>
+    </p:extLst>
+  </p:cSld>
+  <p:clrMapOvr>
+    <a:masterClrMapping/>
+  </p:clrMapOvr>
+</p:sld>
+</file>
+
+<file path=ppt/slides/slide46.xml><?xml version="1.0" encoding="utf-8"?>
+<p:sld xmlns:a="http://schemas.openxmlformats.org/drawingml/2006/main" xmlns:r="http://schemas.openxmlformats.org/officeDocument/2006/relationships" xmlns:p="http://schemas.openxmlformats.org/presentationml/2006/main">
+  <p:cSld>
+    <p:spTree>
+      <p:nvGrpSpPr>
+        <p:cNvPr id="1" name=""/>
+        <p:cNvGrpSpPr/>
+        <p:nvPr/>
+      </p:nvGrpSpPr>
+      <p:grpSpPr>
+        <a:xfrm>
+          <a:off x="0" y="0"/>
+          <a:ext cx="0" cy="0"/>
+          <a:chOff x="0" y="0"/>
+          <a:chExt cx="0" cy="0"/>
+        </a:xfrm>
+      </p:grpSpPr>
+      <p:sp>
+        <p:nvSpPr>
+          <p:cNvPr id="2" name="Title 1"/>
+          <p:cNvSpPr>
+            <a:spLocks noGrp="1"/>
+          </p:cNvSpPr>
+          <p:nvPr>
+            <p:ph type="title"/>
+          </p:nvPr>
+        </p:nvSpPr>
+        <p:spPr/>
+        <p:txBody>
+          <a:bodyPr/>
+          <a:lstStyle/>
+          <a:p>
+            <a:r>
+              <a:rPr lang="en-US" dirty="0" smtClean="0"/>
               <a:t>Day 8:</a:t>
             </a:r>
             <a:endParaRPr lang="en-US" dirty="0"/>
@@ -15951,7 +16726,7 @@
 </p:sld>
 </file>
 
-<file path=ppt/slides/slide43.xml><?xml version="1.0" encoding="utf-8"?>
+<file path=ppt/slides/slide47.xml><?xml version="1.0" encoding="utf-8"?>
 <p:sld xmlns:a="http://schemas.openxmlformats.org/drawingml/2006/main" xmlns:r="http://schemas.openxmlformats.org/officeDocument/2006/relationships" xmlns:p="http://schemas.openxmlformats.org/presentationml/2006/main">
   <p:cSld>
     <p:spTree>

--- a/Presentation/Database-Bootcamp-Presentation.pptx
+++ b/Presentation/Database-Bootcamp-Presentation.pptx
@@ -52,6 +52,12 @@
     <p:sldId id="302" r:id="rId46"/>
     <p:sldId id="297" r:id="rId47"/>
     <p:sldId id="298" r:id="rId48"/>
+    <p:sldId id="303" r:id="rId49"/>
+    <p:sldId id="304" r:id="rId50"/>
+    <p:sldId id="305" r:id="rId51"/>
+    <p:sldId id="306" r:id="rId52"/>
+    <p:sldId id="307" r:id="rId53"/>
+    <p:sldId id="308" r:id="rId54"/>
   </p:sldIdLst>
   <p:sldSz cx="12192000" cy="6858000"/>
   <p:notesSz cx="6858000" cy="9144000"/>
@@ -344,7 +350,7 @@
           <a:p>
             <a:fld id="{9DC1F441-9BCC-4383-B80D-68C31DF95A71}" type="datetimeFigureOut">
               <a:rPr lang="en-US" smtClean="0"/>
-              <a:t>1/13/2016</a:t>
+              <a:t>1/14/2016</a:t>
             </a:fld>
             <a:endParaRPr lang="en-US"/>
           </a:p>
@@ -624,7 +630,7 @@
           <a:p>
             <a:fld id="{9DC1F441-9BCC-4383-B80D-68C31DF95A71}" type="datetimeFigureOut">
               <a:rPr lang="en-US" smtClean="0"/>
-              <a:t>1/13/2016</a:t>
+              <a:t>1/14/2016</a:t>
             </a:fld>
             <a:endParaRPr lang="en-US"/>
           </a:p>
@@ -818,7 +824,7 @@
           <a:p>
             <a:fld id="{9DC1F441-9BCC-4383-B80D-68C31DF95A71}" type="datetimeFigureOut">
               <a:rPr lang="en-US" smtClean="0"/>
-              <a:t>1/13/2016</a:t>
+              <a:t>1/14/2016</a:t>
             </a:fld>
             <a:endParaRPr lang="en-US"/>
           </a:p>
@@ -1091,7 +1097,7 @@
           <a:p>
             <a:fld id="{9DC1F441-9BCC-4383-B80D-68C31DF95A71}" type="datetimeFigureOut">
               <a:rPr lang="en-US" smtClean="0"/>
-              <a:t>1/13/2016</a:t>
+              <a:t>1/14/2016</a:t>
             </a:fld>
             <a:endParaRPr lang="en-US"/>
           </a:p>
@@ -1432,7 +1438,7 @@
           <a:p>
             <a:fld id="{9DC1F441-9BCC-4383-B80D-68C31DF95A71}" type="datetimeFigureOut">
               <a:rPr lang="en-US" smtClean="0"/>
-              <a:t>1/13/2016</a:t>
+              <a:t>1/14/2016</a:t>
             </a:fld>
             <a:endParaRPr lang="en-US"/>
           </a:p>
@@ -2055,7 +2061,7 @@
           <a:p>
             <a:fld id="{9DC1F441-9BCC-4383-B80D-68C31DF95A71}" type="datetimeFigureOut">
               <a:rPr lang="en-US" smtClean="0"/>
-              <a:t>1/13/2016</a:t>
+              <a:t>1/14/2016</a:t>
             </a:fld>
             <a:endParaRPr lang="en-US"/>
           </a:p>
@@ -2915,7 +2921,7 @@
           <a:p>
             <a:fld id="{9DC1F441-9BCC-4383-B80D-68C31DF95A71}" type="datetimeFigureOut">
               <a:rPr lang="en-US" smtClean="0"/>
-              <a:t>1/13/2016</a:t>
+              <a:t>1/14/2016</a:t>
             </a:fld>
             <a:endParaRPr lang="en-US"/>
           </a:p>
@@ -3085,7 +3091,7 @@
           <a:p>
             <a:fld id="{9DC1F441-9BCC-4383-B80D-68C31DF95A71}" type="datetimeFigureOut">
               <a:rPr lang="en-US" smtClean="0"/>
-              <a:t>1/13/2016</a:t>
+              <a:t>1/14/2016</a:t>
             </a:fld>
             <a:endParaRPr lang="en-US"/>
           </a:p>
@@ -3265,7 +3271,7 @@
           <a:p>
             <a:fld id="{9DC1F441-9BCC-4383-B80D-68C31DF95A71}" type="datetimeFigureOut">
               <a:rPr lang="en-US" smtClean="0"/>
-              <a:t>1/13/2016</a:t>
+              <a:t>1/14/2016</a:t>
             </a:fld>
             <a:endParaRPr lang="en-US"/>
           </a:p>
@@ -3440,7 +3446,7 @@
           <a:p>
             <a:fld id="{9DC1F441-9BCC-4383-B80D-68C31DF95A71}" type="datetimeFigureOut">
               <a:rPr lang="en-US" smtClean="0"/>
-              <a:t>1/13/2016</a:t>
+              <a:t>1/14/2016</a:t>
             </a:fld>
             <a:endParaRPr lang="en-US"/>
           </a:p>
@@ -3687,7 +3693,7 @@
           <a:p>
             <a:fld id="{9DC1F441-9BCC-4383-B80D-68C31DF95A71}" type="datetimeFigureOut">
               <a:rPr lang="en-US" smtClean="0"/>
-              <a:t>1/13/2016</a:t>
+              <a:t>1/14/2016</a:t>
             </a:fld>
             <a:endParaRPr lang="en-US"/>
           </a:p>
@@ -3984,7 +3990,7 @@
           <a:p>
             <a:fld id="{9DC1F441-9BCC-4383-B80D-68C31DF95A71}" type="datetimeFigureOut">
               <a:rPr lang="en-US" smtClean="0"/>
-              <a:t>1/13/2016</a:t>
+              <a:t>1/14/2016</a:t>
             </a:fld>
             <a:endParaRPr lang="en-US"/>
           </a:p>
@@ -4428,7 +4434,7 @@
           <a:p>
             <a:fld id="{9DC1F441-9BCC-4383-B80D-68C31DF95A71}" type="datetimeFigureOut">
               <a:rPr lang="en-US" smtClean="0"/>
-              <a:t>1/13/2016</a:t>
+              <a:t>1/14/2016</a:t>
             </a:fld>
             <a:endParaRPr lang="en-US"/>
           </a:p>
@@ -4546,7 +4552,7 @@
           <a:p>
             <a:fld id="{9DC1F441-9BCC-4383-B80D-68C31DF95A71}" type="datetimeFigureOut">
               <a:rPr lang="en-US" smtClean="0"/>
-              <a:t>1/13/2016</a:t>
+              <a:t>1/14/2016</a:t>
             </a:fld>
             <a:endParaRPr lang="en-US"/>
           </a:p>
@@ -4641,7 +4647,7 @@
           <a:p>
             <a:fld id="{9DC1F441-9BCC-4383-B80D-68C31DF95A71}" type="datetimeFigureOut">
               <a:rPr lang="en-US" smtClean="0"/>
-              <a:t>1/13/2016</a:t>
+              <a:t>1/14/2016</a:t>
             </a:fld>
             <a:endParaRPr lang="en-US"/>
           </a:p>
@@ -4925,7 +4931,7 @@
           <a:p>
             <a:fld id="{9DC1F441-9BCC-4383-B80D-68C31DF95A71}" type="datetimeFigureOut">
               <a:rPr lang="en-US" smtClean="0"/>
-              <a:t>1/13/2016</a:t>
+              <a:t>1/14/2016</a:t>
             </a:fld>
             <a:endParaRPr lang="en-US"/>
           </a:p>
@@ -5205,7 +5211,7 @@
           <a:p>
             <a:fld id="{9DC1F441-9BCC-4383-B80D-68C31DF95A71}" type="datetimeFigureOut">
               <a:rPr lang="en-US" smtClean="0"/>
-              <a:t>1/13/2016</a:t>
+              <a:t>1/14/2016</a:t>
             </a:fld>
             <a:endParaRPr lang="en-US"/>
           </a:p>
@@ -5634,7 +5640,7 @@
           <a:p>
             <a:fld id="{9DC1F441-9BCC-4383-B80D-68C31DF95A71}" type="datetimeFigureOut">
               <a:rPr lang="en-US" smtClean="0"/>
-              <a:t>1/13/2016</a:t>
+              <a:t>1/14/2016</a:t>
             </a:fld>
             <a:endParaRPr lang="en-US"/>
           </a:p>
@@ -15545,11 +15551,7 @@
           <a:p>
             <a:r>
               <a:rPr lang="en-US" dirty="0" smtClean="0"/>
-              <a:t>View – just a SELECT </a:t>
-            </a:r>
-            <a:r>
-              <a:rPr lang="en-US" dirty="0" smtClean="0"/>
-              <a:t>statement</a:t>
+              <a:t>View – just a SELECT statement</a:t>
             </a:r>
           </a:p>
           <a:p>
@@ -15557,7 +15559,6 @@
               <a:rPr lang="en-US" dirty="0" smtClean="0"/>
               <a:t>Index – fast search</a:t>
             </a:r>
-            <a:endParaRPr lang="en-US" dirty="0" smtClean="0"/>
           </a:p>
           <a:p>
             <a:endParaRPr lang="en-US" dirty="0" smtClean="0"/>
@@ -16915,6 +16916,452 @@
 </p:sld>
 </file>
 
+<file path=ppt/slides/slide48.xml><?xml version="1.0" encoding="utf-8"?>
+<p:sld xmlns:a="http://schemas.openxmlformats.org/drawingml/2006/main" xmlns:r="http://schemas.openxmlformats.org/officeDocument/2006/relationships" xmlns:p="http://schemas.openxmlformats.org/presentationml/2006/main">
+  <p:cSld>
+    <p:spTree>
+      <p:nvGrpSpPr>
+        <p:cNvPr id="1" name=""/>
+        <p:cNvGrpSpPr/>
+        <p:nvPr/>
+      </p:nvGrpSpPr>
+      <p:grpSpPr>
+        <a:xfrm>
+          <a:off x="0" y="0"/>
+          <a:ext cx="0" cy="0"/>
+          <a:chOff x="0" y="0"/>
+          <a:chExt cx="0" cy="0"/>
+        </a:xfrm>
+      </p:grpSpPr>
+      <p:sp>
+        <p:nvSpPr>
+          <p:cNvPr id="2" name="Title 1"/>
+          <p:cNvSpPr>
+            <a:spLocks noGrp="1"/>
+          </p:cNvSpPr>
+          <p:nvPr>
+            <p:ph type="title"/>
+          </p:nvPr>
+        </p:nvSpPr>
+        <p:spPr/>
+        <p:txBody>
+          <a:bodyPr/>
+          <a:lstStyle/>
+          <a:p>
+            <a:r>
+              <a:rPr lang="en-US" dirty="0" smtClean="0"/>
+              <a:t>Day 9</a:t>
+            </a:r>
+            <a:endParaRPr lang="en-US" dirty="0"/>
+          </a:p>
+        </p:txBody>
+      </p:sp>
+      <p:sp>
+        <p:nvSpPr>
+          <p:cNvPr id="3" name="Content Placeholder 2"/>
+          <p:cNvSpPr>
+            <a:spLocks noGrp="1"/>
+          </p:cNvSpPr>
+          <p:nvPr>
+            <p:ph idx="1"/>
+          </p:nvPr>
+        </p:nvSpPr>
+        <p:spPr/>
+        <p:txBody>
+          <a:bodyPr/>
+          <a:lstStyle/>
+          <a:p>
+            <a:r>
+              <a:rPr lang="en-US" dirty="0" smtClean="0"/>
+              <a:t>Stored procedures</a:t>
+            </a:r>
+          </a:p>
+          <a:p>
+            <a:r>
+              <a:rPr lang="en-US" dirty="0" smtClean="0"/>
+              <a:t>Block of multiple SQL and logic statements</a:t>
+            </a:r>
+          </a:p>
+          <a:p>
+            <a:r>
+              <a:rPr lang="en-US" dirty="0" smtClean="0"/>
+              <a:t>Combine business logic in one location</a:t>
+            </a:r>
+          </a:p>
+          <a:p>
+            <a:r>
+              <a:rPr lang="en-US" dirty="0" smtClean="0"/>
+              <a:t>Allow multiple languages, multiple systems communicate with a central business logic close to the database</a:t>
+            </a:r>
+          </a:p>
+          <a:p>
+            <a:r>
+              <a:rPr lang="en-US" dirty="0" smtClean="0"/>
+              <a:t>Fast, SQL program but may be hard to debug</a:t>
+            </a:r>
+          </a:p>
+          <a:p>
+            <a:r>
+              <a:rPr lang="en-US" dirty="0" smtClean="0"/>
+              <a:t>Generally returns rows and columns of data</a:t>
+            </a:r>
+          </a:p>
+          <a:p>
+            <a:r>
+              <a:rPr lang="en-US" dirty="0" smtClean="0"/>
+              <a:t>Can take input parameters</a:t>
+            </a:r>
+          </a:p>
+          <a:p>
+            <a:r>
+              <a:rPr lang="en-US" dirty="0" smtClean="0"/>
+              <a:t>Can also send updates</a:t>
+            </a:r>
+          </a:p>
+        </p:txBody>
+      </p:sp>
+    </p:spTree>
+    <p:extLst>
+      <p:ext uri="{BB962C8B-B14F-4D97-AF65-F5344CB8AC3E}">
+        <p14:creationId xmlns:p14="http://schemas.microsoft.com/office/powerpoint/2010/main" val="489662995"/>
+      </p:ext>
+    </p:extLst>
+  </p:cSld>
+  <p:clrMapOvr>
+    <a:masterClrMapping/>
+  </p:clrMapOvr>
+</p:sld>
+</file>
+
+<file path=ppt/slides/slide49.xml><?xml version="1.0" encoding="utf-8"?>
+<p:sld xmlns:a="http://schemas.openxmlformats.org/drawingml/2006/main" xmlns:r="http://schemas.openxmlformats.org/officeDocument/2006/relationships" xmlns:p="http://schemas.openxmlformats.org/presentationml/2006/main">
+  <p:cSld>
+    <p:spTree>
+      <p:nvGrpSpPr>
+        <p:cNvPr id="1" name=""/>
+        <p:cNvGrpSpPr/>
+        <p:nvPr/>
+      </p:nvGrpSpPr>
+      <p:grpSpPr>
+        <a:xfrm>
+          <a:off x="0" y="0"/>
+          <a:ext cx="0" cy="0"/>
+          <a:chOff x="0" y="0"/>
+          <a:chExt cx="0" cy="0"/>
+        </a:xfrm>
+      </p:grpSpPr>
+      <p:sp>
+        <p:nvSpPr>
+          <p:cNvPr id="2" name="Title 1"/>
+          <p:cNvSpPr>
+            <a:spLocks noGrp="1"/>
+          </p:cNvSpPr>
+          <p:nvPr>
+            <p:ph type="title"/>
+          </p:nvPr>
+        </p:nvSpPr>
+        <p:spPr/>
+        <p:txBody>
+          <a:bodyPr/>
+          <a:lstStyle/>
+          <a:p>
+            <a:r>
+              <a:rPr lang="en-US" dirty="0" smtClean="0"/>
+              <a:t>SP returning 1 record</a:t>
+            </a:r>
+            <a:endParaRPr lang="en-US" dirty="0"/>
+          </a:p>
+        </p:txBody>
+      </p:sp>
+      <p:sp>
+        <p:nvSpPr>
+          <p:cNvPr id="3" name="Content Placeholder 2"/>
+          <p:cNvSpPr>
+            <a:spLocks noGrp="1"/>
+          </p:cNvSpPr>
+          <p:nvPr>
+            <p:ph idx="1"/>
+          </p:nvPr>
+        </p:nvSpPr>
+        <p:spPr>
+          <a:xfrm>
+            <a:off x="1103312" y="2052918"/>
+            <a:ext cx="8946541" cy="4652682"/>
+          </a:xfrm>
+        </p:spPr>
+        <p:txBody>
+          <a:bodyPr>
+            <a:normAutofit fontScale="92500" lnSpcReduction="20000"/>
+          </a:bodyPr>
+          <a:lstStyle/>
+          <a:p>
+            <a:pPr marL="0" indent="0">
+              <a:buNone/>
+            </a:pPr>
+            <a:r>
+              <a:rPr lang="en-US" dirty="0">
+                <a:solidFill>
+                  <a:srgbClr val="FFFF00"/>
+                </a:solidFill>
+              </a:rPr>
+              <a:t>DELIMITER</a:t>
+            </a:r>
+            <a:r>
+              <a:rPr lang="en-US" dirty="0"/>
+              <a:t> </a:t>
+            </a:r>
+            <a:r>
+              <a:rPr lang="en-US" dirty="0" smtClean="0"/>
+              <a:t>//</a:t>
+            </a:r>
+          </a:p>
+          <a:p>
+            <a:pPr marL="0" indent="0">
+              <a:buNone/>
+            </a:pPr>
+            <a:r>
+              <a:rPr lang="en-US" dirty="0" smtClean="0"/>
+              <a:t>CREATE </a:t>
+            </a:r>
+            <a:r>
+              <a:rPr lang="en-US" dirty="0"/>
+              <a:t>PROCEDURE </a:t>
+            </a:r>
+            <a:r>
+              <a:rPr lang="en-US" dirty="0" err="1"/>
+              <a:t>GetFormattedCityCountry</a:t>
+            </a:r>
+            <a:r>
+              <a:rPr lang="en-US" dirty="0"/>
+              <a:t>(</a:t>
+            </a:r>
+            <a:r>
+              <a:rPr lang="en-US" dirty="0">
+                <a:solidFill>
+                  <a:srgbClr val="FFFF00"/>
+                </a:solidFill>
+              </a:rPr>
+              <a:t>city</a:t>
+            </a:r>
+            <a:r>
+              <a:rPr lang="en-US" dirty="0"/>
+              <a:t> VARCHAR(100),	</a:t>
+            </a:r>
+            <a:r>
+              <a:rPr lang="en-US" dirty="0">
+                <a:solidFill>
+                  <a:srgbClr val="FFFF00"/>
+                </a:solidFill>
+              </a:rPr>
+              <a:t>country</a:t>
+            </a:r>
+            <a:r>
+              <a:rPr lang="en-US" dirty="0"/>
+              <a:t> VARCHAR(100</a:t>
+            </a:r>
+            <a:r>
+              <a:rPr lang="en-US" dirty="0" smtClean="0"/>
+              <a:t>))</a:t>
+            </a:r>
+          </a:p>
+          <a:p>
+            <a:pPr marL="0" indent="0">
+              <a:buNone/>
+            </a:pPr>
+            <a:r>
+              <a:rPr lang="en-US" dirty="0" smtClean="0">
+                <a:solidFill>
+                  <a:srgbClr val="FFFF00"/>
+                </a:solidFill>
+              </a:rPr>
+              <a:t>COMMENT</a:t>
+            </a:r>
+            <a:r>
+              <a:rPr lang="en-US" dirty="0" smtClean="0"/>
+              <a:t> </a:t>
+            </a:r>
+            <a:r>
+              <a:rPr lang="en-US" dirty="0"/>
+              <a:t>'Given city and country, return </a:t>
+            </a:r>
+            <a:r>
+              <a:rPr lang="en-US" dirty="0" smtClean="0"/>
+              <a:t>city-country‘</a:t>
+            </a:r>
+          </a:p>
+          <a:p>
+            <a:pPr marL="0" indent="0">
+              <a:buNone/>
+            </a:pPr>
+            <a:r>
+              <a:rPr lang="en-US" dirty="0" smtClean="0">
+                <a:solidFill>
+                  <a:srgbClr val="FFFF00"/>
+                </a:solidFill>
+              </a:rPr>
+              <a:t>BEGIN</a:t>
+            </a:r>
+          </a:p>
+          <a:p>
+            <a:pPr marL="0" indent="0">
+              <a:buNone/>
+            </a:pPr>
+            <a:r>
+              <a:rPr lang="en-US" dirty="0"/>
+              <a:t>	IF country = 'USA' </a:t>
+            </a:r>
+            <a:r>
+              <a:rPr lang="en-US" dirty="0" smtClean="0"/>
+              <a:t>THEN</a:t>
+            </a:r>
+          </a:p>
+          <a:p>
+            <a:pPr marL="0" indent="0">
+              <a:buNone/>
+            </a:pPr>
+            <a:r>
+              <a:rPr lang="en-US" dirty="0"/>
+              <a:t>		SELECT CONCAT(city, '–', country, ' aka Awesome</a:t>
+            </a:r>
+            <a:r>
+              <a:rPr lang="en-US" dirty="0" smtClean="0"/>
+              <a:t>');</a:t>
+            </a:r>
+          </a:p>
+          <a:p>
+            <a:pPr marL="0" indent="0">
+              <a:buNone/>
+            </a:pPr>
+            <a:r>
+              <a:rPr lang="en-US" dirty="0"/>
+              <a:t>	</a:t>
+            </a:r>
+            <a:r>
+              <a:rPr lang="en-US" dirty="0" smtClean="0"/>
+              <a:t>ELSE</a:t>
+            </a:r>
+          </a:p>
+          <a:p>
+            <a:pPr marL="0" indent="0">
+              <a:buNone/>
+            </a:pPr>
+            <a:r>
+              <a:rPr lang="en-US" dirty="0" smtClean="0"/>
+              <a:t> </a:t>
+            </a:r>
+            <a:r>
+              <a:rPr lang="en-US" dirty="0"/>
+              <a:t>		SELECT CONCAT(city, '–', country</a:t>
+            </a:r>
+            <a:r>
+              <a:rPr lang="en-US" dirty="0" smtClean="0"/>
+              <a:t>);</a:t>
+            </a:r>
+          </a:p>
+          <a:p>
+            <a:pPr marL="0" indent="0">
+              <a:buNone/>
+            </a:pPr>
+            <a:r>
+              <a:rPr lang="en-US" dirty="0"/>
+              <a:t>	END IF</a:t>
+            </a:r>
+            <a:r>
+              <a:rPr lang="en-US" dirty="0" smtClean="0"/>
+              <a:t>;</a:t>
+            </a:r>
+          </a:p>
+          <a:p>
+            <a:pPr marL="0" indent="0">
+              <a:buNone/>
+            </a:pPr>
+            <a:r>
+              <a:rPr lang="en-US" dirty="0" smtClean="0">
+                <a:solidFill>
+                  <a:srgbClr val="FFFF00"/>
+                </a:solidFill>
+              </a:rPr>
+              <a:t>END</a:t>
+            </a:r>
+            <a:r>
+              <a:rPr lang="en-US" dirty="0" smtClean="0"/>
+              <a:t> //</a:t>
+            </a:r>
+          </a:p>
+          <a:p>
+            <a:pPr marL="0" indent="0">
+              <a:buNone/>
+            </a:pPr>
+            <a:r>
+              <a:rPr lang="en-US" dirty="0" smtClean="0">
+                <a:solidFill>
+                  <a:srgbClr val="FFFF00"/>
+                </a:solidFill>
+              </a:rPr>
+              <a:t>DELIMITER</a:t>
+            </a:r>
+            <a:r>
+              <a:rPr lang="en-US" dirty="0" smtClean="0"/>
+              <a:t> ;</a:t>
+            </a:r>
+          </a:p>
+          <a:p>
+            <a:pPr marL="0" indent="0">
+              <a:buNone/>
+            </a:pPr>
+            <a:r>
+              <a:rPr lang="en-US" dirty="0" smtClean="0">
+                <a:solidFill>
+                  <a:srgbClr val="FFFF00"/>
+                </a:solidFill>
+              </a:rPr>
+              <a:t>CALL</a:t>
+            </a:r>
+            <a:r>
+              <a:rPr lang="en-US" dirty="0">
+                <a:solidFill>
+                  <a:srgbClr val="FFFF00"/>
+                </a:solidFill>
+              </a:rPr>
+              <a:t> </a:t>
+            </a:r>
+            <a:r>
+              <a:rPr lang="en-US" dirty="0" err="1" smtClean="0">
+                <a:solidFill>
+                  <a:srgbClr val="FFFF00"/>
+                </a:solidFill>
+              </a:rPr>
+              <a:t>GetFormattedCityCountry</a:t>
+            </a:r>
+            <a:r>
+              <a:rPr lang="en-US" dirty="0" smtClean="0">
+                <a:solidFill>
+                  <a:srgbClr val="FFFF00"/>
+                </a:solidFill>
+              </a:rPr>
+              <a:t>(‘Chicago’, ‘USA’);</a:t>
+            </a:r>
+            <a:endParaRPr lang="en-US" dirty="0">
+              <a:solidFill>
+                <a:srgbClr val="FFFF00"/>
+              </a:solidFill>
+            </a:endParaRPr>
+          </a:p>
+        </p:txBody>
+      </p:sp>
+    </p:spTree>
+    <p:extLst>
+      <p:ext uri="{BB962C8B-B14F-4D97-AF65-F5344CB8AC3E}">
+        <p14:creationId xmlns:p14="http://schemas.microsoft.com/office/powerpoint/2010/main" val="214658472"/>
+      </p:ext>
+    </p:extLst>
+  </p:cSld>
+  <p:clrMapOvr>
+    <a:masterClrMapping/>
+  </p:clrMapOvr>
+</p:sld>
+</file>
+
 <file path=ppt/slides/slide5.xml><?xml version="1.0" encoding="utf-8"?>
 <p:sld xmlns:a="http://schemas.openxmlformats.org/drawingml/2006/main" xmlns:r="http://schemas.openxmlformats.org/officeDocument/2006/relationships" xmlns:p="http://schemas.openxmlformats.org/presentationml/2006/main">
   <p:cSld>
@@ -17026,6 +17473,1173 @@
     <p:extLst>
       <p:ext uri="{BB962C8B-B14F-4D97-AF65-F5344CB8AC3E}">
         <p14:creationId xmlns:p14="http://schemas.microsoft.com/office/powerpoint/2010/main" val="3118407676"/>
+      </p:ext>
+    </p:extLst>
+  </p:cSld>
+  <p:clrMapOvr>
+    <a:masterClrMapping/>
+  </p:clrMapOvr>
+</p:sld>
+</file>
+
+<file path=ppt/slides/slide50.xml><?xml version="1.0" encoding="utf-8"?>
+<p:sld xmlns:a="http://schemas.openxmlformats.org/drawingml/2006/main" xmlns:r="http://schemas.openxmlformats.org/officeDocument/2006/relationships" xmlns:p="http://schemas.openxmlformats.org/presentationml/2006/main">
+  <p:cSld>
+    <p:spTree>
+      <p:nvGrpSpPr>
+        <p:cNvPr id="1" name=""/>
+        <p:cNvGrpSpPr/>
+        <p:nvPr/>
+      </p:nvGrpSpPr>
+      <p:grpSpPr>
+        <a:xfrm>
+          <a:off x="0" y="0"/>
+          <a:ext cx="0" cy="0"/>
+          <a:chOff x="0" y="0"/>
+          <a:chExt cx="0" cy="0"/>
+        </a:xfrm>
+      </p:grpSpPr>
+      <p:sp>
+        <p:nvSpPr>
+          <p:cNvPr id="2" name="Title 1"/>
+          <p:cNvSpPr>
+            <a:spLocks noGrp="1"/>
+          </p:cNvSpPr>
+          <p:nvPr>
+            <p:ph type="title"/>
+          </p:nvPr>
+        </p:nvSpPr>
+        <p:spPr/>
+        <p:txBody>
+          <a:bodyPr/>
+          <a:lstStyle/>
+          <a:p>
+            <a:r>
+              <a:rPr lang="en-US" dirty="0" smtClean="0"/>
+              <a:t>SP returning many records</a:t>
+            </a:r>
+            <a:endParaRPr lang="en-US" dirty="0"/>
+          </a:p>
+        </p:txBody>
+      </p:sp>
+      <p:sp>
+        <p:nvSpPr>
+          <p:cNvPr id="3" name="Content Placeholder 2"/>
+          <p:cNvSpPr>
+            <a:spLocks noGrp="1"/>
+          </p:cNvSpPr>
+          <p:nvPr>
+            <p:ph idx="1"/>
+          </p:nvPr>
+        </p:nvSpPr>
+        <p:spPr>
+          <a:xfrm>
+            <a:off x="1103312" y="2052918"/>
+            <a:ext cx="8946541" cy="4805082"/>
+          </a:xfrm>
+        </p:spPr>
+        <p:txBody>
+          <a:bodyPr>
+            <a:normAutofit fontScale="77500" lnSpcReduction="20000"/>
+          </a:bodyPr>
+          <a:lstStyle/>
+          <a:p>
+            <a:pPr marL="0" indent="0">
+              <a:buNone/>
+            </a:pPr>
+            <a:r>
+              <a:rPr lang="en-US" dirty="0"/>
+              <a:t>DELIMITER </a:t>
+            </a:r>
+            <a:r>
+              <a:rPr lang="en-US" dirty="0" smtClean="0"/>
+              <a:t>//</a:t>
+            </a:r>
+            <a:endParaRPr lang="en-US" dirty="0"/>
+          </a:p>
+          <a:p>
+            <a:pPr marL="0" indent="0">
+              <a:buNone/>
+            </a:pPr>
+            <a:r>
+              <a:rPr lang="en-US" dirty="0"/>
+              <a:t>CREATE PROCEDURE </a:t>
+            </a:r>
+            <a:r>
+              <a:rPr lang="en-US" dirty="0" err="1"/>
+              <a:t>GetCities</a:t>
+            </a:r>
+            <a:r>
+              <a:rPr lang="en-US" dirty="0"/>
+              <a:t>(country VARCHAR(100))</a:t>
+            </a:r>
+          </a:p>
+          <a:p>
+            <a:pPr marL="0" indent="0">
+              <a:buNone/>
+            </a:pPr>
+            <a:r>
+              <a:rPr lang="en-US" dirty="0"/>
+              <a:t>COMMENT 'Given country, return city-country'</a:t>
+            </a:r>
+          </a:p>
+          <a:p>
+            <a:pPr marL="0" indent="0">
+              <a:buNone/>
+            </a:pPr>
+            <a:r>
+              <a:rPr lang="en-US" dirty="0" smtClean="0"/>
+              <a:t>BEGIN</a:t>
+            </a:r>
+            <a:endParaRPr lang="en-US" dirty="0"/>
+          </a:p>
+          <a:p>
+            <a:pPr marL="0" indent="0">
+              <a:buNone/>
+            </a:pPr>
+            <a:r>
+              <a:rPr lang="en-US" dirty="0"/>
+              <a:t>	SELECT </a:t>
+            </a:r>
+          </a:p>
+          <a:p>
+            <a:pPr marL="0" indent="0">
+              <a:buNone/>
+            </a:pPr>
+            <a:r>
+              <a:rPr lang="en-US" dirty="0"/>
+              <a:t>		CASE </a:t>
+            </a:r>
+            <a:r>
+              <a:rPr lang="en-US" dirty="0" smtClean="0"/>
+              <a:t>WHEN </a:t>
+            </a:r>
+            <a:r>
+              <a:rPr lang="en-US" dirty="0"/>
+              <a:t>country = 'USA' THEN CONCAT(c.name, '-', y.name, ' aka Awesome')</a:t>
+            </a:r>
+          </a:p>
+          <a:p>
+            <a:pPr marL="0" indent="0">
+              <a:buNone/>
+            </a:pPr>
+            <a:r>
+              <a:rPr lang="en-US" dirty="0"/>
+              <a:t>		</a:t>
+            </a:r>
+            <a:r>
+              <a:rPr lang="en-US" dirty="0" smtClean="0"/>
+              <a:t>ELSE </a:t>
+            </a:r>
+            <a:r>
+              <a:rPr lang="en-US" dirty="0"/>
+              <a:t>CONCAT(c.name, '-', y.name</a:t>
+            </a:r>
+            <a:r>
+              <a:rPr lang="en-US" dirty="0" smtClean="0"/>
+              <a:t>)  </a:t>
+            </a:r>
+            <a:r>
+              <a:rPr lang="en-US" dirty="0"/>
+              <a:t>END as </a:t>
+            </a:r>
+            <a:r>
+              <a:rPr lang="en-US" dirty="0" err="1"/>
+              <a:t>formattedcity</a:t>
+            </a:r>
+            <a:r>
+              <a:rPr lang="en-US" dirty="0"/>
+              <a:t>,</a:t>
+            </a:r>
+          </a:p>
+          <a:p>
+            <a:pPr marL="0" indent="0">
+              <a:buNone/>
+            </a:pPr>
+            <a:r>
+              <a:rPr lang="en-US" dirty="0"/>
+              <a:t>    </a:t>
+            </a:r>
+            <a:r>
+              <a:rPr lang="en-US" dirty="0" smtClean="0"/>
+              <a:t>     </a:t>
+            </a:r>
+            <a:r>
+              <a:rPr lang="en-US" dirty="0"/>
+              <a:t>c.name</a:t>
+            </a:r>
+            <a:r>
+              <a:rPr lang="en-US" dirty="0" smtClean="0"/>
+              <a:t>, </a:t>
+            </a:r>
+            <a:r>
+              <a:rPr lang="en-US" dirty="0" err="1" smtClean="0"/>
+              <a:t>y.code</a:t>
+            </a:r>
+            <a:r>
+              <a:rPr lang="en-US" dirty="0" smtClean="0"/>
+              <a:t>, y.name, </a:t>
+            </a:r>
+            <a:r>
+              <a:rPr lang="en-US" dirty="0" err="1" smtClean="0"/>
+              <a:t>c.district</a:t>
+            </a:r>
+            <a:r>
+              <a:rPr lang="en-US" dirty="0" smtClean="0"/>
+              <a:t>, </a:t>
+            </a:r>
+            <a:r>
+              <a:rPr lang="en-US" dirty="0" err="1" smtClean="0"/>
+              <a:t>c.population</a:t>
+            </a:r>
+            <a:endParaRPr lang="en-US" dirty="0"/>
+          </a:p>
+          <a:p>
+            <a:pPr marL="0" indent="0">
+              <a:buNone/>
+            </a:pPr>
+            <a:r>
+              <a:rPr lang="en-US" dirty="0"/>
+              <a:t>	FROM city c</a:t>
+            </a:r>
+          </a:p>
+          <a:p>
+            <a:pPr marL="0" indent="0">
+              <a:buNone/>
+            </a:pPr>
+            <a:r>
+              <a:rPr lang="en-US" dirty="0" smtClean="0"/>
+              <a:t>         </a:t>
+            </a:r>
+            <a:r>
+              <a:rPr lang="en-US" dirty="0"/>
+              <a:t>JOIN country y ON </a:t>
+            </a:r>
+            <a:r>
+              <a:rPr lang="en-US" dirty="0" err="1"/>
+              <a:t>y.code</a:t>
+            </a:r>
+            <a:r>
+              <a:rPr lang="en-US" dirty="0"/>
+              <a:t> = </a:t>
+            </a:r>
+            <a:r>
+              <a:rPr lang="en-US" dirty="0" err="1"/>
+              <a:t>c.CountryCode</a:t>
+            </a:r>
+            <a:endParaRPr lang="en-US" dirty="0"/>
+          </a:p>
+          <a:p>
+            <a:pPr marL="0" indent="0">
+              <a:buNone/>
+            </a:pPr>
+            <a:r>
+              <a:rPr lang="en-US" dirty="0"/>
+              <a:t>   </a:t>
+            </a:r>
+            <a:r>
+              <a:rPr lang="en-US" dirty="0" smtClean="0"/>
+              <a:t>      </a:t>
+            </a:r>
+            <a:r>
+              <a:rPr lang="en-US" dirty="0"/>
+              <a:t>WHERE </a:t>
+            </a:r>
+            <a:r>
+              <a:rPr lang="en-US" dirty="0" err="1"/>
+              <a:t>y.code</a:t>
+            </a:r>
+            <a:r>
+              <a:rPr lang="en-US" dirty="0"/>
+              <a:t> = country</a:t>
+            </a:r>
+            <a:r>
+              <a:rPr lang="en-US" dirty="0" smtClean="0"/>
+              <a:t>;</a:t>
+            </a:r>
+            <a:endParaRPr lang="en-US" dirty="0"/>
+          </a:p>
+          <a:p>
+            <a:pPr marL="0" indent="0">
+              <a:buNone/>
+            </a:pPr>
+            <a:r>
+              <a:rPr lang="en-US" dirty="0"/>
+              <a:t>END </a:t>
+            </a:r>
+            <a:r>
+              <a:rPr lang="en-US" dirty="0" smtClean="0"/>
+              <a:t>//</a:t>
+            </a:r>
+            <a:endParaRPr lang="en-US" dirty="0"/>
+          </a:p>
+          <a:p>
+            <a:pPr marL="0" indent="0">
+              <a:buNone/>
+            </a:pPr>
+            <a:r>
+              <a:rPr lang="en-US" dirty="0"/>
+              <a:t>DELIMITER </a:t>
+            </a:r>
+            <a:r>
+              <a:rPr lang="en-US" dirty="0" smtClean="0"/>
+              <a:t>;</a:t>
+            </a:r>
+          </a:p>
+          <a:p>
+            <a:pPr marL="0" indent="0">
+              <a:buNone/>
+            </a:pPr>
+            <a:r>
+              <a:rPr lang="en-US" dirty="0" smtClean="0">
+                <a:solidFill>
+                  <a:srgbClr val="FFFF00"/>
+                </a:solidFill>
+              </a:rPr>
+              <a:t>CALL </a:t>
+            </a:r>
+            <a:r>
+              <a:rPr lang="en-US" dirty="0" err="1" smtClean="0">
+                <a:solidFill>
+                  <a:srgbClr val="FFFF00"/>
+                </a:solidFill>
+              </a:rPr>
+              <a:t>GetCities</a:t>
+            </a:r>
+            <a:r>
+              <a:rPr lang="en-US" dirty="0" smtClean="0">
+                <a:solidFill>
+                  <a:srgbClr val="FFFF00"/>
+                </a:solidFill>
+              </a:rPr>
+              <a:t>(‘NLD’);</a:t>
+            </a:r>
+            <a:endParaRPr lang="en-US" dirty="0">
+              <a:solidFill>
+                <a:srgbClr val="FFFF00"/>
+              </a:solidFill>
+            </a:endParaRPr>
+          </a:p>
+        </p:txBody>
+      </p:sp>
+    </p:spTree>
+    <p:extLst>
+      <p:ext uri="{BB962C8B-B14F-4D97-AF65-F5344CB8AC3E}">
+        <p14:creationId xmlns:p14="http://schemas.microsoft.com/office/powerpoint/2010/main" val="3104276949"/>
+      </p:ext>
+    </p:extLst>
+  </p:cSld>
+  <p:clrMapOvr>
+    <a:masterClrMapping/>
+  </p:clrMapOvr>
+</p:sld>
+</file>
+
+<file path=ppt/slides/slide51.xml><?xml version="1.0" encoding="utf-8"?>
+<p:sld xmlns:a="http://schemas.openxmlformats.org/drawingml/2006/main" xmlns:r="http://schemas.openxmlformats.org/officeDocument/2006/relationships" xmlns:p="http://schemas.openxmlformats.org/presentationml/2006/main">
+  <p:cSld>
+    <p:spTree>
+      <p:nvGrpSpPr>
+        <p:cNvPr id="1" name=""/>
+        <p:cNvGrpSpPr/>
+        <p:nvPr/>
+      </p:nvGrpSpPr>
+      <p:grpSpPr>
+        <a:xfrm>
+          <a:off x="0" y="0"/>
+          <a:ext cx="0" cy="0"/>
+          <a:chOff x="0" y="0"/>
+          <a:chExt cx="0" cy="0"/>
+        </a:xfrm>
+      </p:grpSpPr>
+      <p:sp>
+        <p:nvSpPr>
+          <p:cNvPr id="2" name="Title 1"/>
+          <p:cNvSpPr>
+            <a:spLocks noGrp="1"/>
+          </p:cNvSpPr>
+          <p:nvPr>
+            <p:ph type="title"/>
+          </p:nvPr>
+        </p:nvSpPr>
+        <p:spPr/>
+        <p:txBody>
+          <a:bodyPr/>
+          <a:lstStyle/>
+          <a:p>
+            <a:r>
+              <a:rPr lang="en-US" dirty="0" smtClean="0"/>
+              <a:t>SP </a:t>
+            </a:r>
+            <a:r>
+              <a:rPr lang="en-US" dirty="0" smtClean="0">
+                <a:solidFill>
+                  <a:srgbClr val="FFFF00"/>
+                </a:solidFill>
+              </a:rPr>
+              <a:t>OUT</a:t>
+            </a:r>
+            <a:r>
+              <a:rPr lang="en-US" dirty="0" smtClean="0"/>
+              <a:t> </a:t>
+            </a:r>
+            <a:r>
+              <a:rPr lang="en-US" dirty="0" err="1" smtClean="0"/>
+              <a:t>paramters</a:t>
+            </a:r>
+            <a:endParaRPr lang="en-US" dirty="0"/>
+          </a:p>
+        </p:txBody>
+      </p:sp>
+      <p:sp>
+        <p:nvSpPr>
+          <p:cNvPr id="3" name="Content Placeholder 2"/>
+          <p:cNvSpPr>
+            <a:spLocks noGrp="1"/>
+          </p:cNvSpPr>
+          <p:nvPr>
+            <p:ph idx="1"/>
+          </p:nvPr>
+        </p:nvSpPr>
+        <p:spPr>
+          <a:xfrm>
+            <a:off x="1103312" y="2052918"/>
+            <a:ext cx="8946541" cy="4713642"/>
+          </a:xfrm>
+        </p:spPr>
+        <p:txBody>
+          <a:bodyPr>
+            <a:normAutofit fontScale="85000" lnSpcReduction="20000"/>
+          </a:bodyPr>
+          <a:lstStyle/>
+          <a:p>
+            <a:pPr marL="0" indent="0">
+              <a:buNone/>
+            </a:pPr>
+            <a:r>
+              <a:rPr lang="en-US" dirty="0"/>
+              <a:t>DELIMITER </a:t>
+            </a:r>
+            <a:r>
+              <a:rPr lang="en-US" dirty="0" smtClean="0"/>
+              <a:t>//</a:t>
+            </a:r>
+            <a:endParaRPr lang="en-US" dirty="0"/>
+          </a:p>
+          <a:p>
+            <a:pPr marL="0" indent="0">
+              <a:buNone/>
+            </a:pPr>
+            <a:r>
+              <a:rPr lang="en-US" dirty="0"/>
+              <a:t>CREATE PROCEDURE </a:t>
+            </a:r>
+            <a:r>
+              <a:rPr lang="en-US" dirty="0" err="1"/>
+              <a:t>GetFormattedCityCountry</a:t>
+            </a:r>
+            <a:r>
+              <a:rPr lang="en-US" dirty="0"/>
+              <a:t>(city VARCHAR(100),	country VARCHAR(100), OUT </a:t>
+            </a:r>
+            <a:r>
+              <a:rPr lang="en-US" dirty="0" err="1"/>
+              <a:t>formatted_city</a:t>
+            </a:r>
+            <a:r>
+              <a:rPr lang="en-US" dirty="0"/>
+              <a:t> VARCHAR(200))</a:t>
+            </a:r>
+          </a:p>
+          <a:p>
+            <a:pPr marL="0" indent="0">
+              <a:buNone/>
+            </a:pPr>
+            <a:r>
+              <a:rPr lang="en-US" dirty="0"/>
+              <a:t>COMMENT 'Given city and country, return city-country'</a:t>
+            </a:r>
+          </a:p>
+          <a:p>
+            <a:pPr marL="0" indent="0">
+              <a:buNone/>
+            </a:pPr>
+            <a:r>
+              <a:rPr lang="en-US" dirty="0"/>
+              <a:t>BEGIN</a:t>
+            </a:r>
+          </a:p>
+          <a:p>
+            <a:pPr marL="0" indent="0">
+              <a:buNone/>
+            </a:pPr>
+            <a:r>
+              <a:rPr lang="en-US" dirty="0"/>
+              <a:t>	IF country = 'USA' THEN</a:t>
+            </a:r>
+          </a:p>
+          <a:p>
+            <a:pPr marL="0" indent="0">
+              <a:buNone/>
+            </a:pPr>
+            <a:r>
+              <a:rPr lang="en-US" dirty="0"/>
+              <a:t>		SET </a:t>
+            </a:r>
+            <a:r>
+              <a:rPr lang="en-US" dirty="0" err="1"/>
+              <a:t>formatted_city</a:t>
+            </a:r>
+            <a:r>
+              <a:rPr lang="en-US" dirty="0"/>
+              <a:t> = CONCAT(city, '–', country, ' aka Awesome');</a:t>
+            </a:r>
+          </a:p>
+          <a:p>
+            <a:pPr marL="0" indent="0">
+              <a:buNone/>
+            </a:pPr>
+            <a:r>
+              <a:rPr lang="en-US" dirty="0"/>
+              <a:t>	ELSE</a:t>
+            </a:r>
+          </a:p>
+          <a:p>
+            <a:pPr marL="0" indent="0">
+              <a:buNone/>
+            </a:pPr>
+            <a:r>
+              <a:rPr lang="en-US" dirty="0"/>
+              <a:t> 		SET </a:t>
+            </a:r>
+            <a:r>
+              <a:rPr lang="en-US" dirty="0" err="1"/>
+              <a:t>formatted_city</a:t>
+            </a:r>
+            <a:r>
+              <a:rPr lang="en-US" dirty="0"/>
+              <a:t> = CONCAT(city, '–', country);</a:t>
+            </a:r>
+          </a:p>
+          <a:p>
+            <a:pPr marL="0" indent="0">
+              <a:buNone/>
+            </a:pPr>
+            <a:r>
+              <a:rPr lang="en-US" dirty="0"/>
+              <a:t>	END IF;</a:t>
+            </a:r>
+          </a:p>
+          <a:p>
+            <a:pPr marL="0" indent="0">
+              <a:buNone/>
+            </a:pPr>
+            <a:r>
+              <a:rPr lang="en-US" dirty="0"/>
+              <a:t>END </a:t>
+            </a:r>
+            <a:r>
+              <a:rPr lang="en-US" dirty="0" smtClean="0"/>
+              <a:t>//</a:t>
+            </a:r>
+            <a:endParaRPr lang="en-US" dirty="0"/>
+          </a:p>
+          <a:p>
+            <a:pPr marL="0" indent="0">
+              <a:buNone/>
+            </a:pPr>
+            <a:r>
+              <a:rPr lang="en-US" dirty="0"/>
+              <a:t>DELIMITER </a:t>
+            </a:r>
+            <a:r>
+              <a:rPr lang="en-US" dirty="0" smtClean="0"/>
+              <a:t>;</a:t>
+            </a:r>
+          </a:p>
+          <a:p>
+            <a:pPr marL="0" indent="0">
+              <a:buNone/>
+            </a:pPr>
+            <a:r>
+              <a:rPr lang="en-US" dirty="0" smtClean="0">
+                <a:solidFill>
+                  <a:srgbClr val="FFFF00"/>
+                </a:solidFill>
+              </a:rPr>
+              <a:t>CALL </a:t>
+            </a:r>
+            <a:r>
+              <a:rPr lang="en-US" dirty="0" err="1" smtClean="0">
+                <a:solidFill>
+                  <a:srgbClr val="FFFF00"/>
+                </a:solidFill>
+              </a:rPr>
+              <a:t>GetFormattedCityCountry</a:t>
+            </a:r>
+            <a:r>
+              <a:rPr lang="en-US" dirty="0">
+                <a:solidFill>
+                  <a:srgbClr val="FFFF00"/>
+                </a:solidFill>
+              </a:rPr>
+              <a:t>('</a:t>
+            </a:r>
+            <a:r>
+              <a:rPr lang="en-US" dirty="0" err="1">
+                <a:solidFill>
+                  <a:srgbClr val="FFFF00"/>
+                </a:solidFill>
+              </a:rPr>
+              <a:t>chicago</a:t>
+            </a:r>
+            <a:r>
+              <a:rPr lang="en-US" dirty="0">
+                <a:solidFill>
+                  <a:srgbClr val="FFFF00"/>
+                </a:solidFill>
+              </a:rPr>
+              <a:t>','</a:t>
+            </a:r>
+            <a:r>
+              <a:rPr lang="en-US" dirty="0" err="1">
+                <a:solidFill>
+                  <a:srgbClr val="FFFF00"/>
+                </a:solidFill>
+              </a:rPr>
+              <a:t>usa</a:t>
+            </a:r>
+            <a:r>
+              <a:rPr lang="en-US" dirty="0">
+                <a:solidFill>
+                  <a:srgbClr val="FFFF00"/>
+                </a:solidFill>
+              </a:rPr>
+              <a:t>', </a:t>
+            </a:r>
+            <a:r>
+              <a:rPr lang="en-US" dirty="0" smtClean="0">
+                <a:solidFill>
+                  <a:srgbClr val="FFFF00"/>
+                </a:solidFill>
+              </a:rPr>
+              <a:t>@</a:t>
+            </a:r>
+            <a:r>
+              <a:rPr lang="en-US" dirty="0" err="1" smtClean="0">
+                <a:solidFill>
+                  <a:srgbClr val="FFFF00"/>
+                </a:solidFill>
+              </a:rPr>
+              <a:t>returnedFormattedCity</a:t>
+            </a:r>
+            <a:r>
+              <a:rPr lang="en-US" dirty="0" smtClean="0">
+                <a:solidFill>
+                  <a:srgbClr val="FFFF00"/>
+                </a:solidFill>
+              </a:rPr>
+              <a:t>);</a:t>
+            </a:r>
+          </a:p>
+          <a:p>
+            <a:pPr marL="0" indent="0">
+              <a:buNone/>
+            </a:pPr>
+            <a:r>
+              <a:rPr lang="en-US" dirty="0" smtClean="0">
+                <a:solidFill>
+                  <a:srgbClr val="FFFF00"/>
+                </a:solidFill>
+              </a:rPr>
+              <a:t>SELECT @ </a:t>
+            </a:r>
+            <a:r>
+              <a:rPr lang="en-US" dirty="0" err="1">
+                <a:solidFill>
+                  <a:srgbClr val="FFFF00"/>
+                </a:solidFill>
+              </a:rPr>
+              <a:t>returnedFormattedCity</a:t>
+            </a:r>
+            <a:r>
+              <a:rPr lang="en-US" dirty="0" smtClean="0">
+                <a:solidFill>
+                  <a:srgbClr val="FFFF00"/>
+                </a:solidFill>
+              </a:rPr>
+              <a:t>;</a:t>
+            </a:r>
+            <a:endParaRPr lang="en-US" dirty="0">
+              <a:solidFill>
+                <a:srgbClr val="FFFF00"/>
+              </a:solidFill>
+            </a:endParaRPr>
+          </a:p>
+        </p:txBody>
+      </p:sp>
+    </p:spTree>
+    <p:extLst>
+      <p:ext uri="{BB962C8B-B14F-4D97-AF65-F5344CB8AC3E}">
+        <p14:creationId xmlns:p14="http://schemas.microsoft.com/office/powerpoint/2010/main" val="2252060917"/>
+      </p:ext>
+    </p:extLst>
+  </p:cSld>
+  <p:clrMapOvr>
+    <a:masterClrMapping/>
+  </p:clrMapOvr>
+</p:sld>
+</file>
+
+<file path=ppt/slides/slide52.xml><?xml version="1.0" encoding="utf-8"?>
+<p:sld xmlns:a="http://schemas.openxmlformats.org/drawingml/2006/main" xmlns:r="http://schemas.openxmlformats.org/officeDocument/2006/relationships" xmlns:p="http://schemas.openxmlformats.org/presentationml/2006/main">
+  <p:cSld>
+    <p:spTree>
+      <p:nvGrpSpPr>
+        <p:cNvPr id="1" name=""/>
+        <p:cNvGrpSpPr/>
+        <p:nvPr/>
+      </p:nvGrpSpPr>
+      <p:grpSpPr>
+        <a:xfrm>
+          <a:off x="0" y="0"/>
+          <a:ext cx="0" cy="0"/>
+          <a:chOff x="0" y="0"/>
+          <a:chExt cx="0" cy="0"/>
+        </a:xfrm>
+      </p:grpSpPr>
+      <p:sp>
+        <p:nvSpPr>
+          <p:cNvPr id="2" name="Title 1"/>
+          <p:cNvSpPr>
+            <a:spLocks noGrp="1"/>
+          </p:cNvSpPr>
+          <p:nvPr>
+            <p:ph type="title"/>
+          </p:nvPr>
+        </p:nvSpPr>
+        <p:spPr/>
+        <p:txBody>
+          <a:bodyPr/>
+          <a:lstStyle/>
+          <a:p>
+            <a:r>
+              <a:rPr lang="en-US" dirty="0" smtClean="0"/>
+              <a:t>SP OUT and returning record(s)</a:t>
+            </a:r>
+            <a:endParaRPr lang="en-US" dirty="0"/>
+          </a:p>
+        </p:txBody>
+      </p:sp>
+      <p:sp>
+        <p:nvSpPr>
+          <p:cNvPr id="3" name="Content Placeholder 2"/>
+          <p:cNvSpPr>
+            <a:spLocks noGrp="1"/>
+          </p:cNvSpPr>
+          <p:nvPr>
+            <p:ph idx="1"/>
+          </p:nvPr>
+        </p:nvSpPr>
+        <p:spPr>
+          <a:xfrm>
+            <a:off x="1103312" y="2052918"/>
+            <a:ext cx="8946541" cy="4805082"/>
+          </a:xfrm>
+        </p:spPr>
+        <p:txBody>
+          <a:bodyPr>
+            <a:normAutofit fontScale="77500" lnSpcReduction="20000"/>
+          </a:bodyPr>
+          <a:lstStyle/>
+          <a:p>
+            <a:pPr marL="0" indent="0">
+              <a:buNone/>
+            </a:pPr>
+            <a:r>
+              <a:rPr lang="en-US" dirty="0"/>
+              <a:t>DELIMITER //</a:t>
+            </a:r>
+          </a:p>
+          <a:p>
+            <a:pPr marL="0" indent="0">
+              <a:buNone/>
+            </a:pPr>
+            <a:r>
+              <a:rPr lang="en-US" dirty="0" smtClean="0"/>
+              <a:t>CREATE </a:t>
+            </a:r>
+            <a:r>
+              <a:rPr lang="en-US" dirty="0"/>
+              <a:t>PROCEDURE </a:t>
+            </a:r>
+            <a:r>
+              <a:rPr lang="en-US" dirty="0" err="1"/>
+              <a:t>GetFormattedCityCountry</a:t>
+            </a:r>
+            <a:r>
+              <a:rPr lang="en-US" dirty="0"/>
+              <a:t>(city VARCHAR(100),	country VARCHAR(100), OUT </a:t>
+            </a:r>
+            <a:r>
+              <a:rPr lang="en-US" dirty="0" err="1"/>
+              <a:t>formatted_city</a:t>
+            </a:r>
+            <a:r>
+              <a:rPr lang="en-US" dirty="0"/>
+              <a:t> VARCHAR(200))</a:t>
+            </a:r>
+          </a:p>
+          <a:p>
+            <a:pPr marL="0" indent="0">
+              <a:buNone/>
+            </a:pPr>
+            <a:r>
+              <a:rPr lang="en-US" dirty="0"/>
+              <a:t>COMMENT 'Given city and country, return city-country'</a:t>
+            </a:r>
+          </a:p>
+          <a:p>
+            <a:pPr marL="0" indent="0">
+              <a:buNone/>
+            </a:pPr>
+            <a:r>
+              <a:rPr lang="en-US" dirty="0"/>
+              <a:t>BEGIN</a:t>
+            </a:r>
+          </a:p>
+          <a:p>
+            <a:pPr marL="0" indent="0">
+              <a:buNone/>
+            </a:pPr>
+            <a:r>
+              <a:rPr lang="en-US" dirty="0"/>
+              <a:t>	IF country = 'USA' THEN</a:t>
+            </a:r>
+          </a:p>
+          <a:p>
+            <a:pPr marL="0" indent="0">
+              <a:buNone/>
+            </a:pPr>
+            <a:r>
+              <a:rPr lang="en-US" dirty="0"/>
+              <a:t>		SET </a:t>
+            </a:r>
+            <a:r>
+              <a:rPr lang="en-US" dirty="0" err="1"/>
+              <a:t>formatted_city</a:t>
+            </a:r>
+            <a:r>
+              <a:rPr lang="en-US" dirty="0"/>
+              <a:t> = CONCAT(city, '–', country, ' aka Awesome');</a:t>
+            </a:r>
+          </a:p>
+          <a:p>
+            <a:pPr marL="0" indent="0">
+              <a:buNone/>
+            </a:pPr>
+            <a:r>
+              <a:rPr lang="en-US" dirty="0"/>
+              <a:t>	ELSE</a:t>
+            </a:r>
+          </a:p>
+          <a:p>
+            <a:pPr marL="0" indent="0">
+              <a:buNone/>
+            </a:pPr>
+            <a:r>
+              <a:rPr lang="en-US" dirty="0"/>
+              <a:t> 		SET </a:t>
+            </a:r>
+            <a:r>
+              <a:rPr lang="en-US" dirty="0" err="1"/>
+              <a:t>formatted_city</a:t>
+            </a:r>
+            <a:r>
+              <a:rPr lang="en-US" dirty="0"/>
+              <a:t> = CONCAT(city, '–', country);</a:t>
+            </a:r>
+          </a:p>
+          <a:p>
+            <a:pPr marL="0" indent="0">
+              <a:buNone/>
+            </a:pPr>
+            <a:r>
+              <a:rPr lang="en-US" dirty="0"/>
+              <a:t>	END IF</a:t>
+            </a:r>
+            <a:r>
+              <a:rPr lang="en-US" dirty="0" smtClean="0"/>
+              <a:t>;    </a:t>
+            </a:r>
+            <a:endParaRPr lang="en-US" dirty="0"/>
+          </a:p>
+          <a:p>
+            <a:pPr marL="0" indent="0">
+              <a:buNone/>
+            </a:pPr>
+            <a:r>
+              <a:rPr lang="en-US" dirty="0"/>
+              <a:t>    </a:t>
+            </a:r>
+            <a:r>
+              <a:rPr lang="en-US" dirty="0" smtClean="0"/>
+              <a:t>   SELECT </a:t>
+            </a:r>
+            <a:r>
+              <a:rPr lang="en-US" dirty="0"/>
+              <a:t>* FROM city WHERE </a:t>
+            </a:r>
+            <a:r>
+              <a:rPr lang="en-US" dirty="0" err="1"/>
+              <a:t>countrycode</a:t>
+            </a:r>
+            <a:r>
+              <a:rPr lang="en-US" dirty="0"/>
+              <a:t> = country;</a:t>
+            </a:r>
+          </a:p>
+          <a:p>
+            <a:pPr marL="0" indent="0">
+              <a:buNone/>
+            </a:pPr>
+            <a:r>
+              <a:rPr lang="en-US" dirty="0"/>
+              <a:t>END </a:t>
+            </a:r>
+            <a:r>
+              <a:rPr lang="en-US" dirty="0" smtClean="0"/>
+              <a:t>//</a:t>
+            </a:r>
+            <a:endParaRPr lang="en-US" dirty="0"/>
+          </a:p>
+          <a:p>
+            <a:pPr marL="0" indent="0">
+              <a:buNone/>
+            </a:pPr>
+            <a:r>
+              <a:rPr lang="en-US" dirty="0"/>
+              <a:t>DELIMITER </a:t>
+            </a:r>
+            <a:r>
+              <a:rPr lang="en-US" dirty="0" smtClean="0"/>
+              <a:t>;</a:t>
+            </a:r>
+          </a:p>
+          <a:p>
+            <a:pPr marL="0" indent="0">
+              <a:buNone/>
+            </a:pPr>
+            <a:r>
+              <a:rPr lang="en-US" dirty="0" smtClean="0">
+                <a:solidFill>
+                  <a:srgbClr val="FFFF00"/>
+                </a:solidFill>
+              </a:rPr>
+              <a:t>CALL </a:t>
+            </a:r>
+            <a:r>
+              <a:rPr lang="en-US" dirty="0" err="1" smtClean="0">
+                <a:solidFill>
+                  <a:srgbClr val="FFFF00"/>
+                </a:solidFill>
+              </a:rPr>
+              <a:t>GetFormattedCityCountry</a:t>
+            </a:r>
+            <a:r>
+              <a:rPr lang="en-US" dirty="0">
+                <a:solidFill>
+                  <a:srgbClr val="FFFF00"/>
+                </a:solidFill>
+              </a:rPr>
+              <a:t>('</a:t>
+            </a:r>
+            <a:r>
+              <a:rPr lang="en-US" dirty="0" err="1">
+                <a:solidFill>
+                  <a:srgbClr val="FFFF00"/>
+                </a:solidFill>
+              </a:rPr>
+              <a:t>chicago</a:t>
+            </a:r>
+            <a:r>
+              <a:rPr lang="en-US" dirty="0">
+                <a:solidFill>
+                  <a:srgbClr val="FFFF00"/>
+                </a:solidFill>
+              </a:rPr>
+              <a:t>','</a:t>
+            </a:r>
+            <a:r>
+              <a:rPr lang="en-US" dirty="0" err="1">
+                <a:solidFill>
+                  <a:srgbClr val="FFFF00"/>
+                </a:solidFill>
+              </a:rPr>
+              <a:t>usa</a:t>
+            </a:r>
+            <a:r>
+              <a:rPr lang="en-US" dirty="0">
+                <a:solidFill>
+                  <a:srgbClr val="FFFF00"/>
+                </a:solidFill>
+              </a:rPr>
+              <a:t>', @</a:t>
+            </a:r>
+            <a:r>
+              <a:rPr lang="en-US" dirty="0" err="1">
+                <a:solidFill>
+                  <a:srgbClr val="FFFF00"/>
+                </a:solidFill>
+              </a:rPr>
+              <a:t>somedata</a:t>
+            </a:r>
+            <a:r>
+              <a:rPr lang="en-US" dirty="0" smtClean="0">
+                <a:solidFill>
+                  <a:srgbClr val="FFFF00"/>
+                </a:solidFill>
+              </a:rPr>
+              <a:t>);</a:t>
+            </a:r>
+          </a:p>
+          <a:p>
+            <a:pPr marL="0" indent="0">
+              <a:buNone/>
+            </a:pPr>
+            <a:r>
+              <a:rPr lang="en-US" dirty="0" smtClean="0">
+                <a:solidFill>
+                  <a:srgbClr val="FFFF00"/>
+                </a:solidFill>
+              </a:rPr>
+              <a:t>SELECT </a:t>
+            </a:r>
+            <a:r>
+              <a:rPr lang="en-US" dirty="0">
+                <a:solidFill>
+                  <a:srgbClr val="FFFF00"/>
+                </a:solidFill>
+              </a:rPr>
+              <a:t>@</a:t>
+            </a:r>
+            <a:r>
+              <a:rPr lang="en-US" dirty="0" err="1">
+                <a:solidFill>
+                  <a:srgbClr val="FFFF00"/>
+                </a:solidFill>
+              </a:rPr>
+              <a:t>somedata</a:t>
+            </a:r>
+            <a:r>
+              <a:rPr lang="en-US" dirty="0">
+                <a:solidFill>
+                  <a:srgbClr val="FFFF00"/>
+                </a:solidFill>
+              </a:rPr>
+              <a:t>;</a:t>
+            </a:r>
+          </a:p>
+        </p:txBody>
+      </p:sp>
+    </p:spTree>
+    <p:extLst>
+      <p:ext uri="{BB962C8B-B14F-4D97-AF65-F5344CB8AC3E}">
+        <p14:creationId xmlns:p14="http://schemas.microsoft.com/office/powerpoint/2010/main" val="995480373"/>
+      </p:ext>
+    </p:extLst>
+  </p:cSld>
+  <p:clrMapOvr>
+    <a:masterClrMapping/>
+  </p:clrMapOvr>
+</p:sld>
+</file>
+
+<file path=ppt/slides/slide53.xml><?xml version="1.0" encoding="utf-8"?>
+<p:sld xmlns:a="http://schemas.openxmlformats.org/drawingml/2006/main" xmlns:r="http://schemas.openxmlformats.org/officeDocument/2006/relationships" xmlns:p="http://schemas.openxmlformats.org/presentationml/2006/main">
+  <p:cSld>
+    <p:spTree>
+      <p:nvGrpSpPr>
+        <p:cNvPr id="1" name=""/>
+        <p:cNvGrpSpPr/>
+        <p:nvPr/>
+      </p:nvGrpSpPr>
+      <p:grpSpPr>
+        <a:xfrm>
+          <a:off x="0" y="0"/>
+          <a:ext cx="0" cy="0"/>
+          <a:chOff x="0" y="0"/>
+          <a:chExt cx="0" cy="0"/>
+        </a:xfrm>
+      </p:grpSpPr>
+      <p:sp>
+        <p:nvSpPr>
+          <p:cNvPr id="2" name="Title 1"/>
+          <p:cNvSpPr>
+            <a:spLocks noGrp="1"/>
+          </p:cNvSpPr>
+          <p:nvPr>
+            <p:ph type="title"/>
+          </p:nvPr>
+        </p:nvSpPr>
+        <p:spPr/>
+        <p:txBody>
+          <a:bodyPr/>
+          <a:lstStyle/>
+          <a:p>
+            <a:r>
+              <a:rPr lang="en-US" dirty="0" smtClean="0"/>
+              <a:t>Day 10</a:t>
+            </a:r>
+            <a:endParaRPr lang="en-US" dirty="0"/>
+          </a:p>
+        </p:txBody>
+      </p:sp>
+      <p:sp>
+        <p:nvSpPr>
+          <p:cNvPr id="3" name="Content Placeholder 2"/>
+          <p:cNvSpPr>
+            <a:spLocks noGrp="1"/>
+          </p:cNvSpPr>
+          <p:nvPr>
+            <p:ph idx="1"/>
+          </p:nvPr>
+        </p:nvSpPr>
+        <p:spPr/>
+        <p:txBody>
+          <a:bodyPr/>
+          <a:lstStyle/>
+          <a:p>
+            <a:r>
+              <a:rPr lang="en-US" dirty="0" smtClean="0"/>
+              <a:t>Triggers!</a:t>
+            </a:r>
+          </a:p>
+          <a:p>
+            <a:r>
+              <a:rPr lang="en-US" dirty="0" smtClean="0"/>
+              <a:t>Before data is inserted, take proactive steps</a:t>
+            </a:r>
+          </a:p>
+          <a:p>
+            <a:r>
+              <a:rPr lang="en-US" dirty="0" smtClean="0"/>
+              <a:t>After data is inserted, take reactive steps</a:t>
+            </a:r>
+          </a:p>
+          <a:p>
+            <a:r>
+              <a:rPr lang="en-US" dirty="0" smtClean="0"/>
+              <a:t>Actions based in INSERT, UPDATE or DELETE</a:t>
+            </a:r>
+            <a:endParaRPr lang="en-US" dirty="0"/>
+          </a:p>
+        </p:txBody>
+      </p:sp>
+    </p:spTree>
+    <p:extLst>
+      <p:ext uri="{BB962C8B-B14F-4D97-AF65-F5344CB8AC3E}">
+        <p14:creationId xmlns:p14="http://schemas.microsoft.com/office/powerpoint/2010/main" val="1658924837"/>
       </p:ext>
     </p:extLst>
   </p:cSld>

--- a/Presentation/Database-Bootcamp-Presentation.pptx
+++ b/Presentation/Database-Bootcamp-Presentation.pptx
@@ -58,6 +58,7 @@
     <p:sldId id="306" r:id="rId52"/>
     <p:sldId id="307" r:id="rId53"/>
     <p:sldId id="308" r:id="rId54"/>
+    <p:sldId id="309" r:id="rId55"/>
   </p:sldIdLst>
   <p:sldSz cx="12192000" cy="6858000"/>
   <p:notesSz cx="6858000" cy="9144000"/>
@@ -350,7 +351,7 @@
           <a:p>
             <a:fld id="{9DC1F441-9BCC-4383-B80D-68C31DF95A71}" type="datetimeFigureOut">
               <a:rPr lang="en-US" smtClean="0"/>
-              <a:t>1/14/2016</a:t>
+              <a:t>1/15/2016</a:t>
             </a:fld>
             <a:endParaRPr lang="en-US"/>
           </a:p>
@@ -630,7 +631,7 @@
           <a:p>
             <a:fld id="{9DC1F441-9BCC-4383-B80D-68C31DF95A71}" type="datetimeFigureOut">
               <a:rPr lang="en-US" smtClean="0"/>
-              <a:t>1/14/2016</a:t>
+              <a:t>1/15/2016</a:t>
             </a:fld>
             <a:endParaRPr lang="en-US"/>
           </a:p>
@@ -824,7 +825,7 @@
           <a:p>
             <a:fld id="{9DC1F441-9BCC-4383-B80D-68C31DF95A71}" type="datetimeFigureOut">
               <a:rPr lang="en-US" smtClean="0"/>
-              <a:t>1/14/2016</a:t>
+              <a:t>1/15/2016</a:t>
             </a:fld>
             <a:endParaRPr lang="en-US"/>
           </a:p>
@@ -1097,7 +1098,7 @@
           <a:p>
             <a:fld id="{9DC1F441-9BCC-4383-B80D-68C31DF95A71}" type="datetimeFigureOut">
               <a:rPr lang="en-US" smtClean="0"/>
-              <a:t>1/14/2016</a:t>
+              <a:t>1/15/2016</a:t>
             </a:fld>
             <a:endParaRPr lang="en-US"/>
           </a:p>
@@ -1438,7 +1439,7 @@
           <a:p>
             <a:fld id="{9DC1F441-9BCC-4383-B80D-68C31DF95A71}" type="datetimeFigureOut">
               <a:rPr lang="en-US" smtClean="0"/>
-              <a:t>1/14/2016</a:t>
+              <a:t>1/15/2016</a:t>
             </a:fld>
             <a:endParaRPr lang="en-US"/>
           </a:p>
@@ -2061,7 +2062,7 @@
           <a:p>
             <a:fld id="{9DC1F441-9BCC-4383-B80D-68C31DF95A71}" type="datetimeFigureOut">
               <a:rPr lang="en-US" smtClean="0"/>
-              <a:t>1/14/2016</a:t>
+              <a:t>1/15/2016</a:t>
             </a:fld>
             <a:endParaRPr lang="en-US"/>
           </a:p>
@@ -2921,7 +2922,7 @@
           <a:p>
             <a:fld id="{9DC1F441-9BCC-4383-B80D-68C31DF95A71}" type="datetimeFigureOut">
               <a:rPr lang="en-US" smtClean="0"/>
-              <a:t>1/14/2016</a:t>
+              <a:t>1/15/2016</a:t>
             </a:fld>
             <a:endParaRPr lang="en-US"/>
           </a:p>
@@ -3091,7 +3092,7 @@
           <a:p>
             <a:fld id="{9DC1F441-9BCC-4383-B80D-68C31DF95A71}" type="datetimeFigureOut">
               <a:rPr lang="en-US" smtClean="0"/>
-              <a:t>1/14/2016</a:t>
+              <a:t>1/15/2016</a:t>
             </a:fld>
             <a:endParaRPr lang="en-US"/>
           </a:p>
@@ -3271,7 +3272,7 @@
           <a:p>
             <a:fld id="{9DC1F441-9BCC-4383-B80D-68C31DF95A71}" type="datetimeFigureOut">
               <a:rPr lang="en-US" smtClean="0"/>
-              <a:t>1/14/2016</a:t>
+              <a:t>1/15/2016</a:t>
             </a:fld>
             <a:endParaRPr lang="en-US"/>
           </a:p>
@@ -3446,7 +3447,7 @@
           <a:p>
             <a:fld id="{9DC1F441-9BCC-4383-B80D-68C31DF95A71}" type="datetimeFigureOut">
               <a:rPr lang="en-US" smtClean="0"/>
-              <a:t>1/14/2016</a:t>
+              <a:t>1/15/2016</a:t>
             </a:fld>
             <a:endParaRPr lang="en-US"/>
           </a:p>
@@ -3693,7 +3694,7 @@
           <a:p>
             <a:fld id="{9DC1F441-9BCC-4383-B80D-68C31DF95A71}" type="datetimeFigureOut">
               <a:rPr lang="en-US" smtClean="0"/>
-              <a:t>1/14/2016</a:t>
+              <a:t>1/15/2016</a:t>
             </a:fld>
             <a:endParaRPr lang="en-US"/>
           </a:p>
@@ -3990,7 +3991,7 @@
           <a:p>
             <a:fld id="{9DC1F441-9BCC-4383-B80D-68C31DF95A71}" type="datetimeFigureOut">
               <a:rPr lang="en-US" smtClean="0"/>
-              <a:t>1/14/2016</a:t>
+              <a:t>1/15/2016</a:t>
             </a:fld>
             <a:endParaRPr lang="en-US"/>
           </a:p>
@@ -4434,7 +4435,7 @@
           <a:p>
             <a:fld id="{9DC1F441-9BCC-4383-B80D-68C31DF95A71}" type="datetimeFigureOut">
               <a:rPr lang="en-US" smtClean="0"/>
-              <a:t>1/14/2016</a:t>
+              <a:t>1/15/2016</a:t>
             </a:fld>
             <a:endParaRPr lang="en-US"/>
           </a:p>
@@ -4552,7 +4553,7 @@
           <a:p>
             <a:fld id="{9DC1F441-9BCC-4383-B80D-68C31DF95A71}" type="datetimeFigureOut">
               <a:rPr lang="en-US" smtClean="0"/>
-              <a:t>1/14/2016</a:t>
+              <a:t>1/15/2016</a:t>
             </a:fld>
             <a:endParaRPr lang="en-US"/>
           </a:p>
@@ -4647,7 +4648,7 @@
           <a:p>
             <a:fld id="{9DC1F441-9BCC-4383-B80D-68C31DF95A71}" type="datetimeFigureOut">
               <a:rPr lang="en-US" smtClean="0"/>
-              <a:t>1/14/2016</a:t>
+              <a:t>1/15/2016</a:t>
             </a:fld>
             <a:endParaRPr lang="en-US"/>
           </a:p>
@@ -4931,7 +4932,7 @@
           <a:p>
             <a:fld id="{9DC1F441-9BCC-4383-B80D-68C31DF95A71}" type="datetimeFigureOut">
               <a:rPr lang="en-US" smtClean="0"/>
-              <a:t>1/14/2016</a:t>
+              <a:t>1/15/2016</a:t>
             </a:fld>
             <a:endParaRPr lang="en-US"/>
           </a:p>
@@ -5211,7 +5212,7 @@
           <a:p>
             <a:fld id="{9DC1F441-9BCC-4383-B80D-68C31DF95A71}" type="datetimeFigureOut">
               <a:rPr lang="en-US" smtClean="0"/>
-              <a:t>1/14/2016</a:t>
+              <a:t>1/15/2016</a:t>
             </a:fld>
             <a:endParaRPr lang="en-US"/>
           </a:p>
@@ -5640,7 +5641,7 @@
           <a:p>
             <a:fld id="{9DC1F441-9BCC-4383-B80D-68C31DF95A71}" type="datetimeFigureOut">
               <a:rPr lang="en-US" smtClean="0"/>
-              <a:t>1/14/2016</a:t>
+              <a:t>1/15/2016</a:t>
             </a:fld>
             <a:endParaRPr lang="en-US"/>
           </a:p>
@@ -18649,6 +18650,208 @@
 </p:sld>
 </file>
 
+<file path=ppt/slides/slide54.xml><?xml version="1.0" encoding="utf-8"?>
+<p:sld xmlns:a="http://schemas.openxmlformats.org/drawingml/2006/main" xmlns:r="http://schemas.openxmlformats.org/officeDocument/2006/relationships" xmlns:p="http://schemas.openxmlformats.org/presentationml/2006/main">
+  <p:cSld>
+    <p:spTree>
+      <p:nvGrpSpPr>
+        <p:cNvPr id="1" name=""/>
+        <p:cNvGrpSpPr/>
+        <p:nvPr/>
+      </p:nvGrpSpPr>
+      <p:grpSpPr>
+        <a:xfrm>
+          <a:off x="0" y="0"/>
+          <a:ext cx="0" cy="0"/>
+          <a:chOff x="0" y="0"/>
+          <a:chExt cx="0" cy="0"/>
+        </a:xfrm>
+      </p:grpSpPr>
+      <p:sp>
+        <p:nvSpPr>
+          <p:cNvPr id="2" name="Title 1"/>
+          <p:cNvSpPr>
+            <a:spLocks noGrp="1"/>
+          </p:cNvSpPr>
+          <p:nvPr>
+            <p:ph type="title"/>
+          </p:nvPr>
+        </p:nvSpPr>
+        <p:spPr/>
+        <p:txBody>
+          <a:bodyPr/>
+          <a:lstStyle/>
+          <a:p>
+            <a:r>
+              <a:rPr lang="en-US" dirty="0" smtClean="0"/>
+              <a:t>BEFORE TRIGGER</a:t>
+            </a:r>
+            <a:endParaRPr lang="en-US" dirty="0"/>
+          </a:p>
+        </p:txBody>
+      </p:sp>
+      <p:sp>
+        <p:nvSpPr>
+          <p:cNvPr id="3" name="Content Placeholder 2"/>
+          <p:cNvSpPr>
+            <a:spLocks noGrp="1"/>
+          </p:cNvSpPr>
+          <p:nvPr>
+            <p:ph idx="1"/>
+          </p:nvPr>
+        </p:nvSpPr>
+        <p:spPr>
+          <a:xfrm>
+            <a:off x="1103312" y="2052918"/>
+            <a:ext cx="8946541" cy="4805082"/>
+          </a:xfrm>
+        </p:spPr>
+        <p:txBody>
+          <a:bodyPr>
+            <a:normAutofit/>
+          </a:bodyPr>
+          <a:lstStyle/>
+          <a:p>
+            <a:pPr marL="0" indent="0">
+              <a:buNone/>
+            </a:pPr>
+            <a:r>
+              <a:rPr lang="en-US" dirty="0"/>
+              <a:t>DELIMITER //</a:t>
+            </a:r>
+          </a:p>
+          <a:p>
+            <a:pPr marL="0" indent="0">
+              <a:buNone/>
+            </a:pPr>
+            <a:r>
+              <a:rPr lang="en-US" dirty="0"/>
+              <a:t>CREATE TRIGGER </a:t>
+            </a:r>
+            <a:r>
+              <a:rPr lang="en-US" dirty="0" err="1"/>
+              <a:t>city_before_update</a:t>
+            </a:r>
+            <a:endParaRPr lang="en-US" dirty="0"/>
+          </a:p>
+          <a:p>
+            <a:pPr marL="0" indent="0">
+              <a:buNone/>
+            </a:pPr>
+            <a:r>
+              <a:rPr lang="en-US" dirty="0"/>
+              <a:t>BEFORE UPDATE ON city FOR EACH ROW</a:t>
+            </a:r>
+          </a:p>
+          <a:p>
+            <a:pPr marL="0" indent="0">
+              <a:buNone/>
+            </a:pPr>
+            <a:r>
+              <a:rPr lang="en-US" dirty="0"/>
+              <a:t>BEGIN</a:t>
+            </a:r>
+          </a:p>
+          <a:p>
+            <a:pPr marL="0" indent="0">
+              <a:buNone/>
+            </a:pPr>
+            <a:r>
+              <a:rPr lang="en-US" dirty="0"/>
+              <a:t>	INSERT INTO </a:t>
+            </a:r>
+            <a:r>
+              <a:rPr lang="en-US" dirty="0" err="1"/>
+              <a:t>city_audit</a:t>
+            </a:r>
+            <a:r>
+              <a:rPr lang="en-US" dirty="0"/>
+              <a:t> (action, </a:t>
+            </a:r>
+            <a:r>
+              <a:rPr lang="en-US" dirty="0" err="1"/>
+              <a:t>oldname</a:t>
+            </a:r>
+            <a:r>
+              <a:rPr lang="en-US" dirty="0"/>
+              <a:t>, </a:t>
+            </a:r>
+            <a:r>
+              <a:rPr lang="en-US" dirty="0" err="1"/>
+              <a:t>newname</a:t>
+            </a:r>
+            <a:r>
+              <a:rPr lang="en-US" dirty="0"/>
+              <a:t>, </a:t>
+            </a:r>
+            <a:r>
+              <a:rPr lang="en-US" dirty="0" err="1"/>
+              <a:t>ts</a:t>
+            </a:r>
+            <a:r>
+              <a:rPr lang="en-US" dirty="0"/>
+              <a:t>)</a:t>
+            </a:r>
+          </a:p>
+          <a:p>
+            <a:pPr marL="0" indent="0">
+              <a:buNone/>
+            </a:pPr>
+            <a:r>
+              <a:rPr lang="en-US" dirty="0"/>
+              <a:t>	VALUES ('UPDATE', OLD.name, NEW.name, NOW());</a:t>
+            </a:r>
+          </a:p>
+          <a:p>
+            <a:pPr marL="0" indent="0">
+              <a:buNone/>
+            </a:pPr>
+            <a:r>
+              <a:rPr lang="en-US" dirty="0"/>
+              <a:t>END //</a:t>
+            </a:r>
+          </a:p>
+          <a:p>
+            <a:pPr marL="0" indent="0">
+              <a:buNone/>
+            </a:pPr>
+            <a:r>
+              <a:rPr lang="en-US"/>
+              <a:t>DELIMITER ;</a:t>
+            </a:r>
+            <a:endParaRPr lang="en-US" dirty="0" smtClean="0"/>
+          </a:p>
+          <a:p>
+            <a:pPr marL="0" indent="0">
+              <a:buNone/>
+            </a:pPr>
+            <a:endParaRPr lang="en-US" dirty="0"/>
+          </a:p>
+          <a:p>
+            <a:pPr marL="0" indent="0">
+              <a:buNone/>
+            </a:pPr>
+            <a:r>
+              <a:rPr lang="en-US" dirty="0" smtClean="0"/>
+              <a:t>Before data is inserted, add an audit entry recording the old city name.</a:t>
+            </a:r>
+            <a:endParaRPr lang="en-US" dirty="0"/>
+          </a:p>
+        </p:txBody>
+      </p:sp>
+    </p:spTree>
+    <p:extLst>
+      <p:ext uri="{BB962C8B-B14F-4D97-AF65-F5344CB8AC3E}">
+        <p14:creationId xmlns:p14="http://schemas.microsoft.com/office/powerpoint/2010/main" val="968345430"/>
+      </p:ext>
+    </p:extLst>
+  </p:cSld>
+  <p:clrMapOvr>
+    <a:masterClrMapping/>
+  </p:clrMapOvr>
+</p:sld>
+</file>
+
 <file path=ppt/slides/slide6.xml><?xml version="1.0" encoding="utf-8"?>
 <p:sld xmlns:a="http://schemas.openxmlformats.org/drawingml/2006/main" xmlns:r="http://schemas.openxmlformats.org/officeDocument/2006/relationships" xmlns:p="http://schemas.openxmlformats.org/presentationml/2006/main">
   <p:cSld>

--- a/Presentation/Database-Bootcamp-Presentation.pptx
+++ b/Presentation/Database-Bootcamp-Presentation.pptx
@@ -59,6 +59,8 @@
     <p:sldId id="307" r:id="rId53"/>
     <p:sldId id="308" r:id="rId54"/>
     <p:sldId id="309" r:id="rId55"/>
+    <p:sldId id="310" r:id="rId56"/>
+    <p:sldId id="311" r:id="rId57"/>
   </p:sldIdLst>
   <p:sldSz cx="12192000" cy="6858000"/>
   <p:notesSz cx="6858000" cy="9144000"/>
@@ -351,7 +353,7 @@
           <a:p>
             <a:fld id="{9DC1F441-9BCC-4383-B80D-68C31DF95A71}" type="datetimeFigureOut">
               <a:rPr lang="en-US" smtClean="0"/>
-              <a:t>1/15/2016</a:t>
+              <a:t>1/19/2016</a:t>
             </a:fld>
             <a:endParaRPr lang="en-US"/>
           </a:p>
@@ -631,7 +633,7 @@
           <a:p>
             <a:fld id="{9DC1F441-9BCC-4383-B80D-68C31DF95A71}" type="datetimeFigureOut">
               <a:rPr lang="en-US" smtClean="0"/>
-              <a:t>1/15/2016</a:t>
+              <a:t>1/19/2016</a:t>
             </a:fld>
             <a:endParaRPr lang="en-US"/>
           </a:p>
@@ -825,7 +827,7 @@
           <a:p>
             <a:fld id="{9DC1F441-9BCC-4383-B80D-68C31DF95A71}" type="datetimeFigureOut">
               <a:rPr lang="en-US" smtClean="0"/>
-              <a:t>1/15/2016</a:t>
+              <a:t>1/19/2016</a:t>
             </a:fld>
             <a:endParaRPr lang="en-US"/>
           </a:p>
@@ -1098,7 +1100,7 @@
           <a:p>
             <a:fld id="{9DC1F441-9BCC-4383-B80D-68C31DF95A71}" type="datetimeFigureOut">
               <a:rPr lang="en-US" smtClean="0"/>
-              <a:t>1/15/2016</a:t>
+              <a:t>1/19/2016</a:t>
             </a:fld>
             <a:endParaRPr lang="en-US"/>
           </a:p>
@@ -1439,7 +1441,7 @@
           <a:p>
             <a:fld id="{9DC1F441-9BCC-4383-B80D-68C31DF95A71}" type="datetimeFigureOut">
               <a:rPr lang="en-US" smtClean="0"/>
-              <a:t>1/15/2016</a:t>
+              <a:t>1/19/2016</a:t>
             </a:fld>
             <a:endParaRPr lang="en-US"/>
           </a:p>
@@ -2062,7 +2064,7 @@
           <a:p>
             <a:fld id="{9DC1F441-9BCC-4383-B80D-68C31DF95A71}" type="datetimeFigureOut">
               <a:rPr lang="en-US" smtClean="0"/>
-              <a:t>1/15/2016</a:t>
+              <a:t>1/19/2016</a:t>
             </a:fld>
             <a:endParaRPr lang="en-US"/>
           </a:p>
@@ -2922,7 +2924,7 @@
           <a:p>
             <a:fld id="{9DC1F441-9BCC-4383-B80D-68C31DF95A71}" type="datetimeFigureOut">
               <a:rPr lang="en-US" smtClean="0"/>
-              <a:t>1/15/2016</a:t>
+              <a:t>1/19/2016</a:t>
             </a:fld>
             <a:endParaRPr lang="en-US"/>
           </a:p>
@@ -3092,7 +3094,7 @@
           <a:p>
             <a:fld id="{9DC1F441-9BCC-4383-B80D-68C31DF95A71}" type="datetimeFigureOut">
               <a:rPr lang="en-US" smtClean="0"/>
-              <a:t>1/15/2016</a:t>
+              <a:t>1/19/2016</a:t>
             </a:fld>
             <a:endParaRPr lang="en-US"/>
           </a:p>
@@ -3272,7 +3274,7 @@
           <a:p>
             <a:fld id="{9DC1F441-9BCC-4383-B80D-68C31DF95A71}" type="datetimeFigureOut">
               <a:rPr lang="en-US" smtClean="0"/>
-              <a:t>1/15/2016</a:t>
+              <a:t>1/19/2016</a:t>
             </a:fld>
             <a:endParaRPr lang="en-US"/>
           </a:p>
@@ -3447,7 +3449,7 @@
           <a:p>
             <a:fld id="{9DC1F441-9BCC-4383-B80D-68C31DF95A71}" type="datetimeFigureOut">
               <a:rPr lang="en-US" smtClean="0"/>
-              <a:t>1/15/2016</a:t>
+              <a:t>1/19/2016</a:t>
             </a:fld>
             <a:endParaRPr lang="en-US"/>
           </a:p>
@@ -3694,7 +3696,7 @@
           <a:p>
             <a:fld id="{9DC1F441-9BCC-4383-B80D-68C31DF95A71}" type="datetimeFigureOut">
               <a:rPr lang="en-US" smtClean="0"/>
-              <a:t>1/15/2016</a:t>
+              <a:t>1/19/2016</a:t>
             </a:fld>
             <a:endParaRPr lang="en-US"/>
           </a:p>
@@ -3991,7 +3993,7 @@
           <a:p>
             <a:fld id="{9DC1F441-9BCC-4383-B80D-68C31DF95A71}" type="datetimeFigureOut">
               <a:rPr lang="en-US" smtClean="0"/>
-              <a:t>1/15/2016</a:t>
+              <a:t>1/19/2016</a:t>
             </a:fld>
             <a:endParaRPr lang="en-US"/>
           </a:p>
@@ -4435,7 +4437,7 @@
           <a:p>
             <a:fld id="{9DC1F441-9BCC-4383-B80D-68C31DF95A71}" type="datetimeFigureOut">
               <a:rPr lang="en-US" smtClean="0"/>
-              <a:t>1/15/2016</a:t>
+              <a:t>1/19/2016</a:t>
             </a:fld>
             <a:endParaRPr lang="en-US"/>
           </a:p>
@@ -4553,7 +4555,7 @@
           <a:p>
             <a:fld id="{9DC1F441-9BCC-4383-B80D-68C31DF95A71}" type="datetimeFigureOut">
               <a:rPr lang="en-US" smtClean="0"/>
-              <a:t>1/15/2016</a:t>
+              <a:t>1/19/2016</a:t>
             </a:fld>
             <a:endParaRPr lang="en-US"/>
           </a:p>
@@ -4648,7 +4650,7 @@
           <a:p>
             <a:fld id="{9DC1F441-9BCC-4383-B80D-68C31DF95A71}" type="datetimeFigureOut">
               <a:rPr lang="en-US" smtClean="0"/>
-              <a:t>1/15/2016</a:t>
+              <a:t>1/19/2016</a:t>
             </a:fld>
             <a:endParaRPr lang="en-US"/>
           </a:p>
@@ -4932,7 +4934,7 @@
           <a:p>
             <a:fld id="{9DC1F441-9BCC-4383-B80D-68C31DF95A71}" type="datetimeFigureOut">
               <a:rPr lang="en-US" smtClean="0"/>
-              <a:t>1/15/2016</a:t>
+              <a:t>1/19/2016</a:t>
             </a:fld>
             <a:endParaRPr lang="en-US"/>
           </a:p>
@@ -5212,7 +5214,7 @@
           <a:p>
             <a:fld id="{9DC1F441-9BCC-4383-B80D-68C31DF95A71}" type="datetimeFigureOut">
               <a:rPr lang="en-US" smtClean="0"/>
-              <a:t>1/15/2016</a:t>
+              <a:t>1/19/2016</a:t>
             </a:fld>
             <a:endParaRPr lang="en-US"/>
           </a:p>
@@ -5641,7 +5643,7 @@
           <a:p>
             <a:fld id="{9DC1F441-9BCC-4383-B80D-68C31DF95A71}" type="datetimeFigureOut">
               <a:rPr lang="en-US" smtClean="0"/>
-              <a:t>1/15/2016</a:t>
+              <a:t>1/19/2016</a:t>
             </a:fld>
             <a:endParaRPr lang="en-US"/>
           </a:p>
@@ -18708,7 +18710,7 @@
         </p:spPr>
         <p:txBody>
           <a:bodyPr>
-            <a:normAutofit/>
+            <a:normAutofit fontScale="92500" lnSpcReduction="10000"/>
           </a:bodyPr>
           <a:lstStyle/>
           <a:p>
@@ -18748,17 +18750,43 @@
               <a:buNone/>
             </a:pPr>
             <a:r>
+              <a:rPr lang="en-US" dirty="0" smtClean="0"/>
+              <a:t>BEGIN</a:t>
+            </a:r>
+          </a:p>
+          <a:p>
+            <a:pPr marL="0" indent="0">
+              <a:buNone/>
+            </a:pPr>
+            <a:r>
               <a:rPr lang="en-US" dirty="0"/>
-              <a:t>BEGIN</a:t>
-            </a:r>
-          </a:p>
-          <a:p>
-            <a:pPr marL="0" indent="0">
-              <a:buNone/>
-            </a:pPr>
+              <a:t>	</a:t>
+            </a:r>
+            <a:r>
+              <a:rPr lang="en-US" dirty="0" smtClean="0"/>
+              <a:t>IF NEW.name &lt;&gt; OLD.NAME THEN</a:t>
+            </a:r>
+            <a:endParaRPr lang="en-US" dirty="0"/>
+          </a:p>
+          <a:p>
+            <a:pPr marL="0" indent="0">
+              <a:buNone/>
+            </a:pPr>
+            <a:r>
+              <a:rPr lang="en-US" dirty="0" smtClean="0"/>
+              <a:t>  </a:t>
+            </a:r>
             <a:r>
               <a:rPr lang="en-US" dirty="0"/>
-              <a:t>	INSERT INTO </a:t>
+              <a:t>	</a:t>
+            </a:r>
+            <a:r>
+              <a:rPr lang="en-US" dirty="0" smtClean="0"/>
+              <a:t>    INSERT </a:t>
+            </a:r>
+            <a:r>
+              <a:rPr lang="en-US" dirty="0"/>
+              <a:t>INTO </a:t>
             </a:r>
             <a:r>
               <a:rPr lang="en-US" dirty="0" err="1"/>
@@ -18799,8 +18827,34 @@
             </a:pPr>
             <a:r>
               <a:rPr lang="en-US" dirty="0"/>
-              <a:t>	VALUES ('UPDATE', OLD.name, NEW.name, NOW());</a:t>
-            </a:r>
+              <a:t>	</a:t>
+            </a:r>
+            <a:r>
+              <a:rPr lang="en-US" dirty="0" smtClean="0"/>
+              <a:t>    VALUES </a:t>
+            </a:r>
+            <a:r>
+              <a:rPr lang="en-US" dirty="0"/>
+              <a:t>('UPDATE', OLD.name, NEW.name, NOW</a:t>
+            </a:r>
+            <a:r>
+              <a:rPr lang="en-US" dirty="0" smtClean="0"/>
+              <a:t>());</a:t>
+            </a:r>
+          </a:p>
+          <a:p>
+            <a:pPr marL="0" indent="0">
+              <a:buNone/>
+            </a:pPr>
+            <a:r>
+              <a:rPr lang="en-US" dirty="0"/>
+              <a:t>	</a:t>
+            </a:r>
+            <a:r>
+              <a:rPr lang="en-US" dirty="0" smtClean="0"/>
+              <a:t>END IF;</a:t>
+            </a:r>
+            <a:endParaRPr lang="en-US" dirty="0"/>
           </a:p>
           <a:p>
             <a:pPr marL="0" indent="0">
@@ -18816,7 +18870,7 @@
               <a:buNone/>
             </a:pPr>
             <a:r>
-              <a:rPr lang="en-US"/>
+              <a:rPr lang="en-US" dirty="0"/>
               <a:t>DELIMITER ;</a:t>
             </a:r>
             <a:endParaRPr lang="en-US" dirty="0" smtClean="0"/>
@@ -18843,6 +18897,377 @@
     <p:extLst>
       <p:ext uri="{BB962C8B-B14F-4D97-AF65-F5344CB8AC3E}">
         <p14:creationId xmlns:p14="http://schemas.microsoft.com/office/powerpoint/2010/main" val="968345430"/>
+      </p:ext>
+    </p:extLst>
+  </p:cSld>
+  <p:clrMapOvr>
+    <a:masterClrMapping/>
+  </p:clrMapOvr>
+</p:sld>
+</file>
+
+<file path=ppt/slides/slide55.xml><?xml version="1.0" encoding="utf-8"?>
+<p:sld xmlns:a="http://schemas.openxmlformats.org/drawingml/2006/main" xmlns:r="http://schemas.openxmlformats.org/officeDocument/2006/relationships" xmlns:p="http://schemas.openxmlformats.org/presentationml/2006/main">
+  <p:cSld>
+    <p:spTree>
+      <p:nvGrpSpPr>
+        <p:cNvPr id="1" name=""/>
+        <p:cNvGrpSpPr/>
+        <p:nvPr/>
+      </p:nvGrpSpPr>
+      <p:grpSpPr>
+        <a:xfrm>
+          <a:off x="0" y="0"/>
+          <a:ext cx="0" cy="0"/>
+          <a:chOff x="0" y="0"/>
+          <a:chExt cx="0" cy="0"/>
+        </a:xfrm>
+      </p:grpSpPr>
+      <p:sp>
+        <p:nvSpPr>
+          <p:cNvPr id="2" name="Title 1"/>
+          <p:cNvSpPr>
+            <a:spLocks noGrp="1"/>
+          </p:cNvSpPr>
+          <p:nvPr>
+            <p:ph type="title"/>
+          </p:nvPr>
+        </p:nvSpPr>
+        <p:spPr/>
+        <p:txBody>
+          <a:bodyPr/>
+          <a:lstStyle/>
+          <a:p>
+            <a:r>
+              <a:rPr lang="en-US" dirty="0" smtClean="0"/>
+              <a:t>Totals as you insert</a:t>
+            </a:r>
+            <a:endParaRPr lang="en-US" dirty="0"/>
+          </a:p>
+        </p:txBody>
+      </p:sp>
+      <p:sp>
+        <p:nvSpPr>
+          <p:cNvPr id="3" name="Content Placeholder 2"/>
+          <p:cNvSpPr>
+            <a:spLocks noGrp="1"/>
+          </p:cNvSpPr>
+          <p:nvPr>
+            <p:ph idx="1"/>
+          </p:nvPr>
+        </p:nvSpPr>
+        <p:spPr/>
+        <p:txBody>
+          <a:bodyPr/>
+          <a:lstStyle/>
+          <a:p>
+            <a:pPr marL="0" indent="0">
+              <a:buNone/>
+            </a:pPr>
+            <a:r>
+              <a:rPr lang="en-US" dirty="0" smtClean="0"/>
+              <a:t>DELIMITER //</a:t>
+            </a:r>
+          </a:p>
+          <a:p>
+            <a:pPr marL="0" indent="0">
+              <a:buNone/>
+            </a:pPr>
+            <a:r>
+              <a:rPr lang="en-US" dirty="0" smtClean="0"/>
+              <a:t>CREATE TRIGGER </a:t>
+            </a:r>
+            <a:r>
+              <a:rPr lang="en-US" dirty="0" err="1" smtClean="0"/>
+              <a:t>population_entered</a:t>
+            </a:r>
+            <a:r>
+              <a:rPr lang="en-US" dirty="0" smtClean="0"/>
+              <a:t> </a:t>
+            </a:r>
+          </a:p>
+          <a:p>
+            <a:pPr marL="0" indent="0">
+              <a:buNone/>
+            </a:pPr>
+            <a:r>
+              <a:rPr lang="en-US" dirty="0"/>
+              <a:t>BEFORE </a:t>
+            </a:r>
+            <a:r>
+              <a:rPr lang="en-US" dirty="0" smtClean="0"/>
+              <a:t>INSERT ON city FOR EACH ROW</a:t>
+            </a:r>
+            <a:endParaRPr lang="en-US" dirty="0"/>
+          </a:p>
+          <a:p>
+            <a:pPr marL="0" indent="0">
+              <a:buNone/>
+            </a:pPr>
+            <a:r>
+              <a:rPr lang="en-US" dirty="0" smtClean="0"/>
+              <a:t>SET </a:t>
+            </a:r>
+            <a:r>
+              <a:rPr lang="en-US" dirty="0" smtClean="0">
+                <a:solidFill>
+                  <a:srgbClr val="FFFF00"/>
+                </a:solidFill>
+              </a:rPr>
+              <a:t>@</a:t>
+            </a:r>
+            <a:r>
+              <a:rPr lang="en-US" dirty="0" err="1" smtClean="0">
+                <a:solidFill>
+                  <a:srgbClr val="FFFF00"/>
+                </a:solidFill>
+              </a:rPr>
+              <a:t>population_entered</a:t>
+            </a:r>
+            <a:r>
+              <a:rPr lang="en-US" dirty="0" smtClean="0">
+                <a:solidFill>
+                  <a:srgbClr val="FFFF00"/>
+                </a:solidFill>
+              </a:rPr>
+              <a:t> </a:t>
+            </a:r>
+            <a:r>
+              <a:rPr lang="en-US" dirty="0" smtClean="0"/>
+              <a:t>= @</a:t>
+            </a:r>
+            <a:r>
+              <a:rPr lang="en-US" dirty="0" err="1" smtClean="0"/>
+              <a:t>population_entered</a:t>
+            </a:r>
+            <a:r>
+              <a:rPr lang="en-US" dirty="0" smtClean="0"/>
+              <a:t> + </a:t>
+            </a:r>
+            <a:r>
+              <a:rPr lang="en-US" dirty="0" err="1" smtClean="0"/>
+              <a:t>NEW.population</a:t>
+            </a:r>
+            <a:r>
+              <a:rPr lang="en-US" dirty="0" smtClean="0"/>
+              <a:t> //</a:t>
+            </a:r>
+          </a:p>
+          <a:p>
+            <a:pPr marL="0" indent="0">
+              <a:buNone/>
+            </a:pPr>
+            <a:r>
+              <a:rPr lang="en-US" dirty="0" smtClean="0"/>
+              <a:t>DELIMITER ;</a:t>
+            </a:r>
+          </a:p>
+          <a:p>
+            <a:pPr marL="0" indent="0">
+              <a:buNone/>
+            </a:pPr>
+            <a:endParaRPr lang="en-US" dirty="0"/>
+          </a:p>
+          <a:p>
+            <a:pPr marL="0" indent="0">
+              <a:buNone/>
+            </a:pPr>
+            <a:r>
+              <a:rPr lang="en-US" dirty="0" smtClean="0"/>
+              <a:t>SET @</a:t>
+            </a:r>
+            <a:r>
+              <a:rPr lang="en-US" dirty="0" err="1" smtClean="0"/>
+              <a:t>population_entered</a:t>
+            </a:r>
+            <a:r>
+              <a:rPr lang="en-US" dirty="0" smtClean="0"/>
+              <a:t> = 0;</a:t>
+            </a:r>
+          </a:p>
+          <a:p>
+            <a:pPr marL="0" indent="0">
+              <a:buNone/>
+            </a:pPr>
+            <a:r>
+              <a:rPr lang="en-US" dirty="0" smtClean="0"/>
+              <a:t>INSERT INTO city VALUES (…);</a:t>
+            </a:r>
+          </a:p>
+          <a:p>
+            <a:pPr marL="0" indent="0">
+              <a:buNone/>
+            </a:pPr>
+            <a:r>
+              <a:rPr lang="en-US" dirty="0" smtClean="0"/>
+              <a:t>SELECT @</a:t>
+            </a:r>
+            <a:r>
+              <a:rPr lang="en-US" dirty="0" err="1" smtClean="0"/>
+              <a:t>population_entered</a:t>
+            </a:r>
+            <a:r>
+              <a:rPr lang="en-US" dirty="0" smtClean="0"/>
+              <a:t>;</a:t>
+            </a:r>
+            <a:endParaRPr lang="en-US" dirty="0"/>
+          </a:p>
+        </p:txBody>
+      </p:sp>
+    </p:spTree>
+    <p:extLst>
+      <p:ext uri="{BB962C8B-B14F-4D97-AF65-F5344CB8AC3E}">
+        <p14:creationId xmlns:p14="http://schemas.microsoft.com/office/powerpoint/2010/main" val="327815043"/>
+      </p:ext>
+    </p:extLst>
+  </p:cSld>
+  <p:clrMapOvr>
+    <a:masterClrMapping/>
+  </p:clrMapOvr>
+</p:sld>
+</file>
+
+<file path=ppt/slides/slide56.xml><?xml version="1.0" encoding="utf-8"?>
+<p:sld xmlns:a="http://schemas.openxmlformats.org/drawingml/2006/main" xmlns:r="http://schemas.openxmlformats.org/officeDocument/2006/relationships" xmlns:p="http://schemas.openxmlformats.org/presentationml/2006/main">
+  <p:cSld>
+    <p:spTree>
+      <p:nvGrpSpPr>
+        <p:cNvPr id="1" name=""/>
+        <p:cNvGrpSpPr/>
+        <p:nvPr/>
+      </p:nvGrpSpPr>
+      <p:grpSpPr>
+        <a:xfrm>
+          <a:off x="0" y="0"/>
+          <a:ext cx="0" cy="0"/>
+          <a:chOff x="0" y="0"/>
+          <a:chExt cx="0" cy="0"/>
+        </a:xfrm>
+      </p:grpSpPr>
+      <p:sp>
+        <p:nvSpPr>
+          <p:cNvPr id="2" name="Title 1"/>
+          <p:cNvSpPr>
+            <a:spLocks noGrp="1"/>
+          </p:cNvSpPr>
+          <p:nvPr>
+            <p:ph type="title"/>
+          </p:nvPr>
+        </p:nvSpPr>
+        <p:spPr/>
+        <p:txBody>
+          <a:bodyPr/>
+          <a:lstStyle/>
+          <a:p>
+            <a:r>
+              <a:rPr lang="en-US" dirty="0" smtClean="0"/>
+              <a:t>After delete</a:t>
+            </a:r>
+            <a:endParaRPr lang="en-US" dirty="0"/>
+          </a:p>
+        </p:txBody>
+      </p:sp>
+      <p:sp>
+        <p:nvSpPr>
+          <p:cNvPr id="3" name="Content Placeholder 2"/>
+          <p:cNvSpPr>
+            <a:spLocks noGrp="1"/>
+          </p:cNvSpPr>
+          <p:nvPr>
+            <p:ph idx="1"/>
+          </p:nvPr>
+        </p:nvSpPr>
+        <p:spPr/>
+        <p:txBody>
+          <a:bodyPr/>
+          <a:lstStyle/>
+          <a:p>
+            <a:pPr marL="0" indent="0">
+              <a:buNone/>
+            </a:pPr>
+            <a:r>
+              <a:rPr lang="en-US" dirty="0" smtClean="0"/>
+              <a:t>DELIMITER //</a:t>
+            </a:r>
+          </a:p>
+          <a:p>
+            <a:pPr marL="0" indent="0">
+              <a:buNone/>
+            </a:pPr>
+            <a:r>
+              <a:rPr lang="en-US" dirty="0" smtClean="0"/>
+              <a:t>CREATE TRIGGER </a:t>
+            </a:r>
+            <a:r>
+              <a:rPr lang="en-US" dirty="0" err="1" smtClean="0"/>
+              <a:t>city_archive</a:t>
+            </a:r>
+            <a:endParaRPr lang="en-US" dirty="0" smtClean="0"/>
+          </a:p>
+          <a:p>
+            <a:pPr marL="0" indent="0">
+              <a:buNone/>
+            </a:pPr>
+            <a:r>
+              <a:rPr lang="en-US" dirty="0" smtClean="0"/>
+              <a:t>AFTER DELETE ON city FOR EACH ROW</a:t>
+            </a:r>
+          </a:p>
+          <a:p>
+            <a:pPr marL="0" indent="0">
+              <a:buNone/>
+            </a:pPr>
+            <a:r>
+              <a:rPr lang="en-US" dirty="0" smtClean="0"/>
+              <a:t>BEGIN</a:t>
+            </a:r>
+          </a:p>
+          <a:p>
+            <a:pPr marL="0" indent="0">
+              <a:buNone/>
+            </a:pPr>
+            <a:r>
+              <a:rPr lang="en-US" dirty="0"/>
+              <a:t>	</a:t>
+            </a:r>
+            <a:r>
+              <a:rPr lang="en-US" dirty="0" smtClean="0"/>
+              <a:t>INSERT INTO </a:t>
+            </a:r>
+            <a:r>
+              <a:rPr lang="en-US" dirty="0" err="1" smtClean="0"/>
+              <a:t>city_archive</a:t>
+            </a:r>
+            <a:r>
+              <a:rPr lang="en-US" dirty="0" smtClean="0"/>
+              <a:t> (OLD.id, OLD.name …);</a:t>
+            </a:r>
+          </a:p>
+          <a:p>
+            <a:pPr marL="0" indent="0">
+              <a:buNone/>
+            </a:pPr>
+            <a:r>
+              <a:rPr lang="en-US" dirty="0" smtClean="0"/>
+              <a:t>END //</a:t>
+            </a:r>
+          </a:p>
+          <a:p>
+            <a:pPr marL="0" indent="0">
+              <a:buNone/>
+            </a:pPr>
+            <a:r>
+              <a:rPr lang="en-US" smtClean="0"/>
+              <a:t>DELIMITER ;</a:t>
+            </a:r>
+            <a:endParaRPr lang="en-US"/>
+          </a:p>
+        </p:txBody>
+      </p:sp>
+    </p:spTree>
+    <p:extLst>
+      <p:ext uri="{BB962C8B-B14F-4D97-AF65-F5344CB8AC3E}">
+        <p14:creationId xmlns:p14="http://schemas.microsoft.com/office/powerpoint/2010/main" val="2979488325"/>
       </p:ext>
     </p:extLst>
   </p:cSld>

--- a/Presentation/Database-Bootcamp-Presentation.pptx
+++ b/Presentation/Database-Bootcamp-Presentation.pptx
@@ -61,6 +61,9 @@
     <p:sldId id="309" r:id="rId55"/>
     <p:sldId id="310" r:id="rId56"/>
     <p:sldId id="311" r:id="rId57"/>
+    <p:sldId id="312" r:id="rId58"/>
+    <p:sldId id="313" r:id="rId59"/>
+    <p:sldId id="314" r:id="rId60"/>
   </p:sldIdLst>
   <p:sldSz cx="12192000" cy="6858000"/>
   <p:notesSz cx="6858000" cy="9144000"/>
@@ -19257,10 +19260,10 @@
               <a:buNone/>
             </a:pPr>
             <a:r>
-              <a:rPr lang="en-US" smtClean="0"/>
+              <a:rPr lang="en-US" dirty="0" smtClean="0"/>
               <a:t>DELIMITER ;</a:t>
             </a:r>
-            <a:endParaRPr lang="en-US"/>
+            <a:endParaRPr lang="en-US" dirty="0"/>
           </a:p>
         </p:txBody>
       </p:sp>
@@ -19268,6 +19271,419 @@
     <p:extLst>
       <p:ext uri="{BB962C8B-B14F-4D97-AF65-F5344CB8AC3E}">
         <p14:creationId xmlns:p14="http://schemas.microsoft.com/office/powerpoint/2010/main" val="2979488325"/>
+      </p:ext>
+    </p:extLst>
+  </p:cSld>
+  <p:clrMapOvr>
+    <a:masterClrMapping/>
+  </p:clrMapOvr>
+</p:sld>
+</file>
+
+<file path=ppt/slides/slide57.xml><?xml version="1.0" encoding="utf-8"?>
+<p:sld xmlns:a="http://schemas.openxmlformats.org/drawingml/2006/main" xmlns:r="http://schemas.openxmlformats.org/officeDocument/2006/relationships" xmlns:p="http://schemas.openxmlformats.org/presentationml/2006/main">
+  <p:cSld>
+    <p:spTree>
+      <p:nvGrpSpPr>
+        <p:cNvPr id="1" name=""/>
+        <p:cNvGrpSpPr/>
+        <p:nvPr/>
+      </p:nvGrpSpPr>
+      <p:grpSpPr>
+        <a:xfrm>
+          <a:off x="0" y="0"/>
+          <a:ext cx="0" cy="0"/>
+          <a:chOff x="0" y="0"/>
+          <a:chExt cx="0" cy="0"/>
+        </a:xfrm>
+      </p:grpSpPr>
+      <p:sp>
+        <p:nvSpPr>
+          <p:cNvPr id="2" name="Title 1"/>
+          <p:cNvSpPr>
+            <a:spLocks noGrp="1"/>
+          </p:cNvSpPr>
+          <p:nvPr>
+            <p:ph type="title"/>
+          </p:nvPr>
+        </p:nvSpPr>
+        <p:spPr/>
+        <p:txBody>
+          <a:bodyPr/>
+          <a:lstStyle/>
+          <a:p>
+            <a:r>
+              <a:rPr lang="en-US" dirty="0" smtClean="0"/>
+              <a:t>Day 11</a:t>
+            </a:r>
+            <a:endParaRPr lang="en-US" dirty="0"/>
+          </a:p>
+        </p:txBody>
+      </p:sp>
+      <p:sp>
+        <p:nvSpPr>
+          <p:cNvPr id="3" name="Content Placeholder 2"/>
+          <p:cNvSpPr>
+            <a:spLocks noGrp="1"/>
+          </p:cNvSpPr>
+          <p:nvPr>
+            <p:ph idx="1"/>
+          </p:nvPr>
+        </p:nvSpPr>
+        <p:spPr/>
+        <p:txBody>
+          <a:bodyPr/>
+          <a:lstStyle/>
+          <a:p>
+            <a:r>
+              <a:rPr lang="en-US" dirty="0" smtClean="0"/>
+              <a:t>Adding new user</a:t>
+            </a:r>
+          </a:p>
+          <a:p>
+            <a:r>
+              <a:rPr lang="en-US" dirty="0" smtClean="0"/>
+              <a:t>Granting permissions to new user</a:t>
+            </a:r>
+          </a:p>
+          <a:p>
+            <a:r>
+              <a:rPr lang="en-US" dirty="0" smtClean="0"/>
+              <a:t>Logging in as the new user</a:t>
+            </a:r>
+          </a:p>
+          <a:p>
+            <a:r>
+              <a:rPr lang="en-US" dirty="0" smtClean="0"/>
+              <a:t>Resetting password</a:t>
+            </a:r>
+          </a:p>
+          <a:p>
+            <a:r>
+              <a:rPr lang="en-US" dirty="0" smtClean="0"/>
+              <a:t>Different kinds of permissions</a:t>
+            </a:r>
+          </a:p>
+          <a:p>
+            <a:r>
+              <a:rPr lang="en-US" dirty="0" smtClean="0"/>
+              <a:t>Removing user</a:t>
+            </a:r>
+            <a:endParaRPr lang="en-US" dirty="0"/>
+          </a:p>
+        </p:txBody>
+      </p:sp>
+    </p:spTree>
+    <p:extLst>
+      <p:ext uri="{BB962C8B-B14F-4D97-AF65-F5344CB8AC3E}">
+        <p14:creationId xmlns:p14="http://schemas.microsoft.com/office/powerpoint/2010/main" val="752286801"/>
+      </p:ext>
+    </p:extLst>
+  </p:cSld>
+  <p:clrMapOvr>
+    <a:masterClrMapping/>
+  </p:clrMapOvr>
+</p:sld>
+</file>
+
+<file path=ppt/slides/slide58.xml><?xml version="1.0" encoding="utf-8"?>
+<p:sld xmlns:a="http://schemas.openxmlformats.org/drawingml/2006/main" xmlns:r="http://schemas.openxmlformats.org/officeDocument/2006/relationships" xmlns:p="http://schemas.openxmlformats.org/presentationml/2006/main">
+  <p:cSld>
+    <p:spTree>
+      <p:nvGrpSpPr>
+        <p:cNvPr id="1" name=""/>
+        <p:cNvGrpSpPr/>
+        <p:nvPr/>
+      </p:nvGrpSpPr>
+      <p:grpSpPr>
+        <a:xfrm>
+          <a:off x="0" y="0"/>
+          <a:ext cx="0" cy="0"/>
+          <a:chOff x="0" y="0"/>
+          <a:chExt cx="0" cy="0"/>
+        </a:xfrm>
+      </p:grpSpPr>
+      <p:sp>
+        <p:nvSpPr>
+          <p:cNvPr id="2" name="Title 1"/>
+          <p:cNvSpPr>
+            <a:spLocks noGrp="1"/>
+          </p:cNvSpPr>
+          <p:nvPr>
+            <p:ph type="title"/>
+          </p:nvPr>
+        </p:nvSpPr>
+        <p:spPr/>
+        <p:txBody>
+          <a:bodyPr/>
+          <a:lstStyle/>
+          <a:p>
+            <a:r>
+              <a:rPr lang="en-US" dirty="0" smtClean="0"/>
+              <a:t>Add a new user</a:t>
+            </a:r>
+            <a:endParaRPr lang="en-US" dirty="0"/>
+          </a:p>
+        </p:txBody>
+      </p:sp>
+      <p:sp>
+        <p:nvSpPr>
+          <p:cNvPr id="3" name="Content Placeholder 2"/>
+          <p:cNvSpPr>
+            <a:spLocks noGrp="1"/>
+          </p:cNvSpPr>
+          <p:nvPr>
+            <p:ph idx="1"/>
+          </p:nvPr>
+        </p:nvSpPr>
+        <p:spPr/>
+        <p:txBody>
+          <a:bodyPr/>
+          <a:lstStyle/>
+          <a:p>
+            <a:r>
+              <a:rPr lang="en-US" dirty="0" smtClean="0"/>
+              <a:t>Create a new user John and provide password</a:t>
+            </a:r>
+          </a:p>
+          <a:p>
+            <a:pPr marL="0" indent="0">
+              <a:buNone/>
+            </a:pPr>
+            <a:endParaRPr lang="en-US" dirty="0" smtClean="0"/>
+          </a:p>
+          <a:p>
+            <a:pPr marL="0" indent="0">
+              <a:buNone/>
+            </a:pPr>
+            <a:r>
+              <a:rPr lang="en-US" dirty="0" smtClean="0"/>
+              <a:t>CREATE USER ‘</a:t>
+            </a:r>
+            <a:r>
+              <a:rPr lang="en-US" dirty="0" err="1" smtClean="0">
+                <a:solidFill>
+                  <a:srgbClr val="FFFF00"/>
+                </a:solidFill>
+              </a:rPr>
+              <a:t>john</a:t>
+            </a:r>
+            <a:r>
+              <a:rPr lang="en-US" dirty="0" err="1" smtClean="0"/>
+              <a:t>’@</a:t>
+            </a:r>
+            <a:r>
+              <a:rPr lang="en-US" dirty="0" err="1" smtClean="0">
+                <a:solidFill>
+                  <a:srgbClr val="FFFF00"/>
+                </a:solidFill>
+              </a:rPr>
+              <a:t>’localhost</a:t>
+            </a:r>
+            <a:r>
+              <a:rPr lang="en-US" dirty="0" smtClean="0"/>
+              <a:t>’ IDENTIFIED BY ‘</a:t>
+            </a:r>
+            <a:r>
+              <a:rPr lang="en-US" dirty="0" smtClean="0">
+                <a:solidFill>
+                  <a:srgbClr val="FFFF00"/>
+                </a:solidFill>
+              </a:rPr>
+              <a:t>Ae230aklaf9w</a:t>
+            </a:r>
+            <a:r>
+              <a:rPr lang="en-US" dirty="0" smtClean="0"/>
+              <a:t>’;</a:t>
+            </a:r>
+          </a:p>
+          <a:p>
+            <a:pPr marL="0" indent="0">
+              <a:buNone/>
+            </a:pPr>
+            <a:r>
+              <a:rPr lang="en-US" dirty="0" smtClean="0"/>
+              <a:t>FLUSH PRIVILEGES;</a:t>
+            </a:r>
+          </a:p>
+          <a:p>
+            <a:endParaRPr lang="en-US" dirty="0" smtClean="0"/>
+          </a:p>
+          <a:p>
+            <a:r>
+              <a:rPr lang="en-US" dirty="0" smtClean="0"/>
+              <a:t>John can log on to MySQL only from localhost with username john and AE230aklaf9w password</a:t>
+            </a:r>
+          </a:p>
+          <a:p>
+            <a:endParaRPr lang="en-US" dirty="0"/>
+          </a:p>
+          <a:p>
+            <a:pPr marL="0" indent="0">
+              <a:buNone/>
+            </a:pPr>
+            <a:endParaRPr lang="en-US" dirty="0"/>
+          </a:p>
+        </p:txBody>
+      </p:sp>
+    </p:spTree>
+    <p:extLst>
+      <p:ext uri="{BB962C8B-B14F-4D97-AF65-F5344CB8AC3E}">
+        <p14:creationId xmlns:p14="http://schemas.microsoft.com/office/powerpoint/2010/main" val="3468368933"/>
+      </p:ext>
+    </p:extLst>
+  </p:cSld>
+  <p:clrMapOvr>
+    <a:masterClrMapping/>
+  </p:clrMapOvr>
+</p:sld>
+</file>
+
+<file path=ppt/slides/slide59.xml><?xml version="1.0" encoding="utf-8"?>
+<p:sld xmlns:a="http://schemas.openxmlformats.org/drawingml/2006/main" xmlns:r="http://schemas.openxmlformats.org/officeDocument/2006/relationships" xmlns:p="http://schemas.openxmlformats.org/presentationml/2006/main">
+  <p:cSld>
+    <p:spTree>
+      <p:nvGrpSpPr>
+        <p:cNvPr id="1" name=""/>
+        <p:cNvGrpSpPr/>
+        <p:nvPr/>
+      </p:nvGrpSpPr>
+      <p:grpSpPr>
+        <a:xfrm>
+          <a:off x="0" y="0"/>
+          <a:ext cx="0" cy="0"/>
+          <a:chOff x="0" y="0"/>
+          <a:chExt cx="0" cy="0"/>
+        </a:xfrm>
+      </p:grpSpPr>
+      <p:sp>
+        <p:nvSpPr>
+          <p:cNvPr id="2" name="Title 1"/>
+          <p:cNvSpPr>
+            <a:spLocks noGrp="1"/>
+          </p:cNvSpPr>
+          <p:nvPr>
+            <p:ph type="title"/>
+          </p:nvPr>
+        </p:nvSpPr>
+        <p:spPr/>
+        <p:txBody>
+          <a:bodyPr/>
+          <a:lstStyle/>
+          <a:p>
+            <a:r>
+              <a:rPr lang="en-US" dirty="0" smtClean="0"/>
+              <a:t>Granting permission</a:t>
+            </a:r>
+            <a:endParaRPr lang="en-US" dirty="0"/>
+          </a:p>
+        </p:txBody>
+      </p:sp>
+      <p:sp>
+        <p:nvSpPr>
+          <p:cNvPr id="3" name="Content Placeholder 2"/>
+          <p:cNvSpPr>
+            <a:spLocks noGrp="1"/>
+          </p:cNvSpPr>
+          <p:nvPr>
+            <p:ph idx="1"/>
+          </p:nvPr>
+        </p:nvSpPr>
+        <p:spPr/>
+        <p:txBody>
+          <a:bodyPr/>
+          <a:lstStyle/>
+          <a:p>
+            <a:r>
+              <a:rPr lang="en-US" dirty="0" smtClean="0"/>
+              <a:t>Give all permissions? Be very careful with all permissions</a:t>
+            </a:r>
+          </a:p>
+          <a:p>
+            <a:pPr marL="0" indent="0">
+              <a:buNone/>
+            </a:pPr>
+            <a:r>
+              <a:rPr lang="en-US" dirty="0" smtClean="0"/>
+              <a:t>GRANT </a:t>
+            </a:r>
+            <a:r>
+              <a:rPr lang="en-US" dirty="0" smtClean="0">
+                <a:solidFill>
+                  <a:srgbClr val="FFFF00"/>
+                </a:solidFill>
+              </a:rPr>
+              <a:t>ALL</a:t>
+            </a:r>
+            <a:r>
+              <a:rPr lang="en-US" dirty="0" smtClean="0"/>
+              <a:t> PRIVILEGES ON </a:t>
+            </a:r>
+            <a:r>
+              <a:rPr lang="en-US" dirty="0" smtClean="0">
+                <a:solidFill>
+                  <a:srgbClr val="FFFF00"/>
+                </a:solidFill>
+              </a:rPr>
+              <a:t>*.*</a:t>
+            </a:r>
+            <a:r>
+              <a:rPr lang="en-US" dirty="0" smtClean="0"/>
+              <a:t> TO ‘</a:t>
+            </a:r>
+            <a:r>
+              <a:rPr lang="en-US" dirty="0" err="1" smtClean="0">
+                <a:solidFill>
+                  <a:srgbClr val="FFFF00"/>
+                </a:solidFill>
+              </a:rPr>
+              <a:t>john</a:t>
+            </a:r>
+            <a:r>
+              <a:rPr lang="en-US" dirty="0" err="1" smtClean="0"/>
+              <a:t>’@</a:t>
+            </a:r>
+            <a:r>
+              <a:rPr lang="en-US" dirty="0" err="1" smtClean="0">
+                <a:solidFill>
+                  <a:srgbClr val="FFFF00"/>
+                </a:solidFill>
+              </a:rPr>
+              <a:t>’localhost</a:t>
+            </a:r>
+            <a:r>
+              <a:rPr lang="en-US" dirty="0" smtClean="0"/>
+              <a:t>’;</a:t>
+            </a:r>
+          </a:p>
+          <a:p>
+            <a:pPr marL="0" indent="0">
+              <a:buNone/>
+            </a:pPr>
+            <a:r>
+              <a:rPr lang="en-US" smtClean="0"/>
+              <a:t>FLUSH PRIVILEGES;</a:t>
+            </a:r>
+            <a:endParaRPr lang="en-US" dirty="0" smtClean="0"/>
+          </a:p>
+          <a:p>
+            <a:r>
+              <a:rPr lang="en-US" dirty="0" smtClean="0"/>
+              <a:t>Give john user logging in from localhost ALL permissions on all database objects</a:t>
+            </a:r>
+          </a:p>
+          <a:p>
+            <a:endParaRPr lang="en-US" dirty="0"/>
+          </a:p>
+          <a:p>
+            <a:endParaRPr lang="en-US" dirty="0" smtClean="0"/>
+          </a:p>
+        </p:txBody>
+      </p:sp>
+    </p:spTree>
+    <p:extLst>
+      <p:ext uri="{BB962C8B-B14F-4D97-AF65-F5344CB8AC3E}">
+        <p14:creationId xmlns:p14="http://schemas.microsoft.com/office/powerpoint/2010/main" val="493522036"/>
       </p:ext>
     </p:extLst>
   </p:cSld>

--- a/Presentation/Database-Bootcamp-Presentation.pptx
+++ b/Presentation/Database-Bootcamp-Presentation.pptx
@@ -19661,6 +19661,81 @@
               <a:buNone/>
             </a:pPr>
             <a:r>
+              <a:rPr lang="en-US" dirty="0" smtClean="0"/>
+              <a:t>FLUSH PRIVILEGES;</a:t>
+            </a:r>
+          </a:p>
+          <a:p>
+            <a:r>
+              <a:rPr lang="en-US" dirty="0" smtClean="0"/>
+              <a:t>Give john user logging in from localhost ALL permissions on all database objects</a:t>
+            </a:r>
+          </a:p>
+          <a:p>
+            <a:endParaRPr lang="en-US" dirty="0"/>
+          </a:p>
+          <a:p>
+            <a:pPr marL="0" indent="0">
+              <a:buNone/>
+            </a:pPr>
+            <a:r>
+              <a:rPr lang="en-US" dirty="0" smtClean="0"/>
+              <a:t>GRANT </a:t>
+            </a:r>
+            <a:r>
+              <a:rPr lang="en-US" dirty="0" smtClean="0">
+                <a:solidFill>
+                  <a:srgbClr val="FFFF00"/>
+                </a:solidFill>
+              </a:rPr>
+              <a:t>SELECT, INSERT</a:t>
+            </a:r>
+            <a:r>
+              <a:rPr lang="en-US" dirty="0" smtClean="0"/>
+              <a:t> ON </a:t>
+            </a:r>
+            <a:r>
+              <a:rPr lang="en-US" dirty="0" smtClean="0">
+                <a:solidFill>
+                  <a:srgbClr val="FFFF00"/>
+                </a:solidFill>
+              </a:rPr>
+              <a:t>test.*</a:t>
+            </a:r>
+            <a:r>
+              <a:rPr lang="en-US" dirty="0" smtClean="0"/>
+              <a:t> TO ‘</a:t>
+            </a:r>
+            <a:r>
+              <a:rPr lang="en-US" dirty="0" err="1" smtClean="0">
+                <a:solidFill>
+                  <a:srgbClr val="FFFF00"/>
+                </a:solidFill>
+              </a:rPr>
+              <a:t>john</a:t>
+            </a:r>
+            <a:r>
+              <a:rPr lang="en-US" dirty="0" err="1" smtClean="0"/>
+              <a:t>’@’</a:t>
+            </a:r>
+            <a:r>
+              <a:rPr lang="en-US" dirty="0" err="1" smtClean="0">
+                <a:solidFill>
+                  <a:srgbClr val="FFFF00"/>
+                </a:solidFill>
+              </a:rPr>
+              <a:t>localhost</a:t>
+            </a:r>
+            <a:r>
+              <a:rPr lang="en-US" dirty="0" smtClean="0"/>
+              <a:t>’</a:t>
+            </a:r>
+          </a:p>
+          <a:p>
+            <a:pPr marL="0" indent="0">
+              <a:buNone/>
+            </a:pPr>
+            <a:r>
               <a:rPr lang="en-US" smtClean="0"/>
               <a:t>FLUSH PRIVILEGES;</a:t>
             </a:r>
@@ -19669,7 +19744,7 @@
           <a:p>
             <a:r>
               <a:rPr lang="en-US" dirty="0" smtClean="0"/>
-              <a:t>Give john user logging in from localhost ALL permissions on all database objects</a:t>
+              <a:t>Give john user logging in from local host SELECT and INSERT permissions on test database and all its objects</a:t>
             </a:r>
           </a:p>
           <a:p>

--- a/Presentation/Database-Bootcamp-Presentation.pptx
+++ b/Presentation/Database-Bootcamp-Presentation.pptx
@@ -64,6 +64,7 @@
     <p:sldId id="312" r:id="rId58"/>
     <p:sldId id="313" r:id="rId59"/>
     <p:sldId id="314" r:id="rId60"/>
+    <p:sldId id="315" r:id="rId61"/>
   </p:sldIdLst>
   <p:sldSz cx="12192000" cy="6858000"/>
   <p:notesSz cx="6858000" cy="9144000"/>
@@ -19736,10 +19737,9 @@
               <a:buNone/>
             </a:pPr>
             <a:r>
-              <a:rPr lang="en-US" smtClean="0"/>
+              <a:rPr lang="en-US" dirty="0" smtClean="0"/>
               <a:t>FLUSH PRIVILEGES;</a:t>
             </a:r>
-            <a:endParaRPr lang="en-US" dirty="0" smtClean="0"/>
           </a:p>
           <a:p>
             <a:r>
@@ -19859,6 +19859,135 @@
     <p:extLst>
       <p:ext uri="{BB962C8B-B14F-4D97-AF65-F5344CB8AC3E}">
         <p14:creationId xmlns:p14="http://schemas.microsoft.com/office/powerpoint/2010/main" val="451513678"/>
+      </p:ext>
+    </p:extLst>
+  </p:cSld>
+  <p:clrMapOvr>
+    <a:masterClrMapping/>
+  </p:clrMapOvr>
+</p:sld>
+</file>
+
+<file path=ppt/slides/slide60.xml><?xml version="1.0" encoding="utf-8"?>
+<p:sld xmlns:a="http://schemas.openxmlformats.org/drawingml/2006/main" xmlns:r="http://schemas.openxmlformats.org/officeDocument/2006/relationships" xmlns:p="http://schemas.openxmlformats.org/presentationml/2006/main">
+  <p:cSld>
+    <p:spTree>
+      <p:nvGrpSpPr>
+        <p:cNvPr id="1" name=""/>
+        <p:cNvGrpSpPr/>
+        <p:nvPr/>
+      </p:nvGrpSpPr>
+      <p:grpSpPr>
+        <a:xfrm>
+          <a:off x="0" y="0"/>
+          <a:ext cx="0" cy="0"/>
+          <a:chOff x="0" y="0"/>
+          <a:chExt cx="0" cy="0"/>
+        </a:xfrm>
+      </p:grpSpPr>
+      <p:sp>
+        <p:nvSpPr>
+          <p:cNvPr id="2" name="Title 1"/>
+          <p:cNvSpPr>
+            <a:spLocks noGrp="1"/>
+          </p:cNvSpPr>
+          <p:nvPr>
+            <p:ph type="title"/>
+          </p:nvPr>
+        </p:nvSpPr>
+        <p:spPr/>
+        <p:txBody>
+          <a:bodyPr/>
+          <a:lstStyle/>
+          <a:p>
+            <a:r>
+              <a:rPr lang="en-US" dirty="0" smtClean="0"/>
+              <a:t>Logging in as a user</a:t>
+            </a:r>
+            <a:endParaRPr lang="en-US" dirty="0"/>
+          </a:p>
+        </p:txBody>
+      </p:sp>
+      <p:sp>
+        <p:nvSpPr>
+          <p:cNvPr id="3" name="Content Placeholder 2"/>
+          <p:cNvSpPr>
+            <a:spLocks noGrp="1"/>
+          </p:cNvSpPr>
+          <p:nvPr>
+            <p:ph idx="1"/>
+          </p:nvPr>
+        </p:nvSpPr>
+        <p:spPr/>
+        <p:txBody>
+          <a:bodyPr/>
+          <a:lstStyle/>
+          <a:p>
+            <a:r>
+              <a:rPr lang="en-US" dirty="0" err="1" smtClean="0"/>
+              <a:t>mysql</a:t>
+            </a:r>
+            <a:r>
+              <a:rPr lang="en-US" dirty="0" smtClean="0"/>
+              <a:t> –u username –h hostname –p</a:t>
+            </a:r>
+          </a:p>
+          <a:p>
+            <a:pPr marL="0" indent="0">
+              <a:buNone/>
+            </a:pPr>
+            <a:r>
+              <a:rPr lang="en-US" dirty="0" smtClean="0"/>
+              <a:t>Password:</a:t>
+            </a:r>
+          </a:p>
+          <a:p>
+            <a:pPr marL="0" indent="0">
+              <a:buNone/>
+            </a:pPr>
+            <a:endParaRPr lang="en-US" dirty="0"/>
+          </a:p>
+          <a:p>
+            <a:pPr marL="0" indent="0">
+              <a:buNone/>
+            </a:pPr>
+            <a:r>
+              <a:rPr lang="en-US" dirty="0" smtClean="0"/>
+              <a:t>Username and hostname should correspond to the user, host </a:t>
+            </a:r>
+            <a:r>
+              <a:rPr lang="en-US" smtClean="0"/>
+              <a:t>and password used </a:t>
+            </a:r>
+            <a:r>
+              <a:rPr lang="en-US" dirty="0" smtClean="0"/>
+              <a:t>in:</a:t>
+            </a:r>
+          </a:p>
+          <a:p>
+            <a:pPr marL="0" indent="0">
+              <a:buNone/>
+            </a:pPr>
+            <a:r>
+              <a:rPr lang="en-US" dirty="0" smtClean="0"/>
+              <a:t>CREATE USER ‘</a:t>
+            </a:r>
+            <a:r>
+              <a:rPr lang="en-US" dirty="0" err="1" smtClean="0"/>
+              <a:t>user’@’host</a:t>
+            </a:r>
+            <a:r>
+              <a:rPr lang="en-US" dirty="0" smtClean="0"/>
+              <a:t>’ IDENTIFIED BY ‘password’;</a:t>
+            </a:r>
+            <a:endParaRPr lang="en-US" dirty="0"/>
+          </a:p>
+        </p:txBody>
+      </p:sp>
+    </p:spTree>
+    <p:extLst>
+      <p:ext uri="{BB962C8B-B14F-4D97-AF65-F5344CB8AC3E}">
+        <p14:creationId xmlns:p14="http://schemas.microsoft.com/office/powerpoint/2010/main" val="512282959"/>
       </p:ext>
     </p:extLst>
   </p:cSld>

--- a/Presentation/Database-Bootcamp-Presentation.pptx
+++ b/Presentation/Database-Bootcamp-Presentation.pptx
@@ -65,6 +65,10 @@
     <p:sldId id="313" r:id="rId59"/>
     <p:sldId id="314" r:id="rId60"/>
     <p:sldId id="315" r:id="rId61"/>
+    <p:sldId id="316" r:id="rId62"/>
+    <p:sldId id="317" r:id="rId63"/>
+    <p:sldId id="318" r:id="rId64"/>
+    <p:sldId id="319" r:id="rId65"/>
   </p:sldIdLst>
   <p:sldSz cx="12192000" cy="6858000"/>
   <p:notesSz cx="6858000" cy="9144000"/>
@@ -357,7 +361,7 @@
           <a:p>
             <a:fld id="{9DC1F441-9BCC-4383-B80D-68C31DF95A71}" type="datetimeFigureOut">
               <a:rPr lang="en-US" smtClean="0"/>
-              <a:t>1/19/2016</a:t>
+              <a:t>1/20/2016</a:t>
             </a:fld>
             <a:endParaRPr lang="en-US"/>
           </a:p>
@@ -637,7 +641,7 @@
           <a:p>
             <a:fld id="{9DC1F441-9BCC-4383-B80D-68C31DF95A71}" type="datetimeFigureOut">
               <a:rPr lang="en-US" smtClean="0"/>
-              <a:t>1/19/2016</a:t>
+              <a:t>1/20/2016</a:t>
             </a:fld>
             <a:endParaRPr lang="en-US"/>
           </a:p>
@@ -831,7 +835,7 @@
           <a:p>
             <a:fld id="{9DC1F441-9BCC-4383-B80D-68C31DF95A71}" type="datetimeFigureOut">
               <a:rPr lang="en-US" smtClean="0"/>
-              <a:t>1/19/2016</a:t>
+              <a:t>1/20/2016</a:t>
             </a:fld>
             <a:endParaRPr lang="en-US"/>
           </a:p>
@@ -1104,7 +1108,7 @@
           <a:p>
             <a:fld id="{9DC1F441-9BCC-4383-B80D-68C31DF95A71}" type="datetimeFigureOut">
               <a:rPr lang="en-US" smtClean="0"/>
-              <a:t>1/19/2016</a:t>
+              <a:t>1/20/2016</a:t>
             </a:fld>
             <a:endParaRPr lang="en-US"/>
           </a:p>
@@ -1445,7 +1449,7 @@
           <a:p>
             <a:fld id="{9DC1F441-9BCC-4383-B80D-68C31DF95A71}" type="datetimeFigureOut">
               <a:rPr lang="en-US" smtClean="0"/>
-              <a:t>1/19/2016</a:t>
+              <a:t>1/20/2016</a:t>
             </a:fld>
             <a:endParaRPr lang="en-US"/>
           </a:p>
@@ -2068,7 +2072,7 @@
           <a:p>
             <a:fld id="{9DC1F441-9BCC-4383-B80D-68C31DF95A71}" type="datetimeFigureOut">
               <a:rPr lang="en-US" smtClean="0"/>
-              <a:t>1/19/2016</a:t>
+              <a:t>1/20/2016</a:t>
             </a:fld>
             <a:endParaRPr lang="en-US"/>
           </a:p>
@@ -2928,7 +2932,7 @@
           <a:p>
             <a:fld id="{9DC1F441-9BCC-4383-B80D-68C31DF95A71}" type="datetimeFigureOut">
               <a:rPr lang="en-US" smtClean="0"/>
-              <a:t>1/19/2016</a:t>
+              <a:t>1/20/2016</a:t>
             </a:fld>
             <a:endParaRPr lang="en-US"/>
           </a:p>
@@ -3098,7 +3102,7 @@
           <a:p>
             <a:fld id="{9DC1F441-9BCC-4383-B80D-68C31DF95A71}" type="datetimeFigureOut">
               <a:rPr lang="en-US" smtClean="0"/>
-              <a:t>1/19/2016</a:t>
+              <a:t>1/20/2016</a:t>
             </a:fld>
             <a:endParaRPr lang="en-US"/>
           </a:p>
@@ -3278,7 +3282,7 @@
           <a:p>
             <a:fld id="{9DC1F441-9BCC-4383-B80D-68C31DF95A71}" type="datetimeFigureOut">
               <a:rPr lang="en-US" smtClean="0"/>
-              <a:t>1/19/2016</a:t>
+              <a:t>1/20/2016</a:t>
             </a:fld>
             <a:endParaRPr lang="en-US"/>
           </a:p>
@@ -3453,7 +3457,7 @@
           <a:p>
             <a:fld id="{9DC1F441-9BCC-4383-B80D-68C31DF95A71}" type="datetimeFigureOut">
               <a:rPr lang="en-US" smtClean="0"/>
-              <a:t>1/19/2016</a:t>
+              <a:t>1/20/2016</a:t>
             </a:fld>
             <a:endParaRPr lang="en-US"/>
           </a:p>
@@ -3700,7 +3704,7 @@
           <a:p>
             <a:fld id="{9DC1F441-9BCC-4383-B80D-68C31DF95A71}" type="datetimeFigureOut">
               <a:rPr lang="en-US" smtClean="0"/>
-              <a:t>1/19/2016</a:t>
+              <a:t>1/20/2016</a:t>
             </a:fld>
             <a:endParaRPr lang="en-US"/>
           </a:p>
@@ -3997,7 +4001,7 @@
           <a:p>
             <a:fld id="{9DC1F441-9BCC-4383-B80D-68C31DF95A71}" type="datetimeFigureOut">
               <a:rPr lang="en-US" smtClean="0"/>
-              <a:t>1/19/2016</a:t>
+              <a:t>1/20/2016</a:t>
             </a:fld>
             <a:endParaRPr lang="en-US"/>
           </a:p>
@@ -4441,7 +4445,7 @@
           <a:p>
             <a:fld id="{9DC1F441-9BCC-4383-B80D-68C31DF95A71}" type="datetimeFigureOut">
               <a:rPr lang="en-US" smtClean="0"/>
-              <a:t>1/19/2016</a:t>
+              <a:t>1/20/2016</a:t>
             </a:fld>
             <a:endParaRPr lang="en-US"/>
           </a:p>
@@ -4559,7 +4563,7 @@
           <a:p>
             <a:fld id="{9DC1F441-9BCC-4383-B80D-68C31DF95A71}" type="datetimeFigureOut">
               <a:rPr lang="en-US" smtClean="0"/>
-              <a:t>1/19/2016</a:t>
+              <a:t>1/20/2016</a:t>
             </a:fld>
             <a:endParaRPr lang="en-US"/>
           </a:p>
@@ -4654,7 +4658,7 @@
           <a:p>
             <a:fld id="{9DC1F441-9BCC-4383-B80D-68C31DF95A71}" type="datetimeFigureOut">
               <a:rPr lang="en-US" smtClean="0"/>
-              <a:t>1/19/2016</a:t>
+              <a:t>1/20/2016</a:t>
             </a:fld>
             <a:endParaRPr lang="en-US"/>
           </a:p>
@@ -4938,7 +4942,7 @@
           <a:p>
             <a:fld id="{9DC1F441-9BCC-4383-B80D-68C31DF95A71}" type="datetimeFigureOut">
               <a:rPr lang="en-US" smtClean="0"/>
-              <a:t>1/19/2016</a:t>
+              <a:t>1/20/2016</a:t>
             </a:fld>
             <a:endParaRPr lang="en-US"/>
           </a:p>
@@ -5218,7 +5222,7 @@
           <a:p>
             <a:fld id="{9DC1F441-9BCC-4383-B80D-68C31DF95A71}" type="datetimeFigureOut">
               <a:rPr lang="en-US" smtClean="0"/>
-              <a:t>1/19/2016</a:t>
+              <a:t>1/20/2016</a:t>
             </a:fld>
             <a:endParaRPr lang="en-US"/>
           </a:p>
@@ -5647,7 +5651,7 @@
           <a:p>
             <a:fld id="{9DC1F441-9BCC-4383-B80D-68C31DF95A71}" type="datetimeFigureOut">
               <a:rPr lang="en-US" smtClean="0"/>
-              <a:t>1/19/2016</a:t>
+              <a:t>1/20/2016</a:t>
             </a:fld>
             <a:endParaRPr lang="en-US"/>
           </a:p>
@@ -19356,21 +19360,34 @@
           <a:p>
             <a:r>
               <a:rPr lang="en-US" dirty="0" smtClean="0"/>
-              <a:t>Resetting password</a:t>
-            </a:r>
-          </a:p>
-          <a:p>
-            <a:r>
-              <a:rPr lang="en-US" dirty="0" smtClean="0"/>
-              <a:t>Different kinds of permissions</a:t>
-            </a:r>
-          </a:p>
-          <a:p>
-            <a:r>
-              <a:rPr lang="en-US" dirty="0" smtClean="0"/>
-              <a:t>Removing user</a:t>
-            </a:r>
-            <a:endParaRPr lang="en-US" dirty="0"/>
+              <a:t>Resetting </a:t>
+            </a:r>
+            <a:r>
+              <a:rPr lang="en-US" dirty="0" smtClean="0"/>
+              <a:t>password</a:t>
+            </a:r>
+          </a:p>
+          <a:p>
+            <a:r>
+              <a:rPr lang="en-US" dirty="0"/>
+              <a:t>Removing </a:t>
+            </a:r>
+            <a:r>
+              <a:rPr lang="en-US" dirty="0" smtClean="0"/>
+              <a:t>user</a:t>
+            </a:r>
+            <a:endParaRPr lang="en-US" dirty="0" smtClean="0"/>
+          </a:p>
+          <a:p>
+            <a:r>
+              <a:rPr lang="en-US" dirty="0" smtClean="0"/>
+              <a:t>Different kinds of </a:t>
+            </a:r>
+            <a:r>
+              <a:rPr lang="en-US" dirty="0" smtClean="0"/>
+              <a:t>permissions</a:t>
+            </a:r>
+            <a:endParaRPr lang="en-US" dirty="0" smtClean="0"/>
           </a:p>
         </p:txBody>
       </p:sp>
@@ -19953,11 +19970,27 @@
             </a:pPr>
             <a:r>
               <a:rPr lang="en-US" dirty="0" smtClean="0"/>
-              <a:t>Username and hostname should correspond to the user, host </a:t>
-            </a:r>
-            <a:r>
-              <a:rPr lang="en-US" smtClean="0"/>
-              <a:t>and password used </a:t>
+              <a:t>Username </a:t>
+            </a:r>
+            <a:r>
+              <a:rPr lang="en-US" dirty="0" smtClean="0"/>
+              <a:t>(-u) and </a:t>
+            </a:r>
+            <a:r>
+              <a:rPr lang="en-US" dirty="0" smtClean="0"/>
+              <a:t>hostname </a:t>
+            </a:r>
+            <a:r>
+              <a:rPr lang="en-US" dirty="0" smtClean="0"/>
+              <a:t>(-h) should </a:t>
+            </a:r>
+            <a:r>
+              <a:rPr lang="en-US" dirty="0" smtClean="0"/>
+              <a:t>correspond to the user, host and password </a:t>
+            </a:r>
+            <a:r>
+              <a:rPr lang="en-US" dirty="0" smtClean="0"/>
+              <a:t>(-p password prompt) used </a:t>
             </a:r>
             <a:r>
               <a:rPr lang="en-US" dirty="0" smtClean="0"/>
@@ -19988,6 +20021,486 @@
     <p:extLst>
       <p:ext uri="{BB962C8B-B14F-4D97-AF65-F5344CB8AC3E}">
         <p14:creationId xmlns:p14="http://schemas.microsoft.com/office/powerpoint/2010/main" val="512282959"/>
+      </p:ext>
+    </p:extLst>
+  </p:cSld>
+  <p:clrMapOvr>
+    <a:masterClrMapping/>
+  </p:clrMapOvr>
+</p:sld>
+</file>
+
+<file path=ppt/slides/slide61.xml><?xml version="1.0" encoding="utf-8"?>
+<p:sld xmlns:a="http://schemas.openxmlformats.org/drawingml/2006/main" xmlns:r="http://schemas.openxmlformats.org/officeDocument/2006/relationships" xmlns:p="http://schemas.openxmlformats.org/presentationml/2006/main">
+  <p:cSld>
+    <p:spTree>
+      <p:nvGrpSpPr>
+        <p:cNvPr id="1" name=""/>
+        <p:cNvGrpSpPr/>
+        <p:nvPr/>
+      </p:nvGrpSpPr>
+      <p:grpSpPr>
+        <a:xfrm>
+          <a:off x="0" y="0"/>
+          <a:ext cx="0" cy="0"/>
+          <a:chOff x="0" y="0"/>
+          <a:chExt cx="0" cy="0"/>
+        </a:xfrm>
+      </p:grpSpPr>
+      <p:sp>
+        <p:nvSpPr>
+          <p:cNvPr id="2" name="Title 1"/>
+          <p:cNvSpPr>
+            <a:spLocks noGrp="1"/>
+          </p:cNvSpPr>
+          <p:nvPr>
+            <p:ph type="title"/>
+          </p:nvPr>
+        </p:nvSpPr>
+        <p:spPr/>
+        <p:txBody>
+          <a:bodyPr/>
+          <a:lstStyle/>
+          <a:p>
+            <a:r>
+              <a:rPr lang="en-US" dirty="0" smtClean="0"/>
+              <a:t>Resetting password after login</a:t>
+            </a:r>
+            <a:endParaRPr lang="en-US" dirty="0"/>
+          </a:p>
+        </p:txBody>
+      </p:sp>
+      <p:sp>
+        <p:nvSpPr>
+          <p:cNvPr id="3" name="Content Placeholder 2"/>
+          <p:cNvSpPr>
+            <a:spLocks noGrp="1"/>
+          </p:cNvSpPr>
+          <p:nvPr>
+            <p:ph idx="1"/>
+          </p:nvPr>
+        </p:nvSpPr>
+        <p:spPr/>
+        <p:txBody>
+          <a:bodyPr/>
+          <a:lstStyle/>
+          <a:p>
+            <a:r>
+              <a:rPr lang="en-US" dirty="0" smtClean="0"/>
+              <a:t>An administrator may set up a default password in MySQL</a:t>
+            </a:r>
+          </a:p>
+          <a:p>
+            <a:r>
+              <a:rPr lang="en-US" dirty="0" smtClean="0"/>
+              <a:t>User can change the password using </a:t>
+            </a:r>
+          </a:p>
+          <a:p>
+            <a:pPr marL="0" indent="0">
+              <a:buNone/>
+            </a:pPr>
+            <a:endParaRPr lang="en-US" dirty="0"/>
+          </a:p>
+          <a:p>
+            <a:pPr marL="0" indent="0">
+              <a:buNone/>
+            </a:pPr>
+            <a:r>
+              <a:rPr lang="en-US" dirty="0" smtClean="0"/>
+              <a:t>SET PASSWORD = ‘</a:t>
+            </a:r>
+            <a:r>
+              <a:rPr lang="en-US" dirty="0" err="1" smtClean="0"/>
+              <a:t>my_new_password</a:t>
+            </a:r>
+            <a:r>
+              <a:rPr lang="en-US" dirty="0" smtClean="0"/>
+              <a:t>’;</a:t>
+            </a:r>
+            <a:endParaRPr lang="en-US" dirty="0"/>
+          </a:p>
+        </p:txBody>
+      </p:sp>
+    </p:spTree>
+    <p:extLst>
+      <p:ext uri="{BB962C8B-B14F-4D97-AF65-F5344CB8AC3E}">
+        <p14:creationId xmlns:p14="http://schemas.microsoft.com/office/powerpoint/2010/main" val="4157936754"/>
+      </p:ext>
+    </p:extLst>
+  </p:cSld>
+  <p:clrMapOvr>
+    <a:masterClrMapping/>
+  </p:clrMapOvr>
+</p:sld>
+</file>
+
+<file path=ppt/slides/slide62.xml><?xml version="1.0" encoding="utf-8"?>
+<p:sld xmlns:a="http://schemas.openxmlformats.org/drawingml/2006/main" xmlns:r="http://schemas.openxmlformats.org/officeDocument/2006/relationships" xmlns:p="http://schemas.openxmlformats.org/presentationml/2006/main">
+  <p:cSld>
+    <p:spTree>
+      <p:nvGrpSpPr>
+        <p:cNvPr id="1" name=""/>
+        <p:cNvGrpSpPr/>
+        <p:nvPr/>
+      </p:nvGrpSpPr>
+      <p:grpSpPr>
+        <a:xfrm>
+          <a:off x="0" y="0"/>
+          <a:ext cx="0" cy="0"/>
+          <a:chOff x="0" y="0"/>
+          <a:chExt cx="0" cy="0"/>
+        </a:xfrm>
+      </p:grpSpPr>
+      <p:sp>
+        <p:nvSpPr>
+          <p:cNvPr id="2" name="Title 1"/>
+          <p:cNvSpPr>
+            <a:spLocks noGrp="1"/>
+          </p:cNvSpPr>
+          <p:nvPr>
+            <p:ph type="title"/>
+          </p:nvPr>
+        </p:nvSpPr>
+        <p:spPr/>
+        <p:txBody>
+          <a:bodyPr/>
+          <a:lstStyle/>
+          <a:p>
+            <a:r>
+              <a:rPr lang="en-US" dirty="0" smtClean="0"/>
+              <a:t>Permissions</a:t>
+            </a:r>
+            <a:endParaRPr lang="en-US" dirty="0"/>
+          </a:p>
+        </p:txBody>
+      </p:sp>
+      <p:sp>
+        <p:nvSpPr>
+          <p:cNvPr id="3" name="Content Placeholder 2"/>
+          <p:cNvSpPr>
+            <a:spLocks noGrp="1"/>
+          </p:cNvSpPr>
+          <p:nvPr>
+            <p:ph idx="1"/>
+          </p:nvPr>
+        </p:nvSpPr>
+        <p:spPr>
+          <a:xfrm>
+            <a:off x="1103312" y="2052918"/>
+            <a:ext cx="8946541" cy="4805082"/>
+          </a:xfrm>
+        </p:spPr>
+        <p:txBody>
+          <a:bodyPr>
+            <a:normAutofit lnSpcReduction="10000"/>
+          </a:bodyPr>
+          <a:lstStyle/>
+          <a:p>
+            <a:r>
+              <a:rPr lang="en-US" dirty="0" smtClean="0"/>
+              <a:t>Over 30 different privileges</a:t>
+            </a:r>
+          </a:p>
+          <a:p>
+            <a:r>
+              <a:rPr lang="en-US" dirty="0" smtClean="0"/>
+              <a:t>Most popular ones:</a:t>
+            </a:r>
+          </a:p>
+          <a:p>
+            <a:pPr lvl="1"/>
+            <a:r>
+              <a:rPr lang="en-US" dirty="0" smtClean="0"/>
+              <a:t>ALL – give all privileges</a:t>
+            </a:r>
+          </a:p>
+          <a:p>
+            <a:pPr lvl="1"/>
+            <a:r>
+              <a:rPr lang="en-US" dirty="0" smtClean="0"/>
+              <a:t>SELECT, INSERT, DELETE, UPDATE</a:t>
+            </a:r>
+          </a:p>
+          <a:p>
+            <a:pPr lvl="1"/>
+            <a:r>
+              <a:rPr lang="en-US" dirty="0" smtClean="0"/>
+              <a:t>ALTER</a:t>
+            </a:r>
+          </a:p>
+          <a:p>
+            <a:pPr lvl="1"/>
+            <a:r>
+              <a:rPr lang="en-US" dirty="0" smtClean="0"/>
+              <a:t>EXECUTE – Execute stored proc</a:t>
+            </a:r>
+          </a:p>
+          <a:p>
+            <a:pPr lvl="1"/>
+            <a:r>
+              <a:rPr lang="en-US" dirty="0" smtClean="0"/>
+              <a:t>CREATE</a:t>
+            </a:r>
+          </a:p>
+          <a:p>
+            <a:pPr lvl="1"/>
+            <a:r>
+              <a:rPr lang="en-US" dirty="0" smtClean="0"/>
+              <a:t>DROP</a:t>
+            </a:r>
+          </a:p>
+          <a:p>
+            <a:pPr lvl="1"/>
+            <a:r>
+              <a:rPr lang="en-US" dirty="0" smtClean="0"/>
+              <a:t>TRIGGER</a:t>
+            </a:r>
+          </a:p>
+          <a:p>
+            <a:pPr lvl="1"/>
+            <a:r>
+              <a:rPr lang="en-US" dirty="0" smtClean="0"/>
+              <a:t>CREATE/SHOW VIEW</a:t>
+            </a:r>
+          </a:p>
+          <a:p>
+            <a:pPr lvl="1"/>
+            <a:r>
+              <a:rPr lang="en-US" dirty="0" smtClean="0"/>
+              <a:t>CREATE/ALTER ROUTINE – Create/Alter stored procedures/functions</a:t>
+            </a:r>
+          </a:p>
+          <a:p>
+            <a:pPr lvl="1"/>
+            <a:r>
+              <a:rPr lang="en-US" dirty="0" smtClean="0"/>
+              <a:t>PROCESS – Show MySQL </a:t>
+            </a:r>
+            <a:r>
+              <a:rPr lang="en-US" dirty="0" err="1" smtClean="0"/>
+              <a:t>processlist</a:t>
+            </a:r>
+            <a:r>
+              <a:rPr lang="en-US" dirty="0" smtClean="0"/>
+              <a:t>/threads</a:t>
+            </a:r>
+            <a:endParaRPr lang="en-US" dirty="0"/>
+          </a:p>
+        </p:txBody>
+      </p:sp>
+    </p:spTree>
+    <p:extLst>
+      <p:ext uri="{BB962C8B-B14F-4D97-AF65-F5344CB8AC3E}">
+        <p14:creationId xmlns:p14="http://schemas.microsoft.com/office/powerpoint/2010/main" val="3332371934"/>
+      </p:ext>
+    </p:extLst>
+  </p:cSld>
+  <p:clrMapOvr>
+    <a:masterClrMapping/>
+  </p:clrMapOvr>
+</p:sld>
+</file>
+
+<file path=ppt/slides/slide63.xml><?xml version="1.0" encoding="utf-8"?>
+<p:sld xmlns:a="http://schemas.openxmlformats.org/drawingml/2006/main" xmlns:r="http://schemas.openxmlformats.org/officeDocument/2006/relationships" xmlns:p="http://schemas.openxmlformats.org/presentationml/2006/main">
+  <p:cSld>
+    <p:spTree>
+      <p:nvGrpSpPr>
+        <p:cNvPr id="1" name=""/>
+        <p:cNvGrpSpPr/>
+        <p:nvPr/>
+      </p:nvGrpSpPr>
+      <p:grpSpPr>
+        <a:xfrm>
+          <a:off x="0" y="0"/>
+          <a:ext cx="0" cy="0"/>
+          <a:chOff x="0" y="0"/>
+          <a:chExt cx="0" cy="0"/>
+        </a:xfrm>
+      </p:grpSpPr>
+      <p:sp>
+        <p:nvSpPr>
+          <p:cNvPr id="2" name="Title 1"/>
+          <p:cNvSpPr>
+            <a:spLocks noGrp="1"/>
+          </p:cNvSpPr>
+          <p:nvPr>
+            <p:ph type="title"/>
+          </p:nvPr>
+        </p:nvSpPr>
+        <p:spPr/>
+        <p:txBody>
+          <a:bodyPr/>
+          <a:lstStyle/>
+          <a:p>
+            <a:r>
+              <a:rPr lang="en-US" dirty="0" smtClean="0"/>
+              <a:t>Remove a user</a:t>
+            </a:r>
+            <a:endParaRPr lang="en-US" dirty="0"/>
+          </a:p>
+        </p:txBody>
+      </p:sp>
+      <p:sp>
+        <p:nvSpPr>
+          <p:cNvPr id="3" name="Content Placeholder 2"/>
+          <p:cNvSpPr>
+            <a:spLocks noGrp="1"/>
+          </p:cNvSpPr>
+          <p:nvPr>
+            <p:ph idx="1"/>
+          </p:nvPr>
+        </p:nvSpPr>
+        <p:spPr/>
+        <p:txBody>
+          <a:bodyPr/>
+          <a:lstStyle/>
+          <a:p>
+            <a:r>
+              <a:rPr lang="en-US" dirty="0" smtClean="0"/>
+              <a:t>When a person is no longer with the company or does not need to access a database, user can be carefully removed</a:t>
+            </a:r>
+          </a:p>
+          <a:p>
+            <a:r>
+              <a:rPr lang="en-US" dirty="0" smtClean="0"/>
+              <a:t>Always note down the GRANTS for that user before dropping </a:t>
+            </a:r>
+          </a:p>
+          <a:p>
+            <a:pPr marL="0" indent="0">
+              <a:buNone/>
+            </a:pPr>
+            <a:endParaRPr lang="en-US" dirty="0"/>
+          </a:p>
+          <a:p>
+            <a:pPr marL="0" indent="0">
+              <a:buNone/>
+            </a:pPr>
+            <a:r>
+              <a:rPr lang="en-US" dirty="0" smtClean="0"/>
+              <a:t>SHOW GRANTS FOR ‘</a:t>
+            </a:r>
+            <a:r>
+              <a:rPr lang="en-US" dirty="0" err="1" smtClean="0"/>
+              <a:t>jose</a:t>
+            </a:r>
+            <a:r>
+              <a:rPr lang="en-US" dirty="0" smtClean="0"/>
+              <a:t>’@’localhost’;</a:t>
+            </a:r>
+          </a:p>
+          <a:p>
+            <a:pPr marL="0" indent="0">
+              <a:buNone/>
+            </a:pPr>
+            <a:r>
+              <a:rPr lang="en-US" dirty="0" smtClean="0"/>
+              <a:t>DROP USER ‘</a:t>
+            </a:r>
+            <a:r>
+              <a:rPr lang="en-US" dirty="0" err="1" smtClean="0"/>
+              <a:t>jose</a:t>
+            </a:r>
+            <a:r>
+              <a:rPr lang="en-US" dirty="0" smtClean="0"/>
+              <a:t>’@’localhost’;</a:t>
+            </a:r>
+            <a:endParaRPr lang="en-US" dirty="0"/>
+          </a:p>
+        </p:txBody>
+      </p:sp>
+    </p:spTree>
+    <p:extLst>
+      <p:ext uri="{BB962C8B-B14F-4D97-AF65-F5344CB8AC3E}">
+        <p14:creationId xmlns:p14="http://schemas.microsoft.com/office/powerpoint/2010/main" val="4093040127"/>
+      </p:ext>
+    </p:extLst>
+  </p:cSld>
+  <p:clrMapOvr>
+    <a:masterClrMapping/>
+  </p:clrMapOvr>
+</p:sld>
+</file>
+
+<file path=ppt/slides/slide64.xml><?xml version="1.0" encoding="utf-8"?>
+<p:sld xmlns:a="http://schemas.openxmlformats.org/drawingml/2006/main" xmlns:r="http://schemas.openxmlformats.org/officeDocument/2006/relationships" xmlns:p="http://schemas.openxmlformats.org/presentationml/2006/main">
+  <p:cSld>
+    <p:spTree>
+      <p:nvGrpSpPr>
+        <p:cNvPr id="1" name=""/>
+        <p:cNvGrpSpPr/>
+        <p:nvPr/>
+      </p:nvGrpSpPr>
+      <p:grpSpPr>
+        <a:xfrm>
+          <a:off x="0" y="0"/>
+          <a:ext cx="0" cy="0"/>
+          <a:chOff x="0" y="0"/>
+          <a:chExt cx="0" cy="0"/>
+        </a:xfrm>
+      </p:grpSpPr>
+      <p:sp>
+        <p:nvSpPr>
+          <p:cNvPr id="2" name="Title 1"/>
+          <p:cNvSpPr>
+            <a:spLocks noGrp="1"/>
+          </p:cNvSpPr>
+          <p:nvPr>
+            <p:ph type="title"/>
+          </p:nvPr>
+        </p:nvSpPr>
+        <p:spPr/>
+        <p:txBody>
+          <a:bodyPr/>
+          <a:lstStyle/>
+          <a:p>
+            <a:r>
+              <a:rPr lang="en-US" dirty="0" smtClean="0"/>
+              <a:t>Day 12:</a:t>
+            </a:r>
+            <a:endParaRPr lang="en-US" dirty="0"/>
+          </a:p>
+        </p:txBody>
+      </p:sp>
+      <p:sp>
+        <p:nvSpPr>
+          <p:cNvPr id="3" name="Content Placeholder 2"/>
+          <p:cNvSpPr>
+            <a:spLocks noGrp="1"/>
+          </p:cNvSpPr>
+          <p:nvPr>
+            <p:ph idx="1"/>
+          </p:nvPr>
+        </p:nvSpPr>
+        <p:spPr/>
+        <p:txBody>
+          <a:bodyPr/>
+          <a:lstStyle/>
+          <a:p>
+            <a:r>
+              <a:rPr lang="en-US" dirty="0" smtClean="0"/>
+              <a:t>Setting correct permissions</a:t>
+            </a:r>
+          </a:p>
+          <a:p>
+            <a:r>
+              <a:rPr lang="en-US" dirty="0" smtClean="0"/>
+              <a:t>Hardening the </a:t>
+            </a:r>
+            <a:r>
+              <a:rPr lang="en-US" smtClean="0"/>
+              <a:t>database server</a:t>
+            </a:r>
+            <a:endParaRPr lang="en-US"/>
+          </a:p>
+        </p:txBody>
+      </p:sp>
+    </p:spTree>
+    <p:extLst>
+      <p:ext uri="{BB962C8B-B14F-4D97-AF65-F5344CB8AC3E}">
+        <p14:creationId xmlns:p14="http://schemas.microsoft.com/office/powerpoint/2010/main" val="519937272"/>
       </p:ext>
     </p:extLst>
   </p:cSld>

--- a/Presentation/Database-Bootcamp-Presentation.pptx
+++ b/Presentation/Database-Bootcamp-Presentation.pptx
@@ -69,6 +69,9 @@
     <p:sldId id="317" r:id="rId63"/>
     <p:sldId id="318" r:id="rId64"/>
     <p:sldId id="319" r:id="rId65"/>
+    <p:sldId id="320" r:id="rId66"/>
+    <p:sldId id="321" r:id="rId67"/>
+    <p:sldId id="322" r:id="rId68"/>
   </p:sldIdLst>
   <p:sldSz cx="12192000" cy="6858000"/>
   <p:notesSz cx="6858000" cy="9144000"/>
@@ -361,7 +364,7 @@
           <a:p>
             <a:fld id="{9DC1F441-9BCC-4383-B80D-68C31DF95A71}" type="datetimeFigureOut">
               <a:rPr lang="en-US" smtClean="0"/>
-              <a:t>1/20/2016</a:t>
+              <a:t>1/22/2016</a:t>
             </a:fld>
             <a:endParaRPr lang="en-US"/>
           </a:p>
@@ -641,7 +644,7 @@
           <a:p>
             <a:fld id="{9DC1F441-9BCC-4383-B80D-68C31DF95A71}" type="datetimeFigureOut">
               <a:rPr lang="en-US" smtClean="0"/>
-              <a:t>1/20/2016</a:t>
+              <a:t>1/22/2016</a:t>
             </a:fld>
             <a:endParaRPr lang="en-US"/>
           </a:p>
@@ -835,7 +838,7 @@
           <a:p>
             <a:fld id="{9DC1F441-9BCC-4383-B80D-68C31DF95A71}" type="datetimeFigureOut">
               <a:rPr lang="en-US" smtClean="0"/>
-              <a:t>1/20/2016</a:t>
+              <a:t>1/22/2016</a:t>
             </a:fld>
             <a:endParaRPr lang="en-US"/>
           </a:p>
@@ -1108,7 +1111,7 @@
           <a:p>
             <a:fld id="{9DC1F441-9BCC-4383-B80D-68C31DF95A71}" type="datetimeFigureOut">
               <a:rPr lang="en-US" smtClean="0"/>
-              <a:t>1/20/2016</a:t>
+              <a:t>1/22/2016</a:t>
             </a:fld>
             <a:endParaRPr lang="en-US"/>
           </a:p>
@@ -1449,7 +1452,7 @@
           <a:p>
             <a:fld id="{9DC1F441-9BCC-4383-B80D-68C31DF95A71}" type="datetimeFigureOut">
               <a:rPr lang="en-US" smtClean="0"/>
-              <a:t>1/20/2016</a:t>
+              <a:t>1/22/2016</a:t>
             </a:fld>
             <a:endParaRPr lang="en-US"/>
           </a:p>
@@ -2072,7 +2075,7 @@
           <a:p>
             <a:fld id="{9DC1F441-9BCC-4383-B80D-68C31DF95A71}" type="datetimeFigureOut">
               <a:rPr lang="en-US" smtClean="0"/>
-              <a:t>1/20/2016</a:t>
+              <a:t>1/22/2016</a:t>
             </a:fld>
             <a:endParaRPr lang="en-US"/>
           </a:p>
@@ -2932,7 +2935,7 @@
           <a:p>
             <a:fld id="{9DC1F441-9BCC-4383-B80D-68C31DF95A71}" type="datetimeFigureOut">
               <a:rPr lang="en-US" smtClean="0"/>
-              <a:t>1/20/2016</a:t>
+              <a:t>1/22/2016</a:t>
             </a:fld>
             <a:endParaRPr lang="en-US"/>
           </a:p>
@@ -3102,7 +3105,7 @@
           <a:p>
             <a:fld id="{9DC1F441-9BCC-4383-B80D-68C31DF95A71}" type="datetimeFigureOut">
               <a:rPr lang="en-US" smtClean="0"/>
-              <a:t>1/20/2016</a:t>
+              <a:t>1/22/2016</a:t>
             </a:fld>
             <a:endParaRPr lang="en-US"/>
           </a:p>
@@ -3282,7 +3285,7 @@
           <a:p>
             <a:fld id="{9DC1F441-9BCC-4383-B80D-68C31DF95A71}" type="datetimeFigureOut">
               <a:rPr lang="en-US" smtClean="0"/>
-              <a:t>1/20/2016</a:t>
+              <a:t>1/22/2016</a:t>
             </a:fld>
             <a:endParaRPr lang="en-US"/>
           </a:p>
@@ -3457,7 +3460,7 @@
           <a:p>
             <a:fld id="{9DC1F441-9BCC-4383-B80D-68C31DF95A71}" type="datetimeFigureOut">
               <a:rPr lang="en-US" smtClean="0"/>
-              <a:t>1/20/2016</a:t>
+              <a:t>1/22/2016</a:t>
             </a:fld>
             <a:endParaRPr lang="en-US"/>
           </a:p>
@@ -3704,7 +3707,7 @@
           <a:p>
             <a:fld id="{9DC1F441-9BCC-4383-B80D-68C31DF95A71}" type="datetimeFigureOut">
               <a:rPr lang="en-US" smtClean="0"/>
-              <a:t>1/20/2016</a:t>
+              <a:t>1/22/2016</a:t>
             </a:fld>
             <a:endParaRPr lang="en-US"/>
           </a:p>
@@ -4001,7 +4004,7 @@
           <a:p>
             <a:fld id="{9DC1F441-9BCC-4383-B80D-68C31DF95A71}" type="datetimeFigureOut">
               <a:rPr lang="en-US" smtClean="0"/>
-              <a:t>1/20/2016</a:t>
+              <a:t>1/22/2016</a:t>
             </a:fld>
             <a:endParaRPr lang="en-US"/>
           </a:p>
@@ -4445,7 +4448,7 @@
           <a:p>
             <a:fld id="{9DC1F441-9BCC-4383-B80D-68C31DF95A71}" type="datetimeFigureOut">
               <a:rPr lang="en-US" smtClean="0"/>
-              <a:t>1/20/2016</a:t>
+              <a:t>1/22/2016</a:t>
             </a:fld>
             <a:endParaRPr lang="en-US"/>
           </a:p>
@@ -4563,7 +4566,7 @@
           <a:p>
             <a:fld id="{9DC1F441-9BCC-4383-B80D-68C31DF95A71}" type="datetimeFigureOut">
               <a:rPr lang="en-US" smtClean="0"/>
-              <a:t>1/20/2016</a:t>
+              <a:t>1/22/2016</a:t>
             </a:fld>
             <a:endParaRPr lang="en-US"/>
           </a:p>
@@ -4658,7 +4661,7 @@
           <a:p>
             <a:fld id="{9DC1F441-9BCC-4383-B80D-68C31DF95A71}" type="datetimeFigureOut">
               <a:rPr lang="en-US" smtClean="0"/>
-              <a:t>1/20/2016</a:t>
+              <a:t>1/22/2016</a:t>
             </a:fld>
             <a:endParaRPr lang="en-US"/>
           </a:p>
@@ -4942,7 +4945,7 @@
           <a:p>
             <a:fld id="{9DC1F441-9BCC-4383-B80D-68C31DF95A71}" type="datetimeFigureOut">
               <a:rPr lang="en-US" smtClean="0"/>
-              <a:t>1/20/2016</a:t>
+              <a:t>1/22/2016</a:t>
             </a:fld>
             <a:endParaRPr lang="en-US"/>
           </a:p>
@@ -5222,7 +5225,7 @@
           <a:p>
             <a:fld id="{9DC1F441-9BCC-4383-B80D-68C31DF95A71}" type="datetimeFigureOut">
               <a:rPr lang="en-US" smtClean="0"/>
-              <a:t>1/20/2016</a:t>
+              <a:t>1/22/2016</a:t>
             </a:fld>
             <a:endParaRPr lang="en-US"/>
           </a:p>
@@ -5651,7 +5654,7 @@
           <a:p>
             <a:fld id="{9DC1F441-9BCC-4383-B80D-68C31DF95A71}" type="datetimeFigureOut">
               <a:rPr lang="en-US" smtClean="0"/>
-              <a:t>1/20/2016</a:t>
+              <a:t>1/22/2016</a:t>
             </a:fld>
             <a:endParaRPr lang="en-US"/>
           </a:p>
@@ -19360,11 +19363,7 @@
           <a:p>
             <a:r>
               <a:rPr lang="en-US" dirty="0" smtClean="0"/>
-              <a:t>Resetting </a:t>
-            </a:r>
-            <a:r>
-              <a:rPr lang="en-US" dirty="0" smtClean="0"/>
-              <a:t>password</a:t>
+              <a:t>Resetting password</a:t>
             </a:r>
           </a:p>
           <a:p>
@@ -19376,18 +19375,12 @@
               <a:rPr lang="en-US" dirty="0" smtClean="0"/>
               <a:t>user</a:t>
             </a:r>
-            <a:endParaRPr lang="en-US" dirty="0" smtClean="0"/>
-          </a:p>
-          <a:p>
-            <a:r>
-              <a:rPr lang="en-US" dirty="0" smtClean="0"/>
-              <a:t>Different kinds of </a:t>
-            </a:r>
-            <a:r>
-              <a:rPr lang="en-US" dirty="0" smtClean="0"/>
-              <a:t>permissions</a:t>
-            </a:r>
-            <a:endParaRPr lang="en-US" dirty="0" smtClean="0"/>
+          </a:p>
+          <a:p>
+            <a:r>
+              <a:rPr lang="en-US" dirty="0" smtClean="0"/>
+              <a:t>Different kinds of permissions</a:t>
+            </a:r>
           </a:p>
         </p:txBody>
       </p:sp>
@@ -19970,31 +19963,7 @@
             </a:pPr>
             <a:r>
               <a:rPr lang="en-US" dirty="0" smtClean="0"/>
-              <a:t>Username </a:t>
-            </a:r>
-            <a:r>
-              <a:rPr lang="en-US" dirty="0" smtClean="0"/>
-              <a:t>(-u) and </a:t>
-            </a:r>
-            <a:r>
-              <a:rPr lang="en-US" dirty="0" smtClean="0"/>
-              <a:t>hostname </a:t>
-            </a:r>
-            <a:r>
-              <a:rPr lang="en-US" dirty="0" smtClean="0"/>
-              <a:t>(-h) should </a:t>
-            </a:r>
-            <a:r>
-              <a:rPr lang="en-US" dirty="0" smtClean="0"/>
-              <a:t>correspond to the user, host and password </a:t>
-            </a:r>
-            <a:r>
-              <a:rPr lang="en-US" dirty="0" smtClean="0"/>
-              <a:t>(-p password prompt) used </a:t>
-            </a:r>
-            <a:r>
-              <a:rPr lang="en-US" dirty="0" smtClean="0"/>
-              <a:t>in:</a:t>
+              <a:t>Username (-u) and hostname (-h) should correspond to the user, host and password (-p password prompt) used in:</a:t>
             </a:r>
           </a:p>
           <a:p>
@@ -20487,13 +20456,9 @@
           <a:p>
             <a:r>
               <a:rPr lang="en-US" dirty="0" smtClean="0"/>
-              <a:t>Hardening the </a:t>
-            </a:r>
-            <a:r>
-              <a:rPr lang="en-US" smtClean="0"/>
-              <a:t>database server</a:t>
-            </a:r>
-            <a:endParaRPr lang="en-US"/>
+              <a:t>Hardening the database server</a:t>
+            </a:r>
+            <a:endParaRPr lang="en-US" dirty="0"/>
           </a:p>
         </p:txBody>
       </p:sp>
@@ -20501,6 +20466,344 @@
     <p:extLst>
       <p:ext uri="{BB962C8B-B14F-4D97-AF65-F5344CB8AC3E}">
         <p14:creationId xmlns:p14="http://schemas.microsoft.com/office/powerpoint/2010/main" val="519937272"/>
+      </p:ext>
+    </p:extLst>
+  </p:cSld>
+  <p:clrMapOvr>
+    <a:masterClrMapping/>
+  </p:clrMapOvr>
+</p:sld>
+</file>
+
+<file path=ppt/slides/slide65.xml><?xml version="1.0" encoding="utf-8"?>
+<p:sld xmlns:a="http://schemas.openxmlformats.org/drawingml/2006/main" xmlns:r="http://schemas.openxmlformats.org/officeDocument/2006/relationships" xmlns:p="http://schemas.openxmlformats.org/presentationml/2006/main">
+  <p:cSld>
+    <p:spTree>
+      <p:nvGrpSpPr>
+        <p:cNvPr id="1" name=""/>
+        <p:cNvGrpSpPr/>
+        <p:nvPr/>
+      </p:nvGrpSpPr>
+      <p:grpSpPr>
+        <a:xfrm>
+          <a:off x="0" y="0"/>
+          <a:ext cx="0" cy="0"/>
+          <a:chOff x="0" y="0"/>
+          <a:chExt cx="0" cy="0"/>
+        </a:xfrm>
+      </p:grpSpPr>
+      <p:sp>
+        <p:nvSpPr>
+          <p:cNvPr id="2" name="Title 1"/>
+          <p:cNvSpPr>
+            <a:spLocks noGrp="1"/>
+          </p:cNvSpPr>
+          <p:nvPr>
+            <p:ph type="title"/>
+          </p:nvPr>
+        </p:nvSpPr>
+        <p:spPr/>
+        <p:txBody>
+          <a:bodyPr/>
+          <a:lstStyle/>
+          <a:p>
+            <a:r>
+              <a:rPr lang="en-US" dirty="0" smtClean="0"/>
+              <a:t>Setting correct permissions</a:t>
+            </a:r>
+            <a:endParaRPr lang="en-US" dirty="0"/>
+          </a:p>
+        </p:txBody>
+      </p:sp>
+      <p:sp>
+        <p:nvSpPr>
+          <p:cNvPr id="3" name="Content Placeholder 2"/>
+          <p:cNvSpPr>
+            <a:spLocks noGrp="1"/>
+          </p:cNvSpPr>
+          <p:nvPr>
+            <p:ph idx="1"/>
+          </p:nvPr>
+        </p:nvSpPr>
+        <p:spPr/>
+        <p:txBody>
+          <a:bodyPr/>
+          <a:lstStyle/>
+          <a:p>
+            <a:r>
+              <a:rPr lang="en-US" dirty="0" smtClean="0"/>
+              <a:t>Only give the minimum privileges a user needs</a:t>
+            </a:r>
+          </a:p>
+          <a:p>
+            <a:r>
+              <a:rPr lang="en-US" dirty="0" smtClean="0"/>
+              <a:t>Begin with SELECT permissions (READ-ONLY) permissions</a:t>
+            </a:r>
+          </a:p>
+          <a:p>
+            <a:r>
+              <a:rPr lang="en-US" dirty="0" smtClean="0"/>
+              <a:t>Add privileges gradually and have user test out</a:t>
+            </a:r>
+          </a:p>
+          <a:p>
+            <a:r>
+              <a:rPr lang="en-US" dirty="0" smtClean="0"/>
+              <a:t>Use FLUSH PRIVILEGS after GRANT statements</a:t>
+            </a:r>
+          </a:p>
+          <a:p>
+            <a:r>
+              <a:rPr lang="en-US" dirty="0" smtClean="0"/>
+              <a:t>Do NOT allow % hostname for any user unless absolutely necessary</a:t>
+            </a:r>
+          </a:p>
+        </p:txBody>
+      </p:sp>
+    </p:spTree>
+    <p:extLst>
+      <p:ext uri="{BB962C8B-B14F-4D97-AF65-F5344CB8AC3E}">
+        <p14:creationId xmlns:p14="http://schemas.microsoft.com/office/powerpoint/2010/main" val="2719639400"/>
+      </p:ext>
+    </p:extLst>
+  </p:cSld>
+  <p:clrMapOvr>
+    <a:masterClrMapping/>
+  </p:clrMapOvr>
+</p:sld>
+</file>
+
+<file path=ppt/slides/slide66.xml><?xml version="1.0" encoding="utf-8"?>
+<p:sld xmlns:a="http://schemas.openxmlformats.org/drawingml/2006/main" xmlns:r="http://schemas.openxmlformats.org/officeDocument/2006/relationships" xmlns:p="http://schemas.openxmlformats.org/presentationml/2006/main">
+  <p:cSld>
+    <p:spTree>
+      <p:nvGrpSpPr>
+        <p:cNvPr id="1" name=""/>
+        <p:cNvGrpSpPr/>
+        <p:nvPr/>
+      </p:nvGrpSpPr>
+      <p:grpSpPr>
+        <a:xfrm>
+          <a:off x="0" y="0"/>
+          <a:ext cx="0" cy="0"/>
+          <a:chOff x="0" y="0"/>
+          <a:chExt cx="0" cy="0"/>
+        </a:xfrm>
+      </p:grpSpPr>
+      <p:sp>
+        <p:nvSpPr>
+          <p:cNvPr id="2" name="Title 1"/>
+          <p:cNvSpPr>
+            <a:spLocks noGrp="1"/>
+          </p:cNvSpPr>
+          <p:nvPr>
+            <p:ph type="title"/>
+          </p:nvPr>
+        </p:nvSpPr>
+        <p:spPr/>
+        <p:txBody>
+          <a:bodyPr/>
+          <a:lstStyle/>
+          <a:p>
+            <a:r>
+              <a:rPr lang="en-US" dirty="0" smtClean="0"/>
+              <a:t>Hardening database</a:t>
+            </a:r>
+            <a:endParaRPr lang="en-US" dirty="0"/>
+          </a:p>
+        </p:txBody>
+      </p:sp>
+      <p:sp>
+        <p:nvSpPr>
+          <p:cNvPr id="3" name="Content Placeholder 2"/>
+          <p:cNvSpPr>
+            <a:spLocks noGrp="1"/>
+          </p:cNvSpPr>
+          <p:nvPr>
+            <p:ph idx="1"/>
+          </p:nvPr>
+        </p:nvSpPr>
+        <p:spPr>
+          <a:xfrm>
+            <a:off x="1103312" y="2052918"/>
+            <a:ext cx="8946541" cy="4805082"/>
+          </a:xfrm>
+        </p:spPr>
+        <p:txBody>
+          <a:bodyPr/>
+          <a:lstStyle/>
+          <a:p>
+            <a:r>
+              <a:rPr lang="en-US" dirty="0" smtClean="0"/>
+              <a:t>Harden the operating system (system administrators can help)</a:t>
+            </a:r>
+          </a:p>
+          <a:p>
+            <a:r>
+              <a:rPr lang="en-US" dirty="0" smtClean="0"/>
+              <a:t>Run MySQL on a non-default port</a:t>
+            </a:r>
+          </a:p>
+          <a:p>
+            <a:r>
+              <a:rPr lang="en-US" dirty="0" smtClean="0"/>
+              <a:t>Set firewall rules to allow only certain IPs to connect to MySQL’s port</a:t>
+            </a:r>
+          </a:p>
+          <a:p>
+            <a:r>
+              <a:rPr lang="en-US" dirty="0" smtClean="0"/>
+              <a:t>Have </a:t>
+            </a:r>
+            <a:r>
+              <a:rPr lang="en-US" dirty="0"/>
+              <a:t>a very strong root password</a:t>
+            </a:r>
+          </a:p>
+          <a:p>
+            <a:r>
+              <a:rPr lang="en-US" dirty="0"/>
+              <a:t>Allow root password login ONLY from </a:t>
+            </a:r>
+            <a:r>
+              <a:rPr lang="en-US" dirty="0" smtClean="0"/>
+              <a:t>localhost</a:t>
+            </a:r>
+          </a:p>
+          <a:p>
+            <a:r>
+              <a:rPr lang="en-US" dirty="0" smtClean="0"/>
+              <a:t>Allow only very few users access to LOAD DATA, BACKUP, RESTORE, DROP, CREATE, REPLICATION and similar administrative </a:t>
+            </a:r>
+            <a:r>
+              <a:rPr lang="en-US" dirty="0" err="1" smtClean="0"/>
+              <a:t>privilegs</a:t>
+            </a:r>
+            <a:endParaRPr lang="en-US" dirty="0" smtClean="0"/>
+          </a:p>
+          <a:p>
+            <a:r>
+              <a:rPr lang="en-US" dirty="0" smtClean="0"/>
+              <a:t>Note down every single change to database done by users</a:t>
+            </a:r>
+          </a:p>
+          <a:p>
+            <a:r>
+              <a:rPr lang="en-US" dirty="0" smtClean="0"/>
+              <a:t>Take regular backups; restore regularly on separate systems</a:t>
+            </a:r>
+          </a:p>
+          <a:p>
+            <a:r>
+              <a:rPr lang="en-US" dirty="0" smtClean="0"/>
+              <a:t>Enable AUDIT log, slow query logs</a:t>
+            </a:r>
+            <a:endParaRPr lang="en-US" dirty="0"/>
+          </a:p>
+          <a:p>
+            <a:r>
+              <a:rPr lang="en-US" dirty="0" smtClean="0"/>
+              <a:t>Allow very limited access to replicated slaves</a:t>
+            </a:r>
+            <a:endParaRPr lang="en-US" dirty="0"/>
+          </a:p>
+        </p:txBody>
+      </p:sp>
+    </p:spTree>
+    <p:extLst>
+      <p:ext uri="{BB962C8B-B14F-4D97-AF65-F5344CB8AC3E}">
+        <p14:creationId xmlns:p14="http://schemas.microsoft.com/office/powerpoint/2010/main" val="3355882893"/>
+      </p:ext>
+    </p:extLst>
+  </p:cSld>
+  <p:clrMapOvr>
+    <a:masterClrMapping/>
+  </p:clrMapOvr>
+</p:sld>
+</file>
+
+<file path=ppt/slides/slide67.xml><?xml version="1.0" encoding="utf-8"?>
+<p:sld xmlns:a="http://schemas.openxmlformats.org/drawingml/2006/main" xmlns:r="http://schemas.openxmlformats.org/officeDocument/2006/relationships" xmlns:p="http://schemas.openxmlformats.org/presentationml/2006/main">
+  <p:cSld>
+    <p:spTree>
+      <p:nvGrpSpPr>
+        <p:cNvPr id="1" name=""/>
+        <p:cNvGrpSpPr/>
+        <p:nvPr/>
+      </p:nvGrpSpPr>
+      <p:grpSpPr>
+        <a:xfrm>
+          <a:off x="0" y="0"/>
+          <a:ext cx="0" cy="0"/>
+          <a:chOff x="0" y="0"/>
+          <a:chExt cx="0" cy="0"/>
+        </a:xfrm>
+      </p:grpSpPr>
+      <p:sp>
+        <p:nvSpPr>
+          <p:cNvPr id="2" name="Title 1"/>
+          <p:cNvSpPr>
+            <a:spLocks noGrp="1"/>
+          </p:cNvSpPr>
+          <p:nvPr>
+            <p:ph type="title"/>
+          </p:nvPr>
+        </p:nvSpPr>
+        <p:spPr/>
+        <p:txBody>
+          <a:bodyPr/>
+          <a:lstStyle/>
+          <a:p>
+            <a:r>
+              <a:rPr lang="en-US" dirty="0" smtClean="0"/>
+              <a:t>Other hardening areas</a:t>
+            </a:r>
+            <a:endParaRPr lang="en-US" dirty="0"/>
+          </a:p>
+        </p:txBody>
+      </p:sp>
+      <p:sp>
+        <p:nvSpPr>
+          <p:cNvPr id="3" name="Content Placeholder 2"/>
+          <p:cNvSpPr>
+            <a:spLocks noGrp="1"/>
+          </p:cNvSpPr>
+          <p:nvPr>
+            <p:ph idx="1"/>
+          </p:nvPr>
+        </p:nvSpPr>
+        <p:spPr/>
+        <p:txBody>
+          <a:bodyPr/>
+          <a:lstStyle/>
+          <a:p>
+            <a:r>
+              <a:rPr lang="en-US" dirty="0" smtClean="0"/>
+              <a:t>Block connection upon unsuccessful logins, especially for service accounts</a:t>
+            </a:r>
+          </a:p>
+          <a:p>
+            <a:r>
+              <a:rPr lang="en-US" dirty="0" smtClean="0"/>
+              <a:t>Drop users with empty password or % hostname</a:t>
+            </a:r>
+          </a:p>
+          <a:p>
+            <a:r>
+              <a:rPr lang="en-US" dirty="0" smtClean="0"/>
+              <a:t>Enable SSL and use REQUIRE SSL for users along with GRANT</a:t>
+            </a:r>
+          </a:p>
+          <a:p>
+            <a:endParaRPr lang="en-US" dirty="0"/>
+          </a:p>
+        </p:txBody>
+      </p:sp>
+    </p:spTree>
+    <p:extLst>
+      <p:ext uri="{BB962C8B-B14F-4D97-AF65-F5344CB8AC3E}">
+        <p14:creationId xmlns:p14="http://schemas.microsoft.com/office/powerpoint/2010/main" val="3952243000"/>
       </p:ext>
     </p:extLst>
   </p:cSld>
